--- a/Documentação/slide-synergy (2).pptx
+++ b/Documentação/slide-synergy (2).pptx
@@ -280,7 +280,7 @@
           <a:p>
             <a:fld id="{655F7DB7-5B35-44EF-86DD-30F04B6260EF}" type="datetimeFigureOut">
               <a:rPr lang="pt-BR" smtClean="0"/>
-              <a:t>29/04/2020</a:t>
+              <a:t>01/05/2020</a:t>
             </a:fld>
             <a:endParaRPr lang="pt-BR"/>
           </a:p>
@@ -694,7 +694,7 @@
           <a:p>
             <a:fld id="{15B003F1-72A3-4565-B369-F67C067E940D}" type="datetimeFigureOut">
               <a:rPr lang="pt-BR" smtClean="0"/>
-              <a:t>29/04/2020</a:t>
+              <a:t>01/05/2020</a:t>
             </a:fld>
             <a:endParaRPr lang="pt-BR"/>
           </a:p>
@@ -895,7 +895,7 @@
           <a:p>
             <a:fld id="{15B003F1-72A3-4565-B369-F67C067E940D}" type="datetimeFigureOut">
               <a:rPr lang="pt-BR" smtClean="0"/>
-              <a:t>29/04/2020</a:t>
+              <a:t>01/05/2020</a:t>
             </a:fld>
             <a:endParaRPr lang="pt-BR"/>
           </a:p>
@@ -1106,7 +1106,7 @@
           <a:p>
             <a:fld id="{15B003F1-72A3-4565-B369-F67C067E940D}" type="datetimeFigureOut">
               <a:rPr lang="pt-BR" smtClean="0"/>
-              <a:t>29/04/2020</a:t>
+              <a:t>01/05/2020</a:t>
             </a:fld>
             <a:endParaRPr lang="pt-BR"/>
           </a:p>
@@ -1307,7 +1307,7 @@
           <a:p>
             <a:fld id="{15B003F1-72A3-4565-B369-F67C067E940D}" type="datetimeFigureOut">
               <a:rPr lang="pt-BR" smtClean="0"/>
-              <a:t>29/04/2020</a:t>
+              <a:t>01/05/2020</a:t>
             </a:fld>
             <a:endParaRPr lang="pt-BR"/>
           </a:p>
@@ -1585,7 +1585,7 @@
           <a:p>
             <a:fld id="{15B003F1-72A3-4565-B369-F67C067E940D}" type="datetimeFigureOut">
               <a:rPr lang="pt-BR" smtClean="0"/>
-              <a:t>29/04/2020</a:t>
+              <a:t>01/05/2020</a:t>
             </a:fld>
             <a:endParaRPr lang="pt-BR"/>
           </a:p>
@@ -1853,7 +1853,7 @@
           <a:p>
             <a:fld id="{15B003F1-72A3-4565-B369-F67C067E940D}" type="datetimeFigureOut">
               <a:rPr lang="pt-BR" smtClean="0"/>
-              <a:t>29/04/2020</a:t>
+              <a:t>01/05/2020</a:t>
             </a:fld>
             <a:endParaRPr lang="pt-BR"/>
           </a:p>
@@ -2268,7 +2268,7 @@
           <a:p>
             <a:fld id="{15B003F1-72A3-4565-B369-F67C067E940D}" type="datetimeFigureOut">
               <a:rPr lang="pt-BR" smtClean="0"/>
-              <a:t>29/04/2020</a:t>
+              <a:t>01/05/2020</a:t>
             </a:fld>
             <a:endParaRPr lang="pt-BR"/>
           </a:p>
@@ -2412,7 +2412,7 @@
           <a:p>
             <a:fld id="{15B003F1-72A3-4565-B369-F67C067E940D}" type="datetimeFigureOut">
               <a:rPr lang="pt-BR" smtClean="0"/>
-              <a:t>29/04/2020</a:t>
+              <a:t>01/05/2020</a:t>
             </a:fld>
             <a:endParaRPr lang="pt-BR"/>
           </a:p>
@@ -2528,7 +2528,7 @@
           <a:p>
             <a:fld id="{15B003F1-72A3-4565-B369-F67C067E940D}" type="datetimeFigureOut">
               <a:rPr lang="pt-BR" smtClean="0"/>
-              <a:t>29/04/2020</a:t>
+              <a:t>01/05/2020</a:t>
             </a:fld>
             <a:endParaRPr lang="pt-BR"/>
           </a:p>
@@ -2842,7 +2842,7 @@
           <a:p>
             <a:fld id="{15B003F1-72A3-4565-B369-F67C067E940D}" type="datetimeFigureOut">
               <a:rPr lang="pt-BR" smtClean="0"/>
-              <a:t>29/04/2020</a:t>
+              <a:t>01/05/2020</a:t>
             </a:fld>
             <a:endParaRPr lang="pt-BR"/>
           </a:p>
@@ -3133,7 +3133,7 @@
           <a:p>
             <a:fld id="{15B003F1-72A3-4565-B369-F67C067E940D}" type="datetimeFigureOut">
               <a:rPr lang="pt-BR" smtClean="0"/>
-              <a:t>29/04/2020</a:t>
+              <a:t>01/05/2020</a:t>
             </a:fld>
             <a:endParaRPr lang="pt-BR"/>
           </a:p>
@@ -3377,7 +3377,7 @@
           <a:p>
             <a:fld id="{15B003F1-72A3-4565-B369-F67C067E940D}" type="datetimeFigureOut">
               <a:rPr lang="pt-BR" smtClean="0"/>
-              <a:t>29/04/2020</a:t>
+              <a:t>01/05/2020</a:t>
             </a:fld>
             <a:endParaRPr lang="pt-BR"/>
           </a:p>
@@ -9299,6 +9299,36 @@
       </p:grpSpPr>
       <p:pic>
         <p:nvPicPr>
+          <p:cNvPr id="3" name="Imagem 2"/>
+          <p:cNvPicPr>
+            <a:picLocks noChangeAspect="1"/>
+          </p:cNvPicPr>
+          <p:nvPr/>
+        </p:nvPicPr>
+        <p:blipFill>
+          <a:blip r:embed="rId2">
+            <a:extLst>
+              <a:ext uri="{28A0092B-C50C-407E-A947-70E740481C1C}">
+                <a14:useLocalDpi xmlns:a14="http://schemas.microsoft.com/office/drawing/2010/main" val="0"/>
+              </a:ext>
+            </a:extLst>
+          </a:blip>
+          <a:stretch>
+            <a:fillRect/>
+          </a:stretch>
+        </p:blipFill>
+        <p:spPr>
+          <a:xfrm>
+            <a:off x="361730" y="2642820"/>
+            <a:ext cx="2800741" cy="3400900"/>
+          </a:xfrm>
+          <a:prstGeom prst="rect">
+            <a:avLst/>
+          </a:prstGeom>
+        </p:spPr>
+      </p:pic>
+      <p:pic>
+        <p:nvPicPr>
           <p:cNvPr id="14" name="Imagem 13"/>
           <p:cNvPicPr>
             <a:picLocks noChangeAspect="1"/>
@@ -9306,7 +9336,7 @@
           <p:nvPr/>
         </p:nvPicPr>
         <p:blipFill>
-          <a:blip r:embed="rId2">
+          <a:blip r:embed="rId3">
             <a:extLst>
               <a:ext uri="{28A0092B-C50C-407E-A947-70E740481C1C}">
                 <a14:useLocalDpi xmlns:a14="http://schemas.microsoft.com/office/drawing/2010/main" val="0"/>
@@ -9338,7 +9368,7 @@
           </p:nvPr>
         </p:nvPicPr>
         <p:blipFill>
-          <a:blip r:embed="rId3">
+          <a:blip r:embed="rId4">
             <a:extLst>
               <a:ext uri="{28A0092B-C50C-407E-A947-70E740481C1C}">
                 <a14:useLocalDpi xmlns:a14="http://schemas.microsoft.com/office/drawing/2010/main" val="0"/>
@@ -9421,36 +9451,6 @@
           </a:p>
         </p:txBody>
       </p:sp>
-      <p:pic>
-        <p:nvPicPr>
-          <p:cNvPr id="11" name="Imagem 10"/>
-          <p:cNvPicPr>
-            <a:picLocks noChangeAspect="1"/>
-          </p:cNvPicPr>
-          <p:nvPr/>
-        </p:nvPicPr>
-        <p:blipFill>
-          <a:blip r:embed="rId4">
-            <a:extLst>
-              <a:ext uri="{28A0092B-C50C-407E-A947-70E740481C1C}">
-                <a14:useLocalDpi xmlns:a14="http://schemas.microsoft.com/office/drawing/2010/main" val="0"/>
-              </a:ext>
-            </a:extLst>
-          </a:blip>
-          <a:stretch>
-            <a:fillRect/>
-          </a:stretch>
-        </p:blipFill>
-        <p:spPr>
-          <a:xfrm>
-            <a:off x="442705" y="2642820"/>
-            <a:ext cx="2638793" cy="3400900"/>
-          </a:xfrm>
-          <a:prstGeom prst="rect">
-            <a:avLst/>
-          </a:prstGeom>
-        </p:spPr>
-      </p:pic>
       <p:sp>
         <p:nvSpPr>
           <p:cNvPr id="13" name="CaixaDeTexto 12"/>
@@ -9747,7 +9747,7 @@
                 <a16:creationId xmlns:a16="http://schemas.microsoft.com/office/drawing/2014/main" id="{2B1D4F77-A17C-43D7-B7FA-545148E4E93D}"/>
               </a:ext>
               <a:ext uri="{C183D7F6-B498-43B3-948B-1728B52AA6E4}">
-                <adec:decorative xmlns:adec="http://schemas.microsoft.com/office/drawing/2017/decorative" xmlns="" val="1"/>
+                <adec:decorative xmlns="" xmlns:adec="http://schemas.microsoft.com/office/drawing/2017/decorative" val="1"/>
               </a:ext>
             </a:extLst>
           </p:cNvPr>
@@ -13431,7 +13431,7 @@
                 <a16:creationId xmlns:a16="http://schemas.microsoft.com/office/drawing/2014/main" id="{B4D3D850-2041-4B7C-AED9-54DA385B14F7}"/>
               </a:ext>
               <a:ext uri="{C183D7F6-B498-43B3-948B-1728B52AA6E4}">
-                <adec:decorative xmlns:adec="http://schemas.microsoft.com/office/drawing/2017/decorative" xmlns="" val="1"/>
+                <adec:decorative xmlns="" xmlns:adec="http://schemas.microsoft.com/office/drawing/2017/decorative" val="1"/>
               </a:ext>
             </a:extLst>
           </p:cNvPr>
@@ -13564,7 +13564,7 @@
                 <a16:creationId xmlns:a16="http://schemas.microsoft.com/office/drawing/2014/main" id="{B497CCB5-5FC2-473C-AFCC-2430CEF1DF71}"/>
               </a:ext>
               <a:ext uri="{C183D7F6-B498-43B3-948B-1728B52AA6E4}">
-                <adec:decorative xmlns:adec="http://schemas.microsoft.com/office/drawing/2017/decorative" xmlns="" val="1"/>
+                <adec:decorative xmlns="" xmlns:adec="http://schemas.microsoft.com/office/drawing/2017/decorative" val="1"/>
               </a:ext>
             </a:extLst>
           </p:cNvPr>
@@ -13627,7 +13627,7 @@
                 <a16:creationId xmlns:a16="http://schemas.microsoft.com/office/drawing/2014/main" id="{599C8C75-BFDF-44E7-A028-EEB5EDD58817}"/>
               </a:ext>
               <a:ext uri="{C183D7F6-B498-43B3-948B-1728B52AA6E4}">
-                <adec:decorative xmlns:adec="http://schemas.microsoft.com/office/drawing/2017/decorative" xmlns="" val="1"/>
+                <adec:decorative xmlns="" xmlns:adec="http://schemas.microsoft.com/office/drawing/2017/decorative" val="1"/>
               </a:ext>
             </a:extLst>
           </p:cNvPr>

--- a/Documentação/slide-synergy (2).pptx
+++ b/Documentação/slide-synergy (2).pptx
@@ -280,7 +280,7 @@
           <a:p>
             <a:fld id="{655F7DB7-5B35-44EF-86DD-30F04B6260EF}" type="datetimeFigureOut">
               <a:rPr lang="pt-BR" smtClean="0"/>
-              <a:t>01/05/2020</a:t>
+              <a:t>03/05/2020</a:t>
             </a:fld>
             <a:endParaRPr lang="pt-BR"/>
           </a:p>
@@ -694,7 +694,7 @@
           <a:p>
             <a:fld id="{15B003F1-72A3-4565-B369-F67C067E940D}" type="datetimeFigureOut">
               <a:rPr lang="pt-BR" smtClean="0"/>
-              <a:t>01/05/2020</a:t>
+              <a:t>03/05/2020</a:t>
             </a:fld>
             <a:endParaRPr lang="pt-BR"/>
           </a:p>
@@ -895,7 +895,7 @@
           <a:p>
             <a:fld id="{15B003F1-72A3-4565-B369-F67C067E940D}" type="datetimeFigureOut">
               <a:rPr lang="pt-BR" smtClean="0"/>
-              <a:t>01/05/2020</a:t>
+              <a:t>03/05/2020</a:t>
             </a:fld>
             <a:endParaRPr lang="pt-BR"/>
           </a:p>
@@ -1106,7 +1106,7 @@
           <a:p>
             <a:fld id="{15B003F1-72A3-4565-B369-F67C067E940D}" type="datetimeFigureOut">
               <a:rPr lang="pt-BR" smtClean="0"/>
-              <a:t>01/05/2020</a:t>
+              <a:t>03/05/2020</a:t>
             </a:fld>
             <a:endParaRPr lang="pt-BR"/>
           </a:p>
@@ -1307,7 +1307,7 @@
           <a:p>
             <a:fld id="{15B003F1-72A3-4565-B369-F67C067E940D}" type="datetimeFigureOut">
               <a:rPr lang="pt-BR" smtClean="0"/>
-              <a:t>01/05/2020</a:t>
+              <a:t>03/05/2020</a:t>
             </a:fld>
             <a:endParaRPr lang="pt-BR"/>
           </a:p>
@@ -1585,7 +1585,7 @@
           <a:p>
             <a:fld id="{15B003F1-72A3-4565-B369-F67C067E940D}" type="datetimeFigureOut">
               <a:rPr lang="pt-BR" smtClean="0"/>
-              <a:t>01/05/2020</a:t>
+              <a:t>03/05/2020</a:t>
             </a:fld>
             <a:endParaRPr lang="pt-BR"/>
           </a:p>
@@ -1853,7 +1853,7 @@
           <a:p>
             <a:fld id="{15B003F1-72A3-4565-B369-F67C067E940D}" type="datetimeFigureOut">
               <a:rPr lang="pt-BR" smtClean="0"/>
-              <a:t>01/05/2020</a:t>
+              <a:t>03/05/2020</a:t>
             </a:fld>
             <a:endParaRPr lang="pt-BR"/>
           </a:p>
@@ -2268,7 +2268,7 @@
           <a:p>
             <a:fld id="{15B003F1-72A3-4565-B369-F67C067E940D}" type="datetimeFigureOut">
               <a:rPr lang="pt-BR" smtClean="0"/>
-              <a:t>01/05/2020</a:t>
+              <a:t>03/05/2020</a:t>
             </a:fld>
             <a:endParaRPr lang="pt-BR"/>
           </a:p>
@@ -2412,7 +2412,7 @@
           <a:p>
             <a:fld id="{15B003F1-72A3-4565-B369-F67C067E940D}" type="datetimeFigureOut">
               <a:rPr lang="pt-BR" smtClean="0"/>
-              <a:t>01/05/2020</a:t>
+              <a:t>03/05/2020</a:t>
             </a:fld>
             <a:endParaRPr lang="pt-BR"/>
           </a:p>
@@ -2528,7 +2528,7 @@
           <a:p>
             <a:fld id="{15B003F1-72A3-4565-B369-F67C067E940D}" type="datetimeFigureOut">
               <a:rPr lang="pt-BR" smtClean="0"/>
-              <a:t>01/05/2020</a:t>
+              <a:t>03/05/2020</a:t>
             </a:fld>
             <a:endParaRPr lang="pt-BR"/>
           </a:p>
@@ -2842,7 +2842,7 @@
           <a:p>
             <a:fld id="{15B003F1-72A3-4565-B369-F67C067E940D}" type="datetimeFigureOut">
               <a:rPr lang="pt-BR" smtClean="0"/>
-              <a:t>01/05/2020</a:t>
+              <a:t>03/05/2020</a:t>
             </a:fld>
             <a:endParaRPr lang="pt-BR"/>
           </a:p>
@@ -3133,7 +3133,7 @@
           <a:p>
             <a:fld id="{15B003F1-72A3-4565-B369-F67C067E940D}" type="datetimeFigureOut">
               <a:rPr lang="pt-BR" smtClean="0"/>
-              <a:t>01/05/2020</a:t>
+              <a:t>03/05/2020</a:t>
             </a:fld>
             <a:endParaRPr lang="pt-BR"/>
           </a:p>
@@ -3377,7 +3377,7 @@
           <a:p>
             <a:fld id="{15B003F1-72A3-4565-B369-F67C067E940D}" type="datetimeFigureOut">
               <a:rPr lang="pt-BR" smtClean="0"/>
-              <a:t>01/05/2020</a:t>
+              <a:t>03/05/2020</a:t>
             </a:fld>
             <a:endParaRPr lang="pt-BR"/>
           </a:p>
@@ -4154,8 +4154,8 @@
         </p:blipFill>
         <p:spPr>
           <a:xfrm>
-            <a:off x="2278965" y="3082926"/>
-            <a:ext cx="7624691" cy="2985285"/>
+            <a:off x="2278965" y="2965270"/>
+            <a:ext cx="7624691" cy="3102942"/>
           </a:xfrm>
           <a:prstGeom prst="rect">
             <a:avLst/>
@@ -9747,7 +9747,7 @@
                 <a16:creationId xmlns:a16="http://schemas.microsoft.com/office/drawing/2014/main" id="{2B1D4F77-A17C-43D7-B7FA-545148E4E93D}"/>
               </a:ext>
               <a:ext uri="{C183D7F6-B498-43B3-948B-1728B52AA6E4}">
-                <adec:decorative xmlns="" xmlns:adec="http://schemas.microsoft.com/office/drawing/2017/decorative" val="1"/>
+                <adec:decorative xmlns:adec="http://schemas.microsoft.com/office/drawing/2017/decorative" xmlns="" val="1"/>
               </a:ext>
             </a:extLst>
           </p:cNvPr>
@@ -11219,8 +11219,8 @@
         </p:blipFill>
         <p:spPr>
           <a:xfrm>
-            <a:off x="4240090" y="2894181"/>
-            <a:ext cx="1569600" cy="1541209"/>
+            <a:off x="4240090" y="2855953"/>
+            <a:ext cx="1569600" cy="1579438"/>
           </a:xfrm>
           <a:prstGeom prst="ellipse">
             <a:avLst/>
@@ -13431,7 +13431,7 @@
                 <a16:creationId xmlns:a16="http://schemas.microsoft.com/office/drawing/2014/main" id="{B4D3D850-2041-4B7C-AED9-54DA385B14F7}"/>
               </a:ext>
               <a:ext uri="{C183D7F6-B498-43B3-948B-1728B52AA6E4}">
-                <adec:decorative xmlns="" xmlns:adec="http://schemas.microsoft.com/office/drawing/2017/decorative" val="1"/>
+                <adec:decorative xmlns:adec="http://schemas.microsoft.com/office/drawing/2017/decorative" xmlns="" val="1"/>
               </a:ext>
             </a:extLst>
           </p:cNvPr>
@@ -13564,7 +13564,7 @@
                 <a16:creationId xmlns:a16="http://schemas.microsoft.com/office/drawing/2014/main" id="{B497CCB5-5FC2-473C-AFCC-2430CEF1DF71}"/>
               </a:ext>
               <a:ext uri="{C183D7F6-B498-43B3-948B-1728B52AA6E4}">
-                <adec:decorative xmlns="" xmlns:adec="http://schemas.microsoft.com/office/drawing/2017/decorative" val="1"/>
+                <adec:decorative xmlns:adec="http://schemas.microsoft.com/office/drawing/2017/decorative" xmlns="" val="1"/>
               </a:ext>
             </a:extLst>
           </p:cNvPr>
@@ -13627,7 +13627,7 @@
                 <a16:creationId xmlns:a16="http://schemas.microsoft.com/office/drawing/2014/main" id="{599C8C75-BFDF-44E7-A028-EEB5EDD58817}"/>
               </a:ext>
               <a:ext uri="{C183D7F6-B498-43B3-948B-1728B52AA6E4}">
-                <adec:decorative xmlns="" xmlns:adec="http://schemas.microsoft.com/office/drawing/2017/decorative" val="1"/>
+                <adec:decorative xmlns:adec="http://schemas.microsoft.com/office/drawing/2017/decorative" xmlns="" val="1"/>
               </a:ext>
             </a:extLst>
           </p:cNvPr>

--- a/Documentação/slide-synergy (2).pptx
+++ b/Documentação/slide-synergy (2).pptx
@@ -5,26 +5,29 @@
     <p:sldMasterId id="2147483648" r:id="rId1"/>
   </p:sldMasterIdLst>
   <p:notesMasterIdLst>
-    <p:notesMasterId r:id="rId19"/>
+    <p:notesMasterId r:id="rId22"/>
   </p:notesMasterIdLst>
   <p:sldIdLst>
     <p:sldId id="256" r:id="rId2"/>
     <p:sldId id="257" r:id="rId3"/>
-    <p:sldId id="262" r:id="rId4"/>
-    <p:sldId id="267" r:id="rId5"/>
-    <p:sldId id="258" r:id="rId6"/>
-    <p:sldId id="259" r:id="rId7"/>
-    <p:sldId id="260" r:id="rId8"/>
-    <p:sldId id="271" r:id="rId9"/>
-    <p:sldId id="264" r:id="rId10"/>
-    <p:sldId id="273" r:id="rId11"/>
-    <p:sldId id="269" r:id="rId12"/>
-    <p:sldId id="270" r:id="rId13"/>
-    <p:sldId id="272" r:id="rId14"/>
-    <p:sldId id="274" r:id="rId15"/>
-    <p:sldId id="275" r:id="rId16"/>
-    <p:sldId id="261" r:id="rId17"/>
-    <p:sldId id="266" r:id="rId18"/>
+    <p:sldId id="267" r:id="rId4"/>
+    <p:sldId id="258" r:id="rId5"/>
+    <p:sldId id="259" r:id="rId6"/>
+    <p:sldId id="260" r:id="rId7"/>
+    <p:sldId id="269" r:id="rId8"/>
+    <p:sldId id="270" r:id="rId9"/>
+    <p:sldId id="261" r:id="rId10"/>
+    <p:sldId id="280" r:id="rId11"/>
+    <p:sldId id="281" r:id="rId12"/>
+    <p:sldId id="274" r:id="rId13"/>
+    <p:sldId id="275" r:id="rId14"/>
+    <p:sldId id="266" r:id="rId15"/>
+    <p:sldId id="277" r:id="rId16"/>
+    <p:sldId id="278" r:id="rId17"/>
+    <p:sldId id="279" r:id="rId18"/>
+    <p:sldId id="262" r:id="rId19"/>
+    <p:sldId id="271" r:id="rId20"/>
+    <p:sldId id="272" r:id="rId21"/>
   </p:sldIdLst>
   <p:sldSz cx="12192000" cy="6858000"/>
   <p:notesSz cx="6858000" cy="9144000"/>
@@ -139,65 +142,6 @@
 </p1510:revInfo>
 </file>
 
-<file path=ppt/changesInfos/changesInfo1.xml><?xml version="1.0" encoding="utf-8"?>
-<pc:chgInfo xmlns:a="http://schemas.openxmlformats.org/drawingml/2006/main" xmlns:r="http://schemas.openxmlformats.org/officeDocument/2006/relationships" xmlns:ac="http://schemas.microsoft.com/office/drawing/2013/main/command" xmlns:pc="http://schemas.microsoft.com/office/powerpoint/2013/main/command">
-  <pc:docChgLst>
-    <pc:chgData name="julia marle" userId="450d1bbef5244860" providerId="LiveId" clId="{60410696-5CC5-4378-B7D5-F21A4F4E8897}"/>
-    <pc:docChg chg="undo custSel modSld">
-      <pc:chgData name="julia marle" userId="450d1bbef5244860" providerId="LiveId" clId="{60410696-5CC5-4378-B7D5-F21A4F4E8897}" dt="2020-04-24T15:56:29.870" v="346" actId="20577"/>
-      <pc:docMkLst>
-        <pc:docMk/>
-      </pc:docMkLst>
-      <pc:sldChg chg="modSp addAnim delAnim modAnim">
-        <pc:chgData name="julia marle" userId="450d1bbef5244860" providerId="LiveId" clId="{60410696-5CC5-4378-B7D5-F21A4F4E8897}" dt="2020-04-24T15:56:29.870" v="346" actId="20577"/>
-        <pc:sldMkLst>
-          <pc:docMk/>
-          <pc:sldMk cId="1268792719" sldId="258"/>
-        </pc:sldMkLst>
-        <pc:spChg chg="mod">
-          <ac:chgData name="julia marle" userId="450d1bbef5244860" providerId="LiveId" clId="{60410696-5CC5-4378-B7D5-F21A4F4E8897}" dt="2020-04-24T15:56:29.870" v="346" actId="20577"/>
-          <ac:spMkLst>
-            <pc:docMk/>
-            <pc:sldMk cId="1268792719" sldId="258"/>
-            <ac:spMk id="6" creationId="{FE989C62-5914-45D9-B2FF-7FB8E76D6324}"/>
-          </ac:spMkLst>
-        </pc:spChg>
-      </pc:sldChg>
-      <pc:sldChg chg="modSp modAnim">
-        <pc:chgData name="julia marle" userId="450d1bbef5244860" providerId="LiveId" clId="{60410696-5CC5-4378-B7D5-F21A4F4E8897}" dt="2020-04-24T14:29:04.095" v="267"/>
-        <pc:sldMkLst>
-          <pc:docMk/>
-          <pc:sldMk cId="1488327079" sldId="259"/>
-        </pc:sldMkLst>
-        <pc:spChg chg="mod">
-          <ac:chgData name="julia marle" userId="450d1bbef5244860" providerId="LiveId" clId="{60410696-5CC5-4378-B7D5-F21A4F4E8897}" dt="2020-04-24T14:29:04.095" v="267"/>
-          <ac:spMkLst>
-            <pc:docMk/>
-            <pc:sldMk cId="1488327079" sldId="259"/>
-            <ac:spMk id="4" creationId="{FE989C62-5914-45D9-B2FF-7FB8E76D6324}"/>
-          </ac:spMkLst>
-        </pc:spChg>
-      </pc:sldChg>
-      <pc:sldChg chg="modSp modAnim">
-        <pc:chgData name="julia marle" userId="450d1bbef5244860" providerId="LiveId" clId="{60410696-5CC5-4378-B7D5-F21A4F4E8897}" dt="2020-04-24T14:30:31.797" v="321" actId="20577"/>
-        <pc:sldMkLst>
-          <pc:docMk/>
-          <pc:sldMk cId="1269980606" sldId="260"/>
-        </pc:sldMkLst>
-        <pc:spChg chg="mod">
-          <ac:chgData name="julia marle" userId="450d1bbef5244860" providerId="LiveId" clId="{60410696-5CC5-4378-B7D5-F21A4F4E8897}" dt="2020-04-24T14:30:31.797" v="321" actId="20577"/>
-          <ac:spMkLst>
-            <pc:docMk/>
-            <pc:sldMk cId="1269980606" sldId="260"/>
-            <ac:spMk id="6" creationId="{E3ACB187-7D89-4633-A76D-27ED6A650CB3}"/>
-          </ac:spMkLst>
-        </pc:spChg>
-      </pc:sldChg>
-    </pc:docChg>
-  </pc:docChgLst>
-</pc:chgInfo>
-</file>
-
 <file path=ppt/notesMasters/notesMaster1.xml><?xml version="1.0" encoding="utf-8"?>
 <p:notesMaster xmlns:a="http://schemas.openxmlformats.org/drawingml/2006/main" xmlns:r="http://schemas.openxmlformats.org/officeDocument/2006/relationships" xmlns:p="http://schemas.openxmlformats.org/presentationml/2006/main">
   <p:cSld>
@@ -280,7 +224,7 @@
           <a:p>
             <a:fld id="{655F7DB7-5B35-44EF-86DD-30F04B6260EF}" type="datetimeFigureOut">
               <a:rPr lang="pt-BR" smtClean="0"/>
-              <a:t>03/05/2020</a:t>
+              <a:t>05/05/2020</a:t>
             </a:fld>
             <a:endParaRPr lang="pt-BR"/>
           </a:p>
@@ -694,7 +638,7 @@
           <a:p>
             <a:fld id="{15B003F1-72A3-4565-B369-F67C067E940D}" type="datetimeFigureOut">
               <a:rPr lang="pt-BR" smtClean="0"/>
-              <a:t>03/05/2020</a:t>
+              <a:t>05/05/2020</a:t>
             </a:fld>
             <a:endParaRPr lang="pt-BR"/>
           </a:p>
@@ -895,7 +839,7 @@
           <a:p>
             <a:fld id="{15B003F1-72A3-4565-B369-F67C067E940D}" type="datetimeFigureOut">
               <a:rPr lang="pt-BR" smtClean="0"/>
-              <a:t>03/05/2020</a:t>
+              <a:t>05/05/2020</a:t>
             </a:fld>
             <a:endParaRPr lang="pt-BR"/>
           </a:p>
@@ -1106,7 +1050,7 @@
           <a:p>
             <a:fld id="{15B003F1-72A3-4565-B369-F67C067E940D}" type="datetimeFigureOut">
               <a:rPr lang="pt-BR" smtClean="0"/>
-              <a:t>03/05/2020</a:t>
+              <a:t>05/05/2020</a:t>
             </a:fld>
             <a:endParaRPr lang="pt-BR"/>
           </a:p>
@@ -1307,7 +1251,7 @@
           <a:p>
             <a:fld id="{15B003F1-72A3-4565-B369-F67C067E940D}" type="datetimeFigureOut">
               <a:rPr lang="pt-BR" smtClean="0"/>
-              <a:t>03/05/2020</a:t>
+              <a:t>05/05/2020</a:t>
             </a:fld>
             <a:endParaRPr lang="pt-BR"/>
           </a:p>
@@ -1585,7 +1529,7 @@
           <a:p>
             <a:fld id="{15B003F1-72A3-4565-B369-F67C067E940D}" type="datetimeFigureOut">
               <a:rPr lang="pt-BR" smtClean="0"/>
-              <a:t>03/05/2020</a:t>
+              <a:t>05/05/2020</a:t>
             </a:fld>
             <a:endParaRPr lang="pt-BR"/>
           </a:p>
@@ -1853,7 +1797,7 @@
           <a:p>
             <a:fld id="{15B003F1-72A3-4565-B369-F67C067E940D}" type="datetimeFigureOut">
               <a:rPr lang="pt-BR" smtClean="0"/>
-              <a:t>03/05/2020</a:t>
+              <a:t>05/05/2020</a:t>
             </a:fld>
             <a:endParaRPr lang="pt-BR"/>
           </a:p>
@@ -2268,7 +2212,7 @@
           <a:p>
             <a:fld id="{15B003F1-72A3-4565-B369-F67C067E940D}" type="datetimeFigureOut">
               <a:rPr lang="pt-BR" smtClean="0"/>
-              <a:t>03/05/2020</a:t>
+              <a:t>05/05/2020</a:t>
             </a:fld>
             <a:endParaRPr lang="pt-BR"/>
           </a:p>
@@ -2412,7 +2356,7 @@
           <a:p>
             <a:fld id="{15B003F1-72A3-4565-B369-F67C067E940D}" type="datetimeFigureOut">
               <a:rPr lang="pt-BR" smtClean="0"/>
-              <a:t>03/05/2020</a:t>
+              <a:t>05/05/2020</a:t>
             </a:fld>
             <a:endParaRPr lang="pt-BR"/>
           </a:p>
@@ -2528,7 +2472,7 @@
           <a:p>
             <a:fld id="{15B003F1-72A3-4565-B369-F67C067E940D}" type="datetimeFigureOut">
               <a:rPr lang="pt-BR" smtClean="0"/>
-              <a:t>03/05/2020</a:t>
+              <a:t>05/05/2020</a:t>
             </a:fld>
             <a:endParaRPr lang="pt-BR"/>
           </a:p>
@@ -2842,7 +2786,7 @@
           <a:p>
             <a:fld id="{15B003F1-72A3-4565-B369-F67C067E940D}" type="datetimeFigureOut">
               <a:rPr lang="pt-BR" smtClean="0"/>
-              <a:t>03/05/2020</a:t>
+              <a:t>05/05/2020</a:t>
             </a:fld>
             <a:endParaRPr lang="pt-BR"/>
           </a:p>
@@ -3133,7 +3077,7 @@
           <a:p>
             <a:fld id="{15B003F1-72A3-4565-B369-F67C067E940D}" type="datetimeFigureOut">
               <a:rPr lang="pt-BR" smtClean="0"/>
-              <a:t>03/05/2020</a:t>
+              <a:t>05/05/2020</a:t>
             </a:fld>
             <a:endParaRPr lang="pt-BR"/>
           </a:p>
@@ -3377,7 +3321,7 @@
           <a:p>
             <a:fld id="{15B003F1-72A3-4565-B369-F67C067E940D}" type="datetimeFigureOut">
               <a:rPr lang="pt-BR" smtClean="0"/>
-              <a:t>03/05/2020</a:t>
+              <a:t>05/05/2020</a:t>
             </a:fld>
             <a:endParaRPr lang="pt-BR"/>
           </a:p>
@@ -4010,6 +3954,256 @@
 <file path=ppt/slides/slide10.xml><?xml version="1.0" encoding="utf-8"?>
 <p:sld xmlns:a="http://schemas.openxmlformats.org/drawingml/2006/main" xmlns:r="http://schemas.openxmlformats.org/officeDocument/2006/relationships" xmlns:p="http://schemas.openxmlformats.org/presentationml/2006/main">
   <p:cSld>
+    <p:bg>
+      <p:bgPr>
+        <a:solidFill>
+          <a:schemeClr val="bg1"/>
+        </a:solidFill>
+        <a:effectLst/>
+      </p:bgPr>
+    </p:bg>
+    <p:spTree>
+      <p:nvGrpSpPr>
+        <p:cNvPr id="1" name=""/>
+        <p:cNvGrpSpPr/>
+        <p:nvPr/>
+      </p:nvGrpSpPr>
+      <p:grpSpPr>
+        <a:xfrm>
+          <a:off x="0" y="0"/>
+          <a:ext cx="0" cy="0"/>
+          <a:chOff x="0" y="0"/>
+          <a:chExt cx="0" cy="0"/>
+        </a:xfrm>
+      </p:grpSpPr>
+      <p:pic>
+        <p:nvPicPr>
+          <p:cNvPr id="3" name="Imagem 2" descr="Uma imagem contendo screenshot, texto&#10;&#10;Descrição gerada automaticamente">
+            <a:extLst>
+              <a:ext uri="{FF2B5EF4-FFF2-40B4-BE49-F238E27FC236}">
+                <a16:creationId xmlns:a16="http://schemas.microsoft.com/office/drawing/2014/main" id="{D4F8F8BA-4F27-44AD-8C90-95A1CD5119E5}"/>
+              </a:ext>
+            </a:extLst>
+          </p:cNvPr>
+          <p:cNvPicPr>
+            <a:picLocks noChangeAspect="1"/>
+          </p:cNvPicPr>
+          <p:nvPr/>
+        </p:nvPicPr>
+        <p:blipFill>
+          <a:blip r:embed="rId2">
+            <a:extLst>
+              <a:ext uri="{28A0092B-C50C-407E-A947-70E740481C1C}">
+                <a14:useLocalDpi xmlns:a14="http://schemas.microsoft.com/office/drawing/2010/main" val="0"/>
+              </a:ext>
+            </a:extLst>
+          </a:blip>
+          <a:stretch>
+            <a:fillRect/>
+          </a:stretch>
+        </p:blipFill>
+        <p:spPr>
+          <a:xfrm>
+            <a:off x="643467" y="1138936"/>
+            <a:ext cx="10905066" cy="4580127"/>
+          </a:xfrm>
+          <a:prstGeom prst="rect">
+            <a:avLst/>
+          </a:prstGeom>
+        </p:spPr>
+      </p:pic>
+      <p:pic>
+        <p:nvPicPr>
+          <p:cNvPr id="11" name="Imagem 10" descr="Uma imagem contendo texto, desenho&#10;&#10;Descrição gerada automaticamente">
+            <a:extLst>
+              <a:ext uri="{FF2B5EF4-FFF2-40B4-BE49-F238E27FC236}">
+                <a16:creationId xmlns:a16="http://schemas.microsoft.com/office/drawing/2014/main" id="{2B3DEBB5-7B28-41B9-BC80-85552ADB1386}"/>
+              </a:ext>
+            </a:extLst>
+          </p:cNvPr>
+          <p:cNvPicPr>
+            <a:picLocks noChangeAspect="1"/>
+          </p:cNvPicPr>
+          <p:nvPr/>
+        </p:nvPicPr>
+        <p:blipFill>
+          <a:blip r:embed="rId3" cstate="hqprint">
+            <a:extLst>
+              <a:ext uri="{28A0092B-C50C-407E-A947-70E740481C1C}">
+                <a14:useLocalDpi xmlns:a14="http://schemas.microsoft.com/office/drawing/2010/main" val="0"/>
+              </a:ext>
+            </a:extLst>
+          </a:blip>
+          <a:stretch>
+            <a:fillRect/>
+          </a:stretch>
+        </p:blipFill>
+        <p:spPr>
+          <a:xfrm>
+            <a:off x="11134097" y="290270"/>
+            <a:ext cx="599846" cy="535577"/>
+          </a:xfrm>
+          <a:prstGeom prst="rect">
+            <a:avLst/>
+          </a:prstGeom>
+        </p:spPr>
+      </p:pic>
+    </p:spTree>
+    <p:extLst>
+      <p:ext uri="{BB962C8B-B14F-4D97-AF65-F5344CB8AC3E}">
+        <p14:creationId xmlns:p14="http://schemas.microsoft.com/office/powerpoint/2010/main" val="668307274"/>
+      </p:ext>
+    </p:extLst>
+  </p:cSld>
+  <p:clrMapOvr>
+    <a:masterClrMapping/>
+  </p:clrMapOvr>
+  <p:transition>
+    <p:fade/>
+  </p:transition>
+</p:sld>
+</file>
+
+<file path=ppt/slides/slide11.xml><?xml version="1.0" encoding="utf-8"?>
+<p:sld xmlns:a="http://schemas.openxmlformats.org/drawingml/2006/main" xmlns:r="http://schemas.openxmlformats.org/officeDocument/2006/relationships" xmlns:p="http://schemas.openxmlformats.org/presentationml/2006/main">
+  <p:cSld>
+    <p:bg>
+      <p:bgPr>
+        <a:solidFill>
+          <a:schemeClr val="bg1"/>
+        </a:solidFill>
+        <a:effectLst/>
+      </p:bgPr>
+    </p:bg>
+    <p:spTree>
+      <p:nvGrpSpPr>
+        <p:cNvPr id="1" name=""/>
+        <p:cNvGrpSpPr/>
+        <p:nvPr/>
+      </p:nvGrpSpPr>
+      <p:grpSpPr>
+        <a:xfrm>
+          <a:off x="0" y="0"/>
+          <a:ext cx="0" cy="0"/>
+          <a:chOff x="0" y="0"/>
+          <a:chExt cx="0" cy="0"/>
+        </a:xfrm>
+      </p:grpSpPr>
+      <p:pic>
+        <p:nvPicPr>
+          <p:cNvPr id="3" name="Imagem 2">
+            <a:extLst>
+              <a:ext uri="{FF2B5EF4-FFF2-40B4-BE49-F238E27FC236}">
+                <a16:creationId xmlns:a16="http://schemas.microsoft.com/office/drawing/2014/main" id="{DA2BDD7E-D37C-4414-B730-FB7A9CD357B9}"/>
+              </a:ext>
+            </a:extLst>
+          </p:cNvPr>
+          <p:cNvPicPr>
+            <a:picLocks noChangeAspect="1"/>
+          </p:cNvPicPr>
+          <p:nvPr/>
+        </p:nvPicPr>
+        <p:blipFill>
+          <a:blip r:embed="rId2"/>
+          <a:stretch>
+            <a:fillRect/>
+          </a:stretch>
+        </p:blipFill>
+        <p:spPr>
+          <a:xfrm>
+            <a:off x="217346" y="126137"/>
+            <a:ext cx="3031889" cy="2195506"/>
+          </a:xfrm>
+          <a:prstGeom prst="rect">
+            <a:avLst/>
+          </a:prstGeom>
+        </p:spPr>
+      </p:pic>
+      <p:pic>
+        <p:nvPicPr>
+          <p:cNvPr id="2" name="Imagem 1">
+            <a:extLst>
+              <a:ext uri="{FF2B5EF4-FFF2-40B4-BE49-F238E27FC236}">
+                <a16:creationId xmlns:a16="http://schemas.microsoft.com/office/drawing/2014/main" id="{49E6B9AE-5A71-401A-8092-43BC06FA15F9}"/>
+              </a:ext>
+            </a:extLst>
+          </p:cNvPr>
+          <p:cNvPicPr>
+            <a:picLocks noChangeAspect="1"/>
+          </p:cNvPicPr>
+          <p:nvPr/>
+        </p:nvPicPr>
+        <p:blipFill>
+          <a:blip r:embed="rId3"/>
+          <a:stretch>
+            <a:fillRect/>
+          </a:stretch>
+        </p:blipFill>
+        <p:spPr>
+          <a:xfrm>
+            <a:off x="217346" y="2429946"/>
+            <a:ext cx="11234202" cy="4212823"/>
+          </a:xfrm>
+          <a:prstGeom prst="rect">
+            <a:avLst/>
+          </a:prstGeom>
+        </p:spPr>
+      </p:pic>
+      <p:pic>
+        <p:nvPicPr>
+          <p:cNvPr id="4" name="Imagem 3" descr="Uma imagem contendo texto, desenho&#10;&#10;Descrição gerada automaticamente">
+            <a:extLst>
+              <a:ext uri="{FF2B5EF4-FFF2-40B4-BE49-F238E27FC236}">
+                <a16:creationId xmlns:a16="http://schemas.microsoft.com/office/drawing/2014/main" id="{4D19D9A6-0AD3-4942-8124-DD8D96E99EB2}"/>
+              </a:ext>
+            </a:extLst>
+          </p:cNvPr>
+          <p:cNvPicPr>
+            <a:picLocks noChangeAspect="1"/>
+          </p:cNvPicPr>
+          <p:nvPr/>
+        </p:nvPicPr>
+        <p:blipFill>
+          <a:blip r:embed="rId4" cstate="hqprint">
+            <a:extLst>
+              <a:ext uri="{28A0092B-C50C-407E-A947-70E740481C1C}">
+                <a14:useLocalDpi xmlns:a14="http://schemas.microsoft.com/office/drawing/2010/main" val="0"/>
+              </a:ext>
+            </a:extLst>
+          </a:blip>
+          <a:stretch>
+            <a:fillRect/>
+          </a:stretch>
+        </p:blipFill>
+        <p:spPr>
+          <a:xfrm>
+            <a:off x="11371740" y="365125"/>
+            <a:ext cx="599846" cy="535577"/>
+          </a:xfrm>
+          <a:prstGeom prst="rect">
+            <a:avLst/>
+          </a:prstGeom>
+        </p:spPr>
+      </p:pic>
+    </p:spTree>
+    <p:extLst>
+      <p:ext uri="{BB962C8B-B14F-4D97-AF65-F5344CB8AC3E}">
+        <p14:creationId xmlns:p14="http://schemas.microsoft.com/office/powerpoint/2010/main" val="1835966116"/>
+      </p:ext>
+    </p:extLst>
+  </p:cSld>
+  <p:clrMapOvr>
+    <a:masterClrMapping/>
+  </p:clrMapOvr>
+  <p:transition>
+    <p:fade/>
+  </p:transition>
+</p:sld>
+</file>
+
+<file path=ppt/slides/slide12.xml><?xml version="1.0" encoding="utf-8"?>
+<p:sld xmlns:a="http://schemas.openxmlformats.org/drawingml/2006/main" xmlns:r="http://schemas.openxmlformats.org/officeDocument/2006/relationships" xmlns:p="http://schemas.openxmlformats.org/presentationml/2006/main">
+  <p:cSld>
     <p:spTree>
       <p:nvGrpSpPr>
         <p:cNvPr id="1" name=""/>
@@ -4076,7 +4270,7 @@
         </p:nvSpPr>
         <p:spPr>
           <a:xfrm>
-            <a:off x="838199" y="1433807"/>
+            <a:off x="856140" y="365125"/>
             <a:ext cx="10515600" cy="1325563"/>
           </a:xfrm>
           <a:prstGeom prst="rect">
@@ -4109,7 +4303,7 @@
           <a:p>
             <a:pPr algn="ctr"/>
             <a:r>
-              <a:rPr lang="pt-BR" dirty="0" smtClean="0">
+              <a:rPr lang="pt-BR" dirty="0">
                 <a:solidFill>
                   <a:schemeClr val="tx1">
                     <a:lumMod val="75000"/>
@@ -4118,23 +4312,14 @@
                 </a:solidFill>
                 <a:latin typeface="Bariol Bold" panose="02000506040000020003" pitchFamily="2" charset="0"/>
               </a:rPr>
-              <a:t>Tela com dados do sensor</a:t>
-            </a:r>
-            <a:endParaRPr lang="pt-BR" dirty="0">
-              <a:solidFill>
-                <a:schemeClr val="tx1">
-                  <a:lumMod val="75000"/>
-                  <a:lumOff val="25000"/>
-                </a:schemeClr>
-              </a:solidFill>
-              <a:latin typeface="Bariol Bold" panose="02000506040000020003" pitchFamily="2" charset="0"/>
-            </a:endParaRPr>
+              <a:t>Ferramenta De Gestão De Projeto</a:t>
+            </a:r>
           </a:p>
         </p:txBody>
       </p:sp>
       <p:pic>
         <p:nvPicPr>
-          <p:cNvPr id="5" name="Imagem 4"/>
+          <p:cNvPr id="11" name="Imagem 10"/>
           <p:cNvPicPr>
             <a:picLocks noChangeAspect="1"/>
           </p:cNvPicPr>
@@ -4154,8 +4339,8 @@
         </p:blipFill>
         <p:spPr>
           <a:xfrm>
-            <a:off x="2278965" y="2965270"/>
-            <a:ext cx="7624691" cy="3102942"/>
+            <a:off x="3847534" y="1800498"/>
+            <a:ext cx="4532811" cy="4532811"/>
           </a:xfrm>
           <a:prstGeom prst="rect">
             <a:avLst/>
@@ -4165,7 +4350,2726 @@
     </p:spTree>
     <p:extLst>
       <p:ext uri="{BB962C8B-B14F-4D97-AF65-F5344CB8AC3E}">
-        <p14:creationId xmlns:p14="http://schemas.microsoft.com/office/powerpoint/2010/main" val="1580256553"/>
+        <p14:creationId xmlns:p14="http://schemas.microsoft.com/office/powerpoint/2010/main" val="4090046516"/>
+      </p:ext>
+    </p:extLst>
+  </p:cSld>
+  <p:clrMapOvr>
+    <a:masterClrMapping/>
+  </p:clrMapOvr>
+  <p:transition>
+    <p:fade/>
+  </p:transition>
+</p:sld>
+</file>
+
+<file path=ppt/slides/slide13.xml><?xml version="1.0" encoding="utf-8"?>
+<p:sld xmlns:a="http://schemas.openxmlformats.org/drawingml/2006/main" xmlns:r="http://schemas.openxmlformats.org/officeDocument/2006/relationships" xmlns:p="http://schemas.openxmlformats.org/presentationml/2006/main">
+  <p:cSld>
+    <p:spTree>
+      <p:nvGrpSpPr>
+        <p:cNvPr id="1" name=""/>
+        <p:cNvGrpSpPr/>
+        <p:nvPr/>
+      </p:nvGrpSpPr>
+      <p:grpSpPr>
+        <a:xfrm>
+          <a:off x="0" y="0"/>
+          <a:ext cx="0" cy="0"/>
+          <a:chOff x="0" y="0"/>
+          <a:chExt cx="0" cy="0"/>
+        </a:xfrm>
+      </p:grpSpPr>
+      <p:pic>
+        <p:nvPicPr>
+          <p:cNvPr id="3" name="Imagem 2"/>
+          <p:cNvPicPr>
+            <a:picLocks noChangeAspect="1"/>
+          </p:cNvPicPr>
+          <p:nvPr/>
+        </p:nvPicPr>
+        <p:blipFill>
+          <a:blip r:embed="rId2">
+            <a:extLst>
+              <a:ext uri="{28A0092B-C50C-407E-A947-70E740481C1C}">
+                <a14:useLocalDpi xmlns:a14="http://schemas.microsoft.com/office/drawing/2010/main" val="0"/>
+              </a:ext>
+            </a:extLst>
+          </a:blip>
+          <a:stretch>
+            <a:fillRect/>
+          </a:stretch>
+        </p:blipFill>
+        <p:spPr>
+          <a:xfrm>
+            <a:off x="361730" y="2642820"/>
+            <a:ext cx="2800741" cy="3400900"/>
+          </a:xfrm>
+          <a:prstGeom prst="rect">
+            <a:avLst/>
+          </a:prstGeom>
+        </p:spPr>
+      </p:pic>
+      <p:pic>
+        <p:nvPicPr>
+          <p:cNvPr id="14" name="Imagem 13"/>
+          <p:cNvPicPr>
+            <a:picLocks noChangeAspect="1"/>
+          </p:cNvPicPr>
+          <p:nvPr/>
+        </p:nvPicPr>
+        <p:blipFill>
+          <a:blip r:embed="rId3">
+            <a:extLst>
+              <a:ext uri="{28A0092B-C50C-407E-A947-70E740481C1C}">
+                <a14:useLocalDpi xmlns:a14="http://schemas.microsoft.com/office/drawing/2010/main" val="0"/>
+              </a:ext>
+            </a:extLst>
+          </a:blip>
+          <a:stretch>
+            <a:fillRect/>
+          </a:stretch>
+        </p:blipFill>
+        <p:spPr>
+          <a:xfrm>
+            <a:off x="3986889" y="2095993"/>
+            <a:ext cx="7897327" cy="4353533"/>
+          </a:xfrm>
+          <a:prstGeom prst="rect">
+            <a:avLst/>
+          </a:prstGeom>
+        </p:spPr>
+      </p:pic>
+      <p:pic>
+        <p:nvPicPr>
+          <p:cNvPr id="8" name="Espaço Reservado para Imagem 7"/>
+          <p:cNvPicPr>
+            <a:picLocks noGrp="1" noChangeAspect="1"/>
+          </p:cNvPicPr>
+          <p:nvPr>
+            <p:ph type="pic" idx="1"/>
+          </p:nvPr>
+        </p:nvPicPr>
+        <p:blipFill>
+          <a:blip r:embed="rId4">
+            <a:extLst>
+              <a:ext uri="{28A0092B-C50C-407E-A947-70E740481C1C}">
+                <a14:useLocalDpi xmlns:a14="http://schemas.microsoft.com/office/drawing/2010/main" val="0"/>
+              </a:ext>
+            </a:extLst>
+          </a:blip>
+          <a:srcRect t="10520" b="10520"/>
+          <a:stretch>
+            <a:fillRect/>
+          </a:stretch>
+        </p:blipFill>
+        <p:spPr>
+          <a:xfrm>
+            <a:off x="839788" y="295095"/>
+            <a:ext cx="1844629" cy="1456536"/>
+          </a:xfrm>
+        </p:spPr>
+      </p:pic>
+      <p:sp>
+        <p:nvSpPr>
+          <p:cNvPr id="6" name="Espaço Reservado para Texto 5"/>
+          <p:cNvSpPr>
+            <a:spLocks noGrp="1"/>
+          </p:cNvSpPr>
+          <p:nvPr>
+            <p:ph type="body" sz="half" idx="2"/>
+          </p:nvPr>
+        </p:nvSpPr>
+        <p:spPr>
+          <a:xfrm>
+            <a:off x="839788" y="1751631"/>
+            <a:ext cx="1815895" cy="476794"/>
+          </a:xfrm>
+        </p:spPr>
+        <p:txBody>
+          <a:bodyPr>
+            <a:normAutofit fontScale="92500" lnSpcReduction="10000"/>
+          </a:bodyPr>
+          <a:lstStyle/>
+          <a:p>
+            <a:pPr algn="ctr">
+              <a:spcBef>
+                <a:spcPts val="0"/>
+              </a:spcBef>
+            </a:pPr>
+            <a:r>
+              <a:rPr lang="pt-BR" dirty="0">
+                <a:solidFill>
+                  <a:schemeClr val="bg1">
+                    <a:lumMod val="75000"/>
+                  </a:schemeClr>
+                </a:solidFill>
+              </a:rPr>
+              <a:t>Software para gestão </a:t>
+            </a:r>
+          </a:p>
+          <a:p>
+            <a:pPr algn="ctr">
+              <a:spcBef>
+                <a:spcPts val="0"/>
+              </a:spcBef>
+            </a:pPr>
+            <a:r>
+              <a:rPr lang="pt-BR" dirty="0">
+                <a:solidFill>
+                  <a:schemeClr val="bg1">
+                    <a:lumMod val="75000"/>
+                  </a:schemeClr>
+                </a:solidFill>
+              </a:rPr>
+              <a:t>de projetos.</a:t>
+            </a:r>
+          </a:p>
+        </p:txBody>
+      </p:sp>
+      <p:sp>
+        <p:nvSpPr>
+          <p:cNvPr id="13" name="CaixaDeTexto 12"/>
+          <p:cNvSpPr txBox="1"/>
+          <p:nvPr/>
+        </p:nvSpPr>
+        <p:spPr>
+          <a:xfrm>
+            <a:off x="4116291" y="1023363"/>
+            <a:ext cx="7590890" cy="461665"/>
+          </a:xfrm>
+          <a:prstGeom prst="rect">
+            <a:avLst/>
+          </a:prstGeom>
+          <a:noFill/>
+        </p:spPr>
+        <p:txBody>
+          <a:bodyPr wrap="square" rtlCol="0">
+            <a:spAutoFit/>
+          </a:bodyPr>
+          <a:lstStyle/>
+          <a:p>
+            <a:pPr algn="ctr"/>
+            <a:r>
+              <a:rPr lang="pt-BR" sz="2400" b="1" dirty="0">
+                <a:solidFill>
+                  <a:srgbClr val="37C5AB"/>
+                </a:solidFill>
+                <a:effectLst>
+                  <a:outerShdw blurRad="38100" dist="38100" dir="2700000" algn="tl">
+                    <a:srgbClr val="000000">
+                      <a:alpha val="43137"/>
+                    </a:srgbClr>
+                  </a:outerShdw>
+                </a:effectLst>
+              </a:rPr>
+              <a:t>ORGANIZAÇÃO</a:t>
+            </a:r>
+            <a:r>
+              <a:rPr lang="pt-BR" sz="2400" b="1" dirty="0"/>
+              <a:t>  </a:t>
+            </a:r>
+            <a:r>
+              <a:rPr lang="pt-BR" sz="2400" b="1" dirty="0">
+                <a:solidFill>
+                  <a:schemeClr val="bg1">
+                    <a:lumMod val="75000"/>
+                  </a:schemeClr>
+                </a:solidFill>
+              </a:rPr>
+              <a:t>-</a:t>
+            </a:r>
+            <a:r>
+              <a:rPr lang="pt-BR" sz="2400" b="1" dirty="0"/>
+              <a:t>  </a:t>
+            </a:r>
+            <a:r>
+              <a:rPr lang="pt-BR" sz="2400" b="1" dirty="0">
+                <a:solidFill>
+                  <a:srgbClr val="4186E0"/>
+                </a:solidFill>
+                <a:effectLst>
+                  <a:outerShdw blurRad="38100" dist="38100" dir="2700000" algn="tl">
+                    <a:srgbClr val="000000">
+                      <a:alpha val="43137"/>
+                    </a:srgbClr>
+                  </a:outerShdw>
+                </a:effectLst>
+              </a:rPr>
+              <a:t>FOCO</a:t>
+            </a:r>
+            <a:r>
+              <a:rPr lang="pt-BR" sz="2400" b="1" dirty="0">
+                <a:solidFill>
+                  <a:srgbClr val="4186E0"/>
+                </a:solidFill>
+              </a:rPr>
+              <a:t> </a:t>
+            </a:r>
+            <a:r>
+              <a:rPr lang="pt-BR" sz="2400" b="1" dirty="0"/>
+              <a:t> </a:t>
+            </a:r>
+            <a:r>
+              <a:rPr lang="pt-BR" sz="2400" b="1" dirty="0">
+                <a:solidFill>
+                  <a:schemeClr val="bg1">
+                    <a:lumMod val="75000"/>
+                  </a:schemeClr>
+                </a:solidFill>
+              </a:rPr>
+              <a:t>-</a:t>
+            </a:r>
+            <a:r>
+              <a:rPr lang="pt-BR" sz="2400" b="1" dirty="0"/>
+              <a:t>  </a:t>
+            </a:r>
+            <a:r>
+              <a:rPr lang="pt-BR" sz="2400" b="1" dirty="0">
+                <a:solidFill>
+                  <a:srgbClr val="EA4E9D"/>
+                </a:solidFill>
+                <a:effectLst>
+                  <a:outerShdw blurRad="38100" dist="38100" dir="2700000" algn="tl">
+                    <a:srgbClr val="000000">
+                      <a:alpha val="43137"/>
+                    </a:srgbClr>
+                  </a:outerShdw>
+                </a:effectLst>
+              </a:rPr>
+              <a:t>CONTROLE</a:t>
+            </a:r>
+            <a:r>
+              <a:rPr lang="pt-BR" sz="2400" b="1" dirty="0">
+                <a:solidFill>
+                  <a:srgbClr val="EA4E9D"/>
+                </a:solidFill>
+              </a:rPr>
+              <a:t> </a:t>
+            </a:r>
+            <a:r>
+              <a:rPr lang="pt-BR" sz="2400" b="1" dirty="0"/>
+              <a:t> </a:t>
+            </a:r>
+            <a:r>
+              <a:rPr lang="pt-BR" sz="2400" b="1" dirty="0">
+                <a:solidFill>
+                  <a:schemeClr val="bg1">
+                    <a:lumMod val="75000"/>
+                  </a:schemeClr>
+                </a:solidFill>
+              </a:rPr>
+              <a:t>- </a:t>
+            </a:r>
+            <a:r>
+              <a:rPr lang="pt-BR" sz="2400" b="1" dirty="0"/>
+              <a:t> </a:t>
+            </a:r>
+            <a:r>
+              <a:rPr lang="pt-BR" sz="2400" b="1" dirty="0">
+                <a:solidFill>
+                  <a:srgbClr val="EEC300"/>
+                </a:solidFill>
+                <a:effectLst>
+                  <a:outerShdw blurRad="38100" dist="38100" dir="2700000" algn="tl">
+                    <a:srgbClr val="000000">
+                      <a:alpha val="43137"/>
+                    </a:srgbClr>
+                  </a:outerShdw>
+                </a:effectLst>
+              </a:rPr>
+              <a:t>GERENCIAMETO</a:t>
+            </a:r>
+            <a:r>
+              <a:rPr lang="pt-BR" sz="2400" b="1" dirty="0">
+                <a:solidFill>
+                  <a:srgbClr val="EEC300"/>
+                </a:solidFill>
+              </a:rPr>
+              <a:t> </a:t>
+            </a:r>
+          </a:p>
+        </p:txBody>
+      </p:sp>
+      <p:pic>
+        <p:nvPicPr>
+          <p:cNvPr id="15" name="Imagem 14" descr="Uma imagem contendo texto, desenho&#10;&#10;Descrição gerada automaticamente">
+            <a:extLst>
+              <a:ext uri="{FF2B5EF4-FFF2-40B4-BE49-F238E27FC236}">
+                <a16:creationId xmlns:a16="http://schemas.microsoft.com/office/drawing/2014/main" id="{1BC5E0AB-6EDC-4020-80FC-407DFD0D3C3E}"/>
+              </a:ext>
+            </a:extLst>
+          </p:cNvPr>
+          <p:cNvPicPr>
+            <a:picLocks noChangeAspect="1"/>
+          </p:cNvPicPr>
+          <p:nvPr/>
+        </p:nvPicPr>
+        <p:blipFill>
+          <a:blip r:embed="rId5" cstate="hqprint">
+            <a:extLst>
+              <a:ext uri="{28A0092B-C50C-407E-A947-70E740481C1C}">
+                <a14:useLocalDpi xmlns:a14="http://schemas.microsoft.com/office/drawing/2010/main" val="0"/>
+              </a:ext>
+            </a:extLst>
+          </a:blip>
+          <a:stretch>
+            <a:fillRect/>
+          </a:stretch>
+        </p:blipFill>
+        <p:spPr>
+          <a:xfrm>
+            <a:off x="11371740" y="365125"/>
+            <a:ext cx="599846" cy="535577"/>
+          </a:xfrm>
+          <a:prstGeom prst="rect">
+            <a:avLst/>
+          </a:prstGeom>
+        </p:spPr>
+      </p:pic>
+    </p:spTree>
+    <p:extLst>
+      <p:ext uri="{BB962C8B-B14F-4D97-AF65-F5344CB8AC3E}">
+        <p14:creationId xmlns:p14="http://schemas.microsoft.com/office/powerpoint/2010/main" val="3904056074"/>
+      </p:ext>
+    </p:extLst>
+  </p:cSld>
+  <p:clrMapOvr>
+    <a:masterClrMapping/>
+  </p:clrMapOvr>
+  <p:transition>
+    <p:fade/>
+  </p:transition>
+</p:sld>
+</file>
+
+<file path=ppt/slides/slide14.xml><?xml version="1.0" encoding="utf-8"?>
+<p:sld xmlns:a="http://schemas.openxmlformats.org/drawingml/2006/main" xmlns:r="http://schemas.openxmlformats.org/officeDocument/2006/relationships" xmlns:p="http://schemas.openxmlformats.org/presentationml/2006/main">
+  <p:cSld>
+    <p:spTree>
+      <p:nvGrpSpPr>
+        <p:cNvPr id="1" name=""/>
+        <p:cNvGrpSpPr/>
+        <p:nvPr/>
+      </p:nvGrpSpPr>
+      <p:grpSpPr>
+        <a:xfrm>
+          <a:off x="0" y="0"/>
+          <a:ext cx="0" cy="0"/>
+          <a:chOff x="0" y="0"/>
+          <a:chExt cx="0" cy="0"/>
+        </a:xfrm>
+      </p:grpSpPr>
+      <p:pic>
+        <p:nvPicPr>
+          <p:cNvPr id="3" name="Imagem 2" descr="Uma imagem contendo texto, desenho&#10;&#10;Descrição gerada automaticamente">
+            <a:extLst>
+              <a:ext uri="{FF2B5EF4-FFF2-40B4-BE49-F238E27FC236}">
+                <a16:creationId xmlns:a16="http://schemas.microsoft.com/office/drawing/2014/main" id="{6AECC232-D7AB-402E-90C7-3E1285C8879A}"/>
+              </a:ext>
+            </a:extLst>
+          </p:cNvPr>
+          <p:cNvPicPr>
+            <a:picLocks noChangeAspect="1"/>
+          </p:cNvPicPr>
+          <p:nvPr/>
+        </p:nvPicPr>
+        <p:blipFill>
+          <a:blip r:embed="rId2" cstate="hqprint">
+            <a:extLst>
+              <a:ext uri="{28A0092B-C50C-407E-A947-70E740481C1C}">
+                <a14:useLocalDpi xmlns:a14="http://schemas.microsoft.com/office/drawing/2010/main" val="0"/>
+              </a:ext>
+            </a:extLst>
+          </a:blip>
+          <a:stretch>
+            <a:fillRect/>
+          </a:stretch>
+        </p:blipFill>
+        <p:spPr>
+          <a:xfrm>
+            <a:off x="11371740" y="365125"/>
+            <a:ext cx="599846" cy="535577"/>
+          </a:xfrm>
+          <a:prstGeom prst="rect">
+            <a:avLst/>
+          </a:prstGeom>
+        </p:spPr>
+      </p:pic>
+      <p:pic>
+        <p:nvPicPr>
+          <p:cNvPr id="6" name="Imagem 5" descr="Uma imagem contendo computador&#10;&#10;Descrição gerada automaticamente">
+            <a:extLst>
+              <a:ext uri="{FF2B5EF4-FFF2-40B4-BE49-F238E27FC236}">
+                <a16:creationId xmlns:a16="http://schemas.microsoft.com/office/drawing/2014/main" id="{710AF17B-CB29-49D9-A312-DC9EB90E7151}"/>
+              </a:ext>
+            </a:extLst>
+          </p:cNvPr>
+          <p:cNvPicPr>
+            <a:picLocks noChangeAspect="1"/>
+          </p:cNvPicPr>
+          <p:nvPr/>
+        </p:nvPicPr>
+        <p:blipFill>
+          <a:blip r:embed="rId3">
+            <a:extLst>
+              <a:ext uri="{28A0092B-C50C-407E-A947-70E740481C1C}">
+                <a14:useLocalDpi xmlns:a14="http://schemas.microsoft.com/office/drawing/2010/main" val="0"/>
+              </a:ext>
+            </a:extLst>
+          </a:blip>
+          <a:stretch>
+            <a:fillRect/>
+          </a:stretch>
+        </p:blipFill>
+        <p:spPr>
+          <a:xfrm>
+            <a:off x="2779161" y="2450215"/>
+            <a:ext cx="6865904" cy="3854629"/>
+          </a:xfrm>
+          <a:prstGeom prst="rect">
+            <a:avLst/>
+          </a:prstGeom>
+        </p:spPr>
+      </p:pic>
+      <p:sp>
+        <p:nvSpPr>
+          <p:cNvPr id="7" name="Título 1">
+            <a:extLst>
+              <a:ext uri="{FF2B5EF4-FFF2-40B4-BE49-F238E27FC236}">
+                <a16:creationId xmlns:a16="http://schemas.microsoft.com/office/drawing/2014/main" id="{99F76FBE-1BC2-4EE6-B90A-22263BF7BDCD}"/>
+              </a:ext>
+            </a:extLst>
+          </p:cNvPr>
+          <p:cNvSpPr txBox="1">
+            <a:spLocks/>
+          </p:cNvSpPr>
+          <p:nvPr/>
+        </p:nvSpPr>
+        <p:spPr>
+          <a:xfrm>
+            <a:off x="838199" y="1433807"/>
+            <a:ext cx="10515600" cy="1325563"/>
+          </a:xfrm>
+          <a:prstGeom prst="rect">
+            <a:avLst/>
+          </a:prstGeom>
+        </p:spPr>
+        <p:txBody>
+          <a:bodyPr vert="horz" lIns="91440" tIns="45720" rIns="91440" bIns="45720" rtlCol="0" anchor="ctr">
+            <a:normAutofit/>
+          </a:bodyPr>
+          <a:lstStyle>
+            <a:lvl1pPr algn="l" defTabSz="914400" rtl="0" eaLnBrk="1" latinLnBrk="0" hangingPunct="1">
+              <a:lnSpc>
+                <a:spcPct val="90000"/>
+              </a:lnSpc>
+              <a:spcBef>
+                <a:spcPct val="0"/>
+              </a:spcBef>
+              <a:buNone/>
+              <a:defRPr sz="4400" kern="1200">
+                <a:solidFill>
+                  <a:schemeClr val="tx1"/>
+                </a:solidFill>
+                <a:latin typeface="+mj-lt"/>
+                <a:ea typeface="+mj-ea"/>
+                <a:cs typeface="+mj-cs"/>
+              </a:defRPr>
+            </a:lvl1pPr>
+          </a:lstStyle>
+          <a:p>
+            <a:pPr algn="ctr"/>
+            <a:r>
+              <a:rPr lang="pt-BR" dirty="0">
+                <a:solidFill>
+                  <a:schemeClr val="tx1">
+                    <a:lumMod val="75000"/>
+                    <a:lumOff val="25000"/>
+                  </a:schemeClr>
+                </a:solidFill>
+                <a:latin typeface="Bariol Bold" panose="02000506040000020003" pitchFamily="2" charset="0"/>
+              </a:rPr>
+              <a:t>Repositório no GitHub</a:t>
+            </a:r>
+          </a:p>
+        </p:txBody>
+      </p:sp>
+    </p:spTree>
+    <p:extLst>
+      <p:ext uri="{BB962C8B-B14F-4D97-AF65-F5344CB8AC3E}">
+        <p14:creationId xmlns:p14="http://schemas.microsoft.com/office/powerpoint/2010/main" val="65567604"/>
+      </p:ext>
+    </p:extLst>
+  </p:cSld>
+  <p:clrMapOvr>
+    <a:masterClrMapping/>
+  </p:clrMapOvr>
+  <p:transition>
+    <p:fade/>
+  </p:transition>
+</p:sld>
+</file>
+
+<file path=ppt/slides/slide15.xml><?xml version="1.0" encoding="utf-8"?>
+<p:sld xmlns:a="http://schemas.openxmlformats.org/drawingml/2006/main" xmlns:r="http://schemas.openxmlformats.org/officeDocument/2006/relationships" xmlns:p="http://schemas.openxmlformats.org/presentationml/2006/main">
+  <p:cSld>
+    <p:bg>
+      <p:bgPr>
+        <a:solidFill>
+          <a:schemeClr val="bg1"/>
+        </a:solidFill>
+        <a:effectLst/>
+      </p:bgPr>
+    </p:bg>
+    <p:spTree>
+      <p:nvGrpSpPr>
+        <p:cNvPr id="1" name=""/>
+        <p:cNvGrpSpPr/>
+        <p:nvPr/>
+      </p:nvGrpSpPr>
+      <p:grpSpPr>
+        <a:xfrm>
+          <a:off x="0" y="0"/>
+          <a:ext cx="0" cy="0"/>
+          <a:chOff x="0" y="0"/>
+          <a:chExt cx="0" cy="0"/>
+        </a:xfrm>
+      </p:grpSpPr>
+      <p:pic>
+        <p:nvPicPr>
+          <p:cNvPr id="5" name="Espaço Reservado para Conteúdo 4" descr="Tela de computador com texto preto sobre fundo branco&#10;&#10;Descrição gerada automaticamente">
+            <a:extLst>
+              <a:ext uri="{FF2B5EF4-FFF2-40B4-BE49-F238E27FC236}">
+                <a16:creationId xmlns:a16="http://schemas.microsoft.com/office/drawing/2014/main" id="{E935C671-8EB3-42D1-B976-AA65FEC19F5D}"/>
+              </a:ext>
+            </a:extLst>
+          </p:cNvPr>
+          <p:cNvPicPr>
+            <a:picLocks noGrp="1" noChangeAspect="1"/>
+          </p:cNvPicPr>
+          <p:nvPr>
+            <p:ph idx="1"/>
+          </p:nvPr>
+        </p:nvPicPr>
+        <p:blipFill rotWithShape="1">
+          <a:blip r:embed="rId2">
+            <a:extLst>
+              <a:ext uri="{28A0092B-C50C-407E-A947-70E740481C1C}">
+                <a14:useLocalDpi xmlns:a14="http://schemas.microsoft.com/office/drawing/2010/main" val="0"/>
+              </a:ext>
+            </a:extLst>
+          </a:blip>
+          <a:srcRect b="32229"/>
+          <a:stretch/>
+        </p:blipFill>
+        <p:spPr>
+          <a:xfrm>
+            <a:off x="20" y="10"/>
+            <a:ext cx="12191980" cy="6857990"/>
+          </a:xfrm>
+          <a:prstGeom prst="rect">
+            <a:avLst/>
+          </a:prstGeom>
+        </p:spPr>
+      </p:pic>
+      <p:pic>
+        <p:nvPicPr>
+          <p:cNvPr id="3" name="Imagem 2" descr="Uma imagem contendo texto, desenho&#10;&#10;Descrição gerada automaticamente">
+            <a:extLst>
+              <a:ext uri="{FF2B5EF4-FFF2-40B4-BE49-F238E27FC236}">
+                <a16:creationId xmlns:a16="http://schemas.microsoft.com/office/drawing/2014/main" id="{540DA604-E819-45CF-8FA0-94DCF2B02DC0}"/>
+              </a:ext>
+            </a:extLst>
+          </p:cNvPr>
+          <p:cNvPicPr>
+            <a:picLocks noChangeAspect="1"/>
+          </p:cNvPicPr>
+          <p:nvPr/>
+        </p:nvPicPr>
+        <p:blipFill>
+          <a:blip r:embed="rId3" cstate="hqprint">
+            <a:extLst>
+              <a:ext uri="{28A0092B-C50C-407E-A947-70E740481C1C}">
+                <a14:useLocalDpi xmlns:a14="http://schemas.microsoft.com/office/drawing/2010/main" val="0"/>
+              </a:ext>
+            </a:extLst>
+          </a:blip>
+          <a:stretch>
+            <a:fillRect/>
+          </a:stretch>
+        </p:blipFill>
+        <p:spPr>
+          <a:xfrm>
+            <a:off x="11371740" y="365125"/>
+            <a:ext cx="599846" cy="535577"/>
+          </a:xfrm>
+          <a:prstGeom prst="rect">
+            <a:avLst/>
+          </a:prstGeom>
+        </p:spPr>
+      </p:pic>
+    </p:spTree>
+    <p:extLst>
+      <p:ext uri="{BB962C8B-B14F-4D97-AF65-F5344CB8AC3E}">
+        <p14:creationId xmlns:p14="http://schemas.microsoft.com/office/powerpoint/2010/main" val="2226004532"/>
+      </p:ext>
+    </p:extLst>
+  </p:cSld>
+  <p:clrMapOvr>
+    <a:masterClrMapping/>
+  </p:clrMapOvr>
+  <p:transition>
+    <p:fade/>
+  </p:transition>
+</p:sld>
+</file>
+
+<file path=ppt/slides/slide16.xml><?xml version="1.0" encoding="utf-8"?>
+<p:sld xmlns:a="http://schemas.openxmlformats.org/drawingml/2006/main" xmlns:r="http://schemas.openxmlformats.org/officeDocument/2006/relationships" xmlns:p="http://schemas.openxmlformats.org/presentationml/2006/main">
+  <p:cSld>
+    <p:bg>
+      <p:bgPr>
+        <a:solidFill>
+          <a:schemeClr val="bg1"/>
+        </a:solidFill>
+        <a:effectLst/>
+      </p:bgPr>
+    </p:bg>
+    <p:spTree>
+      <p:nvGrpSpPr>
+        <p:cNvPr id="1" name=""/>
+        <p:cNvGrpSpPr/>
+        <p:nvPr/>
+      </p:nvGrpSpPr>
+      <p:grpSpPr>
+        <a:xfrm>
+          <a:off x="0" y="0"/>
+          <a:ext cx="0" cy="0"/>
+          <a:chOff x="0" y="0"/>
+          <a:chExt cx="0" cy="0"/>
+        </a:xfrm>
+      </p:grpSpPr>
+      <p:pic>
+        <p:nvPicPr>
+          <p:cNvPr id="5" name="Espaço Reservado para Conteúdo 4" descr="Tela de computador com texto preto sobre fundo branco&#10;&#10;Descrição gerada automaticamente">
+            <a:extLst>
+              <a:ext uri="{FF2B5EF4-FFF2-40B4-BE49-F238E27FC236}">
+                <a16:creationId xmlns:a16="http://schemas.microsoft.com/office/drawing/2014/main" id="{F49E5F5A-BB61-43FB-9C3E-1DC6A98427D5}"/>
+              </a:ext>
+            </a:extLst>
+          </p:cNvPr>
+          <p:cNvPicPr>
+            <a:picLocks noGrp="1" noChangeAspect="1"/>
+          </p:cNvPicPr>
+          <p:nvPr>
+            <p:ph idx="1"/>
+          </p:nvPr>
+        </p:nvPicPr>
+        <p:blipFill rotWithShape="1">
+          <a:blip r:embed="rId2">
+            <a:extLst>
+              <a:ext uri="{28A0092B-C50C-407E-A947-70E740481C1C}">
+                <a14:useLocalDpi xmlns:a14="http://schemas.microsoft.com/office/drawing/2010/main" val="0"/>
+              </a:ext>
+            </a:extLst>
+          </a:blip>
+          <a:srcRect b="4255"/>
+          <a:stretch/>
+        </p:blipFill>
+        <p:spPr>
+          <a:xfrm>
+            <a:off x="20" y="10"/>
+            <a:ext cx="12191980" cy="6857990"/>
+          </a:xfrm>
+          <a:prstGeom prst="rect">
+            <a:avLst/>
+          </a:prstGeom>
+        </p:spPr>
+      </p:pic>
+      <p:pic>
+        <p:nvPicPr>
+          <p:cNvPr id="3" name="Imagem 2" descr="Uma imagem contendo texto, desenho&#10;&#10;Descrição gerada automaticamente">
+            <a:extLst>
+              <a:ext uri="{FF2B5EF4-FFF2-40B4-BE49-F238E27FC236}">
+                <a16:creationId xmlns:a16="http://schemas.microsoft.com/office/drawing/2014/main" id="{4FBBD167-CAD6-4A12-982F-20EC4F901877}"/>
+              </a:ext>
+            </a:extLst>
+          </p:cNvPr>
+          <p:cNvPicPr>
+            <a:picLocks noChangeAspect="1"/>
+          </p:cNvPicPr>
+          <p:nvPr/>
+        </p:nvPicPr>
+        <p:blipFill>
+          <a:blip r:embed="rId3" cstate="hqprint">
+            <a:extLst>
+              <a:ext uri="{28A0092B-C50C-407E-A947-70E740481C1C}">
+                <a14:useLocalDpi xmlns:a14="http://schemas.microsoft.com/office/drawing/2010/main" val="0"/>
+              </a:ext>
+            </a:extLst>
+          </a:blip>
+          <a:stretch>
+            <a:fillRect/>
+          </a:stretch>
+        </p:blipFill>
+        <p:spPr>
+          <a:xfrm>
+            <a:off x="11371740" y="365125"/>
+            <a:ext cx="599846" cy="535577"/>
+          </a:xfrm>
+          <a:prstGeom prst="rect">
+            <a:avLst/>
+          </a:prstGeom>
+        </p:spPr>
+      </p:pic>
+    </p:spTree>
+    <p:extLst>
+      <p:ext uri="{BB962C8B-B14F-4D97-AF65-F5344CB8AC3E}">
+        <p14:creationId xmlns:p14="http://schemas.microsoft.com/office/powerpoint/2010/main" val="2758543786"/>
+      </p:ext>
+    </p:extLst>
+  </p:cSld>
+  <p:clrMapOvr>
+    <a:masterClrMapping/>
+  </p:clrMapOvr>
+  <p:transition>
+    <p:fade/>
+  </p:transition>
+</p:sld>
+</file>
+
+<file path=ppt/slides/slide17.xml><?xml version="1.0" encoding="utf-8"?>
+<p:sld xmlns:a="http://schemas.openxmlformats.org/drawingml/2006/main" xmlns:r="http://schemas.openxmlformats.org/officeDocument/2006/relationships" xmlns:p="http://schemas.openxmlformats.org/presentationml/2006/main">
+  <p:cSld>
+    <p:bg>
+      <p:bgPr>
+        <a:solidFill>
+          <a:schemeClr val="bg1"/>
+        </a:solidFill>
+        <a:effectLst/>
+      </p:bgPr>
+    </p:bg>
+    <p:spTree>
+      <p:nvGrpSpPr>
+        <p:cNvPr id="1" name=""/>
+        <p:cNvGrpSpPr/>
+        <p:nvPr/>
+      </p:nvGrpSpPr>
+      <p:grpSpPr>
+        <a:xfrm>
+          <a:off x="0" y="0"/>
+          <a:ext cx="0" cy="0"/>
+          <a:chOff x="0" y="0"/>
+          <a:chExt cx="0" cy="0"/>
+        </a:xfrm>
+      </p:grpSpPr>
+      <p:pic>
+        <p:nvPicPr>
+          <p:cNvPr id="5" name="Espaço Reservado para Conteúdo 4" descr="Tela de computador com texto preto sobre fundo branco&#10;&#10;Descrição gerada automaticamente">
+            <a:extLst>
+              <a:ext uri="{FF2B5EF4-FFF2-40B4-BE49-F238E27FC236}">
+                <a16:creationId xmlns:a16="http://schemas.microsoft.com/office/drawing/2014/main" id="{1127E694-A2CA-4FB8-B5E9-FBD622A3AC7E}"/>
+              </a:ext>
+            </a:extLst>
+          </p:cNvPr>
+          <p:cNvPicPr>
+            <a:picLocks noGrp="1" noChangeAspect="1"/>
+          </p:cNvPicPr>
+          <p:nvPr>
+            <p:ph idx="1"/>
+          </p:nvPr>
+        </p:nvPicPr>
+        <p:blipFill rotWithShape="1">
+          <a:blip r:embed="rId2">
+            <a:extLst>
+              <a:ext uri="{28A0092B-C50C-407E-A947-70E740481C1C}">
+                <a14:useLocalDpi xmlns:a14="http://schemas.microsoft.com/office/drawing/2010/main" val="0"/>
+              </a:ext>
+            </a:extLst>
+          </a:blip>
+          <a:srcRect r="12890" b="1"/>
+          <a:stretch/>
+        </p:blipFill>
+        <p:spPr>
+          <a:xfrm>
+            <a:off x="20" y="10"/>
+            <a:ext cx="12191980" cy="6857990"/>
+          </a:xfrm>
+          <a:prstGeom prst="rect">
+            <a:avLst/>
+          </a:prstGeom>
+        </p:spPr>
+      </p:pic>
+      <p:pic>
+        <p:nvPicPr>
+          <p:cNvPr id="3" name="Imagem 2" descr="Uma imagem contendo texto, desenho&#10;&#10;Descrição gerada automaticamente">
+            <a:extLst>
+              <a:ext uri="{FF2B5EF4-FFF2-40B4-BE49-F238E27FC236}">
+                <a16:creationId xmlns:a16="http://schemas.microsoft.com/office/drawing/2014/main" id="{0C984EA1-1AF2-4409-8402-1895446B1AC2}"/>
+              </a:ext>
+            </a:extLst>
+          </p:cNvPr>
+          <p:cNvPicPr>
+            <a:picLocks noChangeAspect="1"/>
+          </p:cNvPicPr>
+          <p:nvPr/>
+        </p:nvPicPr>
+        <p:blipFill>
+          <a:blip r:embed="rId3" cstate="hqprint">
+            <a:extLst>
+              <a:ext uri="{28A0092B-C50C-407E-A947-70E740481C1C}">
+                <a14:useLocalDpi xmlns:a14="http://schemas.microsoft.com/office/drawing/2010/main" val="0"/>
+              </a:ext>
+            </a:extLst>
+          </a:blip>
+          <a:stretch>
+            <a:fillRect/>
+          </a:stretch>
+        </p:blipFill>
+        <p:spPr>
+          <a:xfrm>
+            <a:off x="11371740" y="365125"/>
+            <a:ext cx="599846" cy="535577"/>
+          </a:xfrm>
+          <a:prstGeom prst="rect">
+            <a:avLst/>
+          </a:prstGeom>
+        </p:spPr>
+      </p:pic>
+    </p:spTree>
+    <p:extLst>
+      <p:ext uri="{BB962C8B-B14F-4D97-AF65-F5344CB8AC3E}">
+        <p14:creationId xmlns:p14="http://schemas.microsoft.com/office/powerpoint/2010/main" val="2436292100"/>
+      </p:ext>
+    </p:extLst>
+  </p:cSld>
+  <p:clrMapOvr>
+    <a:masterClrMapping/>
+  </p:clrMapOvr>
+  <p:transition>
+    <p:fade/>
+  </p:transition>
+</p:sld>
+</file>
+
+<file path=ppt/slides/slide18.xml><?xml version="1.0" encoding="utf-8"?>
+<p:sld xmlns:a="http://schemas.openxmlformats.org/drawingml/2006/main" xmlns:r="http://schemas.openxmlformats.org/officeDocument/2006/relationships" xmlns:p="http://schemas.openxmlformats.org/presentationml/2006/main">
+  <p:cSld>
+    <p:spTree>
+      <p:nvGrpSpPr>
+        <p:cNvPr id="1" name=""/>
+        <p:cNvGrpSpPr/>
+        <p:nvPr/>
+      </p:nvGrpSpPr>
+      <p:grpSpPr>
+        <a:xfrm>
+          <a:off x="0" y="0"/>
+          <a:ext cx="0" cy="0"/>
+          <a:chOff x="0" y="0"/>
+          <a:chExt cx="0" cy="0"/>
+        </a:xfrm>
+      </p:grpSpPr>
+      <p:sp>
+        <p:nvSpPr>
+          <p:cNvPr id="2" name="Título 1">
+            <a:extLst>
+              <a:ext uri="{FF2B5EF4-FFF2-40B4-BE49-F238E27FC236}">
+                <a16:creationId xmlns:a16="http://schemas.microsoft.com/office/drawing/2014/main" id="{99F76FBE-1BC2-4EE6-B90A-22263BF7BDCD}"/>
+              </a:ext>
+            </a:extLst>
+          </p:cNvPr>
+          <p:cNvSpPr>
+            <a:spLocks noGrp="1"/>
+          </p:cNvSpPr>
+          <p:nvPr>
+            <p:ph type="title"/>
+          </p:nvPr>
+        </p:nvSpPr>
+        <p:spPr>
+          <a:xfrm>
+            <a:off x="0" y="1433807"/>
+            <a:ext cx="12192000" cy="1325563"/>
+          </a:xfrm>
+        </p:spPr>
+        <p:txBody>
+          <a:bodyPr/>
+          <a:lstStyle/>
+          <a:p>
+            <a:pPr algn="ctr"/>
+            <a:r>
+              <a:rPr lang="pt-BR" dirty="0">
+                <a:solidFill>
+                  <a:schemeClr val="tx1">
+                    <a:lumMod val="75000"/>
+                    <a:lumOff val="25000"/>
+                  </a:schemeClr>
+                </a:solidFill>
+                <a:latin typeface="Bariol Bold" panose="02000506040000020003" pitchFamily="2" charset="0"/>
+              </a:rPr>
+              <a:t>Website / Simulador financeiro</a:t>
+            </a:r>
+          </a:p>
+        </p:txBody>
+      </p:sp>
+      <p:pic>
+        <p:nvPicPr>
+          <p:cNvPr id="3" name="Imagem 2" descr="Uma imagem contendo texto, desenho&#10;&#10;Descrição gerada automaticamente">
+            <a:extLst>
+              <a:ext uri="{FF2B5EF4-FFF2-40B4-BE49-F238E27FC236}">
+                <a16:creationId xmlns:a16="http://schemas.microsoft.com/office/drawing/2014/main" id="{33CEE295-8B68-4E72-8E77-548A33B7E7BB}"/>
+              </a:ext>
+            </a:extLst>
+          </p:cNvPr>
+          <p:cNvPicPr>
+            <a:picLocks noChangeAspect="1"/>
+          </p:cNvPicPr>
+          <p:nvPr/>
+        </p:nvPicPr>
+        <p:blipFill>
+          <a:blip r:embed="rId2" cstate="hqprint">
+            <a:extLst>
+              <a:ext uri="{28A0092B-C50C-407E-A947-70E740481C1C}">
+                <a14:useLocalDpi xmlns:a14="http://schemas.microsoft.com/office/drawing/2010/main" val="0"/>
+              </a:ext>
+            </a:extLst>
+          </a:blip>
+          <a:stretch>
+            <a:fillRect/>
+          </a:stretch>
+        </p:blipFill>
+        <p:spPr>
+          <a:xfrm>
+            <a:off x="11371740" y="365125"/>
+            <a:ext cx="599846" cy="535577"/>
+          </a:xfrm>
+          <a:prstGeom prst="rect">
+            <a:avLst/>
+          </a:prstGeom>
+        </p:spPr>
+      </p:pic>
+      <p:pic>
+        <p:nvPicPr>
+          <p:cNvPr id="5" name="Imagem 4" descr="Uma imagem contendo computador&#10;&#10;Descrição gerada automaticamente">
+            <a:extLst>
+              <a:ext uri="{FF2B5EF4-FFF2-40B4-BE49-F238E27FC236}">
+                <a16:creationId xmlns:a16="http://schemas.microsoft.com/office/drawing/2014/main" id="{83C4BF57-CA9B-4FB0-826A-3CF89B791B0E}"/>
+              </a:ext>
+            </a:extLst>
+          </p:cNvPr>
+          <p:cNvPicPr>
+            <a:picLocks noChangeAspect="1"/>
+          </p:cNvPicPr>
+          <p:nvPr/>
+        </p:nvPicPr>
+        <p:blipFill>
+          <a:blip r:embed="rId3">
+            <a:extLst>
+              <a:ext uri="{28A0092B-C50C-407E-A947-70E740481C1C}">
+                <a14:useLocalDpi xmlns:a14="http://schemas.microsoft.com/office/drawing/2010/main" val="0"/>
+              </a:ext>
+            </a:extLst>
+          </a:blip>
+          <a:stretch>
+            <a:fillRect/>
+          </a:stretch>
+        </p:blipFill>
+        <p:spPr>
+          <a:xfrm>
+            <a:off x="2773007" y="2759370"/>
+            <a:ext cx="6645983" cy="3931007"/>
+          </a:xfrm>
+          <a:prstGeom prst="rect">
+            <a:avLst/>
+          </a:prstGeom>
+        </p:spPr>
+      </p:pic>
+    </p:spTree>
+    <p:extLst>
+      <p:ext uri="{BB962C8B-B14F-4D97-AF65-F5344CB8AC3E}">
+        <p14:creationId xmlns:p14="http://schemas.microsoft.com/office/powerpoint/2010/main" val="2246586275"/>
+      </p:ext>
+    </p:extLst>
+  </p:cSld>
+  <p:clrMapOvr>
+    <a:masterClrMapping/>
+  </p:clrMapOvr>
+  <p:transition>
+    <p:fade/>
+  </p:transition>
+</p:sld>
+</file>
+
+<file path=ppt/slides/slide19.xml><?xml version="1.0" encoding="utf-8"?>
+<p:sld xmlns:a="http://schemas.openxmlformats.org/drawingml/2006/main" xmlns:r="http://schemas.openxmlformats.org/officeDocument/2006/relationships" xmlns:p="http://schemas.openxmlformats.org/presentationml/2006/main">
+  <p:cSld>
+    <p:bg>
+      <p:bgPr>
+        <a:solidFill>
+          <a:schemeClr val="bg1"/>
+        </a:solidFill>
+        <a:effectLst/>
+      </p:bgPr>
+    </p:bg>
+    <p:spTree>
+      <p:nvGrpSpPr>
+        <p:cNvPr id="1" name=""/>
+        <p:cNvGrpSpPr/>
+        <p:nvPr/>
+      </p:nvGrpSpPr>
+      <p:grpSpPr>
+        <a:xfrm>
+          <a:off x="0" y="0"/>
+          <a:ext cx="0" cy="0"/>
+          <a:chOff x="0" y="0"/>
+          <a:chExt cx="0" cy="0"/>
+        </a:xfrm>
+      </p:grpSpPr>
+      <p:sp>
+        <p:nvSpPr>
+          <p:cNvPr id="16" name="Rectangle 15">
+            <a:extLst>
+              <a:ext uri="{FF2B5EF4-FFF2-40B4-BE49-F238E27FC236}">
+                <a16:creationId xmlns:a16="http://schemas.microsoft.com/office/drawing/2014/main" id="{B4D3D850-2041-4B7C-AED9-54DA385B14F7}"/>
+              </a:ext>
+              <a:ext uri="{C183D7F6-B498-43B3-948B-1728B52AA6E4}">
+                <adec:decorative xmlns:adec="http://schemas.microsoft.com/office/drawing/2017/decorative" val="1"/>
+              </a:ext>
+            </a:extLst>
+          </p:cNvPr>
+          <p:cNvSpPr>
+            <a:spLocks noGrp="1" noRot="1" noChangeAspect="1" noMove="1" noResize="1" noEditPoints="1" noAdjustHandles="1" noChangeArrowheads="1" noChangeShapeType="1" noTextEdit="1"/>
+          </p:cNvSpPr>
+          <p:nvPr>
+            <p:extLst>
+              <p:ext uri="{386F3935-93C4-4BCD-93E2-E3B085C9AB24}">
+                <p16:designElem xmlns:p16="http://schemas.microsoft.com/office/powerpoint/2015/main" val="1"/>
+              </p:ext>
+            </p:extLst>
+          </p:nvPr>
+        </p:nvSpPr>
+        <p:spPr>
+          <a:xfrm>
+            <a:off x="0" y="0"/>
+            <a:ext cx="12192000" cy="6858000"/>
+          </a:xfrm>
+          <a:prstGeom prst="rect">
+            <a:avLst/>
+          </a:prstGeom>
+          <a:solidFill>
+            <a:schemeClr val="bg2"/>
+          </a:solidFill>
+          <a:ln>
+            <a:noFill/>
+          </a:ln>
+        </p:spPr>
+        <p:style>
+          <a:lnRef idx="2">
+            <a:schemeClr val="accent1">
+              <a:shade val="50000"/>
+            </a:schemeClr>
+          </a:lnRef>
+          <a:fillRef idx="1">
+            <a:schemeClr val="accent1"/>
+          </a:fillRef>
+          <a:effectRef idx="0">
+            <a:schemeClr val="accent1"/>
+          </a:effectRef>
+          <a:fontRef idx="minor">
+            <a:schemeClr val="lt1"/>
+          </a:fontRef>
+        </p:style>
+        <p:txBody>
+          <a:bodyPr rtlCol="0" anchor="ctr"/>
+          <a:lstStyle/>
+          <a:p>
+            <a:pPr algn="ctr"/>
+            <a:endParaRPr lang="en-US" dirty="0"/>
+          </a:p>
+        </p:txBody>
+      </p:sp>
+      <p:pic>
+        <p:nvPicPr>
+          <p:cNvPr id="5" name="Imagem 4" descr="Uma imagem contendo placar, desenho, relógio&#10;&#10;Descrição gerada automaticamente">
+            <a:extLst>
+              <a:ext uri="{FF2B5EF4-FFF2-40B4-BE49-F238E27FC236}">
+                <a16:creationId xmlns:a16="http://schemas.microsoft.com/office/drawing/2014/main" id="{5DF5D51C-359F-4617-A452-01B736753090}"/>
+              </a:ext>
+            </a:extLst>
+          </p:cNvPr>
+          <p:cNvPicPr>
+            <a:picLocks noChangeAspect="1"/>
+          </p:cNvPicPr>
+          <p:nvPr/>
+        </p:nvPicPr>
+        <p:blipFill rotWithShape="1">
+          <a:blip r:embed="rId2">
+            <a:extLst>
+              <a:ext uri="{28A0092B-C50C-407E-A947-70E740481C1C}">
+                <a14:useLocalDpi xmlns:a14="http://schemas.microsoft.com/office/drawing/2010/main" val="0"/>
+              </a:ext>
+            </a:extLst>
+          </a:blip>
+          <a:srcRect l="9796" r="1319" b="4"/>
+          <a:stretch/>
+        </p:blipFill>
+        <p:spPr>
+          <a:xfrm>
+            <a:off x="20" y="10"/>
+            <a:ext cx="6095980" cy="6857990"/>
+          </a:xfrm>
+          <a:prstGeom prst="rect">
+            <a:avLst/>
+          </a:prstGeom>
+        </p:spPr>
+      </p:pic>
+      <p:pic>
+        <p:nvPicPr>
+          <p:cNvPr id="11" name="Imagem 10" descr="Uma imagem contendo texto, placar&#10;&#10;Descrição gerada automaticamente">
+            <a:extLst>
+              <a:ext uri="{FF2B5EF4-FFF2-40B4-BE49-F238E27FC236}">
+                <a16:creationId xmlns:a16="http://schemas.microsoft.com/office/drawing/2014/main" id="{4DC099E3-271D-4053-AB28-D8157177161D}"/>
+              </a:ext>
+            </a:extLst>
+          </p:cNvPr>
+          <p:cNvPicPr>
+            <a:picLocks noChangeAspect="1"/>
+          </p:cNvPicPr>
+          <p:nvPr/>
+        </p:nvPicPr>
+        <p:blipFill rotWithShape="1">
+          <a:blip r:embed="rId3">
+            <a:extLst>
+              <a:ext uri="{28A0092B-C50C-407E-A947-70E740481C1C}">
+                <a14:useLocalDpi xmlns:a14="http://schemas.microsoft.com/office/drawing/2010/main" val="0"/>
+              </a:ext>
+            </a:extLst>
+          </a:blip>
+          <a:srcRect l="3614" r="7500" b="4"/>
+          <a:stretch/>
+        </p:blipFill>
+        <p:spPr>
+          <a:xfrm>
+            <a:off x="6096000" y="10"/>
+            <a:ext cx="6096000" cy="6857990"/>
+          </a:xfrm>
+          <a:prstGeom prst="rect">
+            <a:avLst/>
+          </a:prstGeom>
+        </p:spPr>
+      </p:pic>
+      <p:sp>
+        <p:nvSpPr>
+          <p:cNvPr id="18" name="Rectangle 17">
+            <a:extLst>
+              <a:ext uri="{FF2B5EF4-FFF2-40B4-BE49-F238E27FC236}">
+                <a16:creationId xmlns:a16="http://schemas.microsoft.com/office/drawing/2014/main" id="{B497CCB5-5FC2-473C-AFCC-2430CEF1DF71}"/>
+              </a:ext>
+              <a:ext uri="{C183D7F6-B498-43B3-948B-1728B52AA6E4}">
+                <adec:decorative xmlns:adec="http://schemas.microsoft.com/office/drawing/2017/decorative" val="1"/>
+              </a:ext>
+            </a:extLst>
+          </p:cNvPr>
+          <p:cNvSpPr>
+            <a:spLocks noGrp="1" noRot="1" noChangeAspect="1" noMove="1" noResize="1" noEditPoints="1" noAdjustHandles="1" noChangeArrowheads="1" noChangeShapeType="1" noTextEdit="1"/>
+          </p:cNvSpPr>
+          <p:nvPr>
+            <p:extLst>
+              <p:ext uri="{386F3935-93C4-4BCD-93E2-E3B085C9AB24}">
+                <p16:designElem xmlns:p16="http://schemas.microsoft.com/office/powerpoint/2015/main" val="1"/>
+              </p:ext>
+            </p:extLst>
+          </p:nvPr>
+        </p:nvSpPr>
+        <p:spPr>
+          <a:xfrm rot="2700000">
+            <a:off x="4409915" y="1742916"/>
+            <a:ext cx="3372170" cy="3372168"/>
+          </a:xfrm>
+          <a:prstGeom prst="rect">
+            <a:avLst/>
+          </a:prstGeom>
+          <a:solidFill>
+            <a:srgbClr val="FFFFFF"/>
+          </a:solidFill>
+          <a:ln>
+            <a:noFill/>
+          </a:ln>
+        </p:spPr>
+        <p:style>
+          <a:lnRef idx="2">
+            <a:schemeClr val="accent1">
+              <a:shade val="50000"/>
+            </a:schemeClr>
+          </a:lnRef>
+          <a:fillRef idx="1">
+            <a:schemeClr val="accent1"/>
+          </a:fillRef>
+          <a:effectRef idx="0">
+            <a:schemeClr val="accent1"/>
+          </a:effectRef>
+          <a:fontRef idx="minor">
+            <a:schemeClr val="lt1"/>
+          </a:fontRef>
+        </p:style>
+        <p:txBody>
+          <a:bodyPr rtlCol="0" anchor="ctr"/>
+          <a:lstStyle/>
+          <a:p>
+            <a:pPr algn="ctr"/>
+            <a:endParaRPr lang="en-US"/>
+          </a:p>
+        </p:txBody>
+      </p:sp>
+      <p:sp>
+        <p:nvSpPr>
+          <p:cNvPr id="20" name="Frame 19">
+            <a:extLst>
+              <a:ext uri="{FF2B5EF4-FFF2-40B4-BE49-F238E27FC236}">
+                <a16:creationId xmlns:a16="http://schemas.microsoft.com/office/drawing/2014/main" id="{599C8C75-BFDF-44E7-A028-EEB5EDD58817}"/>
+              </a:ext>
+              <a:ext uri="{C183D7F6-B498-43B3-948B-1728B52AA6E4}">
+                <adec:decorative xmlns:adec="http://schemas.microsoft.com/office/drawing/2017/decorative" val="1"/>
+              </a:ext>
+            </a:extLst>
+          </p:cNvPr>
+          <p:cNvSpPr>
+            <a:spLocks noGrp="1" noRot="1" noChangeAspect="1" noMove="1" noResize="1" noEditPoints="1" noAdjustHandles="1" noChangeArrowheads="1" noChangeShapeType="1" noTextEdit="1"/>
+          </p:cNvSpPr>
+          <p:nvPr>
+            <p:extLst>
+              <p:ext uri="{386F3935-93C4-4BCD-93E2-E3B085C9AB24}">
+                <p16:designElem xmlns:p16="http://schemas.microsoft.com/office/powerpoint/2015/main" val="1"/>
+              </p:ext>
+            </p:extLst>
+          </p:nvPr>
+        </p:nvSpPr>
+        <p:spPr>
+          <a:xfrm rot="2700000">
+            <a:off x="3971277" y="1304278"/>
+            <a:ext cx="4249446" cy="4249444"/>
+          </a:xfrm>
+          <a:prstGeom prst="frame">
+            <a:avLst>
+              <a:gd name="adj1" fmla="val 1195"/>
+            </a:avLst>
+          </a:prstGeom>
+          <a:solidFill>
+            <a:srgbClr val="FFFFFF">
+              <a:alpha val="60000"/>
+            </a:srgbClr>
+          </a:solidFill>
+          <a:ln>
+            <a:noFill/>
+          </a:ln>
+        </p:spPr>
+        <p:style>
+          <a:lnRef idx="2">
+            <a:schemeClr val="accent1">
+              <a:shade val="50000"/>
+            </a:schemeClr>
+          </a:lnRef>
+          <a:fillRef idx="1">
+            <a:schemeClr val="accent1"/>
+          </a:fillRef>
+          <a:effectRef idx="0">
+            <a:schemeClr val="accent1"/>
+          </a:effectRef>
+          <a:fontRef idx="minor">
+            <a:schemeClr val="lt1"/>
+          </a:fontRef>
+        </p:style>
+        <p:txBody>
+          <a:bodyPr rtlCol="0" anchor="ctr"/>
+          <a:lstStyle/>
+          <a:p>
+            <a:pPr algn="ctr"/>
+            <a:endParaRPr lang="en-US">
+              <a:solidFill>
+                <a:schemeClr val="tx1"/>
+              </a:solidFill>
+            </a:endParaRPr>
+          </a:p>
+        </p:txBody>
+      </p:sp>
+      <p:sp>
+        <p:nvSpPr>
+          <p:cNvPr id="2" name="Título 1">
+            <a:extLst>
+              <a:ext uri="{FF2B5EF4-FFF2-40B4-BE49-F238E27FC236}">
+                <a16:creationId xmlns:a16="http://schemas.microsoft.com/office/drawing/2014/main" id="{3D029D57-35BF-42EE-9D31-EAB20BE9EA4E}"/>
+              </a:ext>
+            </a:extLst>
+          </p:cNvPr>
+          <p:cNvSpPr>
+            <a:spLocks noGrp="1"/>
+          </p:cNvSpPr>
+          <p:nvPr>
+            <p:ph type="title"/>
+          </p:nvPr>
+        </p:nvSpPr>
+        <p:spPr>
+          <a:xfrm>
+            <a:off x="3795880" y="2675117"/>
+            <a:ext cx="4600239" cy="1507765"/>
+          </a:xfrm>
+          <a:noFill/>
+        </p:spPr>
+        <p:txBody>
+          <a:bodyPr vert="horz" lIns="91440" tIns="45720" rIns="91440" bIns="45720" rtlCol="0" anchor="ctr">
+            <a:normAutofit/>
+          </a:bodyPr>
+          <a:lstStyle/>
+          <a:p>
+            <a:pPr algn="ctr"/>
+            <a:r>
+              <a:rPr lang="en-US" sz="3600" dirty="0">
+                <a:solidFill>
+                  <a:srgbClr val="080808"/>
+                </a:solidFill>
+                <a:latin typeface="Bariol Bold" panose="02000506040000020003"/>
+              </a:rPr>
+              <a:t>D</a:t>
+            </a:r>
+            <a:r>
+              <a:rPr lang="en-US" sz="3600" kern="1200" dirty="0">
+                <a:solidFill>
+                  <a:srgbClr val="080808"/>
+                </a:solidFill>
+                <a:latin typeface="Bariol Bold" panose="02000506040000020003"/>
+              </a:rPr>
+              <a:t>ashboard</a:t>
+            </a:r>
+          </a:p>
+        </p:txBody>
+      </p:sp>
+    </p:spTree>
+    <p:extLst>
+      <p:ext uri="{BB962C8B-B14F-4D97-AF65-F5344CB8AC3E}">
+        <p14:creationId xmlns:p14="http://schemas.microsoft.com/office/powerpoint/2010/main" val="2809380215"/>
+      </p:ext>
+    </p:extLst>
+  </p:cSld>
+  <p:clrMapOvr>
+    <a:masterClrMapping/>
+  </p:clrMapOvr>
+  <p:transition>
+    <p:fade/>
+  </p:transition>
+</p:sld>
+</file>
+
+<file path=ppt/slides/slide2.xml><?xml version="1.0" encoding="utf-8"?>
+<p:sld xmlns:a="http://schemas.openxmlformats.org/drawingml/2006/main" xmlns:r="http://schemas.openxmlformats.org/officeDocument/2006/relationships" xmlns:p="http://schemas.openxmlformats.org/presentationml/2006/main">
+  <p:cSld>
+    <p:spTree>
+      <p:nvGrpSpPr>
+        <p:cNvPr id="1" name=""/>
+        <p:cNvGrpSpPr/>
+        <p:nvPr/>
+      </p:nvGrpSpPr>
+      <p:grpSpPr>
+        <a:xfrm>
+          <a:off x="0" y="0"/>
+          <a:ext cx="0" cy="0"/>
+          <a:chOff x="0" y="0"/>
+          <a:chExt cx="0" cy="0"/>
+        </a:xfrm>
+      </p:grpSpPr>
+      <p:sp>
+        <p:nvSpPr>
+          <p:cNvPr id="2" name="Título 1">
+            <a:extLst>
+              <a:ext uri="{FF2B5EF4-FFF2-40B4-BE49-F238E27FC236}">
+                <a16:creationId xmlns:a16="http://schemas.microsoft.com/office/drawing/2014/main" id="{99F76FBE-1BC2-4EE6-B90A-22263BF7BDCD}"/>
+              </a:ext>
+            </a:extLst>
+          </p:cNvPr>
+          <p:cNvSpPr>
+            <a:spLocks noGrp="1"/>
+          </p:cNvSpPr>
+          <p:nvPr>
+            <p:ph type="title"/>
+          </p:nvPr>
+        </p:nvSpPr>
+        <p:spPr/>
+        <p:txBody>
+          <a:bodyPr/>
+          <a:lstStyle/>
+          <a:p>
+            <a:r>
+              <a:rPr lang="pt-BR" dirty="0">
+                <a:solidFill>
+                  <a:schemeClr val="tx1">
+                    <a:lumMod val="75000"/>
+                    <a:lumOff val="25000"/>
+                  </a:schemeClr>
+                </a:solidFill>
+                <a:latin typeface="Bariol Bold" panose="02000506040000020003" pitchFamily="2" charset="0"/>
+              </a:rPr>
+              <a:t>Integrantes</a:t>
+            </a:r>
+          </a:p>
+        </p:txBody>
+      </p:sp>
+      <p:sp>
+        <p:nvSpPr>
+          <p:cNvPr id="3" name="Elipse 2">
+            <a:extLst>
+              <a:ext uri="{FF2B5EF4-FFF2-40B4-BE49-F238E27FC236}">
+                <a16:creationId xmlns:a16="http://schemas.microsoft.com/office/drawing/2014/main" id="{F85690BC-8C6C-4F60-80AD-CA39895D3466}"/>
+              </a:ext>
+            </a:extLst>
+          </p:cNvPr>
+          <p:cNvSpPr/>
+          <p:nvPr/>
+        </p:nvSpPr>
+        <p:spPr>
+          <a:xfrm>
+            <a:off x="509451" y="2915295"/>
+            <a:ext cx="1460763" cy="1460763"/>
+          </a:xfrm>
+          <a:prstGeom prst="ellipse">
+            <a:avLst/>
+          </a:prstGeom>
+        </p:spPr>
+        <p:style>
+          <a:lnRef idx="2">
+            <a:schemeClr val="accent1">
+              <a:shade val="50000"/>
+            </a:schemeClr>
+          </a:lnRef>
+          <a:fillRef idx="1">
+            <a:schemeClr val="accent1"/>
+          </a:fillRef>
+          <a:effectRef idx="0">
+            <a:schemeClr val="accent1"/>
+          </a:effectRef>
+          <a:fontRef idx="minor">
+            <a:schemeClr val="lt1"/>
+          </a:fontRef>
+        </p:style>
+        <p:txBody>
+          <a:bodyPr rtlCol="0" anchor="ctr"/>
+          <a:lstStyle/>
+          <a:p>
+            <a:pPr algn="ctr"/>
+            <a:endParaRPr lang="pt-BR"/>
+          </a:p>
+        </p:txBody>
+      </p:sp>
+      <p:sp>
+        <p:nvSpPr>
+          <p:cNvPr id="4" name="Elipse 3">
+            <a:extLst>
+              <a:ext uri="{FF2B5EF4-FFF2-40B4-BE49-F238E27FC236}">
+                <a16:creationId xmlns:a16="http://schemas.microsoft.com/office/drawing/2014/main" id="{CFF7654C-5D02-48DC-8C9D-1DFC556DBA65}"/>
+              </a:ext>
+            </a:extLst>
+          </p:cNvPr>
+          <p:cNvSpPr/>
+          <p:nvPr/>
+        </p:nvSpPr>
+        <p:spPr>
+          <a:xfrm>
+            <a:off x="4294942" y="2915291"/>
+            <a:ext cx="1460763" cy="1460763"/>
+          </a:xfrm>
+          <a:prstGeom prst="ellipse">
+            <a:avLst/>
+          </a:prstGeom>
+        </p:spPr>
+        <p:style>
+          <a:lnRef idx="2">
+            <a:schemeClr val="accent1">
+              <a:shade val="50000"/>
+            </a:schemeClr>
+          </a:lnRef>
+          <a:fillRef idx="1">
+            <a:schemeClr val="accent1"/>
+          </a:fillRef>
+          <a:effectRef idx="0">
+            <a:schemeClr val="accent1"/>
+          </a:effectRef>
+          <a:fontRef idx="minor">
+            <a:schemeClr val="lt1"/>
+          </a:fontRef>
+        </p:style>
+        <p:txBody>
+          <a:bodyPr rtlCol="0" anchor="ctr"/>
+          <a:lstStyle/>
+          <a:p>
+            <a:pPr algn="ctr"/>
+            <a:endParaRPr lang="pt-BR"/>
+          </a:p>
+        </p:txBody>
+      </p:sp>
+      <p:sp>
+        <p:nvSpPr>
+          <p:cNvPr id="5" name="Elipse 4">
+            <a:extLst>
+              <a:ext uri="{FF2B5EF4-FFF2-40B4-BE49-F238E27FC236}">
+                <a16:creationId xmlns:a16="http://schemas.microsoft.com/office/drawing/2014/main" id="{4821C533-B6AD-4FE6-BF89-6B58C131F0CD}"/>
+              </a:ext>
+            </a:extLst>
+          </p:cNvPr>
+          <p:cNvSpPr/>
+          <p:nvPr/>
+        </p:nvSpPr>
+        <p:spPr>
+          <a:xfrm>
+            <a:off x="8434720" y="2915292"/>
+            <a:ext cx="1460763" cy="1460763"/>
+          </a:xfrm>
+          <a:prstGeom prst="ellipse">
+            <a:avLst/>
+          </a:prstGeom>
+        </p:spPr>
+        <p:style>
+          <a:lnRef idx="2">
+            <a:schemeClr val="accent1">
+              <a:shade val="50000"/>
+            </a:schemeClr>
+          </a:lnRef>
+          <a:fillRef idx="1">
+            <a:schemeClr val="accent1"/>
+          </a:fillRef>
+          <a:effectRef idx="0">
+            <a:schemeClr val="accent1"/>
+          </a:effectRef>
+          <a:fontRef idx="minor">
+            <a:schemeClr val="lt1"/>
+          </a:fontRef>
+        </p:style>
+        <p:txBody>
+          <a:bodyPr rtlCol="0" anchor="ctr"/>
+          <a:lstStyle/>
+          <a:p>
+            <a:pPr algn="ctr"/>
+            <a:endParaRPr lang="pt-BR"/>
+          </a:p>
+        </p:txBody>
+      </p:sp>
+      <p:sp>
+        <p:nvSpPr>
+          <p:cNvPr id="6" name="Elipse 5">
+            <a:extLst>
+              <a:ext uri="{FF2B5EF4-FFF2-40B4-BE49-F238E27FC236}">
+                <a16:creationId xmlns:a16="http://schemas.microsoft.com/office/drawing/2014/main" id="{B933C42F-90F1-4AF3-A2FA-DCB1FC97D05E}"/>
+              </a:ext>
+            </a:extLst>
+          </p:cNvPr>
+          <p:cNvSpPr/>
+          <p:nvPr/>
+        </p:nvSpPr>
+        <p:spPr>
+          <a:xfrm>
+            <a:off x="6364831" y="2915290"/>
+            <a:ext cx="1460763" cy="1460763"/>
+          </a:xfrm>
+          <a:prstGeom prst="ellipse">
+            <a:avLst/>
+          </a:prstGeom>
+        </p:spPr>
+        <p:style>
+          <a:lnRef idx="2">
+            <a:schemeClr val="accent1">
+              <a:shade val="50000"/>
+            </a:schemeClr>
+          </a:lnRef>
+          <a:fillRef idx="1">
+            <a:schemeClr val="accent1"/>
+          </a:fillRef>
+          <a:effectRef idx="0">
+            <a:schemeClr val="accent1"/>
+          </a:effectRef>
+          <a:fontRef idx="minor">
+            <a:schemeClr val="lt1"/>
+          </a:fontRef>
+        </p:style>
+        <p:txBody>
+          <a:bodyPr rtlCol="0" anchor="ctr"/>
+          <a:lstStyle/>
+          <a:p>
+            <a:pPr algn="ctr"/>
+            <a:endParaRPr lang="pt-BR"/>
+          </a:p>
+        </p:txBody>
+      </p:sp>
+      <p:sp>
+        <p:nvSpPr>
+          <p:cNvPr id="7" name="Elipse 6">
+            <a:extLst>
+              <a:ext uri="{FF2B5EF4-FFF2-40B4-BE49-F238E27FC236}">
+                <a16:creationId xmlns:a16="http://schemas.microsoft.com/office/drawing/2014/main" id="{F663AA05-740A-4CDE-B1D5-80249D0F45FF}"/>
+              </a:ext>
+            </a:extLst>
+          </p:cNvPr>
+          <p:cNvSpPr/>
+          <p:nvPr/>
+        </p:nvSpPr>
+        <p:spPr>
+          <a:xfrm>
+            <a:off x="10327465" y="2915290"/>
+            <a:ext cx="1460763" cy="1460763"/>
+          </a:xfrm>
+          <a:prstGeom prst="ellipse">
+            <a:avLst/>
+          </a:prstGeom>
+        </p:spPr>
+        <p:style>
+          <a:lnRef idx="2">
+            <a:schemeClr val="accent1">
+              <a:shade val="50000"/>
+            </a:schemeClr>
+          </a:lnRef>
+          <a:fillRef idx="1">
+            <a:schemeClr val="accent1"/>
+          </a:fillRef>
+          <a:effectRef idx="0">
+            <a:schemeClr val="accent1"/>
+          </a:effectRef>
+          <a:fontRef idx="minor">
+            <a:schemeClr val="lt1"/>
+          </a:fontRef>
+        </p:style>
+        <p:txBody>
+          <a:bodyPr rtlCol="0" anchor="ctr"/>
+          <a:lstStyle/>
+          <a:p>
+            <a:pPr algn="ctr"/>
+            <a:endParaRPr lang="pt-BR"/>
+          </a:p>
+        </p:txBody>
+      </p:sp>
+      <p:sp>
+        <p:nvSpPr>
+          <p:cNvPr id="8" name="CaixaDeTexto 7">
+            <a:extLst>
+              <a:ext uri="{FF2B5EF4-FFF2-40B4-BE49-F238E27FC236}">
+                <a16:creationId xmlns:a16="http://schemas.microsoft.com/office/drawing/2014/main" id="{B8325861-1F2F-4268-ABB8-C47708A22645}"/>
+              </a:ext>
+            </a:extLst>
+          </p:cNvPr>
+          <p:cNvSpPr txBox="1"/>
+          <p:nvPr/>
+        </p:nvSpPr>
+        <p:spPr>
+          <a:xfrm>
+            <a:off x="247054" y="4690253"/>
+            <a:ext cx="1985555" cy="954107"/>
+          </a:xfrm>
+          <a:prstGeom prst="rect">
+            <a:avLst/>
+          </a:prstGeom>
+          <a:noFill/>
+        </p:spPr>
+        <p:txBody>
+          <a:bodyPr wrap="square" rtlCol="0">
+            <a:spAutoFit/>
+          </a:bodyPr>
+          <a:lstStyle/>
+          <a:p>
+            <a:pPr algn="ctr"/>
+            <a:r>
+              <a:rPr lang="pt-BR" sz="2800" dirty="0">
+                <a:latin typeface="Bariol Bold" panose="02000506040000020003" pitchFamily="2" charset="0"/>
+              </a:rPr>
+              <a:t>Gabriel Lázaro</a:t>
+            </a:r>
+          </a:p>
+        </p:txBody>
+      </p:sp>
+      <p:sp>
+        <p:nvSpPr>
+          <p:cNvPr id="9" name="CaixaDeTexto 8">
+            <a:extLst>
+              <a:ext uri="{FF2B5EF4-FFF2-40B4-BE49-F238E27FC236}">
+                <a16:creationId xmlns:a16="http://schemas.microsoft.com/office/drawing/2014/main" id="{C1CD548A-80ED-4522-9EDB-054404B21EE9}"/>
+              </a:ext>
+            </a:extLst>
+          </p:cNvPr>
+          <p:cNvSpPr txBox="1"/>
+          <p:nvPr/>
+        </p:nvSpPr>
+        <p:spPr>
+          <a:xfrm>
+            <a:off x="4032545" y="4668399"/>
+            <a:ext cx="1985555" cy="954107"/>
+          </a:xfrm>
+          <a:prstGeom prst="rect">
+            <a:avLst/>
+          </a:prstGeom>
+          <a:noFill/>
+        </p:spPr>
+        <p:txBody>
+          <a:bodyPr wrap="square" rtlCol="0">
+            <a:spAutoFit/>
+          </a:bodyPr>
+          <a:lstStyle/>
+          <a:p>
+            <a:pPr algn="ctr"/>
+            <a:r>
+              <a:rPr lang="pt-BR" sz="2800" dirty="0">
+                <a:latin typeface="Bariol Bold" panose="02000506040000020003" pitchFamily="2" charset="0"/>
+              </a:rPr>
+              <a:t>João Baptista</a:t>
+            </a:r>
+          </a:p>
+        </p:txBody>
+      </p:sp>
+      <p:sp>
+        <p:nvSpPr>
+          <p:cNvPr id="10" name="CaixaDeTexto 9">
+            <a:extLst>
+              <a:ext uri="{FF2B5EF4-FFF2-40B4-BE49-F238E27FC236}">
+                <a16:creationId xmlns:a16="http://schemas.microsoft.com/office/drawing/2014/main" id="{A943B0FE-F317-47B4-AF95-1BF63C89F003}"/>
+              </a:ext>
+            </a:extLst>
+          </p:cNvPr>
+          <p:cNvSpPr txBox="1"/>
+          <p:nvPr/>
+        </p:nvSpPr>
+        <p:spPr>
+          <a:xfrm>
+            <a:off x="8172322" y="4690252"/>
+            <a:ext cx="1985555" cy="954107"/>
+          </a:xfrm>
+          <a:prstGeom prst="rect">
+            <a:avLst/>
+          </a:prstGeom>
+          <a:noFill/>
+        </p:spPr>
+        <p:txBody>
+          <a:bodyPr wrap="square" rtlCol="0">
+            <a:spAutoFit/>
+          </a:bodyPr>
+          <a:lstStyle/>
+          <a:p>
+            <a:pPr algn="ctr"/>
+            <a:r>
+              <a:rPr lang="pt-BR" sz="2800" dirty="0">
+                <a:latin typeface="Bariol Bold" panose="02000506040000020003" pitchFamily="2" charset="0"/>
+              </a:rPr>
+              <a:t>Larissa</a:t>
+            </a:r>
+          </a:p>
+          <a:p>
+            <a:pPr algn="ctr"/>
+            <a:r>
+              <a:rPr lang="pt-BR" sz="2800" dirty="0">
+                <a:latin typeface="Bariol Bold" panose="02000506040000020003" pitchFamily="2" charset="0"/>
+              </a:rPr>
+              <a:t>Custódio</a:t>
+            </a:r>
+          </a:p>
+        </p:txBody>
+      </p:sp>
+      <p:sp>
+        <p:nvSpPr>
+          <p:cNvPr id="11" name="CaixaDeTexto 10">
+            <a:extLst>
+              <a:ext uri="{FF2B5EF4-FFF2-40B4-BE49-F238E27FC236}">
+                <a16:creationId xmlns:a16="http://schemas.microsoft.com/office/drawing/2014/main" id="{79D4990C-EB5C-46BD-906D-1D4B714A6937}"/>
+              </a:ext>
+            </a:extLst>
+          </p:cNvPr>
+          <p:cNvSpPr txBox="1"/>
+          <p:nvPr/>
+        </p:nvSpPr>
+        <p:spPr>
+          <a:xfrm>
+            <a:off x="10065068" y="4685234"/>
+            <a:ext cx="1985555" cy="954107"/>
+          </a:xfrm>
+          <a:prstGeom prst="rect">
+            <a:avLst/>
+          </a:prstGeom>
+          <a:noFill/>
+        </p:spPr>
+        <p:txBody>
+          <a:bodyPr wrap="square" rtlCol="0">
+            <a:spAutoFit/>
+          </a:bodyPr>
+          <a:lstStyle/>
+          <a:p>
+            <a:pPr algn="ctr"/>
+            <a:r>
+              <a:rPr lang="pt-BR" sz="2800" dirty="0">
+                <a:latin typeface="Bariol Bold" panose="02000506040000020003" pitchFamily="2" charset="0"/>
+              </a:rPr>
+              <a:t>Lucas</a:t>
+            </a:r>
+          </a:p>
+          <a:p>
+            <a:pPr algn="ctr"/>
+            <a:r>
+              <a:rPr lang="pt-BR" sz="2800" dirty="0">
+                <a:latin typeface="Bariol Bold" panose="02000506040000020003" pitchFamily="2" charset="0"/>
+              </a:rPr>
+              <a:t>Matheus</a:t>
+            </a:r>
+          </a:p>
+        </p:txBody>
+      </p:sp>
+      <p:sp>
+        <p:nvSpPr>
+          <p:cNvPr id="12" name="CaixaDeTexto 11">
+            <a:extLst>
+              <a:ext uri="{FF2B5EF4-FFF2-40B4-BE49-F238E27FC236}">
+                <a16:creationId xmlns:a16="http://schemas.microsoft.com/office/drawing/2014/main" id="{3EEDA333-49AA-47A1-9E18-27FCA69C6ADA}"/>
+              </a:ext>
+            </a:extLst>
+          </p:cNvPr>
+          <p:cNvSpPr txBox="1"/>
+          <p:nvPr/>
+        </p:nvSpPr>
+        <p:spPr>
+          <a:xfrm>
+            <a:off x="2139799" y="4646545"/>
+            <a:ext cx="1985555" cy="954107"/>
+          </a:xfrm>
+          <a:prstGeom prst="rect">
+            <a:avLst/>
+          </a:prstGeom>
+          <a:noFill/>
+        </p:spPr>
+        <p:txBody>
+          <a:bodyPr wrap="square" rtlCol="0">
+            <a:spAutoFit/>
+          </a:bodyPr>
+          <a:lstStyle/>
+          <a:p>
+            <a:pPr algn="ctr"/>
+            <a:r>
+              <a:rPr lang="pt-BR" sz="2800" dirty="0">
+                <a:latin typeface="Bariol Bold" panose="02000506040000020003" pitchFamily="2" charset="0"/>
+              </a:rPr>
+              <a:t>Isabella Oliveira</a:t>
+            </a:r>
+          </a:p>
+        </p:txBody>
+      </p:sp>
+      <p:pic>
+        <p:nvPicPr>
+          <p:cNvPr id="18" name="Imagem 17" descr="Uma imagem contendo texto, desenho&#10;&#10;Descrição gerada automaticamente">
+            <a:extLst>
+              <a:ext uri="{FF2B5EF4-FFF2-40B4-BE49-F238E27FC236}">
+                <a16:creationId xmlns:a16="http://schemas.microsoft.com/office/drawing/2014/main" id="{AD26FE12-6C3C-42D5-8555-53AADF5A3248}"/>
+              </a:ext>
+            </a:extLst>
+          </p:cNvPr>
+          <p:cNvPicPr>
+            <a:picLocks noChangeAspect="1"/>
+          </p:cNvPicPr>
+          <p:nvPr/>
+        </p:nvPicPr>
+        <p:blipFill>
+          <a:blip r:embed="rId2" cstate="hqprint">
+            <a:extLst>
+              <a:ext uri="{28A0092B-C50C-407E-A947-70E740481C1C}">
+                <a14:useLocalDpi xmlns:a14="http://schemas.microsoft.com/office/drawing/2010/main" val="0"/>
+              </a:ext>
+            </a:extLst>
+          </a:blip>
+          <a:stretch>
+            <a:fillRect/>
+          </a:stretch>
+        </p:blipFill>
+        <p:spPr>
+          <a:xfrm>
+            <a:off x="11371740" y="365125"/>
+            <a:ext cx="599846" cy="535577"/>
+          </a:xfrm>
+          <a:prstGeom prst="rect">
+            <a:avLst/>
+          </a:prstGeom>
+        </p:spPr>
+      </p:pic>
+      <p:sp>
+        <p:nvSpPr>
+          <p:cNvPr id="14" name="Elipse 13">
+            <a:extLst>
+              <a:ext uri="{FF2B5EF4-FFF2-40B4-BE49-F238E27FC236}">
+                <a16:creationId xmlns:a16="http://schemas.microsoft.com/office/drawing/2014/main" id="{7D9F8C05-4696-45C8-A76A-B27C44BC7A12}"/>
+              </a:ext>
+            </a:extLst>
+          </p:cNvPr>
+          <p:cNvSpPr/>
+          <p:nvPr/>
+        </p:nvSpPr>
+        <p:spPr>
+          <a:xfrm>
+            <a:off x="2402196" y="2915290"/>
+            <a:ext cx="1460763" cy="1460763"/>
+          </a:xfrm>
+          <a:prstGeom prst="ellipse">
+            <a:avLst/>
+          </a:prstGeom>
+        </p:spPr>
+        <p:style>
+          <a:lnRef idx="2">
+            <a:schemeClr val="accent1">
+              <a:shade val="50000"/>
+            </a:schemeClr>
+          </a:lnRef>
+          <a:fillRef idx="1">
+            <a:schemeClr val="accent1"/>
+          </a:fillRef>
+          <a:effectRef idx="0">
+            <a:schemeClr val="accent1"/>
+          </a:effectRef>
+          <a:fontRef idx="minor">
+            <a:schemeClr val="lt1"/>
+          </a:fontRef>
+        </p:style>
+        <p:txBody>
+          <a:bodyPr rtlCol="0" anchor="ctr"/>
+          <a:lstStyle/>
+          <a:p>
+            <a:pPr algn="ctr"/>
+            <a:endParaRPr lang="pt-BR"/>
+          </a:p>
+        </p:txBody>
+      </p:sp>
+      <p:sp>
+        <p:nvSpPr>
+          <p:cNvPr id="15" name="CaixaDeTexto 14">
+            <a:extLst>
+              <a:ext uri="{FF2B5EF4-FFF2-40B4-BE49-F238E27FC236}">
+                <a16:creationId xmlns:a16="http://schemas.microsoft.com/office/drawing/2014/main" id="{E521C1D0-0445-4E7C-A6FE-73D8B2BC5B37}"/>
+              </a:ext>
+            </a:extLst>
+          </p:cNvPr>
+          <p:cNvSpPr txBox="1"/>
+          <p:nvPr/>
+        </p:nvSpPr>
+        <p:spPr>
+          <a:xfrm>
+            <a:off x="6102434" y="4685234"/>
+            <a:ext cx="1985555" cy="954107"/>
+          </a:xfrm>
+          <a:prstGeom prst="rect">
+            <a:avLst/>
+          </a:prstGeom>
+          <a:noFill/>
+        </p:spPr>
+        <p:txBody>
+          <a:bodyPr wrap="square" rtlCol="0">
+            <a:spAutoFit/>
+          </a:bodyPr>
+          <a:lstStyle/>
+          <a:p>
+            <a:pPr algn="ctr"/>
+            <a:r>
+              <a:rPr lang="pt-BR" sz="2800" dirty="0">
+                <a:latin typeface="Bariol Bold" panose="02000506040000020003" pitchFamily="2" charset="0"/>
+              </a:rPr>
+              <a:t>Julia </a:t>
+            </a:r>
+          </a:p>
+          <a:p>
+            <a:pPr algn="ctr"/>
+            <a:r>
+              <a:rPr lang="pt-BR" sz="2800" dirty="0">
+                <a:latin typeface="Bariol Bold" panose="02000506040000020003" pitchFamily="2" charset="0"/>
+              </a:rPr>
+              <a:t>Lima</a:t>
+            </a:r>
+          </a:p>
+        </p:txBody>
+      </p:sp>
+      <p:pic>
+        <p:nvPicPr>
+          <p:cNvPr id="13" name="Imagem 12"/>
+          <p:cNvPicPr>
+            <a:picLocks noChangeAspect="1"/>
+          </p:cNvPicPr>
+          <p:nvPr/>
+        </p:nvPicPr>
+        <p:blipFill>
+          <a:blip r:embed="rId3" cstate="hqprint">
+            <a:extLst>
+              <a:ext uri="{28A0092B-C50C-407E-A947-70E740481C1C}">
+                <a14:useLocalDpi xmlns:a14="http://schemas.microsoft.com/office/drawing/2010/main" val="0"/>
+              </a:ext>
+            </a:extLst>
+          </a:blip>
+          <a:stretch>
+            <a:fillRect/>
+          </a:stretch>
+        </p:blipFill>
+        <p:spPr>
+          <a:xfrm>
+            <a:off x="8392394" y="2855952"/>
+            <a:ext cx="1503089" cy="1536186"/>
+          </a:xfrm>
+          <a:prstGeom prst="ellipse">
+            <a:avLst/>
+          </a:prstGeom>
+          <a:ln w="63500" cap="rnd">
+            <a:noFill/>
+          </a:ln>
+          <a:effectLst>
+            <a:outerShdw blurRad="381000" dist="292100" dir="5400000" sx="-80000" sy="-18000" rotWithShape="0">
+              <a:srgbClr val="000000">
+                <a:alpha val="22000"/>
+              </a:srgbClr>
+            </a:outerShdw>
+          </a:effectLst>
+          <a:scene3d>
+            <a:camera prst="orthographicFront"/>
+            <a:lightRig rig="contrasting" dir="t">
+              <a:rot lat="0" lon="0" rev="3000000"/>
+            </a:lightRig>
+          </a:scene3d>
+          <a:sp3d contourW="7620">
+            <a:bevelT w="95250" h="31750"/>
+            <a:contourClr>
+              <a:srgbClr val="333333"/>
+            </a:contourClr>
+          </a:sp3d>
+        </p:spPr>
+      </p:pic>
+      <p:pic>
+        <p:nvPicPr>
+          <p:cNvPr id="16" name="Imagem 15"/>
+          <p:cNvPicPr>
+            <a:picLocks noChangeAspect="1"/>
+          </p:cNvPicPr>
+          <p:nvPr/>
+        </p:nvPicPr>
+        <p:blipFill>
+          <a:blip r:embed="rId4" cstate="hqprint">
+            <a:extLst>
+              <a:ext uri="{28A0092B-C50C-407E-A947-70E740481C1C}">
+                <a14:useLocalDpi xmlns:a14="http://schemas.microsoft.com/office/drawing/2010/main" val="0"/>
+              </a:ext>
+            </a:extLst>
+          </a:blip>
+          <a:stretch>
+            <a:fillRect/>
+          </a:stretch>
+        </p:blipFill>
+        <p:spPr>
+          <a:xfrm>
+            <a:off x="6287569" y="2860974"/>
+            <a:ext cx="1572960" cy="1574416"/>
+          </a:xfrm>
+          <a:prstGeom prst="ellipse">
+            <a:avLst/>
+          </a:prstGeom>
+          <a:ln w="63500" cap="rnd">
+            <a:noFill/>
+          </a:ln>
+          <a:effectLst>
+            <a:outerShdw blurRad="381000" dist="292100" dir="5400000" sx="-80000" sy="-18000" rotWithShape="0">
+              <a:srgbClr val="000000">
+                <a:alpha val="22000"/>
+              </a:srgbClr>
+            </a:outerShdw>
+          </a:effectLst>
+          <a:scene3d>
+            <a:camera prst="orthographicFront"/>
+            <a:lightRig rig="contrasting" dir="t">
+              <a:rot lat="0" lon="0" rev="3000000"/>
+            </a:lightRig>
+          </a:scene3d>
+          <a:sp3d contourW="7620">
+            <a:bevelT w="95250" h="31750"/>
+            <a:contourClr>
+              <a:srgbClr val="333333"/>
+            </a:contourClr>
+          </a:sp3d>
+        </p:spPr>
+      </p:pic>
+      <p:pic>
+        <p:nvPicPr>
+          <p:cNvPr id="17" name="Imagem 16"/>
+          <p:cNvPicPr>
+            <a:picLocks noChangeAspect="1"/>
+          </p:cNvPicPr>
+          <p:nvPr/>
+        </p:nvPicPr>
+        <p:blipFill>
+          <a:blip r:embed="rId5">
+            <a:extLst>
+              <a:ext uri="{28A0092B-C50C-407E-A947-70E740481C1C}">
+                <a14:useLocalDpi xmlns:a14="http://schemas.microsoft.com/office/drawing/2010/main" val="0"/>
+              </a:ext>
+            </a:extLst>
+          </a:blip>
+          <a:stretch>
+            <a:fillRect/>
+          </a:stretch>
+        </p:blipFill>
+        <p:spPr>
+          <a:xfrm>
+            <a:off x="10272614" y="2922220"/>
+            <a:ext cx="1563199" cy="1491613"/>
+          </a:xfrm>
+          <a:prstGeom prst="ellipse">
+            <a:avLst/>
+          </a:prstGeom>
+          <a:ln w="63500" cap="rnd">
+            <a:noFill/>
+          </a:ln>
+          <a:effectLst>
+            <a:outerShdw blurRad="381000" dist="292100" dir="5400000" sx="-80000" sy="-18000" rotWithShape="0">
+              <a:srgbClr val="000000">
+                <a:alpha val="22000"/>
+              </a:srgbClr>
+            </a:outerShdw>
+          </a:effectLst>
+          <a:scene3d>
+            <a:camera prst="orthographicFront"/>
+            <a:lightRig rig="contrasting" dir="t">
+              <a:rot lat="0" lon="0" rev="3000000"/>
+            </a:lightRig>
+          </a:scene3d>
+          <a:sp3d contourW="7620">
+            <a:bevelT w="95250" h="31750"/>
+            <a:contourClr>
+              <a:srgbClr val="333333"/>
+            </a:contourClr>
+          </a:sp3d>
+        </p:spPr>
+      </p:pic>
+      <p:pic>
+        <p:nvPicPr>
+          <p:cNvPr id="19" name="Imagem 18"/>
+          <p:cNvPicPr>
+            <a:picLocks noChangeAspect="1"/>
+          </p:cNvPicPr>
+          <p:nvPr/>
+        </p:nvPicPr>
+        <p:blipFill>
+          <a:blip r:embed="rId6" cstate="hqprint">
+            <a:extLst>
+              <a:ext uri="{28A0092B-C50C-407E-A947-70E740481C1C}">
+                <a14:useLocalDpi xmlns:a14="http://schemas.microsoft.com/office/drawing/2010/main" val="0"/>
+              </a:ext>
+            </a:extLst>
+          </a:blip>
+          <a:stretch>
+            <a:fillRect/>
+          </a:stretch>
+        </p:blipFill>
+        <p:spPr>
+          <a:xfrm>
+            <a:off x="2348211" y="2922220"/>
+            <a:ext cx="1569600" cy="1469918"/>
+          </a:xfrm>
+          <a:prstGeom prst="ellipse">
+            <a:avLst/>
+          </a:prstGeom>
+          <a:ln w="63500" cap="rnd">
+            <a:noFill/>
+          </a:ln>
+          <a:effectLst>
+            <a:outerShdw blurRad="381000" dist="292100" dir="5400000" sx="-80000" sy="-18000" rotWithShape="0">
+              <a:srgbClr val="000000">
+                <a:alpha val="22000"/>
+              </a:srgbClr>
+            </a:outerShdw>
+          </a:effectLst>
+          <a:scene3d>
+            <a:camera prst="orthographicFront"/>
+            <a:lightRig rig="contrasting" dir="t">
+              <a:rot lat="0" lon="0" rev="3000000"/>
+            </a:lightRig>
+          </a:scene3d>
+          <a:sp3d contourW="7620">
+            <a:bevelT w="95250" h="31750"/>
+            <a:contourClr>
+              <a:srgbClr val="333333"/>
+            </a:contourClr>
+          </a:sp3d>
+        </p:spPr>
+      </p:pic>
+      <p:pic>
+        <p:nvPicPr>
+          <p:cNvPr id="20" name="Imagem 19"/>
+          <p:cNvPicPr>
+            <a:picLocks noChangeAspect="1"/>
+          </p:cNvPicPr>
+          <p:nvPr/>
+        </p:nvPicPr>
+        <p:blipFill>
+          <a:blip r:embed="rId7">
+            <a:extLst>
+              <a:ext uri="{28A0092B-C50C-407E-A947-70E740481C1C}">
+                <a14:useLocalDpi xmlns:a14="http://schemas.microsoft.com/office/drawing/2010/main" val="0"/>
+              </a:ext>
+            </a:extLst>
+          </a:blip>
+          <a:stretch>
+            <a:fillRect/>
+          </a:stretch>
+        </p:blipFill>
+        <p:spPr>
+          <a:xfrm>
+            <a:off x="4240090" y="2894181"/>
+            <a:ext cx="1569600" cy="1541209"/>
+          </a:xfrm>
+          <a:prstGeom prst="ellipse">
+            <a:avLst/>
+          </a:prstGeom>
+          <a:ln w="63500" cap="rnd">
+            <a:noFill/>
+          </a:ln>
+          <a:effectLst>
+            <a:outerShdw blurRad="381000" dist="292100" dir="5400000" sx="-80000" sy="-18000" rotWithShape="0">
+              <a:srgbClr val="000000">
+                <a:alpha val="22000"/>
+              </a:srgbClr>
+            </a:outerShdw>
+          </a:effectLst>
+          <a:scene3d>
+            <a:camera prst="orthographicFront"/>
+            <a:lightRig rig="contrasting" dir="t">
+              <a:rot lat="0" lon="0" rev="3000000"/>
+            </a:lightRig>
+          </a:scene3d>
+          <a:sp3d contourW="7620">
+            <a:bevelT w="95250" h="31750"/>
+            <a:contourClr>
+              <a:srgbClr val="333333"/>
+            </a:contourClr>
+          </a:sp3d>
+        </p:spPr>
+      </p:pic>
+      <p:pic>
+        <p:nvPicPr>
+          <p:cNvPr id="21" name="Imagem 20"/>
+          <p:cNvPicPr>
+            <a:picLocks noChangeAspect="1"/>
+          </p:cNvPicPr>
+          <p:nvPr/>
+        </p:nvPicPr>
+        <p:blipFill>
+          <a:blip r:embed="rId8" cstate="hqprint">
+            <a:extLst>
+              <a:ext uri="{28A0092B-C50C-407E-A947-70E740481C1C}">
+                <a14:useLocalDpi xmlns:a14="http://schemas.microsoft.com/office/drawing/2010/main" val="0"/>
+              </a:ext>
+            </a:extLst>
+          </a:blip>
+          <a:stretch>
+            <a:fillRect/>
+          </a:stretch>
+        </p:blipFill>
+        <p:spPr>
+          <a:xfrm>
+            <a:off x="489900" y="2904663"/>
+            <a:ext cx="1499861" cy="1509170"/>
+          </a:xfrm>
+          <a:prstGeom prst="ellipse">
+            <a:avLst/>
+          </a:prstGeom>
+          <a:ln w="63500" cap="rnd">
+            <a:noFill/>
+          </a:ln>
+          <a:effectLst>
+            <a:outerShdw blurRad="381000" dist="292100" dir="5400000" sx="-80000" sy="-18000" rotWithShape="0">
+              <a:srgbClr val="000000">
+                <a:alpha val="22000"/>
+              </a:srgbClr>
+            </a:outerShdw>
+          </a:effectLst>
+          <a:scene3d>
+            <a:camera prst="orthographicFront"/>
+            <a:lightRig rig="contrasting" dir="t">
+              <a:rot lat="0" lon="0" rev="3000000"/>
+            </a:lightRig>
+          </a:scene3d>
+          <a:sp3d contourW="7620">
+            <a:bevelT w="95250" h="31750"/>
+            <a:contourClr>
+              <a:srgbClr val="333333"/>
+            </a:contourClr>
+          </a:sp3d>
+        </p:spPr>
+      </p:pic>
+    </p:spTree>
+    <p:extLst>
+      <p:ext uri="{BB962C8B-B14F-4D97-AF65-F5344CB8AC3E}">
+        <p14:creationId xmlns:p14="http://schemas.microsoft.com/office/powerpoint/2010/main" val="2304562546"/>
+      </p:ext>
+    </p:extLst>
+  </p:cSld>
+  <p:clrMapOvr>
+    <a:masterClrMapping/>
+  </p:clrMapOvr>
+  <p:transition advClick="0">
+    <p:fade/>
+  </p:transition>
+</p:sld>
+</file>
+
+<file path=ppt/slides/slide20.xml><?xml version="1.0" encoding="utf-8"?>
+<p:sld xmlns:a="http://schemas.openxmlformats.org/drawingml/2006/main" xmlns:r="http://schemas.openxmlformats.org/officeDocument/2006/relationships" xmlns:p="http://schemas.openxmlformats.org/presentationml/2006/main">
+  <p:cSld>
+    <p:spTree>
+      <p:nvGrpSpPr>
+        <p:cNvPr id="1" name=""/>
+        <p:cNvGrpSpPr/>
+        <p:nvPr/>
+      </p:nvGrpSpPr>
+      <p:grpSpPr>
+        <a:xfrm>
+          <a:off x="0" y="0"/>
+          <a:ext cx="0" cy="0"/>
+          <a:chOff x="0" y="0"/>
+          <a:chExt cx="0" cy="0"/>
+        </a:xfrm>
+      </p:grpSpPr>
+      <p:pic>
+        <p:nvPicPr>
+          <p:cNvPr id="3" name="Imagem 2" descr="Uma imagem contendo texto, desenho&#10;&#10;Descrição gerada automaticamente">
+            <a:extLst>
+              <a:ext uri="{FF2B5EF4-FFF2-40B4-BE49-F238E27FC236}">
+                <a16:creationId xmlns:a16="http://schemas.microsoft.com/office/drawing/2014/main" id="{1BC5E0AB-6EDC-4020-80FC-407DFD0D3C3E}"/>
+              </a:ext>
+            </a:extLst>
+          </p:cNvPr>
+          <p:cNvPicPr>
+            <a:picLocks noChangeAspect="1"/>
+          </p:cNvPicPr>
+          <p:nvPr/>
+        </p:nvPicPr>
+        <p:blipFill>
+          <a:blip r:embed="rId2" cstate="hqprint">
+            <a:extLst>
+              <a:ext uri="{28A0092B-C50C-407E-A947-70E740481C1C}">
+                <a14:useLocalDpi xmlns:a14="http://schemas.microsoft.com/office/drawing/2010/main" val="0"/>
+              </a:ext>
+            </a:extLst>
+          </a:blip>
+          <a:stretch>
+            <a:fillRect/>
+          </a:stretch>
+        </p:blipFill>
+        <p:spPr>
+          <a:xfrm>
+            <a:off x="11371740" y="365125"/>
+            <a:ext cx="599846" cy="535577"/>
+          </a:xfrm>
+          <a:prstGeom prst="rect">
+            <a:avLst/>
+          </a:prstGeom>
+        </p:spPr>
+      </p:pic>
+      <p:sp>
+        <p:nvSpPr>
+          <p:cNvPr id="6" name="Título 1">
+            <a:extLst>
+              <a:ext uri="{FF2B5EF4-FFF2-40B4-BE49-F238E27FC236}">
+                <a16:creationId xmlns:a16="http://schemas.microsoft.com/office/drawing/2014/main" id="{99F76FBE-1BC2-4EE6-B90A-22263BF7BDCD}"/>
+              </a:ext>
+            </a:extLst>
+          </p:cNvPr>
+          <p:cNvSpPr txBox="1">
+            <a:spLocks/>
+          </p:cNvSpPr>
+          <p:nvPr/>
+        </p:nvSpPr>
+        <p:spPr>
+          <a:xfrm>
+            <a:off x="838199" y="1433807"/>
+            <a:ext cx="10515600" cy="1325563"/>
+          </a:xfrm>
+          <a:prstGeom prst="rect">
+            <a:avLst/>
+          </a:prstGeom>
+        </p:spPr>
+        <p:txBody>
+          <a:bodyPr vert="horz" lIns="91440" tIns="45720" rIns="91440" bIns="45720" rtlCol="0" anchor="ctr">
+            <a:normAutofit/>
+          </a:bodyPr>
+          <a:lstStyle>
+            <a:lvl1pPr algn="l" defTabSz="914400" rtl="0" eaLnBrk="1" latinLnBrk="0" hangingPunct="1">
+              <a:lnSpc>
+                <a:spcPct val="90000"/>
+              </a:lnSpc>
+              <a:spcBef>
+                <a:spcPct val="0"/>
+              </a:spcBef>
+              <a:buNone/>
+              <a:defRPr sz="4400" kern="1200">
+                <a:solidFill>
+                  <a:schemeClr val="tx1"/>
+                </a:solidFill>
+                <a:latin typeface="+mj-lt"/>
+                <a:ea typeface="+mj-ea"/>
+                <a:cs typeface="+mj-cs"/>
+              </a:defRPr>
+            </a:lvl1pPr>
+          </a:lstStyle>
+          <a:p>
+            <a:pPr algn="ctr"/>
+            <a:r>
+              <a:rPr lang="pt-BR" dirty="0">
+                <a:solidFill>
+                  <a:schemeClr val="tx1">
+                    <a:lumMod val="75000"/>
+                    <a:lumOff val="25000"/>
+                  </a:schemeClr>
+                </a:solidFill>
+                <a:latin typeface="Bariol Bold" panose="02000506040000020003" pitchFamily="2" charset="0"/>
+              </a:rPr>
+              <a:t>Banco de Dados (Protótipo)</a:t>
+            </a:r>
+          </a:p>
+        </p:txBody>
+      </p:sp>
+      <p:pic>
+        <p:nvPicPr>
+          <p:cNvPr id="7" name="Imagem 6" descr="Uma imagem contendo homem, segurando, esqui, neve&#10;&#10;Descrição gerada automaticamente">
+            <a:extLst>
+              <a:ext uri="{FF2B5EF4-FFF2-40B4-BE49-F238E27FC236}">
+                <a16:creationId xmlns:a16="http://schemas.microsoft.com/office/drawing/2014/main" id="{2EB99745-E546-4AF1-BB7A-70FE206BCD05}"/>
+              </a:ext>
+            </a:extLst>
+          </p:cNvPr>
+          <p:cNvPicPr>
+            <a:picLocks noChangeAspect="1"/>
+          </p:cNvPicPr>
+          <p:nvPr/>
+        </p:nvPicPr>
+        <p:blipFill>
+          <a:blip r:embed="rId3">
+            <a:extLst>
+              <a:ext uri="{28A0092B-C50C-407E-A947-70E740481C1C}">
+                <a14:useLocalDpi xmlns:a14="http://schemas.microsoft.com/office/drawing/2010/main" val="0"/>
+              </a:ext>
+            </a:extLst>
+          </a:blip>
+          <a:stretch>
+            <a:fillRect/>
+          </a:stretch>
+        </p:blipFill>
+        <p:spPr>
+          <a:xfrm>
+            <a:off x="2950595" y="2394055"/>
+            <a:ext cx="6468395" cy="4311545"/>
+          </a:xfrm>
+          <a:prstGeom prst="rect">
+            <a:avLst/>
+          </a:prstGeom>
+        </p:spPr>
+      </p:pic>
+    </p:spTree>
+    <p:extLst>
+      <p:ext uri="{BB962C8B-B14F-4D97-AF65-F5344CB8AC3E}">
+        <p14:creationId xmlns:p14="http://schemas.microsoft.com/office/powerpoint/2010/main" val="221675555"/>
+      </p:ext>
+    </p:extLst>
+  </p:cSld>
+  <p:clrMapOvr>
+    <a:masterClrMapping/>
+  </p:clrMapOvr>
+  <p:transition>
+    <p:fade/>
+  </p:transition>
+</p:sld>
+</file>
+
+<file path=ppt/slides/slide3.xml><?xml version="1.0" encoding="utf-8"?>
+<p:sld xmlns:a="http://schemas.openxmlformats.org/drawingml/2006/main" xmlns:r="http://schemas.openxmlformats.org/officeDocument/2006/relationships" xmlns:p="http://schemas.openxmlformats.org/presentationml/2006/main">
+  <p:cSld>
+    <p:spTree>
+      <p:nvGrpSpPr>
+        <p:cNvPr id="1" name=""/>
+        <p:cNvGrpSpPr/>
+        <p:nvPr/>
+      </p:nvGrpSpPr>
+      <p:grpSpPr>
+        <a:xfrm>
+          <a:off x="0" y="0"/>
+          <a:ext cx="0" cy="0"/>
+          <a:chOff x="0" y="0"/>
+          <a:chExt cx="0" cy="0"/>
+        </a:xfrm>
+      </p:grpSpPr>
+      <p:sp>
+        <p:nvSpPr>
+          <p:cNvPr id="2" name="Título 1">
+            <a:extLst>
+              <a:ext uri="{FF2B5EF4-FFF2-40B4-BE49-F238E27FC236}">
+                <a16:creationId xmlns:a16="http://schemas.microsoft.com/office/drawing/2014/main" id="{99F76FBE-1BC2-4EE6-B90A-22263BF7BDCD}"/>
+              </a:ext>
+            </a:extLst>
+          </p:cNvPr>
+          <p:cNvSpPr>
+            <a:spLocks noGrp="1"/>
+          </p:cNvSpPr>
+          <p:nvPr>
+            <p:ph type="title"/>
+          </p:nvPr>
+        </p:nvSpPr>
+        <p:spPr/>
+        <p:txBody>
+          <a:bodyPr/>
+          <a:lstStyle/>
+          <a:p>
+            <a:r>
+              <a:rPr lang="pt-BR" dirty="0">
+                <a:solidFill>
+                  <a:schemeClr val="tx1">
+                    <a:lumMod val="75000"/>
+                    <a:lumOff val="25000"/>
+                  </a:schemeClr>
+                </a:solidFill>
+                <a:latin typeface="Bariol Bold" panose="02000506040000020003" pitchFamily="2" charset="0"/>
+              </a:rPr>
+              <a:t>Segmento/Mercado</a:t>
+            </a:r>
+          </a:p>
+        </p:txBody>
+      </p:sp>
+      <p:pic>
+        <p:nvPicPr>
+          <p:cNvPr id="3" name="Imagem 2" descr="Uma imagem contendo texto, desenho&#10;&#10;Descrição gerada automaticamente">
+            <a:extLst>
+              <a:ext uri="{FF2B5EF4-FFF2-40B4-BE49-F238E27FC236}">
+                <a16:creationId xmlns:a16="http://schemas.microsoft.com/office/drawing/2014/main" id="{1111ADB1-2918-40BD-BC1F-D7866A69CB23}"/>
+              </a:ext>
+            </a:extLst>
+          </p:cNvPr>
+          <p:cNvPicPr>
+            <a:picLocks noChangeAspect="1"/>
+          </p:cNvPicPr>
+          <p:nvPr/>
+        </p:nvPicPr>
+        <p:blipFill>
+          <a:blip r:embed="rId2" cstate="hqprint">
+            <a:extLst>
+              <a:ext uri="{28A0092B-C50C-407E-A947-70E740481C1C}">
+                <a14:useLocalDpi xmlns:a14="http://schemas.microsoft.com/office/drawing/2010/main" val="0"/>
+              </a:ext>
+            </a:extLst>
+          </a:blip>
+          <a:stretch>
+            <a:fillRect/>
+          </a:stretch>
+        </p:blipFill>
+        <p:spPr>
+          <a:xfrm>
+            <a:off x="11371740" y="365125"/>
+            <a:ext cx="599846" cy="535577"/>
+          </a:xfrm>
+          <a:prstGeom prst="rect">
+            <a:avLst/>
+          </a:prstGeom>
+        </p:spPr>
+      </p:pic>
+      <p:sp>
+        <p:nvSpPr>
+          <p:cNvPr id="5" name="CaixaDeTexto 4">
+            <a:extLst>
+              <a:ext uri="{FF2B5EF4-FFF2-40B4-BE49-F238E27FC236}">
+                <a16:creationId xmlns:a16="http://schemas.microsoft.com/office/drawing/2014/main" id="{FE989C62-5914-45D9-B2FF-7FB8E76D6324}"/>
+              </a:ext>
+            </a:extLst>
+          </p:cNvPr>
+          <p:cNvSpPr txBox="1"/>
+          <p:nvPr/>
+        </p:nvSpPr>
+        <p:spPr>
+          <a:xfrm>
+            <a:off x="838200" y="2274838"/>
+            <a:ext cx="5995851" cy="1200329"/>
+          </a:xfrm>
+          <a:prstGeom prst="rect">
+            <a:avLst/>
+          </a:prstGeom>
+          <a:noFill/>
+        </p:spPr>
+        <p:txBody>
+          <a:bodyPr wrap="square" rtlCol="0">
+            <a:spAutoFit/>
+          </a:bodyPr>
+          <a:lstStyle/>
+          <a:p>
+            <a:pPr marL="285750" indent="-285750">
+              <a:buClr>
+                <a:srgbClr val="4772FF"/>
+              </a:buClr>
+              <a:buSzPct val="80000"/>
+              <a:buFont typeface="Wingdings" panose="05000000000000000000" pitchFamily="2" charset="2"/>
+              <a:buChar char="Ø"/>
+            </a:pPr>
+            <a:r>
+              <a:rPr lang="pt-BR" sz="2400" dirty="0">
+                <a:latin typeface="Bariol Bold" panose="02000506040000020003" pitchFamily="2" charset="0"/>
+              </a:rPr>
+              <a:t>Transporte publico metroviário</a:t>
+            </a:r>
+          </a:p>
+          <a:p>
+            <a:pPr>
+              <a:buClr>
+                <a:srgbClr val="4772FF"/>
+              </a:buClr>
+              <a:buSzPct val="80000"/>
+            </a:pPr>
+            <a:endParaRPr lang="pt-BR" sz="2400" dirty="0">
+              <a:latin typeface="Bariol Bold" panose="02000506040000020003" pitchFamily="2" charset="0"/>
+            </a:endParaRPr>
+          </a:p>
+          <a:p>
+            <a:pPr marL="285750" indent="-285750">
+              <a:buClr>
+                <a:srgbClr val="4772FF"/>
+              </a:buClr>
+              <a:buSzPct val="80000"/>
+              <a:buFont typeface="Wingdings" panose="05000000000000000000" pitchFamily="2" charset="2"/>
+              <a:buChar char="Ø"/>
+            </a:pPr>
+            <a:r>
+              <a:rPr lang="pt-BR" sz="2400" dirty="0">
+                <a:latin typeface="Bariol Bold" panose="02000506040000020003" pitchFamily="2" charset="0"/>
+              </a:rPr>
+              <a:t>Uso de informações para fins comerciais</a:t>
+            </a:r>
+          </a:p>
+        </p:txBody>
+      </p:sp>
+      <p:pic>
+        <p:nvPicPr>
+          <p:cNvPr id="7" name="Imagem 6"/>
+          <p:cNvPicPr>
+            <a:picLocks noChangeAspect="1"/>
+          </p:cNvPicPr>
+          <p:nvPr/>
+        </p:nvPicPr>
+        <p:blipFill>
+          <a:blip r:embed="rId3">
+            <a:extLst>
+              <a:ext uri="{28A0092B-C50C-407E-A947-70E740481C1C}">
+                <a14:useLocalDpi xmlns:a14="http://schemas.microsoft.com/office/drawing/2010/main" val="0"/>
+              </a:ext>
+            </a:extLst>
+          </a:blip>
+          <a:stretch>
+            <a:fillRect/>
+          </a:stretch>
+        </p:blipFill>
+        <p:spPr>
+          <a:xfrm>
+            <a:off x="7571231" y="3683723"/>
+            <a:ext cx="4055556" cy="2952206"/>
+          </a:xfrm>
+          <a:prstGeom prst="rect">
+            <a:avLst/>
+          </a:prstGeom>
+        </p:spPr>
+      </p:pic>
+    </p:spTree>
+    <p:extLst>
+      <p:ext uri="{BB962C8B-B14F-4D97-AF65-F5344CB8AC3E}">
+        <p14:creationId xmlns:p14="http://schemas.microsoft.com/office/powerpoint/2010/main" val="3052130900"/>
       </p:ext>
     </p:extLst>
   </p:cSld>
@@ -4199,7 +7103,7 @@
                             </p:stCondLst>
                             <p:childTnLst>
                               <p:par>
-                                <p:cTn id="5" presetID="10" presetClass="entr" presetSubtype="0" fill="hold" nodeType="afterEffect">
+                                <p:cTn id="5" presetID="10" presetClass="entr" presetSubtype="0" fill="hold" grpId="0" nodeType="afterEffect">
                                   <p:stCondLst>
                                     <p:cond delay="0"/>
                                   </p:stCondLst>
@@ -4207,6 +7111,1609 @@
                                     <p:set>
                                       <p:cBhvr>
                                         <p:cTn id="6" dur="1" fill="hold">
+                                          <p:stCondLst>
+                                            <p:cond delay="0"/>
+                                          </p:stCondLst>
+                                        </p:cTn>
+                                        <p:tgtEl>
+                                          <p:spTgt spid="5">
+                                            <p:txEl>
+                                              <p:pRg st="0" end="0"/>
+                                            </p:txEl>
+                                          </p:spTgt>
+                                        </p:tgtEl>
+                                        <p:attrNameLst>
+                                          <p:attrName>style.visibility</p:attrName>
+                                        </p:attrNameLst>
+                                      </p:cBhvr>
+                                      <p:to>
+                                        <p:strVal val="visible"/>
+                                      </p:to>
+                                    </p:set>
+                                    <p:animEffect transition="in" filter="fade">
+                                      <p:cBhvr>
+                                        <p:cTn id="7" dur="500"/>
+                                        <p:tgtEl>
+                                          <p:spTgt spid="5">
+                                            <p:txEl>
+                                              <p:pRg st="0" end="0"/>
+                                            </p:txEl>
+                                          </p:spTgt>
+                                        </p:tgtEl>
+                                      </p:cBhvr>
+                                    </p:animEffect>
+                                  </p:childTnLst>
+                                </p:cTn>
+                              </p:par>
+                            </p:childTnLst>
+                          </p:cTn>
+                        </p:par>
+                        <p:par>
+                          <p:cTn id="8" fill="hold">
+                            <p:stCondLst>
+                              <p:cond delay="500"/>
+                            </p:stCondLst>
+                            <p:childTnLst>
+                              <p:par>
+                                <p:cTn id="9" presetID="10" presetClass="entr" presetSubtype="0" fill="hold" grpId="0" nodeType="afterEffect">
+                                  <p:stCondLst>
+                                    <p:cond delay="0"/>
+                                  </p:stCondLst>
+                                  <p:childTnLst>
+                                    <p:set>
+                                      <p:cBhvr>
+                                        <p:cTn id="10" dur="1" fill="hold">
+                                          <p:stCondLst>
+                                            <p:cond delay="0"/>
+                                          </p:stCondLst>
+                                        </p:cTn>
+                                        <p:tgtEl>
+                                          <p:spTgt spid="5">
+                                            <p:txEl>
+                                              <p:pRg st="2" end="2"/>
+                                            </p:txEl>
+                                          </p:spTgt>
+                                        </p:tgtEl>
+                                        <p:attrNameLst>
+                                          <p:attrName>style.visibility</p:attrName>
+                                        </p:attrNameLst>
+                                      </p:cBhvr>
+                                      <p:to>
+                                        <p:strVal val="visible"/>
+                                      </p:to>
+                                    </p:set>
+                                    <p:animEffect transition="in" filter="fade">
+                                      <p:cBhvr>
+                                        <p:cTn id="11" dur="500"/>
+                                        <p:tgtEl>
+                                          <p:spTgt spid="5">
+                                            <p:txEl>
+                                              <p:pRg st="2" end="2"/>
+                                            </p:txEl>
+                                          </p:spTgt>
+                                        </p:tgtEl>
+                                      </p:cBhvr>
+                                    </p:animEffect>
+                                  </p:childTnLst>
+                                </p:cTn>
+                              </p:par>
+                            </p:childTnLst>
+                          </p:cTn>
+                        </p:par>
+                        <p:par>
+                          <p:cTn id="12" fill="hold">
+                            <p:stCondLst>
+                              <p:cond delay="1000"/>
+                            </p:stCondLst>
+                            <p:childTnLst>
+                              <p:par>
+                                <p:cTn id="13" presetID="10" presetClass="entr" presetSubtype="0" fill="hold" nodeType="afterEffect">
+                                  <p:stCondLst>
+                                    <p:cond delay="0"/>
+                                  </p:stCondLst>
+                                  <p:childTnLst>
+                                    <p:set>
+                                      <p:cBhvr>
+                                        <p:cTn id="14" dur="1" fill="hold">
+                                          <p:stCondLst>
+                                            <p:cond delay="0"/>
+                                          </p:stCondLst>
+                                        </p:cTn>
+                                        <p:tgtEl>
+                                          <p:spTgt spid="7"/>
+                                        </p:tgtEl>
+                                        <p:attrNameLst>
+                                          <p:attrName>style.visibility</p:attrName>
+                                        </p:attrNameLst>
+                                      </p:cBhvr>
+                                      <p:to>
+                                        <p:strVal val="visible"/>
+                                      </p:to>
+                                    </p:set>
+                                    <p:animEffect transition="in" filter="fade">
+                                      <p:cBhvr>
+                                        <p:cTn id="15" dur="500"/>
+                                        <p:tgtEl>
+                                          <p:spTgt spid="7"/>
+                                        </p:tgtEl>
+                                      </p:cBhvr>
+                                    </p:animEffect>
+                                  </p:childTnLst>
+                                </p:cTn>
+                              </p:par>
+                            </p:childTnLst>
+                          </p:cTn>
+                        </p:par>
+                      </p:childTnLst>
+                    </p:cTn>
+                  </p:par>
+                </p:childTnLst>
+              </p:cTn>
+              <p:prevCondLst>
+                <p:cond evt="onPrev" delay="0">
+                  <p:tgtEl>
+                    <p:sldTgt/>
+                  </p:tgtEl>
+                </p:cond>
+              </p:prevCondLst>
+              <p:nextCondLst>
+                <p:cond evt="onNext" delay="0">
+                  <p:tgtEl>
+                    <p:sldTgt/>
+                  </p:tgtEl>
+                </p:cond>
+              </p:nextCondLst>
+            </p:seq>
+          </p:childTnLst>
+        </p:cTn>
+      </p:par>
+    </p:tnLst>
+    <p:bldLst>
+      <p:bldP spid="5" grpId="0" uiExpand="1" build="allAtOnce"/>
+    </p:bldLst>
+  </p:timing>
+</p:sld>
+</file>
+
+<file path=ppt/slides/slide4.xml><?xml version="1.0" encoding="utf-8"?>
+<p:sld xmlns:a="http://schemas.openxmlformats.org/drawingml/2006/main" xmlns:r="http://schemas.openxmlformats.org/officeDocument/2006/relationships" xmlns:p="http://schemas.openxmlformats.org/presentationml/2006/main">
+  <p:cSld>
+    <p:spTree>
+      <p:nvGrpSpPr>
+        <p:cNvPr id="1" name=""/>
+        <p:cNvGrpSpPr/>
+        <p:nvPr/>
+      </p:nvGrpSpPr>
+      <p:grpSpPr>
+        <a:xfrm>
+          <a:off x="0" y="0"/>
+          <a:ext cx="0" cy="0"/>
+          <a:chOff x="0" y="0"/>
+          <a:chExt cx="0" cy="0"/>
+        </a:xfrm>
+      </p:grpSpPr>
+      <p:sp>
+        <p:nvSpPr>
+          <p:cNvPr id="2" name="Título 1">
+            <a:extLst>
+              <a:ext uri="{FF2B5EF4-FFF2-40B4-BE49-F238E27FC236}">
+                <a16:creationId xmlns:a16="http://schemas.microsoft.com/office/drawing/2014/main" id="{99F76FBE-1BC2-4EE6-B90A-22263BF7BDCD}"/>
+              </a:ext>
+            </a:extLst>
+          </p:cNvPr>
+          <p:cNvSpPr>
+            <a:spLocks noGrp="1"/>
+          </p:cNvSpPr>
+          <p:nvPr>
+            <p:ph type="title"/>
+          </p:nvPr>
+        </p:nvSpPr>
+        <p:spPr/>
+        <p:txBody>
+          <a:bodyPr/>
+          <a:lstStyle/>
+          <a:p>
+            <a:r>
+              <a:rPr lang="pt-BR" dirty="0">
+                <a:solidFill>
+                  <a:schemeClr val="tx1">
+                    <a:lumMod val="75000"/>
+                    <a:lumOff val="25000"/>
+                  </a:schemeClr>
+                </a:solidFill>
+                <a:latin typeface="Bariol Bold" panose="02000506040000020003" pitchFamily="2" charset="0"/>
+              </a:rPr>
+              <a:t>Contexto</a:t>
+            </a:r>
+          </a:p>
+        </p:txBody>
+      </p:sp>
+      <p:pic>
+        <p:nvPicPr>
+          <p:cNvPr id="3" name="Imagem 2" descr="Uma imagem contendo texto, desenho&#10;&#10;Descrição gerada automaticamente">
+            <a:extLst>
+              <a:ext uri="{FF2B5EF4-FFF2-40B4-BE49-F238E27FC236}">
+                <a16:creationId xmlns:a16="http://schemas.microsoft.com/office/drawing/2014/main" id="{1111ADB1-2918-40BD-BC1F-D7866A69CB23}"/>
+              </a:ext>
+            </a:extLst>
+          </p:cNvPr>
+          <p:cNvPicPr>
+            <a:picLocks noChangeAspect="1"/>
+          </p:cNvPicPr>
+          <p:nvPr/>
+        </p:nvPicPr>
+        <p:blipFill>
+          <a:blip r:embed="rId2" cstate="hqprint">
+            <a:extLst>
+              <a:ext uri="{28A0092B-C50C-407E-A947-70E740481C1C}">
+                <a14:useLocalDpi xmlns:a14="http://schemas.microsoft.com/office/drawing/2010/main" val="0"/>
+              </a:ext>
+            </a:extLst>
+          </a:blip>
+          <a:stretch>
+            <a:fillRect/>
+          </a:stretch>
+        </p:blipFill>
+        <p:spPr>
+          <a:xfrm>
+            <a:off x="11371740" y="365125"/>
+            <a:ext cx="599846" cy="535577"/>
+          </a:xfrm>
+          <a:prstGeom prst="rect">
+            <a:avLst/>
+          </a:prstGeom>
+        </p:spPr>
+      </p:pic>
+      <p:pic>
+        <p:nvPicPr>
+          <p:cNvPr id="4" name="Imagem 3" descr="Uma imagem contendo homem, atletismo, em pé, segurando&#10;&#10;Descrição gerada automaticamente">
+            <a:extLst>
+              <a:ext uri="{FF2B5EF4-FFF2-40B4-BE49-F238E27FC236}">
+                <a16:creationId xmlns:a16="http://schemas.microsoft.com/office/drawing/2014/main" id="{8225E120-3F94-4DBE-A2CA-7A5FDD96B919}"/>
+              </a:ext>
+            </a:extLst>
+          </p:cNvPr>
+          <p:cNvPicPr>
+            <a:picLocks noChangeAspect="1"/>
+          </p:cNvPicPr>
+          <p:nvPr/>
+        </p:nvPicPr>
+        <p:blipFill>
+          <a:blip r:embed="rId3">
+            <a:extLst>
+              <a:ext uri="{28A0092B-C50C-407E-A947-70E740481C1C}">
+                <a14:useLocalDpi xmlns:a14="http://schemas.microsoft.com/office/drawing/2010/main" val="0"/>
+              </a:ext>
+            </a:extLst>
+          </a:blip>
+          <a:stretch>
+            <a:fillRect/>
+          </a:stretch>
+        </p:blipFill>
+        <p:spPr>
+          <a:xfrm>
+            <a:off x="7571231" y="3429000"/>
+            <a:ext cx="4400355" cy="3429000"/>
+          </a:xfrm>
+          <a:prstGeom prst="rect">
+            <a:avLst/>
+          </a:prstGeom>
+        </p:spPr>
+      </p:pic>
+      <p:sp>
+        <p:nvSpPr>
+          <p:cNvPr id="6" name="CaixaDeTexto 5">
+            <a:extLst>
+              <a:ext uri="{FF2B5EF4-FFF2-40B4-BE49-F238E27FC236}">
+                <a16:creationId xmlns:a16="http://schemas.microsoft.com/office/drawing/2014/main" id="{FE989C62-5914-45D9-B2FF-7FB8E76D6324}"/>
+              </a:ext>
+            </a:extLst>
+          </p:cNvPr>
+          <p:cNvSpPr txBox="1"/>
+          <p:nvPr/>
+        </p:nvSpPr>
+        <p:spPr>
+          <a:xfrm>
+            <a:off x="838200" y="2274838"/>
+            <a:ext cx="5995851" cy="1938992"/>
+          </a:xfrm>
+          <a:prstGeom prst="rect">
+            <a:avLst/>
+          </a:prstGeom>
+          <a:noFill/>
+        </p:spPr>
+        <p:txBody>
+          <a:bodyPr wrap="square" rtlCol="0">
+            <a:spAutoFit/>
+          </a:bodyPr>
+          <a:lstStyle/>
+          <a:p>
+            <a:pPr marL="285750" indent="-285750">
+              <a:buClr>
+                <a:srgbClr val="4772FF"/>
+              </a:buClr>
+              <a:buSzPct val="80000"/>
+              <a:buFont typeface="Wingdings" panose="05000000000000000000" pitchFamily="2" charset="2"/>
+              <a:buChar char="Ø"/>
+            </a:pPr>
+            <a:r>
+              <a:rPr lang="pt-BR" sz="2400" dirty="0">
+                <a:solidFill>
+                  <a:schemeClr val="tx1">
+                    <a:lumMod val="85000"/>
+                    <a:lumOff val="15000"/>
+                  </a:schemeClr>
+                </a:solidFill>
+                <a:latin typeface="Bariol Bold" panose="02000506040000020003" pitchFamily="2" charset="0"/>
+              </a:rPr>
+              <a:t>O metro já chegou a transportar 7,8 milhões de pessoas em um dia.</a:t>
+            </a:r>
+          </a:p>
+          <a:p>
+            <a:pPr>
+              <a:buClr>
+                <a:srgbClr val="4772FF"/>
+              </a:buClr>
+              <a:buSzPct val="80000"/>
+            </a:pPr>
+            <a:r>
+              <a:rPr lang="pt-BR" sz="2400" dirty="0">
+                <a:solidFill>
+                  <a:schemeClr val="tx1">
+                    <a:lumMod val="85000"/>
+                    <a:lumOff val="15000"/>
+                  </a:schemeClr>
+                </a:solidFill>
+                <a:latin typeface="Bariol Bold" panose="02000506040000020003" pitchFamily="2" charset="0"/>
+              </a:rPr>
+              <a:t>                                                      - </a:t>
+            </a:r>
+            <a:endParaRPr lang="pt-BR" sz="2400" dirty="0">
+              <a:latin typeface="Bariol Bold" panose="02000506040000020003" pitchFamily="2" charset="0"/>
+            </a:endParaRPr>
+          </a:p>
+          <a:p>
+            <a:pPr marL="285750" indent="-285750">
+              <a:buClr>
+                <a:srgbClr val="4772FF"/>
+              </a:buClr>
+              <a:buSzPct val="80000"/>
+              <a:buFont typeface="Wingdings" panose="05000000000000000000" pitchFamily="2" charset="2"/>
+              <a:buChar char="Ø"/>
+            </a:pPr>
+            <a:r>
+              <a:rPr lang="pt-BR" sz="2400" dirty="0">
+                <a:latin typeface="Bariol Bold" panose="02000506040000020003" pitchFamily="2" charset="0"/>
+              </a:rPr>
+              <a:t>Intervalo de </a:t>
+            </a:r>
+            <a:r>
+              <a:rPr lang="pt-BR" sz="2400">
+                <a:latin typeface="Bariol Bold" panose="02000506040000020003" pitchFamily="2" charset="0"/>
+              </a:rPr>
+              <a:t>99 segundos </a:t>
+            </a:r>
+            <a:endParaRPr lang="pt-BR" sz="2400" dirty="0">
+              <a:latin typeface="Bariol Bold" panose="02000506040000020003" pitchFamily="2" charset="0"/>
+            </a:endParaRPr>
+          </a:p>
+          <a:p>
+            <a:pPr>
+              <a:buClr>
+                <a:srgbClr val="4772FF"/>
+              </a:buClr>
+              <a:buSzPct val="80000"/>
+            </a:pPr>
+            <a:r>
+              <a:rPr lang="pt-BR" sz="2400" dirty="0">
+                <a:latin typeface="Bariol Bold" panose="02000506040000020003" pitchFamily="2" charset="0"/>
+              </a:rPr>
+              <a:t>	</a:t>
+            </a:r>
+            <a:endParaRPr lang="pt-BR" sz="2000" dirty="0">
+              <a:solidFill>
+                <a:schemeClr val="tx1">
+                  <a:lumMod val="85000"/>
+                  <a:lumOff val="15000"/>
+                </a:schemeClr>
+              </a:solidFill>
+              <a:latin typeface="Bariol Bold" panose="02000506040000020003" pitchFamily="2" charset="0"/>
+            </a:endParaRPr>
+          </a:p>
+        </p:txBody>
+      </p:sp>
+    </p:spTree>
+    <p:extLst>
+      <p:ext uri="{BB962C8B-B14F-4D97-AF65-F5344CB8AC3E}">
+        <p14:creationId xmlns:p14="http://schemas.microsoft.com/office/powerpoint/2010/main" val="1268792719"/>
+      </p:ext>
+    </p:extLst>
+  </p:cSld>
+  <p:clrMapOvr>
+    <a:masterClrMapping/>
+  </p:clrMapOvr>
+  <p:transition>
+    <p:fade/>
+  </p:transition>
+  <p:timing>
+    <p:tnLst>
+      <p:par>
+        <p:cTn id="1" dur="indefinite" restart="never" nodeType="tmRoot">
+          <p:childTnLst>
+            <p:seq concurrent="1" nextAc="seek">
+              <p:cTn id="2" dur="indefinite" nodeType="mainSeq">
+                <p:childTnLst>
+                  <p:par>
+                    <p:cTn id="3" fill="hold">
+                      <p:stCondLst>
+                        <p:cond delay="indefinite"/>
+                        <p:cond evt="onBegin" delay="0">
+                          <p:tn val="2"/>
+                        </p:cond>
+                      </p:stCondLst>
+                      <p:childTnLst>
+                        <p:par>
+                          <p:cTn id="4" fill="hold">
+                            <p:stCondLst>
+                              <p:cond delay="0"/>
+                            </p:stCondLst>
+                            <p:childTnLst>
+                              <p:par>
+                                <p:cTn id="5" presetID="10" presetClass="entr" presetSubtype="0" fill="hold" grpId="0" nodeType="afterEffect">
+                                  <p:stCondLst>
+                                    <p:cond delay="0"/>
+                                  </p:stCondLst>
+                                  <p:childTnLst>
+                                    <p:set>
+                                      <p:cBhvr>
+                                        <p:cTn id="6" dur="1" fill="hold">
+                                          <p:stCondLst>
+                                            <p:cond delay="0"/>
+                                          </p:stCondLst>
+                                        </p:cTn>
+                                        <p:tgtEl>
+                                          <p:spTgt spid="6">
+                                            <p:txEl>
+                                              <p:pRg st="0" end="0"/>
+                                            </p:txEl>
+                                          </p:spTgt>
+                                        </p:tgtEl>
+                                        <p:attrNameLst>
+                                          <p:attrName>style.visibility</p:attrName>
+                                        </p:attrNameLst>
+                                      </p:cBhvr>
+                                      <p:to>
+                                        <p:strVal val="visible"/>
+                                      </p:to>
+                                    </p:set>
+                                    <p:animEffect transition="in" filter="fade">
+                                      <p:cBhvr>
+                                        <p:cTn id="7" dur="500"/>
+                                        <p:tgtEl>
+                                          <p:spTgt spid="6">
+                                            <p:txEl>
+                                              <p:pRg st="0" end="0"/>
+                                            </p:txEl>
+                                          </p:spTgt>
+                                        </p:tgtEl>
+                                      </p:cBhvr>
+                                    </p:animEffect>
+                                  </p:childTnLst>
+                                </p:cTn>
+                              </p:par>
+                            </p:childTnLst>
+                          </p:cTn>
+                        </p:par>
+                        <p:par>
+                          <p:cTn id="8" fill="hold">
+                            <p:stCondLst>
+                              <p:cond delay="500"/>
+                            </p:stCondLst>
+                            <p:childTnLst>
+                              <p:par>
+                                <p:cTn id="9" presetID="10" presetClass="entr" presetSubtype="0" fill="hold" grpId="0" nodeType="afterEffect">
+                                  <p:stCondLst>
+                                    <p:cond delay="0"/>
+                                  </p:stCondLst>
+                                  <p:childTnLst>
+                                    <p:set>
+                                      <p:cBhvr>
+                                        <p:cTn id="10" dur="1" fill="hold">
+                                          <p:stCondLst>
+                                            <p:cond delay="0"/>
+                                          </p:stCondLst>
+                                        </p:cTn>
+                                        <p:tgtEl>
+                                          <p:spTgt spid="6">
+                                            <p:txEl>
+                                              <p:pRg st="1" end="1"/>
+                                            </p:txEl>
+                                          </p:spTgt>
+                                        </p:tgtEl>
+                                        <p:attrNameLst>
+                                          <p:attrName>style.visibility</p:attrName>
+                                        </p:attrNameLst>
+                                      </p:cBhvr>
+                                      <p:to>
+                                        <p:strVal val="visible"/>
+                                      </p:to>
+                                    </p:set>
+                                    <p:animEffect transition="in" filter="fade">
+                                      <p:cBhvr>
+                                        <p:cTn id="11" dur="500"/>
+                                        <p:tgtEl>
+                                          <p:spTgt spid="6">
+                                            <p:txEl>
+                                              <p:pRg st="1" end="1"/>
+                                            </p:txEl>
+                                          </p:spTgt>
+                                        </p:tgtEl>
+                                      </p:cBhvr>
+                                    </p:animEffect>
+                                  </p:childTnLst>
+                                </p:cTn>
+                              </p:par>
+                              <p:par>
+                                <p:cTn id="12" presetID="10" presetClass="entr" presetSubtype="0" fill="hold" grpId="0" nodeType="withEffect">
+                                  <p:stCondLst>
+                                    <p:cond delay="0"/>
+                                  </p:stCondLst>
+                                  <p:childTnLst>
+                                    <p:set>
+                                      <p:cBhvr>
+                                        <p:cTn id="13" dur="1" fill="hold">
+                                          <p:stCondLst>
+                                            <p:cond delay="0"/>
+                                          </p:stCondLst>
+                                        </p:cTn>
+                                        <p:tgtEl>
+                                          <p:spTgt spid="6">
+                                            <p:txEl>
+                                              <p:pRg st="2" end="2"/>
+                                            </p:txEl>
+                                          </p:spTgt>
+                                        </p:tgtEl>
+                                        <p:attrNameLst>
+                                          <p:attrName>style.visibility</p:attrName>
+                                        </p:attrNameLst>
+                                      </p:cBhvr>
+                                      <p:to>
+                                        <p:strVal val="visible"/>
+                                      </p:to>
+                                    </p:set>
+                                    <p:animEffect transition="in" filter="fade">
+                                      <p:cBhvr>
+                                        <p:cTn id="14" dur="500"/>
+                                        <p:tgtEl>
+                                          <p:spTgt spid="6">
+                                            <p:txEl>
+                                              <p:pRg st="2" end="2"/>
+                                            </p:txEl>
+                                          </p:spTgt>
+                                        </p:tgtEl>
+                                      </p:cBhvr>
+                                    </p:animEffect>
+                                  </p:childTnLst>
+                                </p:cTn>
+                              </p:par>
+                            </p:childTnLst>
+                          </p:cTn>
+                        </p:par>
+                        <p:par>
+                          <p:cTn id="15" fill="hold">
+                            <p:stCondLst>
+                              <p:cond delay="1000"/>
+                            </p:stCondLst>
+                            <p:childTnLst>
+                              <p:par>
+                                <p:cTn id="16" presetID="10" presetClass="entr" presetSubtype="0" fill="hold" grpId="0" nodeType="afterEffect">
+                                  <p:stCondLst>
+                                    <p:cond delay="0"/>
+                                  </p:stCondLst>
+                                  <p:childTnLst>
+                                    <p:set>
+                                      <p:cBhvr>
+                                        <p:cTn id="17" dur="1" fill="hold">
+                                          <p:stCondLst>
+                                            <p:cond delay="0"/>
+                                          </p:stCondLst>
+                                        </p:cTn>
+                                        <p:tgtEl>
+                                          <p:spTgt spid="6">
+                                            <p:txEl>
+                                              <p:pRg st="3" end="3"/>
+                                            </p:txEl>
+                                          </p:spTgt>
+                                        </p:tgtEl>
+                                        <p:attrNameLst>
+                                          <p:attrName>style.visibility</p:attrName>
+                                        </p:attrNameLst>
+                                      </p:cBhvr>
+                                      <p:to>
+                                        <p:strVal val="visible"/>
+                                      </p:to>
+                                    </p:set>
+                                    <p:animEffect transition="in" filter="fade">
+                                      <p:cBhvr>
+                                        <p:cTn id="18" dur="500"/>
+                                        <p:tgtEl>
+                                          <p:spTgt spid="6">
+                                            <p:txEl>
+                                              <p:pRg st="3" end="3"/>
+                                            </p:txEl>
+                                          </p:spTgt>
+                                        </p:tgtEl>
+                                      </p:cBhvr>
+                                    </p:animEffect>
+                                  </p:childTnLst>
+                                </p:cTn>
+                              </p:par>
+                              <p:par>
+                                <p:cTn id="19" presetID="10" presetClass="entr" presetSubtype="0" fill="hold" nodeType="withEffect">
+                                  <p:stCondLst>
+                                    <p:cond delay="0"/>
+                                  </p:stCondLst>
+                                  <p:childTnLst>
+                                    <p:set>
+                                      <p:cBhvr>
+                                        <p:cTn id="20" dur="1" fill="hold">
+                                          <p:stCondLst>
+                                            <p:cond delay="0"/>
+                                          </p:stCondLst>
+                                        </p:cTn>
+                                        <p:tgtEl>
+                                          <p:spTgt spid="4"/>
+                                        </p:tgtEl>
+                                        <p:attrNameLst>
+                                          <p:attrName>style.visibility</p:attrName>
+                                        </p:attrNameLst>
+                                      </p:cBhvr>
+                                      <p:to>
+                                        <p:strVal val="visible"/>
+                                      </p:to>
+                                    </p:set>
+                                    <p:animEffect transition="in" filter="fade">
+                                      <p:cBhvr>
+                                        <p:cTn id="21" dur="500"/>
+                                        <p:tgtEl>
+                                          <p:spTgt spid="4"/>
+                                        </p:tgtEl>
+                                      </p:cBhvr>
+                                    </p:animEffect>
+                                  </p:childTnLst>
+                                </p:cTn>
+                              </p:par>
+                            </p:childTnLst>
+                          </p:cTn>
+                        </p:par>
+                      </p:childTnLst>
+                    </p:cTn>
+                  </p:par>
+                </p:childTnLst>
+              </p:cTn>
+              <p:prevCondLst>
+                <p:cond evt="onPrev" delay="0">
+                  <p:tgtEl>
+                    <p:sldTgt/>
+                  </p:tgtEl>
+                </p:cond>
+              </p:prevCondLst>
+              <p:nextCondLst>
+                <p:cond evt="onNext" delay="0">
+                  <p:tgtEl>
+                    <p:sldTgt/>
+                  </p:tgtEl>
+                </p:cond>
+              </p:nextCondLst>
+            </p:seq>
+          </p:childTnLst>
+        </p:cTn>
+      </p:par>
+    </p:tnLst>
+    <p:bldLst>
+      <p:bldP spid="6" grpId="0" uiExpand="1" build="allAtOnce"/>
+    </p:bldLst>
+  </p:timing>
+</p:sld>
+</file>
+
+<file path=ppt/slides/slide5.xml><?xml version="1.0" encoding="utf-8"?>
+<p:sld xmlns:a="http://schemas.openxmlformats.org/drawingml/2006/main" xmlns:r="http://schemas.openxmlformats.org/officeDocument/2006/relationships" xmlns:p="http://schemas.openxmlformats.org/presentationml/2006/main">
+  <p:cSld>
+    <p:spTree>
+      <p:nvGrpSpPr>
+        <p:cNvPr id="1" name=""/>
+        <p:cNvGrpSpPr/>
+        <p:nvPr/>
+      </p:nvGrpSpPr>
+      <p:grpSpPr>
+        <a:xfrm>
+          <a:off x="0" y="0"/>
+          <a:ext cx="0" cy="0"/>
+          <a:chOff x="0" y="0"/>
+          <a:chExt cx="0" cy="0"/>
+        </a:xfrm>
+      </p:grpSpPr>
+      <p:sp>
+        <p:nvSpPr>
+          <p:cNvPr id="2" name="Título 1">
+            <a:extLst>
+              <a:ext uri="{FF2B5EF4-FFF2-40B4-BE49-F238E27FC236}">
+                <a16:creationId xmlns:a16="http://schemas.microsoft.com/office/drawing/2014/main" id="{99F76FBE-1BC2-4EE6-B90A-22263BF7BDCD}"/>
+              </a:ext>
+            </a:extLst>
+          </p:cNvPr>
+          <p:cNvSpPr>
+            <a:spLocks noGrp="1"/>
+          </p:cNvSpPr>
+          <p:nvPr>
+            <p:ph type="title"/>
+          </p:nvPr>
+        </p:nvSpPr>
+        <p:spPr/>
+        <p:txBody>
+          <a:bodyPr/>
+          <a:lstStyle/>
+          <a:p>
+            <a:r>
+              <a:rPr lang="pt-BR" dirty="0">
+                <a:solidFill>
+                  <a:schemeClr val="tx1">
+                    <a:lumMod val="75000"/>
+                    <a:lumOff val="25000"/>
+                  </a:schemeClr>
+                </a:solidFill>
+                <a:latin typeface="Bariol Bold" panose="02000506040000020003" pitchFamily="2" charset="0"/>
+              </a:rPr>
+              <a:t>Problema</a:t>
+            </a:r>
+          </a:p>
+        </p:txBody>
+      </p:sp>
+      <p:pic>
+        <p:nvPicPr>
+          <p:cNvPr id="3" name="Imagem 2" descr="Uma imagem contendo texto, desenho&#10;&#10;Descrição gerada automaticamente">
+            <a:extLst>
+              <a:ext uri="{FF2B5EF4-FFF2-40B4-BE49-F238E27FC236}">
+                <a16:creationId xmlns:a16="http://schemas.microsoft.com/office/drawing/2014/main" id="{EEEE33B3-A543-423F-AB5D-E72F151DB263}"/>
+              </a:ext>
+            </a:extLst>
+          </p:cNvPr>
+          <p:cNvPicPr>
+            <a:picLocks noChangeAspect="1"/>
+          </p:cNvPicPr>
+          <p:nvPr/>
+        </p:nvPicPr>
+        <p:blipFill>
+          <a:blip r:embed="rId2" cstate="hqprint">
+            <a:extLst>
+              <a:ext uri="{28A0092B-C50C-407E-A947-70E740481C1C}">
+                <a14:useLocalDpi xmlns:a14="http://schemas.microsoft.com/office/drawing/2010/main" val="0"/>
+              </a:ext>
+            </a:extLst>
+          </a:blip>
+          <a:stretch>
+            <a:fillRect/>
+          </a:stretch>
+        </p:blipFill>
+        <p:spPr>
+          <a:xfrm>
+            <a:off x="11371740" y="365125"/>
+            <a:ext cx="599846" cy="535577"/>
+          </a:xfrm>
+          <a:prstGeom prst="rect">
+            <a:avLst/>
+          </a:prstGeom>
+        </p:spPr>
+      </p:pic>
+      <p:pic>
+        <p:nvPicPr>
+          <p:cNvPr id="6" name="Imagem 5" descr="Uma imagem contendo computador, relógio&#10;&#10;Descrição gerada automaticamente">
+            <a:extLst>
+              <a:ext uri="{FF2B5EF4-FFF2-40B4-BE49-F238E27FC236}">
+                <a16:creationId xmlns:a16="http://schemas.microsoft.com/office/drawing/2014/main" id="{DE7C8C4B-C07A-4DB4-90F8-0B5C508510A1}"/>
+              </a:ext>
+            </a:extLst>
+          </p:cNvPr>
+          <p:cNvPicPr>
+            <a:picLocks noChangeAspect="1"/>
+          </p:cNvPicPr>
+          <p:nvPr/>
+        </p:nvPicPr>
+        <p:blipFill>
+          <a:blip r:embed="rId3">
+            <a:extLst>
+              <a:ext uri="{28A0092B-C50C-407E-A947-70E740481C1C}">
+                <a14:useLocalDpi xmlns:a14="http://schemas.microsoft.com/office/drawing/2010/main" val="0"/>
+              </a:ext>
+            </a:extLst>
+          </a:blip>
+          <a:stretch>
+            <a:fillRect/>
+          </a:stretch>
+        </p:blipFill>
+        <p:spPr>
+          <a:xfrm>
+            <a:off x="7367451" y="3434935"/>
+            <a:ext cx="4824549" cy="3423065"/>
+          </a:xfrm>
+          <a:prstGeom prst="rect">
+            <a:avLst/>
+          </a:prstGeom>
+        </p:spPr>
+      </p:pic>
+      <p:sp>
+        <p:nvSpPr>
+          <p:cNvPr id="4" name="CaixaDeTexto 3">
+            <a:extLst>
+              <a:ext uri="{FF2B5EF4-FFF2-40B4-BE49-F238E27FC236}">
+                <a16:creationId xmlns:a16="http://schemas.microsoft.com/office/drawing/2014/main" id="{FE989C62-5914-45D9-B2FF-7FB8E76D6324}"/>
+              </a:ext>
+            </a:extLst>
+          </p:cNvPr>
+          <p:cNvSpPr txBox="1"/>
+          <p:nvPr/>
+        </p:nvSpPr>
+        <p:spPr>
+          <a:xfrm>
+            <a:off x="838200" y="2274838"/>
+            <a:ext cx="5995851" cy="2369880"/>
+          </a:xfrm>
+          <a:prstGeom prst="rect">
+            <a:avLst/>
+          </a:prstGeom>
+          <a:noFill/>
+        </p:spPr>
+        <p:txBody>
+          <a:bodyPr wrap="square" rtlCol="0">
+            <a:spAutoFit/>
+          </a:bodyPr>
+          <a:lstStyle/>
+          <a:p>
+            <a:pPr marL="285750" indent="-285750">
+              <a:buClr>
+                <a:srgbClr val="4772FF"/>
+              </a:buClr>
+              <a:buSzPct val="80000"/>
+              <a:buFont typeface="Wingdings" panose="05000000000000000000" pitchFamily="2" charset="2"/>
+              <a:buChar char="Ø"/>
+            </a:pPr>
+            <a:r>
+              <a:rPr lang="pt-BR" sz="2400" dirty="0">
+                <a:latin typeface="Bariol Bold" panose="02000506040000020003" pitchFamily="2" charset="0"/>
+              </a:rPr>
+              <a:t>Grandes fluxos de pessoas atrapalhando rotas</a:t>
+            </a:r>
+          </a:p>
+          <a:p>
+            <a:pPr>
+              <a:buClr>
+                <a:srgbClr val="4772FF"/>
+              </a:buClr>
+              <a:buSzPct val="80000"/>
+            </a:pPr>
+            <a:endParaRPr lang="pt-BR" sz="2400" dirty="0">
+              <a:latin typeface="Bariol Bold" panose="02000506040000020003" pitchFamily="2" charset="0"/>
+            </a:endParaRPr>
+          </a:p>
+          <a:p>
+            <a:pPr marL="285750" indent="-285750">
+              <a:buClr>
+                <a:srgbClr val="4772FF"/>
+              </a:buClr>
+              <a:buSzPct val="80000"/>
+              <a:buFont typeface="Wingdings" panose="05000000000000000000" pitchFamily="2" charset="2"/>
+              <a:buChar char="Ø"/>
+            </a:pPr>
+            <a:r>
+              <a:rPr lang="pt-BR" sz="2400" dirty="0">
+                <a:latin typeface="Bariol Bold" panose="02000506040000020003" pitchFamily="2" charset="0"/>
+              </a:rPr>
+              <a:t>Superlotação é a maior reclamação dos usuários do Metrô e da CPTM.</a:t>
+            </a:r>
+          </a:p>
+          <a:p>
+            <a:pPr>
+              <a:buClr>
+                <a:srgbClr val="4772FF"/>
+              </a:buClr>
+              <a:buSzPct val="80000"/>
+            </a:pPr>
+            <a:r>
+              <a:rPr lang="pt-BR" sz="2400" dirty="0">
+                <a:latin typeface="Bariol Bold" panose="02000506040000020003" pitchFamily="2" charset="0"/>
+              </a:rPr>
+              <a:t>                                                     </a:t>
+            </a:r>
+            <a:r>
+              <a:rPr lang="pt-BR" sz="2800" dirty="0">
+                <a:latin typeface="Bariol Bold" panose="02000506040000020003" pitchFamily="2" charset="0"/>
+              </a:rPr>
+              <a:t> </a:t>
+            </a:r>
+            <a:r>
+              <a:rPr lang="pt-BR" sz="2400" dirty="0">
+                <a:solidFill>
+                  <a:schemeClr val="tx1">
+                    <a:lumMod val="85000"/>
+                    <a:lumOff val="15000"/>
+                  </a:schemeClr>
+                </a:solidFill>
+                <a:latin typeface="Bariol Bold" panose="02000506040000020003" pitchFamily="2" charset="0"/>
+              </a:rPr>
+              <a:t>- Procon</a:t>
+            </a:r>
+            <a:endParaRPr lang="pt-BR" sz="2400" dirty="0">
+              <a:latin typeface="Bariol Bold" panose="02000506040000020003" pitchFamily="2" charset="0"/>
+            </a:endParaRPr>
+          </a:p>
+        </p:txBody>
+      </p:sp>
+    </p:spTree>
+    <p:extLst>
+      <p:ext uri="{BB962C8B-B14F-4D97-AF65-F5344CB8AC3E}">
+        <p14:creationId xmlns:p14="http://schemas.microsoft.com/office/powerpoint/2010/main" val="1488327079"/>
+      </p:ext>
+    </p:extLst>
+  </p:cSld>
+  <p:clrMapOvr>
+    <a:masterClrMapping/>
+  </p:clrMapOvr>
+  <p:transition>
+    <p:fade/>
+  </p:transition>
+  <p:timing>
+    <p:tnLst>
+      <p:par>
+        <p:cTn id="1" dur="indefinite" restart="never" nodeType="tmRoot">
+          <p:childTnLst>
+            <p:seq concurrent="1" nextAc="seek">
+              <p:cTn id="2" dur="indefinite" nodeType="mainSeq">
+                <p:childTnLst>
+                  <p:par>
+                    <p:cTn id="3" fill="hold">
+                      <p:stCondLst>
+                        <p:cond delay="indefinite"/>
+                        <p:cond evt="onBegin" delay="0">
+                          <p:tn val="2"/>
+                        </p:cond>
+                      </p:stCondLst>
+                      <p:childTnLst>
+                        <p:par>
+                          <p:cTn id="4" fill="hold">
+                            <p:stCondLst>
+                              <p:cond delay="0"/>
+                            </p:stCondLst>
+                            <p:childTnLst>
+                              <p:par>
+                                <p:cTn id="5" presetID="10" presetClass="entr" presetSubtype="0" fill="hold" grpId="0" nodeType="afterEffect">
+                                  <p:stCondLst>
+                                    <p:cond delay="0"/>
+                                  </p:stCondLst>
+                                  <p:childTnLst>
+                                    <p:set>
+                                      <p:cBhvr>
+                                        <p:cTn id="6" dur="1" fill="hold">
+                                          <p:stCondLst>
+                                            <p:cond delay="0"/>
+                                          </p:stCondLst>
+                                        </p:cTn>
+                                        <p:tgtEl>
+                                          <p:spTgt spid="4">
+                                            <p:txEl>
+                                              <p:pRg st="0" end="0"/>
+                                            </p:txEl>
+                                          </p:spTgt>
+                                        </p:tgtEl>
+                                        <p:attrNameLst>
+                                          <p:attrName>style.visibility</p:attrName>
+                                        </p:attrNameLst>
+                                      </p:cBhvr>
+                                      <p:to>
+                                        <p:strVal val="visible"/>
+                                      </p:to>
+                                    </p:set>
+                                    <p:animEffect transition="in" filter="fade">
+                                      <p:cBhvr>
+                                        <p:cTn id="7" dur="500"/>
+                                        <p:tgtEl>
+                                          <p:spTgt spid="4">
+                                            <p:txEl>
+                                              <p:pRg st="0" end="0"/>
+                                            </p:txEl>
+                                          </p:spTgt>
+                                        </p:tgtEl>
+                                      </p:cBhvr>
+                                    </p:animEffect>
+                                  </p:childTnLst>
+                                </p:cTn>
+                              </p:par>
+                              <p:par>
+                                <p:cTn id="8" presetID="10" presetClass="entr" presetSubtype="0" fill="hold" nodeType="withEffect">
+                                  <p:stCondLst>
+                                    <p:cond delay="0"/>
+                                  </p:stCondLst>
+                                  <p:childTnLst>
+                                    <p:set>
+                                      <p:cBhvr>
+                                        <p:cTn id="9" dur="1" fill="hold">
+                                          <p:stCondLst>
+                                            <p:cond delay="0"/>
+                                          </p:stCondLst>
+                                        </p:cTn>
+                                        <p:tgtEl>
+                                          <p:spTgt spid="6"/>
+                                        </p:tgtEl>
+                                        <p:attrNameLst>
+                                          <p:attrName>style.visibility</p:attrName>
+                                        </p:attrNameLst>
+                                      </p:cBhvr>
+                                      <p:to>
+                                        <p:strVal val="visible"/>
+                                      </p:to>
+                                    </p:set>
+                                    <p:animEffect transition="in" filter="fade">
+                                      <p:cBhvr>
+                                        <p:cTn id="10" dur="500"/>
+                                        <p:tgtEl>
+                                          <p:spTgt spid="6"/>
+                                        </p:tgtEl>
+                                      </p:cBhvr>
+                                    </p:animEffect>
+                                  </p:childTnLst>
+                                </p:cTn>
+                              </p:par>
+                            </p:childTnLst>
+                          </p:cTn>
+                        </p:par>
+                      </p:childTnLst>
+                    </p:cTn>
+                  </p:par>
+                </p:childTnLst>
+              </p:cTn>
+              <p:prevCondLst>
+                <p:cond evt="onPrev" delay="0">
+                  <p:tgtEl>
+                    <p:sldTgt/>
+                  </p:tgtEl>
+                </p:cond>
+              </p:prevCondLst>
+              <p:nextCondLst>
+                <p:cond evt="onNext" delay="0">
+                  <p:tgtEl>
+                    <p:sldTgt/>
+                  </p:tgtEl>
+                </p:cond>
+              </p:nextCondLst>
+            </p:seq>
+          </p:childTnLst>
+        </p:cTn>
+      </p:par>
+    </p:tnLst>
+    <p:bldLst>
+      <p:bldP spid="4" grpId="0" uiExpand="1" build="allAtOnce"/>
+    </p:bldLst>
+  </p:timing>
+</p:sld>
+</file>
+
+<file path=ppt/slides/slide6.xml><?xml version="1.0" encoding="utf-8"?>
+<p:sld xmlns:a="http://schemas.openxmlformats.org/drawingml/2006/main" xmlns:r="http://schemas.openxmlformats.org/officeDocument/2006/relationships" xmlns:p="http://schemas.openxmlformats.org/presentationml/2006/main">
+  <p:cSld>
+    <p:spTree>
+      <p:nvGrpSpPr>
+        <p:cNvPr id="1" name=""/>
+        <p:cNvGrpSpPr/>
+        <p:nvPr/>
+      </p:nvGrpSpPr>
+      <p:grpSpPr>
+        <a:xfrm>
+          <a:off x="0" y="0"/>
+          <a:ext cx="0" cy="0"/>
+          <a:chOff x="0" y="0"/>
+          <a:chExt cx="0" cy="0"/>
+        </a:xfrm>
+      </p:grpSpPr>
+      <p:sp>
+        <p:nvSpPr>
+          <p:cNvPr id="2" name="Título 1">
+            <a:extLst>
+              <a:ext uri="{FF2B5EF4-FFF2-40B4-BE49-F238E27FC236}">
+                <a16:creationId xmlns:a16="http://schemas.microsoft.com/office/drawing/2014/main" id="{99F76FBE-1BC2-4EE6-B90A-22263BF7BDCD}"/>
+              </a:ext>
+            </a:extLst>
+          </p:cNvPr>
+          <p:cNvSpPr>
+            <a:spLocks noGrp="1"/>
+          </p:cNvSpPr>
+          <p:nvPr>
+            <p:ph type="title"/>
+          </p:nvPr>
+        </p:nvSpPr>
+        <p:spPr/>
+        <p:txBody>
+          <a:bodyPr/>
+          <a:lstStyle/>
+          <a:p>
+            <a:r>
+              <a:rPr lang="pt-BR" dirty="0">
+                <a:solidFill>
+                  <a:schemeClr val="tx1">
+                    <a:lumMod val="75000"/>
+                    <a:lumOff val="25000"/>
+                  </a:schemeClr>
+                </a:solidFill>
+                <a:latin typeface="Bariol Bold" panose="02000506040000020003" pitchFamily="2" charset="0"/>
+              </a:rPr>
+              <a:t>Solução Proposta</a:t>
+            </a:r>
+          </a:p>
+        </p:txBody>
+      </p:sp>
+      <p:pic>
+        <p:nvPicPr>
+          <p:cNvPr id="3" name="Imagem 2" descr="Uma imagem contendo texto, desenho&#10;&#10;Descrição gerada automaticamente">
+            <a:extLst>
+              <a:ext uri="{FF2B5EF4-FFF2-40B4-BE49-F238E27FC236}">
+                <a16:creationId xmlns:a16="http://schemas.microsoft.com/office/drawing/2014/main" id="{CB80E98D-A3E9-4C8F-95A5-D3B437CD7F15}"/>
+              </a:ext>
+            </a:extLst>
+          </p:cNvPr>
+          <p:cNvPicPr>
+            <a:picLocks noChangeAspect="1"/>
+          </p:cNvPicPr>
+          <p:nvPr/>
+        </p:nvPicPr>
+        <p:blipFill>
+          <a:blip r:embed="rId2" cstate="hqprint">
+            <a:extLst>
+              <a:ext uri="{28A0092B-C50C-407E-A947-70E740481C1C}">
+                <a14:useLocalDpi xmlns:a14="http://schemas.microsoft.com/office/drawing/2010/main" val="0"/>
+              </a:ext>
+            </a:extLst>
+          </a:blip>
+          <a:stretch>
+            <a:fillRect/>
+          </a:stretch>
+        </p:blipFill>
+        <p:spPr>
+          <a:xfrm>
+            <a:off x="11371740" y="365125"/>
+            <a:ext cx="599846" cy="535577"/>
+          </a:xfrm>
+          <a:prstGeom prst="rect">
+            <a:avLst/>
+          </a:prstGeom>
+        </p:spPr>
+      </p:pic>
+      <p:pic>
+        <p:nvPicPr>
+          <p:cNvPr id="5" name="Imagem 4" descr="Uma imagem contendo homem, atletismo, mulher, em pé&#10;&#10;Descrição gerada automaticamente">
+            <a:extLst>
+              <a:ext uri="{FF2B5EF4-FFF2-40B4-BE49-F238E27FC236}">
+                <a16:creationId xmlns:a16="http://schemas.microsoft.com/office/drawing/2014/main" id="{135FDF74-BA6A-44A7-8374-E4D87D8811B6}"/>
+              </a:ext>
+            </a:extLst>
+          </p:cNvPr>
+          <p:cNvPicPr>
+            <a:picLocks noChangeAspect="1"/>
+          </p:cNvPicPr>
+          <p:nvPr/>
+        </p:nvPicPr>
+        <p:blipFill>
+          <a:blip r:embed="rId3">
+            <a:extLst>
+              <a:ext uri="{28A0092B-C50C-407E-A947-70E740481C1C}">
+                <a14:useLocalDpi xmlns:a14="http://schemas.microsoft.com/office/drawing/2010/main" val="0"/>
+              </a:ext>
+            </a:extLst>
+          </a:blip>
+          <a:stretch>
+            <a:fillRect/>
+          </a:stretch>
+        </p:blipFill>
+        <p:spPr>
+          <a:xfrm>
+            <a:off x="7148569" y="3429000"/>
+            <a:ext cx="5043431" cy="3429000"/>
+          </a:xfrm>
+          <a:prstGeom prst="rect">
+            <a:avLst/>
+          </a:prstGeom>
+        </p:spPr>
+      </p:pic>
+      <p:sp>
+        <p:nvSpPr>
+          <p:cNvPr id="6" name="CaixaDeTexto 5">
+            <a:extLst>
+              <a:ext uri="{FF2B5EF4-FFF2-40B4-BE49-F238E27FC236}">
+                <a16:creationId xmlns:a16="http://schemas.microsoft.com/office/drawing/2014/main" id="{E3ACB187-7D89-4633-A76D-27ED6A650CB3}"/>
+              </a:ext>
+            </a:extLst>
+          </p:cNvPr>
+          <p:cNvSpPr txBox="1"/>
+          <p:nvPr/>
+        </p:nvSpPr>
+        <p:spPr>
+          <a:xfrm>
+            <a:off x="838200" y="2274838"/>
+            <a:ext cx="5995851" cy="3046988"/>
+          </a:xfrm>
+          <a:prstGeom prst="rect">
+            <a:avLst/>
+          </a:prstGeom>
+          <a:noFill/>
+        </p:spPr>
+        <p:txBody>
+          <a:bodyPr wrap="square" rtlCol="0">
+            <a:spAutoFit/>
+          </a:bodyPr>
+          <a:lstStyle/>
+          <a:p>
+            <a:pPr marL="285750" indent="-285750">
+              <a:buClr>
+                <a:srgbClr val="4772FF"/>
+              </a:buClr>
+              <a:buSzPct val="80000"/>
+              <a:buFont typeface="Wingdings" panose="05000000000000000000" pitchFamily="2" charset="2"/>
+              <a:buChar char="Ø"/>
+            </a:pPr>
+            <a:r>
+              <a:rPr lang="pt-BR" sz="2400" dirty="0">
+                <a:latin typeface="Bariol Bold" panose="02000506040000020003" pitchFamily="2" charset="0"/>
+              </a:rPr>
+              <a:t>Sistema Web</a:t>
+            </a:r>
+          </a:p>
+          <a:p>
+            <a:pPr>
+              <a:buClr>
+                <a:srgbClr val="4772FF"/>
+              </a:buClr>
+              <a:buSzPct val="80000"/>
+            </a:pPr>
+            <a:endParaRPr lang="pt-BR" sz="2400" dirty="0">
+              <a:latin typeface="Bariol Bold" panose="02000506040000020003" pitchFamily="2" charset="0"/>
+            </a:endParaRPr>
+          </a:p>
+          <a:p>
+            <a:pPr marL="342900" indent="-342900">
+              <a:buClr>
+                <a:srgbClr val="4772FF"/>
+              </a:buClr>
+              <a:buSzPct val="80000"/>
+              <a:buFont typeface="Wingdings" panose="05000000000000000000" pitchFamily="2" charset="2"/>
+              <a:buChar char="Ø"/>
+            </a:pPr>
+            <a:r>
+              <a:rPr lang="pt-BR" sz="2400" dirty="0">
+                <a:latin typeface="Bariol Bold" panose="02000506040000020003" pitchFamily="2" charset="0"/>
+              </a:rPr>
+              <a:t>Diversos tipos de consultas</a:t>
+            </a:r>
+          </a:p>
+          <a:p>
+            <a:pPr marL="342900" indent="-342900">
+              <a:buClr>
+                <a:srgbClr val="4772FF"/>
+              </a:buClr>
+              <a:buSzPct val="80000"/>
+              <a:buFont typeface="Wingdings" panose="05000000000000000000" pitchFamily="2" charset="2"/>
+              <a:buChar char="Ø"/>
+            </a:pPr>
+            <a:endParaRPr lang="pt-BR" sz="2400" dirty="0">
+              <a:latin typeface="Bariol Bold" panose="02000506040000020003" pitchFamily="2" charset="0"/>
+            </a:endParaRPr>
+          </a:p>
+          <a:p>
+            <a:pPr marL="342900" indent="-342900">
+              <a:buClr>
+                <a:srgbClr val="4772FF"/>
+              </a:buClr>
+              <a:buSzPct val="80000"/>
+              <a:buFont typeface="Wingdings" panose="05000000000000000000" pitchFamily="2" charset="2"/>
+              <a:buChar char="Ø"/>
+            </a:pPr>
+            <a:r>
+              <a:rPr lang="pt-BR" sz="2400" dirty="0">
+                <a:latin typeface="Bariol Bold" panose="02000506040000020003" pitchFamily="2" charset="0"/>
+              </a:rPr>
+              <a:t>Possibilidade de ver rotas alternativas</a:t>
+            </a:r>
+          </a:p>
+          <a:p>
+            <a:pPr marL="342900" indent="-342900">
+              <a:buClr>
+                <a:srgbClr val="4772FF"/>
+              </a:buClr>
+              <a:buSzPct val="80000"/>
+              <a:buFont typeface="Wingdings" panose="05000000000000000000" pitchFamily="2" charset="2"/>
+              <a:buChar char="Ø"/>
+            </a:pPr>
+            <a:endParaRPr lang="pt-BR" sz="2400" dirty="0">
+              <a:latin typeface="Bariol Bold" panose="02000506040000020003" pitchFamily="2" charset="0"/>
+            </a:endParaRPr>
+          </a:p>
+          <a:p>
+            <a:pPr marL="342900" indent="-342900">
+              <a:buClr>
+                <a:srgbClr val="4772FF"/>
+              </a:buClr>
+              <a:buSzPct val="80000"/>
+              <a:buFont typeface="Wingdings" panose="05000000000000000000" pitchFamily="2" charset="2"/>
+              <a:buChar char="Ø"/>
+            </a:pPr>
+            <a:r>
+              <a:rPr lang="pt-BR" sz="2400" dirty="0">
+                <a:latin typeface="Bariol Bold" panose="02000506040000020003" pitchFamily="2" charset="0"/>
+              </a:rPr>
+              <a:t>Aproveitar espaços para comércios e propagandas</a:t>
+            </a:r>
+          </a:p>
+        </p:txBody>
+      </p:sp>
+    </p:spTree>
+    <p:extLst>
+      <p:ext uri="{BB962C8B-B14F-4D97-AF65-F5344CB8AC3E}">
+        <p14:creationId xmlns:p14="http://schemas.microsoft.com/office/powerpoint/2010/main" val="1269980606"/>
+      </p:ext>
+    </p:extLst>
+  </p:cSld>
+  <p:clrMapOvr>
+    <a:masterClrMapping/>
+  </p:clrMapOvr>
+  <p:transition>
+    <p:fade/>
+  </p:transition>
+  <p:timing>
+    <p:tnLst>
+      <p:par>
+        <p:cTn id="1" dur="indefinite" restart="never" nodeType="tmRoot">
+          <p:childTnLst>
+            <p:seq concurrent="1" nextAc="seek">
+              <p:cTn id="2" dur="indefinite" nodeType="mainSeq">
+                <p:childTnLst>
+                  <p:par>
+                    <p:cTn id="3" fill="hold">
+                      <p:stCondLst>
+                        <p:cond delay="indefinite"/>
+                        <p:cond evt="onBegin" delay="0">
+                          <p:tn val="2"/>
+                        </p:cond>
+                      </p:stCondLst>
+                      <p:childTnLst>
+                        <p:par>
+                          <p:cTn id="4" fill="hold">
+                            <p:stCondLst>
+                              <p:cond delay="0"/>
+                            </p:stCondLst>
+                            <p:childTnLst>
+                              <p:par>
+                                <p:cTn id="5" presetID="10" presetClass="entr" presetSubtype="0" fill="hold" grpId="0" nodeType="afterEffect">
+                                  <p:stCondLst>
+                                    <p:cond delay="0"/>
+                                  </p:stCondLst>
+                                  <p:childTnLst>
+                                    <p:set>
+                                      <p:cBhvr>
+                                        <p:cTn id="6" dur="1" fill="hold">
+                                          <p:stCondLst>
+                                            <p:cond delay="0"/>
+                                          </p:stCondLst>
+                                        </p:cTn>
+                                        <p:tgtEl>
+                                          <p:spTgt spid="6">
+                                            <p:txEl>
+                                              <p:pRg st="0" end="0"/>
+                                            </p:txEl>
+                                          </p:spTgt>
+                                        </p:tgtEl>
+                                        <p:attrNameLst>
+                                          <p:attrName>style.visibility</p:attrName>
+                                        </p:attrNameLst>
+                                      </p:cBhvr>
+                                      <p:to>
+                                        <p:strVal val="visible"/>
+                                      </p:to>
+                                    </p:set>
+                                    <p:animEffect transition="in" filter="fade">
+                                      <p:cBhvr>
+                                        <p:cTn id="7" dur="500"/>
+                                        <p:tgtEl>
+                                          <p:spTgt spid="6">
+                                            <p:txEl>
+                                              <p:pRg st="0" end="0"/>
+                                            </p:txEl>
+                                          </p:spTgt>
+                                        </p:tgtEl>
+                                      </p:cBhvr>
+                                    </p:animEffect>
+                                  </p:childTnLst>
+                                </p:cTn>
+                              </p:par>
+                            </p:childTnLst>
+                          </p:cTn>
+                        </p:par>
+                        <p:par>
+                          <p:cTn id="8" fill="hold">
+                            <p:stCondLst>
+                              <p:cond delay="500"/>
+                            </p:stCondLst>
+                            <p:childTnLst>
+                              <p:par>
+                                <p:cTn id="9" presetID="10" presetClass="entr" presetSubtype="0" fill="hold" grpId="0" nodeType="afterEffect">
+                                  <p:stCondLst>
+                                    <p:cond delay="0"/>
+                                  </p:stCondLst>
+                                  <p:childTnLst>
+                                    <p:set>
+                                      <p:cBhvr>
+                                        <p:cTn id="10" dur="1" fill="hold">
+                                          <p:stCondLst>
+                                            <p:cond delay="0"/>
+                                          </p:stCondLst>
+                                        </p:cTn>
+                                        <p:tgtEl>
+                                          <p:spTgt spid="6">
+                                            <p:txEl>
+                                              <p:pRg st="2" end="2"/>
+                                            </p:txEl>
+                                          </p:spTgt>
+                                        </p:tgtEl>
+                                        <p:attrNameLst>
+                                          <p:attrName>style.visibility</p:attrName>
+                                        </p:attrNameLst>
+                                      </p:cBhvr>
+                                      <p:to>
+                                        <p:strVal val="visible"/>
+                                      </p:to>
+                                    </p:set>
+                                    <p:animEffect transition="in" filter="fade">
+                                      <p:cBhvr>
+                                        <p:cTn id="11" dur="500"/>
+                                        <p:tgtEl>
+                                          <p:spTgt spid="6">
+                                            <p:txEl>
+                                              <p:pRg st="2" end="2"/>
+                                            </p:txEl>
+                                          </p:spTgt>
+                                        </p:tgtEl>
+                                      </p:cBhvr>
+                                    </p:animEffect>
+                                  </p:childTnLst>
+                                </p:cTn>
+                              </p:par>
+                            </p:childTnLst>
+                          </p:cTn>
+                        </p:par>
+                        <p:par>
+                          <p:cTn id="12" fill="hold">
+                            <p:stCondLst>
+                              <p:cond delay="1000"/>
+                            </p:stCondLst>
+                            <p:childTnLst>
+                              <p:par>
+                                <p:cTn id="13" presetID="10" presetClass="entr" presetSubtype="0" fill="hold" grpId="0" nodeType="afterEffect">
+                                  <p:stCondLst>
+                                    <p:cond delay="0"/>
+                                  </p:stCondLst>
+                                  <p:childTnLst>
+                                    <p:set>
+                                      <p:cBhvr>
+                                        <p:cTn id="14" dur="1" fill="hold">
+                                          <p:stCondLst>
+                                            <p:cond delay="0"/>
+                                          </p:stCondLst>
+                                        </p:cTn>
+                                        <p:tgtEl>
+                                          <p:spTgt spid="6">
+                                            <p:txEl>
+                                              <p:pRg st="4" end="4"/>
+                                            </p:txEl>
+                                          </p:spTgt>
+                                        </p:tgtEl>
+                                        <p:attrNameLst>
+                                          <p:attrName>style.visibility</p:attrName>
+                                        </p:attrNameLst>
+                                      </p:cBhvr>
+                                      <p:to>
+                                        <p:strVal val="visible"/>
+                                      </p:to>
+                                    </p:set>
+                                    <p:animEffect transition="in" filter="fade">
+                                      <p:cBhvr>
+                                        <p:cTn id="15" dur="500"/>
+                                        <p:tgtEl>
+                                          <p:spTgt spid="6">
+                                            <p:txEl>
+                                              <p:pRg st="4" end="4"/>
+                                            </p:txEl>
+                                          </p:spTgt>
+                                        </p:tgtEl>
+                                      </p:cBhvr>
+                                    </p:animEffect>
+                                  </p:childTnLst>
+                                </p:cTn>
+                              </p:par>
+                            </p:childTnLst>
+                          </p:cTn>
+                        </p:par>
+                      </p:childTnLst>
+                    </p:cTn>
+                  </p:par>
+                  <p:par>
+                    <p:cTn id="16" fill="hold">
+                      <p:stCondLst>
+                        <p:cond delay="indefinite"/>
+                      </p:stCondLst>
+                      <p:childTnLst>
+                        <p:par>
+                          <p:cTn id="17" fill="hold">
+                            <p:stCondLst>
+                              <p:cond delay="0"/>
+                            </p:stCondLst>
+                            <p:childTnLst>
+                              <p:par>
+                                <p:cTn id="18" presetID="10" presetClass="entr" presetSubtype="0" fill="hold" grpId="0" nodeType="clickEffect">
+                                  <p:stCondLst>
+                                    <p:cond delay="0"/>
+                                  </p:stCondLst>
+                                  <p:childTnLst>
+                                    <p:set>
+                                      <p:cBhvr>
+                                        <p:cTn id="19" dur="1" fill="hold">
+                                          <p:stCondLst>
+                                            <p:cond delay="0"/>
+                                          </p:stCondLst>
+                                        </p:cTn>
+                                        <p:tgtEl>
+                                          <p:spTgt spid="6">
+                                            <p:txEl>
+                                              <p:pRg st="6" end="6"/>
+                                            </p:txEl>
+                                          </p:spTgt>
+                                        </p:tgtEl>
+                                        <p:attrNameLst>
+                                          <p:attrName>style.visibility</p:attrName>
+                                        </p:attrNameLst>
+                                      </p:cBhvr>
+                                      <p:to>
+                                        <p:strVal val="visible"/>
+                                      </p:to>
+                                    </p:set>
+                                    <p:animEffect transition="in" filter="fade">
+                                      <p:cBhvr>
+                                        <p:cTn id="20" dur="500"/>
+                                        <p:tgtEl>
+                                          <p:spTgt spid="6">
+                                            <p:txEl>
+                                              <p:pRg st="6" end="6"/>
+                                            </p:txEl>
+                                          </p:spTgt>
+                                        </p:tgtEl>
+                                      </p:cBhvr>
+                                    </p:animEffect>
+                                  </p:childTnLst>
+                                </p:cTn>
+                              </p:par>
+                            </p:childTnLst>
+                          </p:cTn>
+                        </p:par>
+                        <p:par>
+                          <p:cTn id="21" fill="hold">
+                            <p:stCondLst>
+                              <p:cond delay="500"/>
+                            </p:stCondLst>
+                            <p:childTnLst>
+                              <p:par>
+                                <p:cTn id="22" presetID="10" presetClass="entr" presetSubtype="0" fill="hold" nodeType="afterEffect">
+                                  <p:stCondLst>
+                                    <p:cond delay="0"/>
+                                  </p:stCondLst>
+                                  <p:childTnLst>
+                                    <p:set>
+                                      <p:cBhvr>
+                                        <p:cTn id="23" dur="1" fill="hold">
                                           <p:stCondLst>
                                             <p:cond delay="0"/>
                                           </p:stCondLst>
@@ -4224,7 +8731,7 @@
                                     </p:set>
                                     <p:animEffect transition="in" filter="fade">
                                       <p:cBhvr>
-                                        <p:cTn id="7" dur="500"/>
+                                        <p:cTn id="24" dur="500"/>
                                         <p:tgtEl>
                                           <p:spTgt spid="5"/>
                                         </p:tgtEl>
@@ -4260,11 +8767,14 @@
         </p:cTn>
       </p:par>
     </p:tnLst>
+    <p:bldLst>
+      <p:bldP spid="6" grpId="0" uiExpand="1" build="p"/>
+    </p:bldLst>
   </p:timing>
 </p:sld>
 </file>
 
-<file path=ppt/slides/slide11.xml><?xml version="1.0" encoding="utf-8"?>
+<file path=ppt/slides/slide7.xml><?xml version="1.0" encoding="utf-8"?>
 <p:sld xmlns:a="http://schemas.openxmlformats.org/drawingml/2006/main" xmlns:r="http://schemas.openxmlformats.org/officeDocument/2006/relationships" xmlns:p="http://schemas.openxmlformats.org/presentationml/2006/main">
   <p:cSld>
     <p:spTree>
@@ -5918,7 +10428,7 @@
 </p:sld>
 </file>
 
-<file path=ppt/slides/slide12.xml><?xml version="1.0" encoding="utf-8"?>
+<file path=ppt/slides/slide8.xml><?xml version="1.0" encoding="utf-8"?>
 <p:sld xmlns:a="http://schemas.openxmlformats.org/drawingml/2006/main" xmlns:r="http://schemas.openxmlformats.org/officeDocument/2006/relationships" xmlns:p="http://schemas.openxmlformats.org/presentationml/2006/main">
   <p:cSld>
     <p:spTree>
@@ -8927,759 +13437,7 @@
 </p:sld>
 </file>
 
-<file path=ppt/slides/slide13.xml><?xml version="1.0" encoding="utf-8"?>
-<p:sld xmlns:a="http://schemas.openxmlformats.org/drawingml/2006/main" xmlns:r="http://schemas.openxmlformats.org/officeDocument/2006/relationships" xmlns:p="http://schemas.openxmlformats.org/presentationml/2006/main">
-  <p:cSld>
-    <p:spTree>
-      <p:nvGrpSpPr>
-        <p:cNvPr id="1" name=""/>
-        <p:cNvGrpSpPr/>
-        <p:nvPr/>
-      </p:nvGrpSpPr>
-      <p:grpSpPr>
-        <a:xfrm>
-          <a:off x="0" y="0"/>
-          <a:ext cx="0" cy="0"/>
-          <a:chOff x="0" y="0"/>
-          <a:chExt cx="0" cy="0"/>
-        </a:xfrm>
-      </p:grpSpPr>
-      <p:pic>
-        <p:nvPicPr>
-          <p:cNvPr id="3" name="Imagem 2" descr="Uma imagem contendo texto, desenho&#10;&#10;Descrição gerada automaticamente">
-            <a:extLst>
-              <a:ext uri="{FF2B5EF4-FFF2-40B4-BE49-F238E27FC236}">
-                <a16:creationId xmlns:a16="http://schemas.microsoft.com/office/drawing/2014/main" id="{1BC5E0AB-6EDC-4020-80FC-407DFD0D3C3E}"/>
-              </a:ext>
-            </a:extLst>
-          </p:cNvPr>
-          <p:cNvPicPr>
-            <a:picLocks noChangeAspect="1"/>
-          </p:cNvPicPr>
-          <p:nvPr/>
-        </p:nvPicPr>
-        <p:blipFill>
-          <a:blip r:embed="rId2" cstate="hqprint">
-            <a:extLst>
-              <a:ext uri="{28A0092B-C50C-407E-A947-70E740481C1C}">
-                <a14:useLocalDpi xmlns:a14="http://schemas.microsoft.com/office/drawing/2010/main" val="0"/>
-              </a:ext>
-            </a:extLst>
-          </a:blip>
-          <a:stretch>
-            <a:fillRect/>
-          </a:stretch>
-        </p:blipFill>
-        <p:spPr>
-          <a:xfrm>
-            <a:off x="11371740" y="365125"/>
-            <a:ext cx="599846" cy="535577"/>
-          </a:xfrm>
-          <a:prstGeom prst="rect">
-            <a:avLst/>
-          </a:prstGeom>
-        </p:spPr>
-      </p:pic>
-      <p:sp>
-        <p:nvSpPr>
-          <p:cNvPr id="6" name="Título 1">
-            <a:extLst>
-              <a:ext uri="{FF2B5EF4-FFF2-40B4-BE49-F238E27FC236}">
-                <a16:creationId xmlns:a16="http://schemas.microsoft.com/office/drawing/2014/main" id="{99F76FBE-1BC2-4EE6-B90A-22263BF7BDCD}"/>
-              </a:ext>
-            </a:extLst>
-          </p:cNvPr>
-          <p:cNvSpPr txBox="1">
-            <a:spLocks/>
-          </p:cNvSpPr>
-          <p:nvPr/>
-        </p:nvSpPr>
-        <p:spPr>
-          <a:xfrm>
-            <a:off x="838199" y="1433807"/>
-            <a:ext cx="10515600" cy="1325563"/>
-          </a:xfrm>
-          <a:prstGeom prst="rect">
-            <a:avLst/>
-          </a:prstGeom>
-        </p:spPr>
-        <p:txBody>
-          <a:bodyPr vert="horz" lIns="91440" tIns="45720" rIns="91440" bIns="45720" rtlCol="0" anchor="ctr">
-            <a:normAutofit/>
-          </a:bodyPr>
-          <a:lstStyle>
-            <a:lvl1pPr algn="l" defTabSz="914400" rtl="0" eaLnBrk="1" latinLnBrk="0" hangingPunct="1">
-              <a:lnSpc>
-                <a:spcPct val="90000"/>
-              </a:lnSpc>
-              <a:spcBef>
-                <a:spcPct val="0"/>
-              </a:spcBef>
-              <a:buNone/>
-              <a:defRPr sz="4400" kern="1200">
-                <a:solidFill>
-                  <a:schemeClr val="tx1"/>
-                </a:solidFill>
-                <a:latin typeface="+mj-lt"/>
-                <a:ea typeface="+mj-ea"/>
-                <a:cs typeface="+mj-cs"/>
-              </a:defRPr>
-            </a:lvl1pPr>
-          </a:lstStyle>
-          <a:p>
-            <a:pPr algn="ctr"/>
-            <a:r>
-              <a:rPr lang="pt-BR" dirty="0">
-                <a:solidFill>
-                  <a:schemeClr val="tx1">
-                    <a:lumMod val="75000"/>
-                    <a:lumOff val="25000"/>
-                  </a:schemeClr>
-                </a:solidFill>
-                <a:latin typeface="Bariol Bold" panose="02000506040000020003" pitchFamily="2" charset="0"/>
-              </a:rPr>
-              <a:t>Banco de Dados (Protótipo)</a:t>
-            </a:r>
-          </a:p>
-        </p:txBody>
-      </p:sp>
-      <p:pic>
-        <p:nvPicPr>
-          <p:cNvPr id="7" name="Imagem 6" descr="Uma imagem contendo homem, segurando, esqui, neve&#10;&#10;Descrição gerada automaticamente">
-            <a:extLst>
-              <a:ext uri="{FF2B5EF4-FFF2-40B4-BE49-F238E27FC236}">
-                <a16:creationId xmlns:a16="http://schemas.microsoft.com/office/drawing/2014/main" id="{2EB99745-E546-4AF1-BB7A-70FE206BCD05}"/>
-              </a:ext>
-            </a:extLst>
-          </p:cNvPr>
-          <p:cNvPicPr>
-            <a:picLocks noChangeAspect="1"/>
-          </p:cNvPicPr>
-          <p:nvPr/>
-        </p:nvPicPr>
-        <p:blipFill>
-          <a:blip r:embed="rId3">
-            <a:extLst>
-              <a:ext uri="{28A0092B-C50C-407E-A947-70E740481C1C}">
-                <a14:useLocalDpi xmlns:a14="http://schemas.microsoft.com/office/drawing/2010/main" val="0"/>
-              </a:ext>
-            </a:extLst>
-          </a:blip>
-          <a:stretch>
-            <a:fillRect/>
-          </a:stretch>
-        </p:blipFill>
-        <p:spPr>
-          <a:xfrm>
-            <a:off x="2950595" y="2394055"/>
-            <a:ext cx="6468395" cy="4311545"/>
-          </a:xfrm>
-          <a:prstGeom prst="rect">
-            <a:avLst/>
-          </a:prstGeom>
-        </p:spPr>
-      </p:pic>
-    </p:spTree>
-    <p:extLst>
-      <p:ext uri="{BB962C8B-B14F-4D97-AF65-F5344CB8AC3E}">
-        <p14:creationId xmlns:p14="http://schemas.microsoft.com/office/powerpoint/2010/main" val="221675555"/>
-      </p:ext>
-    </p:extLst>
-  </p:cSld>
-  <p:clrMapOvr>
-    <a:masterClrMapping/>
-  </p:clrMapOvr>
-  <p:transition>
-    <p:fade/>
-  </p:transition>
-  <p:timing>
-    <p:tnLst>
-      <p:par>
-        <p:cTn id="1" dur="indefinite" restart="never" nodeType="tmRoot"/>
-      </p:par>
-    </p:tnLst>
-  </p:timing>
-</p:sld>
-</file>
-
-<file path=ppt/slides/slide14.xml><?xml version="1.0" encoding="utf-8"?>
-<p:sld xmlns:a="http://schemas.openxmlformats.org/drawingml/2006/main" xmlns:r="http://schemas.openxmlformats.org/officeDocument/2006/relationships" xmlns:p="http://schemas.openxmlformats.org/presentationml/2006/main">
-  <p:cSld>
-    <p:spTree>
-      <p:nvGrpSpPr>
-        <p:cNvPr id="1" name=""/>
-        <p:cNvGrpSpPr/>
-        <p:nvPr/>
-      </p:nvGrpSpPr>
-      <p:grpSpPr>
-        <a:xfrm>
-          <a:off x="0" y="0"/>
-          <a:ext cx="0" cy="0"/>
-          <a:chOff x="0" y="0"/>
-          <a:chExt cx="0" cy="0"/>
-        </a:xfrm>
-      </p:grpSpPr>
-      <p:pic>
-        <p:nvPicPr>
-          <p:cNvPr id="3" name="Imagem 2" descr="Uma imagem contendo texto, desenho&#10;&#10;Descrição gerada automaticamente">
-            <a:extLst>
-              <a:ext uri="{FF2B5EF4-FFF2-40B4-BE49-F238E27FC236}">
-                <a16:creationId xmlns:a16="http://schemas.microsoft.com/office/drawing/2014/main" id="{1BC5E0AB-6EDC-4020-80FC-407DFD0D3C3E}"/>
-              </a:ext>
-            </a:extLst>
-          </p:cNvPr>
-          <p:cNvPicPr>
-            <a:picLocks noChangeAspect="1"/>
-          </p:cNvPicPr>
-          <p:nvPr/>
-        </p:nvPicPr>
-        <p:blipFill>
-          <a:blip r:embed="rId2" cstate="hqprint">
-            <a:extLst>
-              <a:ext uri="{28A0092B-C50C-407E-A947-70E740481C1C}">
-                <a14:useLocalDpi xmlns:a14="http://schemas.microsoft.com/office/drawing/2010/main" val="0"/>
-              </a:ext>
-            </a:extLst>
-          </a:blip>
-          <a:stretch>
-            <a:fillRect/>
-          </a:stretch>
-        </p:blipFill>
-        <p:spPr>
-          <a:xfrm>
-            <a:off x="11371740" y="365125"/>
-            <a:ext cx="599846" cy="535577"/>
-          </a:xfrm>
-          <a:prstGeom prst="rect">
-            <a:avLst/>
-          </a:prstGeom>
-        </p:spPr>
-      </p:pic>
-      <p:sp>
-        <p:nvSpPr>
-          <p:cNvPr id="6" name="Título 1">
-            <a:extLst>
-              <a:ext uri="{FF2B5EF4-FFF2-40B4-BE49-F238E27FC236}">
-                <a16:creationId xmlns:a16="http://schemas.microsoft.com/office/drawing/2014/main" id="{99F76FBE-1BC2-4EE6-B90A-22263BF7BDCD}"/>
-              </a:ext>
-            </a:extLst>
-          </p:cNvPr>
-          <p:cNvSpPr txBox="1">
-            <a:spLocks/>
-          </p:cNvSpPr>
-          <p:nvPr/>
-        </p:nvSpPr>
-        <p:spPr>
-          <a:xfrm>
-            <a:off x="856140" y="365125"/>
-            <a:ext cx="10515600" cy="1325563"/>
-          </a:xfrm>
-          <a:prstGeom prst="rect">
-            <a:avLst/>
-          </a:prstGeom>
-        </p:spPr>
-        <p:txBody>
-          <a:bodyPr vert="horz" lIns="91440" tIns="45720" rIns="91440" bIns="45720" rtlCol="0" anchor="ctr">
-            <a:normAutofit/>
-          </a:bodyPr>
-          <a:lstStyle>
-            <a:lvl1pPr algn="l" defTabSz="914400" rtl="0" eaLnBrk="1" latinLnBrk="0" hangingPunct="1">
-              <a:lnSpc>
-                <a:spcPct val="90000"/>
-              </a:lnSpc>
-              <a:spcBef>
-                <a:spcPct val="0"/>
-              </a:spcBef>
-              <a:buNone/>
-              <a:defRPr sz="4400" kern="1200">
-                <a:solidFill>
-                  <a:schemeClr val="tx1"/>
-                </a:solidFill>
-                <a:latin typeface="+mj-lt"/>
-                <a:ea typeface="+mj-ea"/>
-                <a:cs typeface="+mj-cs"/>
-              </a:defRPr>
-            </a:lvl1pPr>
-          </a:lstStyle>
-          <a:p>
-            <a:pPr algn="ctr"/>
-            <a:r>
-              <a:rPr lang="pt-BR" dirty="0" smtClean="0">
-                <a:solidFill>
-                  <a:schemeClr val="tx1">
-                    <a:lumMod val="75000"/>
-                    <a:lumOff val="25000"/>
-                  </a:schemeClr>
-                </a:solidFill>
-                <a:latin typeface="Bariol Bold" panose="02000506040000020003" pitchFamily="2" charset="0"/>
-              </a:rPr>
-              <a:t>Ferramenta De Gestão De Projeto</a:t>
-            </a:r>
-            <a:endParaRPr lang="pt-BR" dirty="0">
-              <a:solidFill>
-                <a:schemeClr val="tx1">
-                  <a:lumMod val="75000"/>
-                  <a:lumOff val="25000"/>
-                </a:schemeClr>
-              </a:solidFill>
-              <a:latin typeface="Bariol Bold" panose="02000506040000020003" pitchFamily="2" charset="0"/>
-            </a:endParaRPr>
-          </a:p>
-        </p:txBody>
-      </p:sp>
-      <p:pic>
-        <p:nvPicPr>
-          <p:cNvPr id="11" name="Imagem 10"/>
-          <p:cNvPicPr>
-            <a:picLocks noChangeAspect="1"/>
-          </p:cNvPicPr>
-          <p:nvPr/>
-        </p:nvPicPr>
-        <p:blipFill>
-          <a:blip r:embed="rId3">
-            <a:extLst>
-              <a:ext uri="{28A0092B-C50C-407E-A947-70E740481C1C}">
-                <a14:useLocalDpi xmlns:a14="http://schemas.microsoft.com/office/drawing/2010/main" val="0"/>
-              </a:ext>
-            </a:extLst>
-          </a:blip>
-          <a:stretch>
-            <a:fillRect/>
-          </a:stretch>
-        </p:blipFill>
-        <p:spPr>
-          <a:xfrm>
-            <a:off x="3847534" y="1800498"/>
-            <a:ext cx="4532811" cy="4532811"/>
-          </a:xfrm>
-          <a:prstGeom prst="rect">
-            <a:avLst/>
-          </a:prstGeom>
-        </p:spPr>
-      </p:pic>
-    </p:spTree>
-    <p:extLst>
-      <p:ext uri="{BB962C8B-B14F-4D97-AF65-F5344CB8AC3E}">
-        <p14:creationId xmlns:p14="http://schemas.microsoft.com/office/powerpoint/2010/main" val="4090046516"/>
-      </p:ext>
-    </p:extLst>
-  </p:cSld>
-  <p:clrMapOvr>
-    <a:masterClrMapping/>
-  </p:clrMapOvr>
-  <p:transition>
-    <p:fade/>
-  </p:transition>
-  <p:timing>
-    <p:tnLst>
-      <p:par>
-        <p:cTn id="1" dur="indefinite" restart="never" nodeType="tmRoot"/>
-      </p:par>
-    </p:tnLst>
-  </p:timing>
-</p:sld>
-</file>
-
-<file path=ppt/slides/slide15.xml><?xml version="1.0" encoding="utf-8"?>
-<p:sld xmlns:a="http://schemas.openxmlformats.org/drawingml/2006/main" xmlns:r="http://schemas.openxmlformats.org/officeDocument/2006/relationships" xmlns:p="http://schemas.openxmlformats.org/presentationml/2006/main">
-  <p:cSld>
-    <p:spTree>
-      <p:nvGrpSpPr>
-        <p:cNvPr id="1" name=""/>
-        <p:cNvGrpSpPr/>
-        <p:nvPr/>
-      </p:nvGrpSpPr>
-      <p:grpSpPr>
-        <a:xfrm>
-          <a:off x="0" y="0"/>
-          <a:ext cx="0" cy="0"/>
-          <a:chOff x="0" y="0"/>
-          <a:chExt cx="0" cy="0"/>
-        </a:xfrm>
-      </p:grpSpPr>
-      <p:pic>
-        <p:nvPicPr>
-          <p:cNvPr id="3" name="Imagem 2"/>
-          <p:cNvPicPr>
-            <a:picLocks noChangeAspect="1"/>
-          </p:cNvPicPr>
-          <p:nvPr/>
-        </p:nvPicPr>
-        <p:blipFill>
-          <a:blip r:embed="rId2">
-            <a:extLst>
-              <a:ext uri="{28A0092B-C50C-407E-A947-70E740481C1C}">
-                <a14:useLocalDpi xmlns:a14="http://schemas.microsoft.com/office/drawing/2010/main" val="0"/>
-              </a:ext>
-            </a:extLst>
-          </a:blip>
-          <a:stretch>
-            <a:fillRect/>
-          </a:stretch>
-        </p:blipFill>
-        <p:spPr>
-          <a:xfrm>
-            <a:off x="361730" y="2642820"/>
-            <a:ext cx="2800741" cy="3400900"/>
-          </a:xfrm>
-          <a:prstGeom prst="rect">
-            <a:avLst/>
-          </a:prstGeom>
-        </p:spPr>
-      </p:pic>
-      <p:pic>
-        <p:nvPicPr>
-          <p:cNvPr id="14" name="Imagem 13"/>
-          <p:cNvPicPr>
-            <a:picLocks noChangeAspect="1"/>
-          </p:cNvPicPr>
-          <p:nvPr/>
-        </p:nvPicPr>
-        <p:blipFill>
-          <a:blip r:embed="rId3">
-            <a:extLst>
-              <a:ext uri="{28A0092B-C50C-407E-A947-70E740481C1C}">
-                <a14:useLocalDpi xmlns:a14="http://schemas.microsoft.com/office/drawing/2010/main" val="0"/>
-              </a:ext>
-            </a:extLst>
-          </a:blip>
-          <a:stretch>
-            <a:fillRect/>
-          </a:stretch>
-        </p:blipFill>
-        <p:spPr>
-          <a:xfrm>
-            <a:off x="3986889" y="2095993"/>
-            <a:ext cx="7897327" cy="4353533"/>
-          </a:xfrm>
-          <a:prstGeom prst="rect">
-            <a:avLst/>
-          </a:prstGeom>
-        </p:spPr>
-      </p:pic>
-      <p:pic>
-        <p:nvPicPr>
-          <p:cNvPr id="8" name="Espaço Reservado para Imagem 7"/>
-          <p:cNvPicPr>
-            <a:picLocks noGrp="1" noChangeAspect="1"/>
-          </p:cNvPicPr>
-          <p:nvPr>
-            <p:ph type="pic" idx="1"/>
-          </p:nvPr>
-        </p:nvPicPr>
-        <p:blipFill>
-          <a:blip r:embed="rId4">
-            <a:extLst>
-              <a:ext uri="{28A0092B-C50C-407E-A947-70E740481C1C}">
-                <a14:useLocalDpi xmlns:a14="http://schemas.microsoft.com/office/drawing/2010/main" val="0"/>
-              </a:ext>
-            </a:extLst>
-          </a:blip>
-          <a:srcRect t="10520" b="10520"/>
-          <a:stretch>
-            <a:fillRect/>
-          </a:stretch>
-        </p:blipFill>
-        <p:spPr>
-          <a:xfrm>
-            <a:off x="839788" y="295095"/>
-            <a:ext cx="1844629" cy="1456536"/>
-          </a:xfrm>
-        </p:spPr>
-      </p:pic>
-      <p:sp>
-        <p:nvSpPr>
-          <p:cNvPr id="6" name="Espaço Reservado para Texto 5"/>
-          <p:cNvSpPr>
-            <a:spLocks noGrp="1"/>
-          </p:cNvSpPr>
-          <p:nvPr>
-            <p:ph type="body" sz="half" idx="2"/>
-          </p:nvPr>
-        </p:nvSpPr>
-        <p:spPr>
-          <a:xfrm>
-            <a:off x="839788" y="1751631"/>
-            <a:ext cx="1815895" cy="476794"/>
-          </a:xfrm>
-        </p:spPr>
-        <p:txBody>
-          <a:bodyPr>
-            <a:normAutofit fontScale="92500" lnSpcReduction="10000"/>
-          </a:bodyPr>
-          <a:lstStyle/>
-          <a:p>
-            <a:pPr algn="ctr">
-              <a:spcBef>
-                <a:spcPts val="0"/>
-              </a:spcBef>
-            </a:pPr>
-            <a:r>
-              <a:rPr lang="pt-BR" dirty="0" smtClean="0">
-                <a:solidFill>
-                  <a:schemeClr val="bg1">
-                    <a:lumMod val="75000"/>
-                  </a:schemeClr>
-                </a:solidFill>
-              </a:rPr>
-              <a:t>Software para gestão </a:t>
-            </a:r>
-          </a:p>
-          <a:p>
-            <a:pPr algn="ctr">
-              <a:spcBef>
-                <a:spcPts val="0"/>
-              </a:spcBef>
-            </a:pPr>
-            <a:r>
-              <a:rPr lang="pt-BR" dirty="0" smtClean="0">
-                <a:solidFill>
-                  <a:schemeClr val="bg1">
-                    <a:lumMod val="75000"/>
-                  </a:schemeClr>
-                </a:solidFill>
-              </a:rPr>
-              <a:t>de projetos.</a:t>
-            </a:r>
-            <a:endParaRPr lang="pt-BR" dirty="0">
-              <a:solidFill>
-                <a:schemeClr val="bg1">
-                  <a:lumMod val="75000"/>
-                </a:schemeClr>
-              </a:solidFill>
-            </a:endParaRPr>
-          </a:p>
-        </p:txBody>
-      </p:sp>
-      <p:sp>
-        <p:nvSpPr>
-          <p:cNvPr id="13" name="CaixaDeTexto 12"/>
-          <p:cNvSpPr txBox="1"/>
-          <p:nvPr/>
-        </p:nvSpPr>
-        <p:spPr>
-          <a:xfrm>
-            <a:off x="4116291" y="1023363"/>
-            <a:ext cx="7590890" cy="461665"/>
-          </a:xfrm>
-          <a:prstGeom prst="rect">
-            <a:avLst/>
-          </a:prstGeom>
-          <a:noFill/>
-        </p:spPr>
-        <p:txBody>
-          <a:bodyPr wrap="square" rtlCol="0">
-            <a:spAutoFit/>
-          </a:bodyPr>
-          <a:lstStyle/>
-          <a:p>
-            <a:pPr algn="ctr"/>
-            <a:r>
-              <a:rPr lang="pt-BR" sz="2400" b="1" dirty="0" smtClean="0">
-                <a:solidFill>
-                  <a:srgbClr val="37C5AB"/>
-                </a:solidFill>
-                <a:effectLst>
-                  <a:outerShdw blurRad="38100" dist="38100" dir="2700000" algn="tl">
-                    <a:srgbClr val="000000">
-                      <a:alpha val="43137"/>
-                    </a:srgbClr>
-                  </a:outerShdw>
-                </a:effectLst>
-              </a:rPr>
-              <a:t>ORGANIZAÇÃO</a:t>
-            </a:r>
-            <a:r>
-              <a:rPr lang="pt-BR" sz="2400" b="1" dirty="0" smtClean="0"/>
-              <a:t>  </a:t>
-            </a:r>
-            <a:r>
-              <a:rPr lang="pt-BR" sz="2400" b="1" dirty="0" smtClean="0">
-                <a:solidFill>
-                  <a:schemeClr val="bg1">
-                    <a:lumMod val="75000"/>
-                  </a:schemeClr>
-                </a:solidFill>
-              </a:rPr>
-              <a:t>-</a:t>
-            </a:r>
-            <a:r>
-              <a:rPr lang="pt-BR" sz="2400" b="1" dirty="0" smtClean="0"/>
-              <a:t>  </a:t>
-            </a:r>
-            <a:r>
-              <a:rPr lang="pt-BR" sz="2400" b="1" dirty="0" smtClean="0">
-                <a:solidFill>
-                  <a:srgbClr val="4186E0"/>
-                </a:solidFill>
-                <a:effectLst>
-                  <a:outerShdw blurRad="38100" dist="38100" dir="2700000" algn="tl">
-                    <a:srgbClr val="000000">
-                      <a:alpha val="43137"/>
-                    </a:srgbClr>
-                  </a:outerShdw>
-                </a:effectLst>
-              </a:rPr>
-              <a:t>FOCO</a:t>
-            </a:r>
-            <a:r>
-              <a:rPr lang="pt-BR" sz="2400" b="1" dirty="0" smtClean="0">
-                <a:solidFill>
-                  <a:srgbClr val="4186E0"/>
-                </a:solidFill>
-              </a:rPr>
-              <a:t> </a:t>
-            </a:r>
-            <a:r>
-              <a:rPr lang="pt-BR" sz="2400" b="1" dirty="0" smtClean="0"/>
-              <a:t> </a:t>
-            </a:r>
-            <a:r>
-              <a:rPr lang="pt-BR" sz="2400" b="1" dirty="0" smtClean="0">
-                <a:solidFill>
-                  <a:schemeClr val="bg1">
-                    <a:lumMod val="75000"/>
-                  </a:schemeClr>
-                </a:solidFill>
-              </a:rPr>
-              <a:t>-</a:t>
-            </a:r>
-            <a:r>
-              <a:rPr lang="pt-BR" sz="2400" b="1" dirty="0" smtClean="0"/>
-              <a:t>  </a:t>
-            </a:r>
-            <a:r>
-              <a:rPr lang="pt-BR" sz="2400" b="1" dirty="0" smtClean="0">
-                <a:solidFill>
-                  <a:srgbClr val="EA4E9D"/>
-                </a:solidFill>
-                <a:effectLst>
-                  <a:outerShdw blurRad="38100" dist="38100" dir="2700000" algn="tl">
-                    <a:srgbClr val="000000">
-                      <a:alpha val="43137"/>
-                    </a:srgbClr>
-                  </a:outerShdw>
-                </a:effectLst>
-              </a:rPr>
-              <a:t>CONTROLE</a:t>
-            </a:r>
-            <a:r>
-              <a:rPr lang="pt-BR" sz="2400" b="1" dirty="0" smtClean="0">
-                <a:solidFill>
-                  <a:srgbClr val="EA4E9D"/>
-                </a:solidFill>
-              </a:rPr>
-              <a:t> </a:t>
-            </a:r>
-            <a:r>
-              <a:rPr lang="pt-BR" sz="2400" b="1" dirty="0" smtClean="0"/>
-              <a:t> </a:t>
-            </a:r>
-            <a:r>
-              <a:rPr lang="pt-BR" sz="2400" b="1" dirty="0" smtClean="0">
-                <a:solidFill>
-                  <a:schemeClr val="bg1">
-                    <a:lumMod val="75000"/>
-                  </a:schemeClr>
-                </a:solidFill>
-              </a:rPr>
-              <a:t>- </a:t>
-            </a:r>
-            <a:r>
-              <a:rPr lang="pt-BR" sz="2400" b="1" dirty="0" smtClean="0"/>
-              <a:t> </a:t>
-            </a:r>
-            <a:r>
-              <a:rPr lang="pt-BR" sz="2400" b="1" dirty="0" smtClean="0">
-                <a:solidFill>
-                  <a:srgbClr val="EEC300"/>
-                </a:solidFill>
-                <a:effectLst>
-                  <a:outerShdw blurRad="38100" dist="38100" dir="2700000" algn="tl">
-                    <a:srgbClr val="000000">
-                      <a:alpha val="43137"/>
-                    </a:srgbClr>
-                  </a:outerShdw>
-                </a:effectLst>
-              </a:rPr>
-              <a:t>GERENCIAMETO</a:t>
-            </a:r>
-            <a:r>
-              <a:rPr lang="pt-BR" sz="2400" b="1" dirty="0" smtClean="0">
-                <a:solidFill>
-                  <a:srgbClr val="EEC300"/>
-                </a:solidFill>
-              </a:rPr>
-              <a:t> </a:t>
-            </a:r>
-            <a:endParaRPr lang="pt-BR" sz="2400" b="1" dirty="0">
-              <a:solidFill>
-                <a:srgbClr val="EEC300"/>
-              </a:solidFill>
-            </a:endParaRPr>
-          </a:p>
-        </p:txBody>
-      </p:sp>
-      <p:pic>
-        <p:nvPicPr>
-          <p:cNvPr id="15" name="Imagem 14" descr="Uma imagem contendo texto, desenho&#10;&#10;Descrição gerada automaticamente">
-            <a:extLst>
-              <a:ext uri="{FF2B5EF4-FFF2-40B4-BE49-F238E27FC236}">
-                <a16:creationId xmlns:a16="http://schemas.microsoft.com/office/drawing/2014/main" id="{1BC5E0AB-6EDC-4020-80FC-407DFD0D3C3E}"/>
-              </a:ext>
-            </a:extLst>
-          </p:cNvPr>
-          <p:cNvPicPr>
-            <a:picLocks noChangeAspect="1"/>
-          </p:cNvPicPr>
-          <p:nvPr/>
-        </p:nvPicPr>
-        <p:blipFill>
-          <a:blip r:embed="rId5" cstate="hqprint">
-            <a:extLst>
-              <a:ext uri="{28A0092B-C50C-407E-A947-70E740481C1C}">
-                <a14:useLocalDpi xmlns:a14="http://schemas.microsoft.com/office/drawing/2010/main" val="0"/>
-              </a:ext>
-            </a:extLst>
-          </a:blip>
-          <a:stretch>
-            <a:fillRect/>
-          </a:stretch>
-        </p:blipFill>
-        <p:spPr>
-          <a:xfrm>
-            <a:off x="11371740" y="365125"/>
-            <a:ext cx="599846" cy="535577"/>
-          </a:xfrm>
-          <a:prstGeom prst="rect">
-            <a:avLst/>
-          </a:prstGeom>
-        </p:spPr>
-      </p:pic>
-    </p:spTree>
-    <p:extLst>
-      <p:ext uri="{BB962C8B-B14F-4D97-AF65-F5344CB8AC3E}">
-        <p14:creationId xmlns:p14="http://schemas.microsoft.com/office/powerpoint/2010/main" val="3904056074"/>
-      </p:ext>
-    </p:extLst>
-  </p:cSld>
-  <p:clrMapOvr>
-    <a:masterClrMapping/>
-  </p:clrMapOvr>
-  <p:transition>
-    <p:fade/>
-  </p:transition>
-  <p:timing>
-    <p:tnLst>
-      <p:par>
-        <p:cTn id="1" dur="indefinite" restart="never" nodeType="tmRoot"/>
-      </p:par>
-    </p:tnLst>
-  </p:timing>
-</p:sld>
-</file>
-
-<file path=ppt/slides/slide16.xml><?xml version="1.0" encoding="utf-8"?>
+<file path=ppt/slides/slide9.xml><?xml version="1.0" encoding="utf-8"?>
 <p:sld xmlns:a="http://schemas.openxmlformats.org/drawingml/2006/main" xmlns:r="http://schemas.openxmlformats.org/officeDocument/2006/relationships" xmlns:p="http://schemas.openxmlformats.org/presentationml/2006/main">
   <p:cSld>
     <p:bg>
@@ -9704,6 +13462,48 @@
           <a:chExt cx="0" cy="0"/>
         </a:xfrm>
       </p:grpSpPr>
+      <p:sp>
+        <p:nvSpPr>
+          <p:cNvPr id="2" name="Título 1">
+            <a:extLst>
+              <a:ext uri="{FF2B5EF4-FFF2-40B4-BE49-F238E27FC236}">
+                <a16:creationId xmlns:a16="http://schemas.microsoft.com/office/drawing/2014/main" id="{99F76FBE-1BC2-4EE6-B90A-22263BF7BDCD}"/>
+              </a:ext>
+            </a:extLst>
+          </p:cNvPr>
+          <p:cNvSpPr>
+            <a:spLocks noGrp="1"/>
+          </p:cNvSpPr>
+          <p:nvPr>
+            <p:ph type="title"/>
+          </p:nvPr>
+        </p:nvSpPr>
+        <p:spPr>
+          <a:xfrm>
+            <a:off x="838200" y="365125"/>
+            <a:ext cx="10515600" cy="1325563"/>
+          </a:xfrm>
+        </p:spPr>
+        <p:txBody>
+          <a:bodyPr vert="horz" lIns="91440" tIns="45720" rIns="91440" bIns="45720" rtlCol="0" anchor="ctr">
+            <a:normAutofit/>
+          </a:bodyPr>
+          <a:lstStyle/>
+          <a:p>
+            <a:r>
+              <a:rPr lang="en-US" kern="1200">
+                <a:solidFill>
+                  <a:schemeClr val="tx1"/>
+                </a:solidFill>
+                <a:latin typeface="+mj-lt"/>
+                <a:ea typeface="+mj-ea"/>
+                <a:cs typeface="+mj-cs"/>
+              </a:rPr>
+              <a:t>Backlog/planilha de risco</a:t>
+            </a:r>
+          </a:p>
+        </p:txBody>
+      </p:sp>
       <p:pic>
         <p:nvPicPr>
           <p:cNvPr id="6" name="Imagem 5" descr="Uma imagem contendo guarda-chuva&#10;&#10;Descrição gerada automaticamente">
@@ -9731,218 +13531,14 @@
         </p:blipFill>
         <p:spPr>
           <a:xfrm>
-            <a:off x="20" y="10"/>
-            <a:ext cx="12191980" cy="6857990"/>
+            <a:off x="2223406" y="1825626"/>
+            <a:ext cx="7735662" cy="4351338"/>
           </a:xfrm>
           <a:prstGeom prst="rect">
             <a:avLst/>
           </a:prstGeom>
         </p:spPr>
       </p:pic>
-      <p:sp>
-        <p:nvSpPr>
-          <p:cNvPr id="11" name="Rectangle 10">
-            <a:extLst>
-              <a:ext uri="{FF2B5EF4-FFF2-40B4-BE49-F238E27FC236}">
-                <a16:creationId xmlns:a16="http://schemas.microsoft.com/office/drawing/2014/main" id="{2B1D4F77-A17C-43D7-B7FA-545148E4E93D}"/>
-              </a:ext>
-              <a:ext uri="{C183D7F6-B498-43B3-948B-1728B52AA6E4}">
-                <adec:decorative xmlns:adec="http://schemas.microsoft.com/office/drawing/2017/decorative" xmlns="" val="1"/>
-              </a:ext>
-            </a:extLst>
-          </p:cNvPr>
-          <p:cNvSpPr>
-            <a:spLocks noGrp="1" noRot="1" noChangeAspect="1" noMove="1" noResize="1" noEditPoints="1" noAdjustHandles="1" noChangeArrowheads="1" noChangeShapeType="1" noTextEdit="1"/>
-          </p:cNvSpPr>
-          <p:nvPr>
-            <p:extLst>
-              <p:ext uri="{386F3935-93C4-4BCD-93E2-E3B085C9AB24}">
-                <p16:designElem xmlns:p16="http://schemas.microsoft.com/office/powerpoint/2015/main" val="1"/>
-              </p:ext>
-            </p:extLst>
-          </p:nvPr>
-        </p:nvSpPr>
-        <p:spPr bwMode="ltGray">
-          <a:xfrm>
-            <a:off x="336884" y="321176"/>
-            <a:ext cx="4332307" cy="5896743"/>
-          </a:xfrm>
-          <a:prstGeom prst="rect">
-            <a:avLst/>
-          </a:prstGeom>
-          <a:solidFill>
-            <a:schemeClr val="bg1">
-              <a:alpha val="90000"/>
-            </a:schemeClr>
-          </a:solidFill>
-          <a:ln w="127000" cap="sq" cmpd="thinThick">
-            <a:solidFill>
-              <a:schemeClr val="bg1"/>
-            </a:solidFill>
-          </a:ln>
-        </p:spPr>
-        <p:style>
-          <a:lnRef idx="2">
-            <a:schemeClr val="accent1">
-              <a:shade val="50000"/>
-            </a:schemeClr>
-          </a:lnRef>
-          <a:fillRef idx="1">
-            <a:schemeClr val="accent1"/>
-          </a:fillRef>
-          <a:effectRef idx="0">
-            <a:schemeClr val="accent1"/>
-          </a:effectRef>
-          <a:fontRef idx="minor">
-            <a:schemeClr val="lt1"/>
-          </a:fontRef>
-        </p:style>
-        <p:txBody>
-          <a:bodyPr rtlCol="0" anchor="ctr"/>
-          <a:lstStyle/>
-          <a:p>
-            <a:pPr algn="ctr"/>
-            <a:endParaRPr lang="en-US"/>
-          </a:p>
-        </p:txBody>
-      </p:sp>
-      <p:sp>
-        <p:nvSpPr>
-          <p:cNvPr id="2" name="Título 1">
-            <a:extLst>
-              <a:ext uri="{FF2B5EF4-FFF2-40B4-BE49-F238E27FC236}">
-                <a16:creationId xmlns:a16="http://schemas.microsoft.com/office/drawing/2014/main" id="{99F76FBE-1BC2-4EE6-B90A-22263BF7BDCD}"/>
-              </a:ext>
-            </a:extLst>
-          </p:cNvPr>
-          <p:cNvSpPr>
-            <a:spLocks noGrp="1"/>
-          </p:cNvSpPr>
-          <p:nvPr>
-            <p:ph type="title"/>
-          </p:nvPr>
-        </p:nvSpPr>
-        <p:spPr>
-          <a:xfrm>
-            <a:off x="594805" y="640263"/>
-            <a:ext cx="3759240" cy="1344975"/>
-          </a:xfrm>
-        </p:spPr>
-        <p:txBody>
-          <a:bodyPr vert="horz" lIns="91440" tIns="45720" rIns="91440" bIns="45720" rtlCol="0" anchor="ctr">
-            <a:normAutofit/>
-          </a:bodyPr>
-          <a:lstStyle/>
-          <a:p>
-            <a:r>
-              <a:rPr lang="en-US" sz="4000" dirty="0"/>
-              <a:t>Backlog</a:t>
-            </a:r>
-          </a:p>
-        </p:txBody>
-      </p:sp>
-      <p:sp>
-        <p:nvSpPr>
-          <p:cNvPr id="5" name="CaixaDeTexto 4">
-            <a:extLst>
-              <a:ext uri="{FF2B5EF4-FFF2-40B4-BE49-F238E27FC236}">
-                <a16:creationId xmlns:a16="http://schemas.microsoft.com/office/drawing/2014/main" id="{869545E3-DC46-4CDB-A839-CA8AA4E80E78}"/>
-              </a:ext>
-            </a:extLst>
-          </p:cNvPr>
-          <p:cNvSpPr txBox="1"/>
-          <p:nvPr/>
-        </p:nvSpPr>
-        <p:spPr>
-          <a:xfrm>
-            <a:off x="594110" y="2121763"/>
-            <a:ext cx="3764826" cy="3773010"/>
-          </a:xfrm>
-          <a:prstGeom prst="rect">
-            <a:avLst/>
-          </a:prstGeom>
-        </p:spPr>
-        <p:txBody>
-          <a:bodyPr vert="horz" lIns="91440" tIns="45720" rIns="91440" bIns="45720" rtlCol="0">
-            <a:normAutofit/>
-          </a:bodyPr>
-          <a:lstStyle/>
-          <a:p>
-            <a:pPr marL="342900" indent="-228600">
-              <a:lnSpc>
-                <a:spcPct val="90000"/>
-              </a:lnSpc>
-              <a:spcAft>
-                <a:spcPts val="600"/>
-              </a:spcAft>
-              <a:buClr>
-                <a:srgbClr val="4772FF"/>
-              </a:buClr>
-              <a:buSzPct val="80000"/>
-              <a:buFont typeface="Arial" panose="020B0604020202020204" pitchFamily="34" charset="0"/>
-              <a:buChar char="•"/>
-            </a:pPr>
-            <a:r>
-              <a:rPr lang="en-US"/>
-              <a:t>Backlog completo</a:t>
-            </a:r>
-          </a:p>
-          <a:p>
-            <a:pPr marL="342900" indent="-228600">
-              <a:lnSpc>
-                <a:spcPct val="90000"/>
-              </a:lnSpc>
-              <a:spcAft>
-                <a:spcPts val="600"/>
-              </a:spcAft>
-              <a:buClr>
-                <a:srgbClr val="4772FF"/>
-              </a:buClr>
-              <a:buSzPct val="80000"/>
-              <a:buFont typeface="Arial" panose="020B0604020202020204" pitchFamily="34" charset="0"/>
-              <a:buChar char="•"/>
-            </a:pPr>
-            <a:endParaRPr lang="en-US"/>
-          </a:p>
-          <a:p>
-            <a:pPr marL="342900" indent="-228600">
-              <a:lnSpc>
-                <a:spcPct val="90000"/>
-              </a:lnSpc>
-              <a:spcAft>
-                <a:spcPts val="600"/>
-              </a:spcAft>
-              <a:buClr>
-                <a:srgbClr val="4772FF"/>
-              </a:buClr>
-              <a:buSzPct val="80000"/>
-              <a:buFont typeface="Arial" panose="020B0604020202020204" pitchFamily="34" charset="0"/>
-              <a:buChar char="•"/>
-            </a:pPr>
-            <a:r>
-              <a:rPr lang="en-US"/>
-              <a:t>Backlog por sprint</a:t>
-            </a:r>
-          </a:p>
-          <a:p>
-            <a:pPr indent="-228600">
-              <a:lnSpc>
-                <a:spcPct val="90000"/>
-              </a:lnSpc>
-              <a:spcAft>
-                <a:spcPts val="600"/>
-              </a:spcAft>
-              <a:buClr>
-                <a:srgbClr val="4772FF"/>
-              </a:buClr>
-              <a:buSzPct val="80000"/>
-              <a:buFont typeface="Arial" panose="020B0604020202020204" pitchFamily="34" charset="0"/>
-              <a:buChar char="•"/>
-            </a:pPr>
-            <a:endParaRPr lang="en-US"/>
-          </a:p>
-        </p:txBody>
-      </p:sp>
       <p:pic>
         <p:nvPicPr>
           <p:cNvPr id="3" name="Imagem 2" descr="Uma imagem contendo texto, desenho&#10;&#10;Descrição gerada automaticamente">
@@ -10016,7 +13612,7 @@
                             </p:stCondLst>
                             <p:childTnLst>
                               <p:par>
-                                <p:cTn id="5" presetID="10" presetClass="entr" presetSubtype="0" fill="hold" grpId="0" nodeType="afterEffect">
+                                <p:cTn id="5" presetID="10" presetClass="entr" presetSubtype="0" fill="hold" nodeType="afterEffect">
                                   <p:stCondLst>
                                     <p:cond delay="0"/>
                                   </p:stCondLst>
@@ -10024,110 +13620,6 @@
                                     <p:set>
                                       <p:cBhvr>
                                         <p:cTn id="6" dur="1" fill="hold">
-                                          <p:stCondLst>
-                                            <p:cond delay="0"/>
-                                          </p:stCondLst>
-                                        </p:cTn>
-                                        <p:tgtEl>
-                                          <p:spTgt spid="5">
-                                            <p:txEl>
-                                              <p:pRg st="0" end="0"/>
-                                            </p:txEl>
-                                          </p:spTgt>
-                                        </p:tgtEl>
-                                        <p:attrNameLst>
-                                          <p:attrName>style.visibility</p:attrName>
-                                        </p:attrNameLst>
-                                      </p:cBhvr>
-                                      <p:to>
-                                        <p:strVal val="visible"/>
-                                      </p:to>
-                                    </p:set>
-                                    <p:animEffect transition="in" filter="fade">
-                                      <p:cBhvr>
-                                        <p:cTn id="7" dur="500"/>
-                                        <p:tgtEl>
-                                          <p:spTgt spid="5">
-                                            <p:txEl>
-                                              <p:pRg st="0" end="0"/>
-                                            </p:txEl>
-                                          </p:spTgt>
-                                        </p:tgtEl>
-                                      </p:cBhvr>
-                                    </p:animEffect>
-                                  </p:childTnLst>
-                                </p:cTn>
-                              </p:par>
-                            </p:childTnLst>
-                          </p:cTn>
-                        </p:par>
-                        <p:par>
-                          <p:cTn id="8" fill="hold">
-                            <p:stCondLst>
-                              <p:cond delay="500"/>
-                            </p:stCondLst>
-                            <p:childTnLst>
-                              <p:par>
-                                <p:cTn id="9" presetID="10" presetClass="entr" presetSubtype="0" fill="hold" grpId="0" nodeType="afterEffect">
-                                  <p:stCondLst>
-                                    <p:cond delay="0"/>
-                                  </p:stCondLst>
-                                  <p:childTnLst>
-                                    <p:set>
-                                      <p:cBhvr>
-                                        <p:cTn id="10" dur="1" fill="hold">
-                                          <p:stCondLst>
-                                            <p:cond delay="0"/>
-                                          </p:stCondLst>
-                                        </p:cTn>
-                                        <p:tgtEl>
-                                          <p:spTgt spid="5">
-                                            <p:txEl>
-                                              <p:pRg st="2" end="2"/>
-                                            </p:txEl>
-                                          </p:spTgt>
-                                        </p:tgtEl>
-                                        <p:attrNameLst>
-                                          <p:attrName>style.visibility</p:attrName>
-                                        </p:attrNameLst>
-                                      </p:cBhvr>
-                                      <p:to>
-                                        <p:strVal val="visible"/>
-                                      </p:to>
-                                    </p:set>
-                                    <p:animEffect transition="in" filter="fade">
-                                      <p:cBhvr>
-                                        <p:cTn id="11" dur="500"/>
-                                        <p:tgtEl>
-                                          <p:spTgt spid="5">
-                                            <p:txEl>
-                                              <p:pRg st="2" end="2"/>
-                                            </p:txEl>
-                                          </p:spTgt>
-                                        </p:tgtEl>
-                                      </p:cBhvr>
-                                    </p:animEffect>
-                                  </p:childTnLst>
-                                </p:cTn>
-                              </p:par>
-                            </p:childTnLst>
-                          </p:cTn>
-                        </p:par>
-                        <p:par>
-                          <p:cTn id="12" fill="hold">
-                            <p:stCondLst>
-                              <p:cond delay="1000"/>
-                            </p:stCondLst>
-                            <p:childTnLst>
-                              <p:par>
-                                <p:cTn id="13" presetID="10" presetClass="entr" presetSubtype="0" fill="hold" nodeType="afterEffect">
-                                  <p:stCondLst>
-                                    <p:cond delay="0"/>
-                                  </p:stCondLst>
-                                  <p:childTnLst>
-                                    <p:set>
-                                      <p:cBhvr>
-                                        <p:cTn id="14" dur="1" fill="hold">
                                           <p:stCondLst>
                                             <p:cond delay="0"/>
                                           </p:stCondLst>
@@ -10145,7 +13637,7 @@
                                     </p:set>
                                     <p:animEffect transition="in" filter="fade">
                                       <p:cBhvr>
-                                        <p:cTn id="15" dur="500"/>
+                                        <p:cTn id="7" dur="500"/>
                                         <p:tgtEl>
                                           <p:spTgt spid="6"/>
                                         </p:tgtEl>
@@ -10179,3682 +13671,6 @@
             </p:seq>
           </p:childTnLst>
         </p:cTn>
-      </p:par>
-    </p:tnLst>
-    <p:bldLst>
-      <p:bldP spid="5" grpId="0" uiExpand="1" build="allAtOnce"/>
-    </p:bldLst>
-  </p:timing>
-</p:sld>
-</file>
-
-<file path=ppt/slides/slide17.xml><?xml version="1.0" encoding="utf-8"?>
-<p:sld xmlns:a="http://schemas.openxmlformats.org/drawingml/2006/main" xmlns:r="http://schemas.openxmlformats.org/officeDocument/2006/relationships" xmlns:p="http://schemas.openxmlformats.org/presentationml/2006/main">
-  <p:cSld>
-    <p:spTree>
-      <p:nvGrpSpPr>
-        <p:cNvPr id="1" name=""/>
-        <p:cNvGrpSpPr/>
-        <p:nvPr/>
-      </p:nvGrpSpPr>
-      <p:grpSpPr>
-        <a:xfrm>
-          <a:off x="0" y="0"/>
-          <a:ext cx="0" cy="0"/>
-          <a:chOff x="0" y="0"/>
-          <a:chExt cx="0" cy="0"/>
-        </a:xfrm>
-      </p:grpSpPr>
-      <p:pic>
-        <p:nvPicPr>
-          <p:cNvPr id="3" name="Imagem 2" descr="Uma imagem contendo texto, desenho&#10;&#10;Descrição gerada automaticamente">
-            <a:extLst>
-              <a:ext uri="{FF2B5EF4-FFF2-40B4-BE49-F238E27FC236}">
-                <a16:creationId xmlns:a16="http://schemas.microsoft.com/office/drawing/2014/main" id="{6AECC232-D7AB-402E-90C7-3E1285C8879A}"/>
-              </a:ext>
-            </a:extLst>
-          </p:cNvPr>
-          <p:cNvPicPr>
-            <a:picLocks noChangeAspect="1"/>
-          </p:cNvPicPr>
-          <p:nvPr/>
-        </p:nvPicPr>
-        <p:blipFill>
-          <a:blip r:embed="rId2" cstate="hqprint">
-            <a:extLst>
-              <a:ext uri="{28A0092B-C50C-407E-A947-70E740481C1C}">
-                <a14:useLocalDpi xmlns:a14="http://schemas.microsoft.com/office/drawing/2010/main" val="0"/>
-              </a:ext>
-            </a:extLst>
-          </a:blip>
-          <a:stretch>
-            <a:fillRect/>
-          </a:stretch>
-        </p:blipFill>
-        <p:spPr>
-          <a:xfrm>
-            <a:off x="11371740" y="365125"/>
-            <a:ext cx="599846" cy="535577"/>
-          </a:xfrm>
-          <a:prstGeom prst="rect">
-            <a:avLst/>
-          </a:prstGeom>
-        </p:spPr>
-      </p:pic>
-      <p:pic>
-        <p:nvPicPr>
-          <p:cNvPr id="6" name="Imagem 5" descr="Uma imagem contendo computador&#10;&#10;Descrição gerada automaticamente">
-            <a:extLst>
-              <a:ext uri="{FF2B5EF4-FFF2-40B4-BE49-F238E27FC236}">
-                <a16:creationId xmlns:a16="http://schemas.microsoft.com/office/drawing/2014/main" id="{710AF17B-CB29-49D9-A312-DC9EB90E7151}"/>
-              </a:ext>
-            </a:extLst>
-          </p:cNvPr>
-          <p:cNvPicPr>
-            <a:picLocks noChangeAspect="1"/>
-          </p:cNvPicPr>
-          <p:nvPr/>
-        </p:nvPicPr>
-        <p:blipFill>
-          <a:blip r:embed="rId3">
-            <a:extLst>
-              <a:ext uri="{28A0092B-C50C-407E-A947-70E740481C1C}">
-                <a14:useLocalDpi xmlns:a14="http://schemas.microsoft.com/office/drawing/2010/main" val="0"/>
-              </a:ext>
-            </a:extLst>
-          </a:blip>
-          <a:stretch>
-            <a:fillRect/>
-          </a:stretch>
-        </p:blipFill>
-        <p:spPr>
-          <a:xfrm>
-            <a:off x="2779161" y="2450215"/>
-            <a:ext cx="6865904" cy="3854629"/>
-          </a:xfrm>
-          <a:prstGeom prst="rect">
-            <a:avLst/>
-          </a:prstGeom>
-        </p:spPr>
-      </p:pic>
-      <p:sp>
-        <p:nvSpPr>
-          <p:cNvPr id="7" name="Título 1">
-            <a:extLst>
-              <a:ext uri="{FF2B5EF4-FFF2-40B4-BE49-F238E27FC236}">
-                <a16:creationId xmlns:a16="http://schemas.microsoft.com/office/drawing/2014/main" id="{99F76FBE-1BC2-4EE6-B90A-22263BF7BDCD}"/>
-              </a:ext>
-            </a:extLst>
-          </p:cNvPr>
-          <p:cNvSpPr txBox="1">
-            <a:spLocks/>
-          </p:cNvSpPr>
-          <p:nvPr/>
-        </p:nvSpPr>
-        <p:spPr>
-          <a:xfrm>
-            <a:off x="838199" y="1433807"/>
-            <a:ext cx="10515600" cy="1325563"/>
-          </a:xfrm>
-          <a:prstGeom prst="rect">
-            <a:avLst/>
-          </a:prstGeom>
-        </p:spPr>
-        <p:txBody>
-          <a:bodyPr vert="horz" lIns="91440" tIns="45720" rIns="91440" bIns="45720" rtlCol="0" anchor="ctr">
-            <a:normAutofit/>
-          </a:bodyPr>
-          <a:lstStyle>
-            <a:lvl1pPr algn="l" defTabSz="914400" rtl="0" eaLnBrk="1" latinLnBrk="0" hangingPunct="1">
-              <a:lnSpc>
-                <a:spcPct val="90000"/>
-              </a:lnSpc>
-              <a:spcBef>
-                <a:spcPct val="0"/>
-              </a:spcBef>
-              <a:buNone/>
-              <a:defRPr sz="4400" kern="1200">
-                <a:solidFill>
-                  <a:schemeClr val="tx1"/>
-                </a:solidFill>
-                <a:latin typeface="+mj-lt"/>
-                <a:ea typeface="+mj-ea"/>
-                <a:cs typeface="+mj-cs"/>
-              </a:defRPr>
-            </a:lvl1pPr>
-          </a:lstStyle>
-          <a:p>
-            <a:pPr algn="ctr"/>
-            <a:r>
-              <a:rPr lang="pt-BR" dirty="0">
-                <a:solidFill>
-                  <a:schemeClr val="tx1">
-                    <a:lumMod val="75000"/>
-                    <a:lumOff val="25000"/>
-                  </a:schemeClr>
-                </a:solidFill>
-                <a:latin typeface="Bariol Bold" panose="02000506040000020003" pitchFamily="2" charset="0"/>
-              </a:rPr>
-              <a:t>Repositório no GitHub</a:t>
-            </a:r>
-          </a:p>
-        </p:txBody>
-      </p:sp>
-    </p:spTree>
-    <p:extLst>
-      <p:ext uri="{BB962C8B-B14F-4D97-AF65-F5344CB8AC3E}">
-        <p14:creationId xmlns:p14="http://schemas.microsoft.com/office/powerpoint/2010/main" val="65567604"/>
-      </p:ext>
-    </p:extLst>
-  </p:cSld>
-  <p:clrMapOvr>
-    <a:masterClrMapping/>
-  </p:clrMapOvr>
-  <p:transition>
-    <p:fade/>
-  </p:transition>
-  <p:timing>
-    <p:tnLst>
-      <p:par>
-        <p:cTn id="1" dur="indefinite" restart="never" nodeType="tmRoot"/>
-      </p:par>
-    </p:tnLst>
-  </p:timing>
-</p:sld>
-</file>
-
-<file path=ppt/slides/slide2.xml><?xml version="1.0" encoding="utf-8"?>
-<p:sld xmlns:a="http://schemas.openxmlformats.org/drawingml/2006/main" xmlns:r="http://schemas.openxmlformats.org/officeDocument/2006/relationships" xmlns:p="http://schemas.openxmlformats.org/presentationml/2006/main">
-  <p:cSld>
-    <p:spTree>
-      <p:nvGrpSpPr>
-        <p:cNvPr id="1" name=""/>
-        <p:cNvGrpSpPr/>
-        <p:nvPr/>
-      </p:nvGrpSpPr>
-      <p:grpSpPr>
-        <a:xfrm>
-          <a:off x="0" y="0"/>
-          <a:ext cx="0" cy="0"/>
-          <a:chOff x="0" y="0"/>
-          <a:chExt cx="0" cy="0"/>
-        </a:xfrm>
-      </p:grpSpPr>
-      <p:sp>
-        <p:nvSpPr>
-          <p:cNvPr id="2" name="Título 1">
-            <a:extLst>
-              <a:ext uri="{FF2B5EF4-FFF2-40B4-BE49-F238E27FC236}">
-                <a16:creationId xmlns:a16="http://schemas.microsoft.com/office/drawing/2014/main" id="{99F76FBE-1BC2-4EE6-B90A-22263BF7BDCD}"/>
-              </a:ext>
-            </a:extLst>
-          </p:cNvPr>
-          <p:cNvSpPr>
-            <a:spLocks noGrp="1"/>
-          </p:cNvSpPr>
-          <p:nvPr>
-            <p:ph type="title"/>
-          </p:nvPr>
-        </p:nvSpPr>
-        <p:spPr/>
-        <p:txBody>
-          <a:bodyPr/>
-          <a:lstStyle/>
-          <a:p>
-            <a:r>
-              <a:rPr lang="pt-BR" dirty="0">
-                <a:solidFill>
-                  <a:schemeClr val="tx1">
-                    <a:lumMod val="75000"/>
-                    <a:lumOff val="25000"/>
-                  </a:schemeClr>
-                </a:solidFill>
-                <a:latin typeface="Bariol Bold" panose="02000506040000020003" pitchFamily="2" charset="0"/>
-              </a:rPr>
-              <a:t>Integrantes</a:t>
-            </a:r>
-          </a:p>
-        </p:txBody>
-      </p:sp>
-      <p:sp>
-        <p:nvSpPr>
-          <p:cNvPr id="3" name="Elipse 2">
-            <a:extLst>
-              <a:ext uri="{FF2B5EF4-FFF2-40B4-BE49-F238E27FC236}">
-                <a16:creationId xmlns:a16="http://schemas.microsoft.com/office/drawing/2014/main" id="{F85690BC-8C6C-4F60-80AD-CA39895D3466}"/>
-              </a:ext>
-            </a:extLst>
-          </p:cNvPr>
-          <p:cNvSpPr/>
-          <p:nvPr/>
-        </p:nvSpPr>
-        <p:spPr>
-          <a:xfrm>
-            <a:off x="509451" y="2915295"/>
-            <a:ext cx="1460763" cy="1460763"/>
-          </a:xfrm>
-          <a:prstGeom prst="ellipse">
-            <a:avLst/>
-          </a:prstGeom>
-        </p:spPr>
-        <p:style>
-          <a:lnRef idx="2">
-            <a:schemeClr val="accent1">
-              <a:shade val="50000"/>
-            </a:schemeClr>
-          </a:lnRef>
-          <a:fillRef idx="1">
-            <a:schemeClr val="accent1"/>
-          </a:fillRef>
-          <a:effectRef idx="0">
-            <a:schemeClr val="accent1"/>
-          </a:effectRef>
-          <a:fontRef idx="minor">
-            <a:schemeClr val="lt1"/>
-          </a:fontRef>
-        </p:style>
-        <p:txBody>
-          <a:bodyPr rtlCol="0" anchor="ctr"/>
-          <a:lstStyle/>
-          <a:p>
-            <a:pPr algn="ctr"/>
-            <a:endParaRPr lang="pt-BR"/>
-          </a:p>
-        </p:txBody>
-      </p:sp>
-      <p:sp>
-        <p:nvSpPr>
-          <p:cNvPr id="4" name="Elipse 3">
-            <a:extLst>
-              <a:ext uri="{FF2B5EF4-FFF2-40B4-BE49-F238E27FC236}">
-                <a16:creationId xmlns:a16="http://schemas.microsoft.com/office/drawing/2014/main" id="{CFF7654C-5D02-48DC-8C9D-1DFC556DBA65}"/>
-              </a:ext>
-            </a:extLst>
-          </p:cNvPr>
-          <p:cNvSpPr/>
-          <p:nvPr/>
-        </p:nvSpPr>
-        <p:spPr>
-          <a:xfrm>
-            <a:off x="4294942" y="2915291"/>
-            <a:ext cx="1460763" cy="1460763"/>
-          </a:xfrm>
-          <a:prstGeom prst="ellipse">
-            <a:avLst/>
-          </a:prstGeom>
-        </p:spPr>
-        <p:style>
-          <a:lnRef idx="2">
-            <a:schemeClr val="accent1">
-              <a:shade val="50000"/>
-            </a:schemeClr>
-          </a:lnRef>
-          <a:fillRef idx="1">
-            <a:schemeClr val="accent1"/>
-          </a:fillRef>
-          <a:effectRef idx="0">
-            <a:schemeClr val="accent1"/>
-          </a:effectRef>
-          <a:fontRef idx="minor">
-            <a:schemeClr val="lt1"/>
-          </a:fontRef>
-        </p:style>
-        <p:txBody>
-          <a:bodyPr rtlCol="0" anchor="ctr"/>
-          <a:lstStyle/>
-          <a:p>
-            <a:pPr algn="ctr"/>
-            <a:endParaRPr lang="pt-BR"/>
-          </a:p>
-        </p:txBody>
-      </p:sp>
-      <p:sp>
-        <p:nvSpPr>
-          <p:cNvPr id="5" name="Elipse 4">
-            <a:extLst>
-              <a:ext uri="{FF2B5EF4-FFF2-40B4-BE49-F238E27FC236}">
-                <a16:creationId xmlns:a16="http://schemas.microsoft.com/office/drawing/2014/main" id="{4821C533-B6AD-4FE6-BF89-6B58C131F0CD}"/>
-              </a:ext>
-            </a:extLst>
-          </p:cNvPr>
-          <p:cNvSpPr/>
-          <p:nvPr/>
-        </p:nvSpPr>
-        <p:spPr>
-          <a:xfrm>
-            <a:off x="8434720" y="2915292"/>
-            <a:ext cx="1460763" cy="1460763"/>
-          </a:xfrm>
-          <a:prstGeom prst="ellipse">
-            <a:avLst/>
-          </a:prstGeom>
-        </p:spPr>
-        <p:style>
-          <a:lnRef idx="2">
-            <a:schemeClr val="accent1">
-              <a:shade val="50000"/>
-            </a:schemeClr>
-          </a:lnRef>
-          <a:fillRef idx="1">
-            <a:schemeClr val="accent1"/>
-          </a:fillRef>
-          <a:effectRef idx="0">
-            <a:schemeClr val="accent1"/>
-          </a:effectRef>
-          <a:fontRef idx="minor">
-            <a:schemeClr val="lt1"/>
-          </a:fontRef>
-        </p:style>
-        <p:txBody>
-          <a:bodyPr rtlCol="0" anchor="ctr"/>
-          <a:lstStyle/>
-          <a:p>
-            <a:pPr algn="ctr"/>
-            <a:endParaRPr lang="pt-BR"/>
-          </a:p>
-        </p:txBody>
-      </p:sp>
-      <p:sp>
-        <p:nvSpPr>
-          <p:cNvPr id="6" name="Elipse 5">
-            <a:extLst>
-              <a:ext uri="{FF2B5EF4-FFF2-40B4-BE49-F238E27FC236}">
-                <a16:creationId xmlns:a16="http://schemas.microsoft.com/office/drawing/2014/main" id="{B933C42F-90F1-4AF3-A2FA-DCB1FC97D05E}"/>
-              </a:ext>
-            </a:extLst>
-          </p:cNvPr>
-          <p:cNvSpPr/>
-          <p:nvPr/>
-        </p:nvSpPr>
-        <p:spPr>
-          <a:xfrm>
-            <a:off x="6364831" y="2915290"/>
-            <a:ext cx="1460763" cy="1460763"/>
-          </a:xfrm>
-          <a:prstGeom prst="ellipse">
-            <a:avLst/>
-          </a:prstGeom>
-        </p:spPr>
-        <p:style>
-          <a:lnRef idx="2">
-            <a:schemeClr val="accent1">
-              <a:shade val="50000"/>
-            </a:schemeClr>
-          </a:lnRef>
-          <a:fillRef idx="1">
-            <a:schemeClr val="accent1"/>
-          </a:fillRef>
-          <a:effectRef idx="0">
-            <a:schemeClr val="accent1"/>
-          </a:effectRef>
-          <a:fontRef idx="minor">
-            <a:schemeClr val="lt1"/>
-          </a:fontRef>
-        </p:style>
-        <p:txBody>
-          <a:bodyPr rtlCol="0" anchor="ctr"/>
-          <a:lstStyle/>
-          <a:p>
-            <a:pPr algn="ctr"/>
-            <a:endParaRPr lang="pt-BR"/>
-          </a:p>
-        </p:txBody>
-      </p:sp>
-      <p:sp>
-        <p:nvSpPr>
-          <p:cNvPr id="7" name="Elipse 6">
-            <a:extLst>
-              <a:ext uri="{FF2B5EF4-FFF2-40B4-BE49-F238E27FC236}">
-                <a16:creationId xmlns:a16="http://schemas.microsoft.com/office/drawing/2014/main" id="{F663AA05-740A-4CDE-B1D5-80249D0F45FF}"/>
-              </a:ext>
-            </a:extLst>
-          </p:cNvPr>
-          <p:cNvSpPr/>
-          <p:nvPr/>
-        </p:nvSpPr>
-        <p:spPr>
-          <a:xfrm>
-            <a:off x="10327465" y="2915290"/>
-            <a:ext cx="1460763" cy="1460763"/>
-          </a:xfrm>
-          <a:prstGeom prst="ellipse">
-            <a:avLst/>
-          </a:prstGeom>
-        </p:spPr>
-        <p:style>
-          <a:lnRef idx="2">
-            <a:schemeClr val="accent1">
-              <a:shade val="50000"/>
-            </a:schemeClr>
-          </a:lnRef>
-          <a:fillRef idx="1">
-            <a:schemeClr val="accent1"/>
-          </a:fillRef>
-          <a:effectRef idx="0">
-            <a:schemeClr val="accent1"/>
-          </a:effectRef>
-          <a:fontRef idx="minor">
-            <a:schemeClr val="lt1"/>
-          </a:fontRef>
-        </p:style>
-        <p:txBody>
-          <a:bodyPr rtlCol="0" anchor="ctr"/>
-          <a:lstStyle/>
-          <a:p>
-            <a:pPr algn="ctr"/>
-            <a:endParaRPr lang="pt-BR"/>
-          </a:p>
-        </p:txBody>
-      </p:sp>
-      <p:sp>
-        <p:nvSpPr>
-          <p:cNvPr id="8" name="CaixaDeTexto 7">
-            <a:extLst>
-              <a:ext uri="{FF2B5EF4-FFF2-40B4-BE49-F238E27FC236}">
-                <a16:creationId xmlns:a16="http://schemas.microsoft.com/office/drawing/2014/main" id="{B8325861-1F2F-4268-ABB8-C47708A22645}"/>
-              </a:ext>
-            </a:extLst>
-          </p:cNvPr>
-          <p:cNvSpPr txBox="1"/>
-          <p:nvPr/>
-        </p:nvSpPr>
-        <p:spPr>
-          <a:xfrm>
-            <a:off x="247054" y="4690253"/>
-            <a:ext cx="1985555" cy="954107"/>
-          </a:xfrm>
-          <a:prstGeom prst="rect">
-            <a:avLst/>
-          </a:prstGeom>
-          <a:noFill/>
-        </p:spPr>
-        <p:txBody>
-          <a:bodyPr wrap="square" rtlCol="0">
-            <a:spAutoFit/>
-          </a:bodyPr>
-          <a:lstStyle/>
-          <a:p>
-            <a:pPr algn="ctr"/>
-            <a:r>
-              <a:rPr lang="pt-BR" sz="2800" dirty="0">
-                <a:latin typeface="Bariol Bold" panose="02000506040000020003" pitchFamily="2" charset="0"/>
-              </a:rPr>
-              <a:t>Gabriel Lázaro</a:t>
-            </a:r>
-          </a:p>
-        </p:txBody>
-      </p:sp>
-      <p:sp>
-        <p:nvSpPr>
-          <p:cNvPr id="9" name="CaixaDeTexto 8">
-            <a:extLst>
-              <a:ext uri="{FF2B5EF4-FFF2-40B4-BE49-F238E27FC236}">
-                <a16:creationId xmlns:a16="http://schemas.microsoft.com/office/drawing/2014/main" id="{C1CD548A-80ED-4522-9EDB-054404B21EE9}"/>
-              </a:ext>
-            </a:extLst>
-          </p:cNvPr>
-          <p:cNvSpPr txBox="1"/>
-          <p:nvPr/>
-        </p:nvSpPr>
-        <p:spPr>
-          <a:xfrm>
-            <a:off x="4032545" y="4668399"/>
-            <a:ext cx="1985555" cy="954107"/>
-          </a:xfrm>
-          <a:prstGeom prst="rect">
-            <a:avLst/>
-          </a:prstGeom>
-          <a:noFill/>
-        </p:spPr>
-        <p:txBody>
-          <a:bodyPr wrap="square" rtlCol="0">
-            <a:spAutoFit/>
-          </a:bodyPr>
-          <a:lstStyle/>
-          <a:p>
-            <a:pPr algn="ctr"/>
-            <a:r>
-              <a:rPr lang="pt-BR" sz="2800" dirty="0">
-                <a:latin typeface="Bariol Bold" panose="02000506040000020003" pitchFamily="2" charset="0"/>
-              </a:rPr>
-              <a:t>João Baptista</a:t>
-            </a:r>
-          </a:p>
-        </p:txBody>
-      </p:sp>
-      <p:sp>
-        <p:nvSpPr>
-          <p:cNvPr id="10" name="CaixaDeTexto 9">
-            <a:extLst>
-              <a:ext uri="{FF2B5EF4-FFF2-40B4-BE49-F238E27FC236}">
-                <a16:creationId xmlns:a16="http://schemas.microsoft.com/office/drawing/2014/main" id="{A943B0FE-F317-47B4-AF95-1BF63C89F003}"/>
-              </a:ext>
-            </a:extLst>
-          </p:cNvPr>
-          <p:cNvSpPr txBox="1"/>
-          <p:nvPr/>
-        </p:nvSpPr>
-        <p:spPr>
-          <a:xfrm>
-            <a:off x="8172322" y="4690252"/>
-            <a:ext cx="1985555" cy="954107"/>
-          </a:xfrm>
-          <a:prstGeom prst="rect">
-            <a:avLst/>
-          </a:prstGeom>
-          <a:noFill/>
-        </p:spPr>
-        <p:txBody>
-          <a:bodyPr wrap="square" rtlCol="0">
-            <a:spAutoFit/>
-          </a:bodyPr>
-          <a:lstStyle/>
-          <a:p>
-            <a:pPr algn="ctr"/>
-            <a:r>
-              <a:rPr lang="pt-BR" sz="2800" dirty="0">
-                <a:latin typeface="Bariol Bold" panose="02000506040000020003" pitchFamily="2" charset="0"/>
-              </a:rPr>
-              <a:t>Larissa</a:t>
-            </a:r>
-          </a:p>
-          <a:p>
-            <a:pPr algn="ctr"/>
-            <a:r>
-              <a:rPr lang="pt-BR" sz="2800" dirty="0">
-                <a:latin typeface="Bariol Bold" panose="02000506040000020003" pitchFamily="2" charset="0"/>
-              </a:rPr>
-              <a:t>Custódio</a:t>
-            </a:r>
-          </a:p>
-        </p:txBody>
-      </p:sp>
-      <p:sp>
-        <p:nvSpPr>
-          <p:cNvPr id="11" name="CaixaDeTexto 10">
-            <a:extLst>
-              <a:ext uri="{FF2B5EF4-FFF2-40B4-BE49-F238E27FC236}">
-                <a16:creationId xmlns:a16="http://schemas.microsoft.com/office/drawing/2014/main" id="{79D4990C-EB5C-46BD-906D-1D4B714A6937}"/>
-              </a:ext>
-            </a:extLst>
-          </p:cNvPr>
-          <p:cNvSpPr txBox="1"/>
-          <p:nvPr/>
-        </p:nvSpPr>
-        <p:spPr>
-          <a:xfrm>
-            <a:off x="10065068" y="4685234"/>
-            <a:ext cx="1985555" cy="954107"/>
-          </a:xfrm>
-          <a:prstGeom prst="rect">
-            <a:avLst/>
-          </a:prstGeom>
-          <a:noFill/>
-        </p:spPr>
-        <p:txBody>
-          <a:bodyPr wrap="square" rtlCol="0">
-            <a:spAutoFit/>
-          </a:bodyPr>
-          <a:lstStyle/>
-          <a:p>
-            <a:pPr algn="ctr"/>
-            <a:r>
-              <a:rPr lang="pt-BR" sz="2800" dirty="0">
-                <a:latin typeface="Bariol Bold" panose="02000506040000020003" pitchFamily="2" charset="0"/>
-              </a:rPr>
-              <a:t>Lucas</a:t>
-            </a:r>
-          </a:p>
-          <a:p>
-            <a:pPr algn="ctr"/>
-            <a:r>
-              <a:rPr lang="pt-BR" sz="2800" dirty="0">
-                <a:latin typeface="Bariol Bold" panose="02000506040000020003" pitchFamily="2" charset="0"/>
-              </a:rPr>
-              <a:t>Matheus</a:t>
-            </a:r>
-          </a:p>
-        </p:txBody>
-      </p:sp>
-      <p:sp>
-        <p:nvSpPr>
-          <p:cNvPr id="12" name="CaixaDeTexto 11">
-            <a:extLst>
-              <a:ext uri="{FF2B5EF4-FFF2-40B4-BE49-F238E27FC236}">
-                <a16:creationId xmlns:a16="http://schemas.microsoft.com/office/drawing/2014/main" id="{3EEDA333-49AA-47A1-9E18-27FCA69C6ADA}"/>
-              </a:ext>
-            </a:extLst>
-          </p:cNvPr>
-          <p:cNvSpPr txBox="1"/>
-          <p:nvPr/>
-        </p:nvSpPr>
-        <p:spPr>
-          <a:xfrm>
-            <a:off x="2139799" y="4646545"/>
-            <a:ext cx="1985555" cy="954107"/>
-          </a:xfrm>
-          <a:prstGeom prst="rect">
-            <a:avLst/>
-          </a:prstGeom>
-          <a:noFill/>
-        </p:spPr>
-        <p:txBody>
-          <a:bodyPr wrap="square" rtlCol="0">
-            <a:spAutoFit/>
-          </a:bodyPr>
-          <a:lstStyle/>
-          <a:p>
-            <a:pPr algn="ctr"/>
-            <a:r>
-              <a:rPr lang="pt-BR" sz="2800" dirty="0" smtClean="0">
-                <a:latin typeface="Bariol Bold" panose="02000506040000020003" pitchFamily="2" charset="0"/>
-              </a:rPr>
-              <a:t>Isabella </a:t>
-            </a:r>
-            <a:r>
-              <a:rPr lang="pt-BR" sz="2800" dirty="0">
-                <a:latin typeface="Bariol Bold" panose="02000506040000020003" pitchFamily="2" charset="0"/>
-              </a:rPr>
-              <a:t>Oliveira</a:t>
-            </a:r>
-          </a:p>
-        </p:txBody>
-      </p:sp>
-      <p:pic>
-        <p:nvPicPr>
-          <p:cNvPr id="18" name="Imagem 17" descr="Uma imagem contendo texto, desenho&#10;&#10;Descrição gerada automaticamente">
-            <a:extLst>
-              <a:ext uri="{FF2B5EF4-FFF2-40B4-BE49-F238E27FC236}">
-                <a16:creationId xmlns:a16="http://schemas.microsoft.com/office/drawing/2014/main" id="{AD26FE12-6C3C-42D5-8555-53AADF5A3248}"/>
-              </a:ext>
-            </a:extLst>
-          </p:cNvPr>
-          <p:cNvPicPr>
-            <a:picLocks noChangeAspect="1"/>
-          </p:cNvPicPr>
-          <p:nvPr/>
-        </p:nvPicPr>
-        <p:blipFill>
-          <a:blip r:embed="rId2" cstate="hqprint">
-            <a:extLst>
-              <a:ext uri="{28A0092B-C50C-407E-A947-70E740481C1C}">
-                <a14:useLocalDpi xmlns:a14="http://schemas.microsoft.com/office/drawing/2010/main" val="0"/>
-              </a:ext>
-            </a:extLst>
-          </a:blip>
-          <a:stretch>
-            <a:fillRect/>
-          </a:stretch>
-        </p:blipFill>
-        <p:spPr>
-          <a:xfrm>
-            <a:off x="11371740" y="365125"/>
-            <a:ext cx="599846" cy="535577"/>
-          </a:xfrm>
-          <a:prstGeom prst="rect">
-            <a:avLst/>
-          </a:prstGeom>
-        </p:spPr>
-      </p:pic>
-      <p:sp>
-        <p:nvSpPr>
-          <p:cNvPr id="14" name="Elipse 13">
-            <a:extLst>
-              <a:ext uri="{FF2B5EF4-FFF2-40B4-BE49-F238E27FC236}">
-                <a16:creationId xmlns:a16="http://schemas.microsoft.com/office/drawing/2014/main" id="{7D9F8C05-4696-45C8-A76A-B27C44BC7A12}"/>
-              </a:ext>
-            </a:extLst>
-          </p:cNvPr>
-          <p:cNvSpPr/>
-          <p:nvPr/>
-        </p:nvSpPr>
-        <p:spPr>
-          <a:xfrm>
-            <a:off x="2402196" y="2915290"/>
-            <a:ext cx="1460763" cy="1460763"/>
-          </a:xfrm>
-          <a:prstGeom prst="ellipse">
-            <a:avLst/>
-          </a:prstGeom>
-        </p:spPr>
-        <p:style>
-          <a:lnRef idx="2">
-            <a:schemeClr val="accent1">
-              <a:shade val="50000"/>
-            </a:schemeClr>
-          </a:lnRef>
-          <a:fillRef idx="1">
-            <a:schemeClr val="accent1"/>
-          </a:fillRef>
-          <a:effectRef idx="0">
-            <a:schemeClr val="accent1"/>
-          </a:effectRef>
-          <a:fontRef idx="minor">
-            <a:schemeClr val="lt1"/>
-          </a:fontRef>
-        </p:style>
-        <p:txBody>
-          <a:bodyPr rtlCol="0" anchor="ctr"/>
-          <a:lstStyle/>
-          <a:p>
-            <a:pPr algn="ctr"/>
-            <a:endParaRPr lang="pt-BR"/>
-          </a:p>
-        </p:txBody>
-      </p:sp>
-      <p:sp>
-        <p:nvSpPr>
-          <p:cNvPr id="15" name="CaixaDeTexto 14">
-            <a:extLst>
-              <a:ext uri="{FF2B5EF4-FFF2-40B4-BE49-F238E27FC236}">
-                <a16:creationId xmlns:a16="http://schemas.microsoft.com/office/drawing/2014/main" id="{E521C1D0-0445-4E7C-A6FE-73D8B2BC5B37}"/>
-              </a:ext>
-            </a:extLst>
-          </p:cNvPr>
-          <p:cNvSpPr txBox="1"/>
-          <p:nvPr/>
-        </p:nvSpPr>
-        <p:spPr>
-          <a:xfrm>
-            <a:off x="6102434" y="4685234"/>
-            <a:ext cx="1985555" cy="954107"/>
-          </a:xfrm>
-          <a:prstGeom prst="rect">
-            <a:avLst/>
-          </a:prstGeom>
-          <a:noFill/>
-        </p:spPr>
-        <p:txBody>
-          <a:bodyPr wrap="square" rtlCol="0">
-            <a:spAutoFit/>
-          </a:bodyPr>
-          <a:lstStyle/>
-          <a:p>
-            <a:pPr algn="ctr"/>
-            <a:r>
-              <a:rPr lang="pt-BR" sz="2800" dirty="0">
-                <a:latin typeface="Bariol Bold" panose="02000506040000020003" pitchFamily="2" charset="0"/>
-              </a:rPr>
-              <a:t>Julia </a:t>
-            </a:r>
-          </a:p>
-          <a:p>
-            <a:pPr algn="ctr"/>
-            <a:r>
-              <a:rPr lang="pt-BR" sz="2800" dirty="0">
-                <a:latin typeface="Bariol Bold" panose="02000506040000020003" pitchFamily="2" charset="0"/>
-              </a:rPr>
-              <a:t>Lima</a:t>
-            </a:r>
-          </a:p>
-        </p:txBody>
-      </p:sp>
-      <p:pic>
-        <p:nvPicPr>
-          <p:cNvPr id="13" name="Imagem 12"/>
-          <p:cNvPicPr>
-            <a:picLocks noChangeAspect="1"/>
-          </p:cNvPicPr>
-          <p:nvPr/>
-        </p:nvPicPr>
-        <p:blipFill>
-          <a:blip r:embed="rId3" cstate="hqprint">
-            <a:extLst>
-              <a:ext uri="{28A0092B-C50C-407E-A947-70E740481C1C}">
-                <a14:useLocalDpi xmlns:a14="http://schemas.microsoft.com/office/drawing/2010/main" val="0"/>
-              </a:ext>
-            </a:extLst>
-          </a:blip>
-          <a:stretch>
-            <a:fillRect/>
-          </a:stretch>
-        </p:blipFill>
-        <p:spPr>
-          <a:xfrm>
-            <a:off x="8392394" y="2855952"/>
-            <a:ext cx="1503089" cy="1536186"/>
-          </a:xfrm>
-          <a:prstGeom prst="ellipse">
-            <a:avLst/>
-          </a:prstGeom>
-          <a:ln w="63500" cap="rnd">
-            <a:noFill/>
-          </a:ln>
-          <a:effectLst>
-            <a:outerShdw blurRad="381000" dist="292100" dir="5400000" sx="-80000" sy="-18000" rotWithShape="0">
-              <a:srgbClr val="000000">
-                <a:alpha val="22000"/>
-              </a:srgbClr>
-            </a:outerShdw>
-          </a:effectLst>
-          <a:scene3d>
-            <a:camera prst="orthographicFront"/>
-            <a:lightRig rig="contrasting" dir="t">
-              <a:rot lat="0" lon="0" rev="3000000"/>
-            </a:lightRig>
-          </a:scene3d>
-          <a:sp3d contourW="7620">
-            <a:bevelT w="95250" h="31750"/>
-            <a:contourClr>
-              <a:srgbClr val="333333"/>
-            </a:contourClr>
-          </a:sp3d>
-        </p:spPr>
-      </p:pic>
-      <p:pic>
-        <p:nvPicPr>
-          <p:cNvPr id="16" name="Imagem 15"/>
-          <p:cNvPicPr>
-            <a:picLocks noChangeAspect="1"/>
-          </p:cNvPicPr>
-          <p:nvPr/>
-        </p:nvPicPr>
-        <p:blipFill>
-          <a:blip r:embed="rId4" cstate="hqprint">
-            <a:extLst>
-              <a:ext uri="{28A0092B-C50C-407E-A947-70E740481C1C}">
-                <a14:useLocalDpi xmlns:a14="http://schemas.microsoft.com/office/drawing/2010/main" val="0"/>
-              </a:ext>
-            </a:extLst>
-          </a:blip>
-          <a:stretch>
-            <a:fillRect/>
-          </a:stretch>
-        </p:blipFill>
-        <p:spPr>
-          <a:xfrm>
-            <a:off x="6287569" y="2860974"/>
-            <a:ext cx="1572960" cy="1574416"/>
-          </a:xfrm>
-          <a:prstGeom prst="ellipse">
-            <a:avLst/>
-          </a:prstGeom>
-          <a:ln w="63500" cap="rnd">
-            <a:noFill/>
-          </a:ln>
-          <a:effectLst>
-            <a:outerShdw blurRad="381000" dist="292100" dir="5400000" sx="-80000" sy="-18000" rotWithShape="0">
-              <a:srgbClr val="000000">
-                <a:alpha val="22000"/>
-              </a:srgbClr>
-            </a:outerShdw>
-          </a:effectLst>
-          <a:scene3d>
-            <a:camera prst="orthographicFront"/>
-            <a:lightRig rig="contrasting" dir="t">
-              <a:rot lat="0" lon="0" rev="3000000"/>
-            </a:lightRig>
-          </a:scene3d>
-          <a:sp3d contourW="7620">
-            <a:bevelT w="95250" h="31750"/>
-            <a:contourClr>
-              <a:srgbClr val="333333"/>
-            </a:contourClr>
-          </a:sp3d>
-        </p:spPr>
-      </p:pic>
-      <p:pic>
-        <p:nvPicPr>
-          <p:cNvPr id="17" name="Imagem 16"/>
-          <p:cNvPicPr>
-            <a:picLocks noChangeAspect="1"/>
-          </p:cNvPicPr>
-          <p:nvPr/>
-        </p:nvPicPr>
-        <p:blipFill>
-          <a:blip r:embed="rId5">
-            <a:extLst>
-              <a:ext uri="{28A0092B-C50C-407E-A947-70E740481C1C}">
-                <a14:useLocalDpi xmlns:a14="http://schemas.microsoft.com/office/drawing/2010/main" val="0"/>
-              </a:ext>
-            </a:extLst>
-          </a:blip>
-          <a:stretch>
-            <a:fillRect/>
-          </a:stretch>
-        </p:blipFill>
-        <p:spPr>
-          <a:xfrm>
-            <a:off x="10272614" y="2922220"/>
-            <a:ext cx="1563199" cy="1491613"/>
-          </a:xfrm>
-          <a:prstGeom prst="ellipse">
-            <a:avLst/>
-          </a:prstGeom>
-          <a:ln w="63500" cap="rnd">
-            <a:noFill/>
-          </a:ln>
-          <a:effectLst>
-            <a:outerShdw blurRad="381000" dist="292100" dir="5400000" sx="-80000" sy="-18000" rotWithShape="0">
-              <a:srgbClr val="000000">
-                <a:alpha val="22000"/>
-              </a:srgbClr>
-            </a:outerShdw>
-          </a:effectLst>
-          <a:scene3d>
-            <a:camera prst="orthographicFront"/>
-            <a:lightRig rig="contrasting" dir="t">
-              <a:rot lat="0" lon="0" rev="3000000"/>
-            </a:lightRig>
-          </a:scene3d>
-          <a:sp3d contourW="7620">
-            <a:bevelT w="95250" h="31750"/>
-            <a:contourClr>
-              <a:srgbClr val="333333"/>
-            </a:contourClr>
-          </a:sp3d>
-        </p:spPr>
-      </p:pic>
-      <p:pic>
-        <p:nvPicPr>
-          <p:cNvPr id="19" name="Imagem 18"/>
-          <p:cNvPicPr>
-            <a:picLocks noChangeAspect="1"/>
-          </p:cNvPicPr>
-          <p:nvPr/>
-        </p:nvPicPr>
-        <p:blipFill>
-          <a:blip r:embed="rId6" cstate="hqprint">
-            <a:extLst>
-              <a:ext uri="{28A0092B-C50C-407E-A947-70E740481C1C}">
-                <a14:useLocalDpi xmlns:a14="http://schemas.microsoft.com/office/drawing/2010/main" val="0"/>
-              </a:ext>
-            </a:extLst>
-          </a:blip>
-          <a:stretch>
-            <a:fillRect/>
-          </a:stretch>
-        </p:blipFill>
-        <p:spPr>
-          <a:xfrm>
-            <a:off x="2348211" y="2922220"/>
-            <a:ext cx="1569600" cy="1469918"/>
-          </a:xfrm>
-          <a:prstGeom prst="ellipse">
-            <a:avLst/>
-          </a:prstGeom>
-          <a:ln w="63500" cap="rnd">
-            <a:noFill/>
-          </a:ln>
-          <a:effectLst>
-            <a:outerShdw blurRad="381000" dist="292100" dir="5400000" sx="-80000" sy="-18000" rotWithShape="0">
-              <a:srgbClr val="000000">
-                <a:alpha val="22000"/>
-              </a:srgbClr>
-            </a:outerShdw>
-          </a:effectLst>
-          <a:scene3d>
-            <a:camera prst="orthographicFront"/>
-            <a:lightRig rig="contrasting" dir="t">
-              <a:rot lat="0" lon="0" rev="3000000"/>
-            </a:lightRig>
-          </a:scene3d>
-          <a:sp3d contourW="7620">
-            <a:bevelT w="95250" h="31750"/>
-            <a:contourClr>
-              <a:srgbClr val="333333"/>
-            </a:contourClr>
-          </a:sp3d>
-        </p:spPr>
-      </p:pic>
-      <p:pic>
-        <p:nvPicPr>
-          <p:cNvPr id="20" name="Imagem 19"/>
-          <p:cNvPicPr>
-            <a:picLocks noChangeAspect="1"/>
-          </p:cNvPicPr>
-          <p:nvPr/>
-        </p:nvPicPr>
-        <p:blipFill>
-          <a:blip r:embed="rId7">
-            <a:extLst>
-              <a:ext uri="{28A0092B-C50C-407E-A947-70E740481C1C}">
-                <a14:useLocalDpi xmlns:a14="http://schemas.microsoft.com/office/drawing/2010/main" val="0"/>
-              </a:ext>
-            </a:extLst>
-          </a:blip>
-          <a:stretch>
-            <a:fillRect/>
-          </a:stretch>
-        </p:blipFill>
-        <p:spPr>
-          <a:xfrm>
-            <a:off x="4240090" y="2855953"/>
-            <a:ext cx="1569600" cy="1579438"/>
-          </a:xfrm>
-          <a:prstGeom prst="ellipse">
-            <a:avLst/>
-          </a:prstGeom>
-          <a:ln w="63500" cap="rnd">
-            <a:noFill/>
-          </a:ln>
-          <a:effectLst>
-            <a:outerShdw blurRad="381000" dist="292100" dir="5400000" sx="-80000" sy="-18000" rotWithShape="0">
-              <a:srgbClr val="000000">
-                <a:alpha val="22000"/>
-              </a:srgbClr>
-            </a:outerShdw>
-          </a:effectLst>
-          <a:scene3d>
-            <a:camera prst="orthographicFront"/>
-            <a:lightRig rig="contrasting" dir="t">
-              <a:rot lat="0" lon="0" rev="3000000"/>
-            </a:lightRig>
-          </a:scene3d>
-          <a:sp3d contourW="7620">
-            <a:bevelT w="95250" h="31750"/>
-            <a:contourClr>
-              <a:srgbClr val="333333"/>
-            </a:contourClr>
-          </a:sp3d>
-        </p:spPr>
-      </p:pic>
-      <p:pic>
-        <p:nvPicPr>
-          <p:cNvPr id="21" name="Imagem 20"/>
-          <p:cNvPicPr>
-            <a:picLocks noChangeAspect="1"/>
-          </p:cNvPicPr>
-          <p:nvPr/>
-        </p:nvPicPr>
-        <p:blipFill>
-          <a:blip r:embed="rId8" cstate="hqprint">
-            <a:extLst>
-              <a:ext uri="{28A0092B-C50C-407E-A947-70E740481C1C}">
-                <a14:useLocalDpi xmlns:a14="http://schemas.microsoft.com/office/drawing/2010/main" val="0"/>
-              </a:ext>
-            </a:extLst>
-          </a:blip>
-          <a:stretch>
-            <a:fillRect/>
-          </a:stretch>
-        </p:blipFill>
-        <p:spPr>
-          <a:xfrm>
-            <a:off x="489900" y="2904663"/>
-            <a:ext cx="1499861" cy="1509170"/>
-          </a:xfrm>
-          <a:prstGeom prst="ellipse">
-            <a:avLst/>
-          </a:prstGeom>
-          <a:ln w="63500" cap="rnd">
-            <a:noFill/>
-          </a:ln>
-          <a:effectLst>
-            <a:outerShdw blurRad="381000" dist="292100" dir="5400000" sx="-80000" sy="-18000" rotWithShape="0">
-              <a:srgbClr val="000000">
-                <a:alpha val="22000"/>
-              </a:srgbClr>
-            </a:outerShdw>
-          </a:effectLst>
-          <a:scene3d>
-            <a:camera prst="orthographicFront"/>
-            <a:lightRig rig="contrasting" dir="t">
-              <a:rot lat="0" lon="0" rev="3000000"/>
-            </a:lightRig>
-          </a:scene3d>
-          <a:sp3d contourW="7620">
-            <a:bevelT w="95250" h="31750"/>
-            <a:contourClr>
-              <a:srgbClr val="333333"/>
-            </a:contourClr>
-          </a:sp3d>
-        </p:spPr>
-      </p:pic>
-    </p:spTree>
-    <p:extLst>
-      <p:ext uri="{BB962C8B-B14F-4D97-AF65-F5344CB8AC3E}">
-        <p14:creationId xmlns:p14="http://schemas.microsoft.com/office/powerpoint/2010/main" val="2304562546"/>
-      </p:ext>
-    </p:extLst>
-  </p:cSld>
-  <p:clrMapOvr>
-    <a:masterClrMapping/>
-  </p:clrMapOvr>
-  <p:transition advClick="0">
-    <p:fade/>
-  </p:transition>
-  <p:timing>
-    <p:tnLst>
-      <p:par>
-        <p:cTn id="1" dur="indefinite" restart="never" nodeType="tmRoot"/>
-      </p:par>
-    </p:tnLst>
-  </p:timing>
-</p:sld>
-</file>
-
-<file path=ppt/slides/slide3.xml><?xml version="1.0" encoding="utf-8"?>
-<p:sld xmlns:a="http://schemas.openxmlformats.org/drawingml/2006/main" xmlns:r="http://schemas.openxmlformats.org/officeDocument/2006/relationships" xmlns:p="http://schemas.openxmlformats.org/presentationml/2006/main">
-  <p:cSld>
-    <p:spTree>
-      <p:nvGrpSpPr>
-        <p:cNvPr id="1" name=""/>
-        <p:cNvGrpSpPr/>
-        <p:nvPr/>
-      </p:nvGrpSpPr>
-      <p:grpSpPr>
-        <a:xfrm>
-          <a:off x="0" y="0"/>
-          <a:ext cx="0" cy="0"/>
-          <a:chOff x="0" y="0"/>
-          <a:chExt cx="0" cy="0"/>
-        </a:xfrm>
-      </p:grpSpPr>
-      <p:sp>
-        <p:nvSpPr>
-          <p:cNvPr id="2" name="Título 1">
-            <a:extLst>
-              <a:ext uri="{FF2B5EF4-FFF2-40B4-BE49-F238E27FC236}">
-                <a16:creationId xmlns:a16="http://schemas.microsoft.com/office/drawing/2014/main" id="{99F76FBE-1BC2-4EE6-B90A-22263BF7BDCD}"/>
-              </a:ext>
-            </a:extLst>
-          </p:cNvPr>
-          <p:cNvSpPr>
-            <a:spLocks noGrp="1"/>
-          </p:cNvSpPr>
-          <p:nvPr>
-            <p:ph type="title"/>
-          </p:nvPr>
-        </p:nvSpPr>
-        <p:spPr>
-          <a:xfrm>
-            <a:off x="0" y="1433807"/>
-            <a:ext cx="12192000" cy="1325563"/>
-          </a:xfrm>
-        </p:spPr>
-        <p:txBody>
-          <a:bodyPr/>
-          <a:lstStyle/>
-          <a:p>
-            <a:pPr algn="ctr"/>
-            <a:r>
-              <a:rPr lang="pt-BR" dirty="0">
-                <a:solidFill>
-                  <a:schemeClr val="tx1">
-                    <a:lumMod val="75000"/>
-                    <a:lumOff val="25000"/>
-                  </a:schemeClr>
-                </a:solidFill>
-                <a:latin typeface="Bariol Bold" panose="02000506040000020003" pitchFamily="2" charset="0"/>
-              </a:rPr>
-              <a:t>W</a:t>
-            </a:r>
-            <a:r>
-              <a:rPr lang="pt-BR" dirty="0" smtClean="0">
-                <a:solidFill>
-                  <a:schemeClr val="tx1">
-                    <a:lumMod val="75000"/>
-                    <a:lumOff val="25000"/>
-                  </a:schemeClr>
-                </a:solidFill>
-                <a:latin typeface="Bariol Bold" panose="02000506040000020003" pitchFamily="2" charset="0"/>
-              </a:rPr>
-              <a:t>ebsite / Simulador financeiro</a:t>
-            </a:r>
-            <a:endParaRPr lang="pt-BR" dirty="0">
-              <a:solidFill>
-                <a:schemeClr val="tx1">
-                  <a:lumMod val="75000"/>
-                  <a:lumOff val="25000"/>
-                </a:schemeClr>
-              </a:solidFill>
-              <a:latin typeface="Bariol Bold" panose="02000506040000020003" pitchFamily="2" charset="0"/>
-            </a:endParaRPr>
-          </a:p>
-        </p:txBody>
-      </p:sp>
-      <p:pic>
-        <p:nvPicPr>
-          <p:cNvPr id="3" name="Imagem 2" descr="Uma imagem contendo texto, desenho&#10;&#10;Descrição gerada automaticamente">
-            <a:extLst>
-              <a:ext uri="{FF2B5EF4-FFF2-40B4-BE49-F238E27FC236}">
-                <a16:creationId xmlns:a16="http://schemas.microsoft.com/office/drawing/2014/main" id="{33CEE295-8B68-4E72-8E77-548A33B7E7BB}"/>
-              </a:ext>
-            </a:extLst>
-          </p:cNvPr>
-          <p:cNvPicPr>
-            <a:picLocks noChangeAspect="1"/>
-          </p:cNvPicPr>
-          <p:nvPr/>
-        </p:nvPicPr>
-        <p:blipFill>
-          <a:blip r:embed="rId2" cstate="hqprint">
-            <a:extLst>
-              <a:ext uri="{28A0092B-C50C-407E-A947-70E740481C1C}">
-                <a14:useLocalDpi xmlns:a14="http://schemas.microsoft.com/office/drawing/2010/main" val="0"/>
-              </a:ext>
-            </a:extLst>
-          </a:blip>
-          <a:stretch>
-            <a:fillRect/>
-          </a:stretch>
-        </p:blipFill>
-        <p:spPr>
-          <a:xfrm>
-            <a:off x="11371740" y="365125"/>
-            <a:ext cx="599846" cy="535577"/>
-          </a:xfrm>
-          <a:prstGeom prst="rect">
-            <a:avLst/>
-          </a:prstGeom>
-        </p:spPr>
-      </p:pic>
-      <p:pic>
-        <p:nvPicPr>
-          <p:cNvPr id="5" name="Imagem 4" descr="Uma imagem contendo computador&#10;&#10;Descrição gerada automaticamente">
-            <a:extLst>
-              <a:ext uri="{FF2B5EF4-FFF2-40B4-BE49-F238E27FC236}">
-                <a16:creationId xmlns:a16="http://schemas.microsoft.com/office/drawing/2014/main" id="{83C4BF57-CA9B-4FB0-826A-3CF89B791B0E}"/>
-              </a:ext>
-            </a:extLst>
-          </p:cNvPr>
-          <p:cNvPicPr>
-            <a:picLocks noChangeAspect="1"/>
-          </p:cNvPicPr>
-          <p:nvPr/>
-        </p:nvPicPr>
-        <p:blipFill>
-          <a:blip r:embed="rId3">
-            <a:extLst>
-              <a:ext uri="{28A0092B-C50C-407E-A947-70E740481C1C}">
-                <a14:useLocalDpi xmlns:a14="http://schemas.microsoft.com/office/drawing/2010/main" val="0"/>
-              </a:ext>
-            </a:extLst>
-          </a:blip>
-          <a:stretch>
-            <a:fillRect/>
-          </a:stretch>
-        </p:blipFill>
-        <p:spPr>
-          <a:xfrm>
-            <a:off x="2773007" y="2759370"/>
-            <a:ext cx="6645983" cy="3931007"/>
-          </a:xfrm>
-          <a:prstGeom prst="rect">
-            <a:avLst/>
-          </a:prstGeom>
-        </p:spPr>
-      </p:pic>
-    </p:spTree>
-    <p:extLst>
-      <p:ext uri="{BB962C8B-B14F-4D97-AF65-F5344CB8AC3E}">
-        <p14:creationId xmlns:p14="http://schemas.microsoft.com/office/powerpoint/2010/main" val="2246586275"/>
-      </p:ext>
-    </p:extLst>
-  </p:cSld>
-  <p:clrMapOvr>
-    <a:masterClrMapping/>
-  </p:clrMapOvr>
-  <p:transition>
-    <p:fade/>
-  </p:transition>
-  <p:timing>
-    <p:tnLst>
-      <p:par>
-        <p:cTn id="1" dur="indefinite" restart="never" nodeType="tmRoot"/>
-      </p:par>
-    </p:tnLst>
-  </p:timing>
-</p:sld>
-</file>
-
-<file path=ppt/slides/slide4.xml><?xml version="1.0" encoding="utf-8"?>
-<p:sld xmlns:a="http://schemas.openxmlformats.org/drawingml/2006/main" xmlns:r="http://schemas.openxmlformats.org/officeDocument/2006/relationships" xmlns:p="http://schemas.openxmlformats.org/presentationml/2006/main">
-  <p:cSld>
-    <p:spTree>
-      <p:nvGrpSpPr>
-        <p:cNvPr id="1" name=""/>
-        <p:cNvGrpSpPr/>
-        <p:nvPr/>
-      </p:nvGrpSpPr>
-      <p:grpSpPr>
-        <a:xfrm>
-          <a:off x="0" y="0"/>
-          <a:ext cx="0" cy="0"/>
-          <a:chOff x="0" y="0"/>
-          <a:chExt cx="0" cy="0"/>
-        </a:xfrm>
-      </p:grpSpPr>
-      <p:sp>
-        <p:nvSpPr>
-          <p:cNvPr id="2" name="Título 1">
-            <a:extLst>
-              <a:ext uri="{FF2B5EF4-FFF2-40B4-BE49-F238E27FC236}">
-                <a16:creationId xmlns:a16="http://schemas.microsoft.com/office/drawing/2014/main" id="{99F76FBE-1BC2-4EE6-B90A-22263BF7BDCD}"/>
-              </a:ext>
-            </a:extLst>
-          </p:cNvPr>
-          <p:cNvSpPr>
-            <a:spLocks noGrp="1"/>
-          </p:cNvSpPr>
-          <p:nvPr>
-            <p:ph type="title"/>
-          </p:nvPr>
-        </p:nvSpPr>
-        <p:spPr/>
-        <p:txBody>
-          <a:bodyPr/>
-          <a:lstStyle/>
-          <a:p>
-            <a:r>
-              <a:rPr lang="pt-BR" dirty="0">
-                <a:solidFill>
-                  <a:schemeClr val="tx1">
-                    <a:lumMod val="75000"/>
-                    <a:lumOff val="25000"/>
-                  </a:schemeClr>
-                </a:solidFill>
-                <a:latin typeface="Bariol Bold" panose="02000506040000020003" pitchFamily="2" charset="0"/>
-              </a:rPr>
-              <a:t>Segmento/Mercado</a:t>
-            </a:r>
-          </a:p>
-        </p:txBody>
-      </p:sp>
-      <p:pic>
-        <p:nvPicPr>
-          <p:cNvPr id="3" name="Imagem 2" descr="Uma imagem contendo texto, desenho&#10;&#10;Descrição gerada automaticamente">
-            <a:extLst>
-              <a:ext uri="{FF2B5EF4-FFF2-40B4-BE49-F238E27FC236}">
-                <a16:creationId xmlns:a16="http://schemas.microsoft.com/office/drawing/2014/main" id="{1111ADB1-2918-40BD-BC1F-D7866A69CB23}"/>
-              </a:ext>
-            </a:extLst>
-          </p:cNvPr>
-          <p:cNvPicPr>
-            <a:picLocks noChangeAspect="1"/>
-          </p:cNvPicPr>
-          <p:nvPr/>
-        </p:nvPicPr>
-        <p:blipFill>
-          <a:blip r:embed="rId2" cstate="hqprint">
-            <a:extLst>
-              <a:ext uri="{28A0092B-C50C-407E-A947-70E740481C1C}">
-                <a14:useLocalDpi xmlns:a14="http://schemas.microsoft.com/office/drawing/2010/main" val="0"/>
-              </a:ext>
-            </a:extLst>
-          </a:blip>
-          <a:stretch>
-            <a:fillRect/>
-          </a:stretch>
-        </p:blipFill>
-        <p:spPr>
-          <a:xfrm>
-            <a:off x="11371740" y="365125"/>
-            <a:ext cx="599846" cy="535577"/>
-          </a:xfrm>
-          <a:prstGeom prst="rect">
-            <a:avLst/>
-          </a:prstGeom>
-        </p:spPr>
-      </p:pic>
-      <p:sp>
-        <p:nvSpPr>
-          <p:cNvPr id="5" name="CaixaDeTexto 4">
-            <a:extLst>
-              <a:ext uri="{FF2B5EF4-FFF2-40B4-BE49-F238E27FC236}">
-                <a16:creationId xmlns:a16="http://schemas.microsoft.com/office/drawing/2014/main" id="{FE989C62-5914-45D9-B2FF-7FB8E76D6324}"/>
-              </a:ext>
-            </a:extLst>
-          </p:cNvPr>
-          <p:cNvSpPr txBox="1"/>
-          <p:nvPr/>
-        </p:nvSpPr>
-        <p:spPr>
-          <a:xfrm>
-            <a:off x="838200" y="2274838"/>
-            <a:ext cx="5995851" cy="1200329"/>
-          </a:xfrm>
-          <a:prstGeom prst="rect">
-            <a:avLst/>
-          </a:prstGeom>
-          <a:noFill/>
-        </p:spPr>
-        <p:txBody>
-          <a:bodyPr wrap="square" rtlCol="0">
-            <a:spAutoFit/>
-          </a:bodyPr>
-          <a:lstStyle/>
-          <a:p>
-            <a:pPr marL="285750" indent="-285750">
-              <a:buClr>
-                <a:srgbClr val="4772FF"/>
-              </a:buClr>
-              <a:buSzPct val="80000"/>
-              <a:buFont typeface="Wingdings" panose="05000000000000000000" pitchFamily="2" charset="2"/>
-              <a:buChar char="Ø"/>
-            </a:pPr>
-            <a:r>
-              <a:rPr lang="pt-BR" sz="2400" dirty="0">
-                <a:latin typeface="Bariol Bold" panose="02000506040000020003" pitchFamily="2" charset="0"/>
-              </a:rPr>
-              <a:t>Transporte publico metroviário</a:t>
-            </a:r>
-          </a:p>
-          <a:p>
-            <a:pPr>
-              <a:buClr>
-                <a:srgbClr val="4772FF"/>
-              </a:buClr>
-              <a:buSzPct val="80000"/>
-            </a:pPr>
-            <a:endParaRPr lang="pt-BR" sz="2400" dirty="0">
-              <a:latin typeface="Bariol Bold" panose="02000506040000020003" pitchFamily="2" charset="0"/>
-            </a:endParaRPr>
-          </a:p>
-          <a:p>
-            <a:pPr marL="285750" indent="-285750">
-              <a:buClr>
-                <a:srgbClr val="4772FF"/>
-              </a:buClr>
-              <a:buSzPct val="80000"/>
-              <a:buFont typeface="Wingdings" panose="05000000000000000000" pitchFamily="2" charset="2"/>
-              <a:buChar char="Ø"/>
-            </a:pPr>
-            <a:r>
-              <a:rPr lang="pt-BR" sz="2400" dirty="0">
-                <a:latin typeface="Bariol Bold" panose="02000506040000020003" pitchFamily="2" charset="0"/>
-              </a:rPr>
-              <a:t>Uso de informações para fins comerciais</a:t>
-            </a:r>
-          </a:p>
-        </p:txBody>
-      </p:sp>
-      <p:pic>
-        <p:nvPicPr>
-          <p:cNvPr id="7" name="Imagem 6"/>
-          <p:cNvPicPr>
-            <a:picLocks noChangeAspect="1"/>
-          </p:cNvPicPr>
-          <p:nvPr/>
-        </p:nvPicPr>
-        <p:blipFill>
-          <a:blip r:embed="rId3">
-            <a:extLst>
-              <a:ext uri="{28A0092B-C50C-407E-A947-70E740481C1C}">
-                <a14:useLocalDpi xmlns:a14="http://schemas.microsoft.com/office/drawing/2010/main" val="0"/>
-              </a:ext>
-            </a:extLst>
-          </a:blip>
-          <a:stretch>
-            <a:fillRect/>
-          </a:stretch>
-        </p:blipFill>
-        <p:spPr>
-          <a:xfrm>
-            <a:off x="7571231" y="3683723"/>
-            <a:ext cx="4055556" cy="2952206"/>
-          </a:xfrm>
-          <a:prstGeom prst="rect">
-            <a:avLst/>
-          </a:prstGeom>
-        </p:spPr>
-      </p:pic>
-    </p:spTree>
-    <p:extLst>
-      <p:ext uri="{BB962C8B-B14F-4D97-AF65-F5344CB8AC3E}">
-        <p14:creationId xmlns:p14="http://schemas.microsoft.com/office/powerpoint/2010/main" val="3052130900"/>
-      </p:ext>
-    </p:extLst>
-  </p:cSld>
-  <p:clrMapOvr>
-    <a:masterClrMapping/>
-  </p:clrMapOvr>
-  <p:transition>
-    <p:fade/>
-  </p:transition>
-  <p:timing>
-    <p:tnLst>
-      <p:par>
-        <p:cTn id="1" dur="indefinite" restart="never" nodeType="tmRoot">
-          <p:childTnLst>
-            <p:seq concurrent="1" nextAc="seek">
-              <p:cTn id="2" dur="indefinite" nodeType="mainSeq">
-                <p:childTnLst>
-                  <p:par>
-                    <p:cTn id="3" fill="hold">
-                      <p:stCondLst>
-                        <p:cond delay="indefinite"/>
-                        <p:cond evt="onBegin" delay="0">
-                          <p:tn val="2"/>
-                        </p:cond>
-                      </p:stCondLst>
-                      <p:childTnLst>
-                        <p:par>
-                          <p:cTn id="4" fill="hold">
-                            <p:stCondLst>
-                              <p:cond delay="0"/>
-                            </p:stCondLst>
-                            <p:childTnLst>
-                              <p:par>
-                                <p:cTn id="5" presetID="10" presetClass="entr" presetSubtype="0" fill="hold" grpId="0" nodeType="afterEffect">
-                                  <p:stCondLst>
-                                    <p:cond delay="0"/>
-                                  </p:stCondLst>
-                                  <p:childTnLst>
-                                    <p:set>
-                                      <p:cBhvr>
-                                        <p:cTn id="6" dur="1" fill="hold">
-                                          <p:stCondLst>
-                                            <p:cond delay="0"/>
-                                          </p:stCondLst>
-                                        </p:cTn>
-                                        <p:tgtEl>
-                                          <p:spTgt spid="5">
-                                            <p:txEl>
-                                              <p:pRg st="0" end="0"/>
-                                            </p:txEl>
-                                          </p:spTgt>
-                                        </p:tgtEl>
-                                        <p:attrNameLst>
-                                          <p:attrName>style.visibility</p:attrName>
-                                        </p:attrNameLst>
-                                      </p:cBhvr>
-                                      <p:to>
-                                        <p:strVal val="visible"/>
-                                      </p:to>
-                                    </p:set>
-                                    <p:animEffect transition="in" filter="fade">
-                                      <p:cBhvr>
-                                        <p:cTn id="7" dur="500"/>
-                                        <p:tgtEl>
-                                          <p:spTgt spid="5">
-                                            <p:txEl>
-                                              <p:pRg st="0" end="0"/>
-                                            </p:txEl>
-                                          </p:spTgt>
-                                        </p:tgtEl>
-                                      </p:cBhvr>
-                                    </p:animEffect>
-                                  </p:childTnLst>
-                                </p:cTn>
-                              </p:par>
-                            </p:childTnLst>
-                          </p:cTn>
-                        </p:par>
-                        <p:par>
-                          <p:cTn id="8" fill="hold">
-                            <p:stCondLst>
-                              <p:cond delay="500"/>
-                            </p:stCondLst>
-                            <p:childTnLst>
-                              <p:par>
-                                <p:cTn id="9" presetID="10" presetClass="entr" presetSubtype="0" fill="hold" grpId="0" nodeType="afterEffect">
-                                  <p:stCondLst>
-                                    <p:cond delay="0"/>
-                                  </p:stCondLst>
-                                  <p:childTnLst>
-                                    <p:set>
-                                      <p:cBhvr>
-                                        <p:cTn id="10" dur="1" fill="hold">
-                                          <p:stCondLst>
-                                            <p:cond delay="0"/>
-                                          </p:stCondLst>
-                                        </p:cTn>
-                                        <p:tgtEl>
-                                          <p:spTgt spid="5">
-                                            <p:txEl>
-                                              <p:pRg st="2" end="2"/>
-                                            </p:txEl>
-                                          </p:spTgt>
-                                        </p:tgtEl>
-                                        <p:attrNameLst>
-                                          <p:attrName>style.visibility</p:attrName>
-                                        </p:attrNameLst>
-                                      </p:cBhvr>
-                                      <p:to>
-                                        <p:strVal val="visible"/>
-                                      </p:to>
-                                    </p:set>
-                                    <p:animEffect transition="in" filter="fade">
-                                      <p:cBhvr>
-                                        <p:cTn id="11" dur="500"/>
-                                        <p:tgtEl>
-                                          <p:spTgt spid="5">
-                                            <p:txEl>
-                                              <p:pRg st="2" end="2"/>
-                                            </p:txEl>
-                                          </p:spTgt>
-                                        </p:tgtEl>
-                                      </p:cBhvr>
-                                    </p:animEffect>
-                                  </p:childTnLst>
-                                </p:cTn>
-                              </p:par>
-                            </p:childTnLst>
-                          </p:cTn>
-                        </p:par>
-                        <p:par>
-                          <p:cTn id="12" fill="hold">
-                            <p:stCondLst>
-                              <p:cond delay="1000"/>
-                            </p:stCondLst>
-                            <p:childTnLst>
-                              <p:par>
-                                <p:cTn id="13" presetID="10" presetClass="entr" presetSubtype="0" fill="hold" nodeType="afterEffect">
-                                  <p:stCondLst>
-                                    <p:cond delay="0"/>
-                                  </p:stCondLst>
-                                  <p:childTnLst>
-                                    <p:set>
-                                      <p:cBhvr>
-                                        <p:cTn id="14" dur="1" fill="hold">
-                                          <p:stCondLst>
-                                            <p:cond delay="0"/>
-                                          </p:stCondLst>
-                                        </p:cTn>
-                                        <p:tgtEl>
-                                          <p:spTgt spid="7"/>
-                                        </p:tgtEl>
-                                        <p:attrNameLst>
-                                          <p:attrName>style.visibility</p:attrName>
-                                        </p:attrNameLst>
-                                      </p:cBhvr>
-                                      <p:to>
-                                        <p:strVal val="visible"/>
-                                      </p:to>
-                                    </p:set>
-                                    <p:animEffect transition="in" filter="fade">
-                                      <p:cBhvr>
-                                        <p:cTn id="15" dur="500"/>
-                                        <p:tgtEl>
-                                          <p:spTgt spid="7"/>
-                                        </p:tgtEl>
-                                      </p:cBhvr>
-                                    </p:animEffect>
-                                  </p:childTnLst>
-                                </p:cTn>
-                              </p:par>
-                            </p:childTnLst>
-                          </p:cTn>
-                        </p:par>
-                      </p:childTnLst>
-                    </p:cTn>
-                  </p:par>
-                </p:childTnLst>
-              </p:cTn>
-              <p:prevCondLst>
-                <p:cond evt="onPrev" delay="0">
-                  <p:tgtEl>
-                    <p:sldTgt/>
-                  </p:tgtEl>
-                </p:cond>
-              </p:prevCondLst>
-              <p:nextCondLst>
-                <p:cond evt="onNext" delay="0">
-                  <p:tgtEl>
-                    <p:sldTgt/>
-                  </p:tgtEl>
-                </p:cond>
-              </p:nextCondLst>
-            </p:seq>
-          </p:childTnLst>
-        </p:cTn>
-      </p:par>
-    </p:tnLst>
-    <p:bldLst>
-      <p:bldP spid="5" grpId="0" uiExpand="1" build="allAtOnce"/>
-    </p:bldLst>
-  </p:timing>
-</p:sld>
-</file>
-
-<file path=ppt/slides/slide5.xml><?xml version="1.0" encoding="utf-8"?>
-<p:sld xmlns:a="http://schemas.openxmlformats.org/drawingml/2006/main" xmlns:r="http://schemas.openxmlformats.org/officeDocument/2006/relationships" xmlns:p="http://schemas.openxmlformats.org/presentationml/2006/main">
-  <p:cSld>
-    <p:spTree>
-      <p:nvGrpSpPr>
-        <p:cNvPr id="1" name=""/>
-        <p:cNvGrpSpPr/>
-        <p:nvPr/>
-      </p:nvGrpSpPr>
-      <p:grpSpPr>
-        <a:xfrm>
-          <a:off x="0" y="0"/>
-          <a:ext cx="0" cy="0"/>
-          <a:chOff x="0" y="0"/>
-          <a:chExt cx="0" cy="0"/>
-        </a:xfrm>
-      </p:grpSpPr>
-      <p:sp>
-        <p:nvSpPr>
-          <p:cNvPr id="2" name="Título 1">
-            <a:extLst>
-              <a:ext uri="{FF2B5EF4-FFF2-40B4-BE49-F238E27FC236}">
-                <a16:creationId xmlns:a16="http://schemas.microsoft.com/office/drawing/2014/main" id="{99F76FBE-1BC2-4EE6-B90A-22263BF7BDCD}"/>
-              </a:ext>
-            </a:extLst>
-          </p:cNvPr>
-          <p:cNvSpPr>
-            <a:spLocks noGrp="1"/>
-          </p:cNvSpPr>
-          <p:nvPr>
-            <p:ph type="title"/>
-          </p:nvPr>
-        </p:nvSpPr>
-        <p:spPr/>
-        <p:txBody>
-          <a:bodyPr/>
-          <a:lstStyle/>
-          <a:p>
-            <a:r>
-              <a:rPr lang="pt-BR" dirty="0">
-                <a:solidFill>
-                  <a:schemeClr val="tx1">
-                    <a:lumMod val="75000"/>
-                    <a:lumOff val="25000"/>
-                  </a:schemeClr>
-                </a:solidFill>
-                <a:latin typeface="Bariol Bold" panose="02000506040000020003" pitchFamily="2" charset="0"/>
-              </a:rPr>
-              <a:t>Contexto</a:t>
-            </a:r>
-          </a:p>
-        </p:txBody>
-      </p:sp>
-      <p:pic>
-        <p:nvPicPr>
-          <p:cNvPr id="3" name="Imagem 2" descr="Uma imagem contendo texto, desenho&#10;&#10;Descrição gerada automaticamente">
-            <a:extLst>
-              <a:ext uri="{FF2B5EF4-FFF2-40B4-BE49-F238E27FC236}">
-                <a16:creationId xmlns:a16="http://schemas.microsoft.com/office/drawing/2014/main" id="{1111ADB1-2918-40BD-BC1F-D7866A69CB23}"/>
-              </a:ext>
-            </a:extLst>
-          </p:cNvPr>
-          <p:cNvPicPr>
-            <a:picLocks noChangeAspect="1"/>
-          </p:cNvPicPr>
-          <p:nvPr/>
-        </p:nvPicPr>
-        <p:blipFill>
-          <a:blip r:embed="rId2" cstate="hqprint">
-            <a:extLst>
-              <a:ext uri="{28A0092B-C50C-407E-A947-70E740481C1C}">
-                <a14:useLocalDpi xmlns:a14="http://schemas.microsoft.com/office/drawing/2010/main" val="0"/>
-              </a:ext>
-            </a:extLst>
-          </a:blip>
-          <a:stretch>
-            <a:fillRect/>
-          </a:stretch>
-        </p:blipFill>
-        <p:spPr>
-          <a:xfrm>
-            <a:off x="11371740" y="365125"/>
-            <a:ext cx="599846" cy="535577"/>
-          </a:xfrm>
-          <a:prstGeom prst="rect">
-            <a:avLst/>
-          </a:prstGeom>
-        </p:spPr>
-      </p:pic>
-      <p:pic>
-        <p:nvPicPr>
-          <p:cNvPr id="4" name="Imagem 3" descr="Uma imagem contendo homem, atletismo, em pé, segurando&#10;&#10;Descrição gerada automaticamente">
-            <a:extLst>
-              <a:ext uri="{FF2B5EF4-FFF2-40B4-BE49-F238E27FC236}">
-                <a16:creationId xmlns:a16="http://schemas.microsoft.com/office/drawing/2014/main" id="{8225E120-3F94-4DBE-A2CA-7A5FDD96B919}"/>
-              </a:ext>
-            </a:extLst>
-          </p:cNvPr>
-          <p:cNvPicPr>
-            <a:picLocks noChangeAspect="1"/>
-          </p:cNvPicPr>
-          <p:nvPr/>
-        </p:nvPicPr>
-        <p:blipFill>
-          <a:blip r:embed="rId3">
-            <a:extLst>
-              <a:ext uri="{28A0092B-C50C-407E-A947-70E740481C1C}">
-                <a14:useLocalDpi xmlns:a14="http://schemas.microsoft.com/office/drawing/2010/main" val="0"/>
-              </a:ext>
-            </a:extLst>
-          </a:blip>
-          <a:stretch>
-            <a:fillRect/>
-          </a:stretch>
-        </p:blipFill>
-        <p:spPr>
-          <a:xfrm>
-            <a:off x="7571231" y="3429000"/>
-            <a:ext cx="4400355" cy="3429000"/>
-          </a:xfrm>
-          <a:prstGeom prst="rect">
-            <a:avLst/>
-          </a:prstGeom>
-        </p:spPr>
-      </p:pic>
-      <p:sp>
-        <p:nvSpPr>
-          <p:cNvPr id="6" name="CaixaDeTexto 5">
-            <a:extLst>
-              <a:ext uri="{FF2B5EF4-FFF2-40B4-BE49-F238E27FC236}">
-                <a16:creationId xmlns:a16="http://schemas.microsoft.com/office/drawing/2014/main" id="{FE989C62-5914-45D9-B2FF-7FB8E76D6324}"/>
-              </a:ext>
-            </a:extLst>
-          </p:cNvPr>
-          <p:cNvSpPr txBox="1"/>
-          <p:nvPr/>
-        </p:nvSpPr>
-        <p:spPr>
-          <a:xfrm>
-            <a:off x="838200" y="2274838"/>
-            <a:ext cx="5995851" cy="1938992"/>
-          </a:xfrm>
-          <a:prstGeom prst="rect">
-            <a:avLst/>
-          </a:prstGeom>
-          <a:noFill/>
-        </p:spPr>
-        <p:txBody>
-          <a:bodyPr wrap="square" rtlCol="0">
-            <a:spAutoFit/>
-          </a:bodyPr>
-          <a:lstStyle/>
-          <a:p>
-            <a:pPr marL="285750" indent="-285750">
-              <a:buClr>
-                <a:srgbClr val="4772FF"/>
-              </a:buClr>
-              <a:buSzPct val="80000"/>
-              <a:buFont typeface="Wingdings" panose="05000000000000000000" pitchFamily="2" charset="2"/>
-              <a:buChar char="Ø"/>
-            </a:pPr>
-            <a:r>
-              <a:rPr lang="pt-BR" sz="2400" dirty="0">
-                <a:solidFill>
-                  <a:schemeClr val="tx1">
-                    <a:lumMod val="85000"/>
-                    <a:lumOff val="15000"/>
-                  </a:schemeClr>
-                </a:solidFill>
-                <a:latin typeface="Bariol Bold" panose="02000506040000020003" pitchFamily="2" charset="0"/>
-              </a:rPr>
-              <a:t>O metro já chegou a transportar 7,8 milhões de pessoas em um dia.</a:t>
-            </a:r>
-          </a:p>
-          <a:p>
-            <a:pPr>
-              <a:buClr>
-                <a:srgbClr val="4772FF"/>
-              </a:buClr>
-              <a:buSzPct val="80000"/>
-            </a:pPr>
-            <a:r>
-              <a:rPr lang="pt-BR" sz="2400" dirty="0">
-                <a:solidFill>
-                  <a:schemeClr val="tx1">
-                    <a:lumMod val="85000"/>
-                    <a:lumOff val="15000"/>
-                  </a:schemeClr>
-                </a:solidFill>
-                <a:latin typeface="Bariol Bold" panose="02000506040000020003" pitchFamily="2" charset="0"/>
-              </a:rPr>
-              <a:t>                                                      - </a:t>
-            </a:r>
-            <a:endParaRPr lang="pt-BR" sz="2400" dirty="0">
-              <a:latin typeface="Bariol Bold" panose="02000506040000020003" pitchFamily="2" charset="0"/>
-            </a:endParaRPr>
-          </a:p>
-          <a:p>
-            <a:pPr marL="285750" indent="-285750">
-              <a:buClr>
-                <a:srgbClr val="4772FF"/>
-              </a:buClr>
-              <a:buSzPct val="80000"/>
-              <a:buFont typeface="Wingdings" panose="05000000000000000000" pitchFamily="2" charset="2"/>
-              <a:buChar char="Ø"/>
-            </a:pPr>
-            <a:r>
-              <a:rPr lang="pt-BR" sz="2400" dirty="0">
-                <a:latin typeface="Bariol Bold" panose="02000506040000020003" pitchFamily="2" charset="0"/>
-              </a:rPr>
-              <a:t>Intervalo de </a:t>
-            </a:r>
-            <a:r>
-              <a:rPr lang="pt-BR" sz="2400">
-                <a:latin typeface="Bariol Bold" panose="02000506040000020003" pitchFamily="2" charset="0"/>
-              </a:rPr>
-              <a:t>99 segundos </a:t>
-            </a:r>
-            <a:endParaRPr lang="pt-BR" sz="2400" dirty="0">
-              <a:latin typeface="Bariol Bold" panose="02000506040000020003" pitchFamily="2" charset="0"/>
-            </a:endParaRPr>
-          </a:p>
-          <a:p>
-            <a:pPr>
-              <a:buClr>
-                <a:srgbClr val="4772FF"/>
-              </a:buClr>
-              <a:buSzPct val="80000"/>
-            </a:pPr>
-            <a:r>
-              <a:rPr lang="pt-BR" sz="2400" dirty="0">
-                <a:latin typeface="Bariol Bold" panose="02000506040000020003" pitchFamily="2" charset="0"/>
-              </a:rPr>
-              <a:t>	</a:t>
-            </a:r>
-            <a:endParaRPr lang="pt-BR" sz="2000" dirty="0">
-              <a:solidFill>
-                <a:schemeClr val="tx1">
-                  <a:lumMod val="85000"/>
-                  <a:lumOff val="15000"/>
-                </a:schemeClr>
-              </a:solidFill>
-              <a:latin typeface="Bariol Bold" panose="02000506040000020003" pitchFamily="2" charset="0"/>
-            </a:endParaRPr>
-          </a:p>
-        </p:txBody>
-      </p:sp>
-    </p:spTree>
-    <p:extLst>
-      <p:ext uri="{BB962C8B-B14F-4D97-AF65-F5344CB8AC3E}">
-        <p14:creationId xmlns:p14="http://schemas.microsoft.com/office/powerpoint/2010/main" val="1268792719"/>
-      </p:ext>
-    </p:extLst>
-  </p:cSld>
-  <p:clrMapOvr>
-    <a:masterClrMapping/>
-  </p:clrMapOvr>
-  <p:transition>
-    <p:fade/>
-  </p:transition>
-  <p:timing>
-    <p:tnLst>
-      <p:par>
-        <p:cTn id="1" dur="indefinite" restart="never" nodeType="tmRoot">
-          <p:childTnLst>
-            <p:seq concurrent="1" nextAc="seek">
-              <p:cTn id="2" dur="indefinite" nodeType="mainSeq">
-                <p:childTnLst>
-                  <p:par>
-                    <p:cTn id="3" fill="hold">
-                      <p:stCondLst>
-                        <p:cond delay="indefinite"/>
-                        <p:cond evt="onBegin" delay="0">
-                          <p:tn val="2"/>
-                        </p:cond>
-                      </p:stCondLst>
-                      <p:childTnLst>
-                        <p:par>
-                          <p:cTn id="4" fill="hold">
-                            <p:stCondLst>
-                              <p:cond delay="0"/>
-                            </p:stCondLst>
-                            <p:childTnLst>
-                              <p:par>
-                                <p:cTn id="5" presetID="10" presetClass="entr" presetSubtype="0" fill="hold" grpId="0" nodeType="afterEffect">
-                                  <p:stCondLst>
-                                    <p:cond delay="0"/>
-                                  </p:stCondLst>
-                                  <p:childTnLst>
-                                    <p:set>
-                                      <p:cBhvr>
-                                        <p:cTn id="6" dur="1" fill="hold">
-                                          <p:stCondLst>
-                                            <p:cond delay="0"/>
-                                          </p:stCondLst>
-                                        </p:cTn>
-                                        <p:tgtEl>
-                                          <p:spTgt spid="6">
-                                            <p:txEl>
-                                              <p:pRg st="0" end="0"/>
-                                            </p:txEl>
-                                          </p:spTgt>
-                                        </p:tgtEl>
-                                        <p:attrNameLst>
-                                          <p:attrName>style.visibility</p:attrName>
-                                        </p:attrNameLst>
-                                      </p:cBhvr>
-                                      <p:to>
-                                        <p:strVal val="visible"/>
-                                      </p:to>
-                                    </p:set>
-                                    <p:animEffect transition="in" filter="fade">
-                                      <p:cBhvr>
-                                        <p:cTn id="7" dur="500"/>
-                                        <p:tgtEl>
-                                          <p:spTgt spid="6">
-                                            <p:txEl>
-                                              <p:pRg st="0" end="0"/>
-                                            </p:txEl>
-                                          </p:spTgt>
-                                        </p:tgtEl>
-                                      </p:cBhvr>
-                                    </p:animEffect>
-                                  </p:childTnLst>
-                                </p:cTn>
-                              </p:par>
-                            </p:childTnLst>
-                          </p:cTn>
-                        </p:par>
-                        <p:par>
-                          <p:cTn id="8" fill="hold">
-                            <p:stCondLst>
-                              <p:cond delay="500"/>
-                            </p:stCondLst>
-                            <p:childTnLst>
-                              <p:par>
-                                <p:cTn id="9" presetID="10" presetClass="entr" presetSubtype="0" fill="hold" grpId="0" nodeType="afterEffect">
-                                  <p:stCondLst>
-                                    <p:cond delay="0"/>
-                                  </p:stCondLst>
-                                  <p:childTnLst>
-                                    <p:set>
-                                      <p:cBhvr>
-                                        <p:cTn id="10" dur="1" fill="hold">
-                                          <p:stCondLst>
-                                            <p:cond delay="0"/>
-                                          </p:stCondLst>
-                                        </p:cTn>
-                                        <p:tgtEl>
-                                          <p:spTgt spid="6">
-                                            <p:txEl>
-                                              <p:pRg st="1" end="1"/>
-                                            </p:txEl>
-                                          </p:spTgt>
-                                        </p:tgtEl>
-                                        <p:attrNameLst>
-                                          <p:attrName>style.visibility</p:attrName>
-                                        </p:attrNameLst>
-                                      </p:cBhvr>
-                                      <p:to>
-                                        <p:strVal val="visible"/>
-                                      </p:to>
-                                    </p:set>
-                                    <p:animEffect transition="in" filter="fade">
-                                      <p:cBhvr>
-                                        <p:cTn id="11" dur="500"/>
-                                        <p:tgtEl>
-                                          <p:spTgt spid="6">
-                                            <p:txEl>
-                                              <p:pRg st="1" end="1"/>
-                                            </p:txEl>
-                                          </p:spTgt>
-                                        </p:tgtEl>
-                                      </p:cBhvr>
-                                    </p:animEffect>
-                                  </p:childTnLst>
-                                </p:cTn>
-                              </p:par>
-                              <p:par>
-                                <p:cTn id="12" presetID="10" presetClass="entr" presetSubtype="0" fill="hold" grpId="0" nodeType="withEffect">
-                                  <p:stCondLst>
-                                    <p:cond delay="0"/>
-                                  </p:stCondLst>
-                                  <p:childTnLst>
-                                    <p:set>
-                                      <p:cBhvr>
-                                        <p:cTn id="13" dur="1" fill="hold">
-                                          <p:stCondLst>
-                                            <p:cond delay="0"/>
-                                          </p:stCondLst>
-                                        </p:cTn>
-                                        <p:tgtEl>
-                                          <p:spTgt spid="6">
-                                            <p:txEl>
-                                              <p:pRg st="2" end="2"/>
-                                            </p:txEl>
-                                          </p:spTgt>
-                                        </p:tgtEl>
-                                        <p:attrNameLst>
-                                          <p:attrName>style.visibility</p:attrName>
-                                        </p:attrNameLst>
-                                      </p:cBhvr>
-                                      <p:to>
-                                        <p:strVal val="visible"/>
-                                      </p:to>
-                                    </p:set>
-                                    <p:animEffect transition="in" filter="fade">
-                                      <p:cBhvr>
-                                        <p:cTn id="14" dur="500"/>
-                                        <p:tgtEl>
-                                          <p:spTgt spid="6">
-                                            <p:txEl>
-                                              <p:pRg st="2" end="2"/>
-                                            </p:txEl>
-                                          </p:spTgt>
-                                        </p:tgtEl>
-                                      </p:cBhvr>
-                                    </p:animEffect>
-                                  </p:childTnLst>
-                                </p:cTn>
-                              </p:par>
-                            </p:childTnLst>
-                          </p:cTn>
-                        </p:par>
-                        <p:par>
-                          <p:cTn id="15" fill="hold">
-                            <p:stCondLst>
-                              <p:cond delay="1000"/>
-                            </p:stCondLst>
-                            <p:childTnLst>
-                              <p:par>
-                                <p:cTn id="16" presetID="10" presetClass="entr" presetSubtype="0" fill="hold" grpId="0" nodeType="afterEffect">
-                                  <p:stCondLst>
-                                    <p:cond delay="0"/>
-                                  </p:stCondLst>
-                                  <p:childTnLst>
-                                    <p:set>
-                                      <p:cBhvr>
-                                        <p:cTn id="17" dur="1" fill="hold">
-                                          <p:stCondLst>
-                                            <p:cond delay="0"/>
-                                          </p:stCondLst>
-                                        </p:cTn>
-                                        <p:tgtEl>
-                                          <p:spTgt spid="6">
-                                            <p:txEl>
-                                              <p:pRg st="3" end="3"/>
-                                            </p:txEl>
-                                          </p:spTgt>
-                                        </p:tgtEl>
-                                        <p:attrNameLst>
-                                          <p:attrName>style.visibility</p:attrName>
-                                        </p:attrNameLst>
-                                      </p:cBhvr>
-                                      <p:to>
-                                        <p:strVal val="visible"/>
-                                      </p:to>
-                                    </p:set>
-                                    <p:animEffect transition="in" filter="fade">
-                                      <p:cBhvr>
-                                        <p:cTn id="18" dur="500"/>
-                                        <p:tgtEl>
-                                          <p:spTgt spid="6">
-                                            <p:txEl>
-                                              <p:pRg st="3" end="3"/>
-                                            </p:txEl>
-                                          </p:spTgt>
-                                        </p:tgtEl>
-                                      </p:cBhvr>
-                                    </p:animEffect>
-                                  </p:childTnLst>
-                                </p:cTn>
-                              </p:par>
-                              <p:par>
-                                <p:cTn id="19" presetID="10" presetClass="entr" presetSubtype="0" fill="hold" nodeType="withEffect">
-                                  <p:stCondLst>
-                                    <p:cond delay="0"/>
-                                  </p:stCondLst>
-                                  <p:childTnLst>
-                                    <p:set>
-                                      <p:cBhvr>
-                                        <p:cTn id="20" dur="1" fill="hold">
-                                          <p:stCondLst>
-                                            <p:cond delay="0"/>
-                                          </p:stCondLst>
-                                        </p:cTn>
-                                        <p:tgtEl>
-                                          <p:spTgt spid="4"/>
-                                        </p:tgtEl>
-                                        <p:attrNameLst>
-                                          <p:attrName>style.visibility</p:attrName>
-                                        </p:attrNameLst>
-                                      </p:cBhvr>
-                                      <p:to>
-                                        <p:strVal val="visible"/>
-                                      </p:to>
-                                    </p:set>
-                                    <p:animEffect transition="in" filter="fade">
-                                      <p:cBhvr>
-                                        <p:cTn id="21" dur="500"/>
-                                        <p:tgtEl>
-                                          <p:spTgt spid="4"/>
-                                        </p:tgtEl>
-                                      </p:cBhvr>
-                                    </p:animEffect>
-                                  </p:childTnLst>
-                                </p:cTn>
-                              </p:par>
-                            </p:childTnLst>
-                          </p:cTn>
-                        </p:par>
-                      </p:childTnLst>
-                    </p:cTn>
-                  </p:par>
-                </p:childTnLst>
-              </p:cTn>
-              <p:prevCondLst>
-                <p:cond evt="onPrev" delay="0">
-                  <p:tgtEl>
-                    <p:sldTgt/>
-                  </p:tgtEl>
-                </p:cond>
-              </p:prevCondLst>
-              <p:nextCondLst>
-                <p:cond evt="onNext" delay="0">
-                  <p:tgtEl>
-                    <p:sldTgt/>
-                  </p:tgtEl>
-                </p:cond>
-              </p:nextCondLst>
-            </p:seq>
-          </p:childTnLst>
-        </p:cTn>
-      </p:par>
-    </p:tnLst>
-    <p:bldLst>
-      <p:bldP spid="6" grpId="0" uiExpand="1" build="allAtOnce"/>
-    </p:bldLst>
-  </p:timing>
-</p:sld>
-</file>
-
-<file path=ppt/slides/slide6.xml><?xml version="1.0" encoding="utf-8"?>
-<p:sld xmlns:a="http://schemas.openxmlformats.org/drawingml/2006/main" xmlns:r="http://schemas.openxmlformats.org/officeDocument/2006/relationships" xmlns:p="http://schemas.openxmlformats.org/presentationml/2006/main">
-  <p:cSld>
-    <p:spTree>
-      <p:nvGrpSpPr>
-        <p:cNvPr id="1" name=""/>
-        <p:cNvGrpSpPr/>
-        <p:nvPr/>
-      </p:nvGrpSpPr>
-      <p:grpSpPr>
-        <a:xfrm>
-          <a:off x="0" y="0"/>
-          <a:ext cx="0" cy="0"/>
-          <a:chOff x="0" y="0"/>
-          <a:chExt cx="0" cy="0"/>
-        </a:xfrm>
-      </p:grpSpPr>
-      <p:sp>
-        <p:nvSpPr>
-          <p:cNvPr id="2" name="Título 1">
-            <a:extLst>
-              <a:ext uri="{FF2B5EF4-FFF2-40B4-BE49-F238E27FC236}">
-                <a16:creationId xmlns:a16="http://schemas.microsoft.com/office/drawing/2014/main" id="{99F76FBE-1BC2-4EE6-B90A-22263BF7BDCD}"/>
-              </a:ext>
-            </a:extLst>
-          </p:cNvPr>
-          <p:cNvSpPr>
-            <a:spLocks noGrp="1"/>
-          </p:cNvSpPr>
-          <p:nvPr>
-            <p:ph type="title"/>
-          </p:nvPr>
-        </p:nvSpPr>
-        <p:spPr/>
-        <p:txBody>
-          <a:bodyPr/>
-          <a:lstStyle/>
-          <a:p>
-            <a:r>
-              <a:rPr lang="pt-BR" dirty="0">
-                <a:solidFill>
-                  <a:schemeClr val="tx1">
-                    <a:lumMod val="75000"/>
-                    <a:lumOff val="25000"/>
-                  </a:schemeClr>
-                </a:solidFill>
-                <a:latin typeface="Bariol Bold" panose="02000506040000020003" pitchFamily="2" charset="0"/>
-              </a:rPr>
-              <a:t>Problema</a:t>
-            </a:r>
-          </a:p>
-        </p:txBody>
-      </p:sp>
-      <p:pic>
-        <p:nvPicPr>
-          <p:cNvPr id="3" name="Imagem 2" descr="Uma imagem contendo texto, desenho&#10;&#10;Descrição gerada automaticamente">
-            <a:extLst>
-              <a:ext uri="{FF2B5EF4-FFF2-40B4-BE49-F238E27FC236}">
-                <a16:creationId xmlns:a16="http://schemas.microsoft.com/office/drawing/2014/main" id="{EEEE33B3-A543-423F-AB5D-E72F151DB263}"/>
-              </a:ext>
-            </a:extLst>
-          </p:cNvPr>
-          <p:cNvPicPr>
-            <a:picLocks noChangeAspect="1"/>
-          </p:cNvPicPr>
-          <p:nvPr/>
-        </p:nvPicPr>
-        <p:blipFill>
-          <a:blip r:embed="rId2" cstate="hqprint">
-            <a:extLst>
-              <a:ext uri="{28A0092B-C50C-407E-A947-70E740481C1C}">
-                <a14:useLocalDpi xmlns:a14="http://schemas.microsoft.com/office/drawing/2010/main" val="0"/>
-              </a:ext>
-            </a:extLst>
-          </a:blip>
-          <a:stretch>
-            <a:fillRect/>
-          </a:stretch>
-        </p:blipFill>
-        <p:spPr>
-          <a:xfrm>
-            <a:off x="11371740" y="365125"/>
-            <a:ext cx="599846" cy="535577"/>
-          </a:xfrm>
-          <a:prstGeom prst="rect">
-            <a:avLst/>
-          </a:prstGeom>
-        </p:spPr>
-      </p:pic>
-      <p:pic>
-        <p:nvPicPr>
-          <p:cNvPr id="6" name="Imagem 5" descr="Uma imagem contendo computador, relógio&#10;&#10;Descrição gerada automaticamente">
-            <a:extLst>
-              <a:ext uri="{FF2B5EF4-FFF2-40B4-BE49-F238E27FC236}">
-                <a16:creationId xmlns:a16="http://schemas.microsoft.com/office/drawing/2014/main" id="{DE7C8C4B-C07A-4DB4-90F8-0B5C508510A1}"/>
-              </a:ext>
-            </a:extLst>
-          </p:cNvPr>
-          <p:cNvPicPr>
-            <a:picLocks noChangeAspect="1"/>
-          </p:cNvPicPr>
-          <p:nvPr/>
-        </p:nvPicPr>
-        <p:blipFill>
-          <a:blip r:embed="rId3">
-            <a:extLst>
-              <a:ext uri="{28A0092B-C50C-407E-A947-70E740481C1C}">
-                <a14:useLocalDpi xmlns:a14="http://schemas.microsoft.com/office/drawing/2010/main" val="0"/>
-              </a:ext>
-            </a:extLst>
-          </a:blip>
-          <a:stretch>
-            <a:fillRect/>
-          </a:stretch>
-        </p:blipFill>
-        <p:spPr>
-          <a:xfrm>
-            <a:off x="7367451" y="3434935"/>
-            <a:ext cx="4824549" cy="3423065"/>
-          </a:xfrm>
-          <a:prstGeom prst="rect">
-            <a:avLst/>
-          </a:prstGeom>
-        </p:spPr>
-      </p:pic>
-      <p:sp>
-        <p:nvSpPr>
-          <p:cNvPr id="4" name="CaixaDeTexto 3">
-            <a:extLst>
-              <a:ext uri="{FF2B5EF4-FFF2-40B4-BE49-F238E27FC236}">
-                <a16:creationId xmlns:a16="http://schemas.microsoft.com/office/drawing/2014/main" id="{FE989C62-5914-45D9-B2FF-7FB8E76D6324}"/>
-              </a:ext>
-            </a:extLst>
-          </p:cNvPr>
-          <p:cNvSpPr txBox="1"/>
-          <p:nvPr/>
-        </p:nvSpPr>
-        <p:spPr>
-          <a:xfrm>
-            <a:off x="838200" y="2274838"/>
-            <a:ext cx="5995851" cy="2369880"/>
-          </a:xfrm>
-          <a:prstGeom prst="rect">
-            <a:avLst/>
-          </a:prstGeom>
-          <a:noFill/>
-        </p:spPr>
-        <p:txBody>
-          <a:bodyPr wrap="square" rtlCol="0">
-            <a:spAutoFit/>
-          </a:bodyPr>
-          <a:lstStyle/>
-          <a:p>
-            <a:pPr marL="285750" indent="-285750">
-              <a:buClr>
-                <a:srgbClr val="4772FF"/>
-              </a:buClr>
-              <a:buSzPct val="80000"/>
-              <a:buFont typeface="Wingdings" panose="05000000000000000000" pitchFamily="2" charset="2"/>
-              <a:buChar char="Ø"/>
-            </a:pPr>
-            <a:r>
-              <a:rPr lang="pt-BR" sz="2400" dirty="0">
-                <a:latin typeface="Bariol Bold" panose="02000506040000020003" pitchFamily="2" charset="0"/>
-              </a:rPr>
-              <a:t>Grandes fluxos de pessoas atrapalhando rotas</a:t>
-            </a:r>
-          </a:p>
-          <a:p>
-            <a:pPr>
-              <a:buClr>
-                <a:srgbClr val="4772FF"/>
-              </a:buClr>
-              <a:buSzPct val="80000"/>
-            </a:pPr>
-            <a:endParaRPr lang="pt-BR" sz="2400" dirty="0">
-              <a:latin typeface="Bariol Bold" panose="02000506040000020003" pitchFamily="2" charset="0"/>
-            </a:endParaRPr>
-          </a:p>
-          <a:p>
-            <a:pPr marL="285750" indent="-285750">
-              <a:buClr>
-                <a:srgbClr val="4772FF"/>
-              </a:buClr>
-              <a:buSzPct val="80000"/>
-              <a:buFont typeface="Wingdings" panose="05000000000000000000" pitchFamily="2" charset="2"/>
-              <a:buChar char="Ø"/>
-            </a:pPr>
-            <a:r>
-              <a:rPr lang="pt-BR" sz="2400" dirty="0">
-                <a:latin typeface="Bariol Bold" panose="02000506040000020003" pitchFamily="2" charset="0"/>
-              </a:rPr>
-              <a:t>Superlotação é a maior reclamação dos usuários do Metrô e da CPTM.</a:t>
-            </a:r>
-          </a:p>
-          <a:p>
-            <a:pPr>
-              <a:buClr>
-                <a:srgbClr val="4772FF"/>
-              </a:buClr>
-              <a:buSzPct val="80000"/>
-            </a:pPr>
-            <a:r>
-              <a:rPr lang="pt-BR" sz="2400" dirty="0">
-                <a:latin typeface="Bariol Bold" panose="02000506040000020003" pitchFamily="2" charset="0"/>
-              </a:rPr>
-              <a:t>                                                     </a:t>
-            </a:r>
-            <a:r>
-              <a:rPr lang="pt-BR" sz="2800" dirty="0">
-                <a:latin typeface="Bariol Bold" panose="02000506040000020003" pitchFamily="2" charset="0"/>
-              </a:rPr>
-              <a:t> </a:t>
-            </a:r>
-            <a:r>
-              <a:rPr lang="pt-BR" sz="2400" dirty="0">
-                <a:solidFill>
-                  <a:schemeClr val="tx1">
-                    <a:lumMod val="85000"/>
-                    <a:lumOff val="15000"/>
-                  </a:schemeClr>
-                </a:solidFill>
-                <a:latin typeface="Bariol Bold" panose="02000506040000020003" pitchFamily="2" charset="0"/>
-              </a:rPr>
-              <a:t>- Procon</a:t>
-            </a:r>
-            <a:endParaRPr lang="pt-BR" sz="2400" dirty="0">
-              <a:latin typeface="Bariol Bold" panose="02000506040000020003" pitchFamily="2" charset="0"/>
-            </a:endParaRPr>
-          </a:p>
-        </p:txBody>
-      </p:sp>
-    </p:spTree>
-    <p:extLst>
-      <p:ext uri="{BB962C8B-B14F-4D97-AF65-F5344CB8AC3E}">
-        <p14:creationId xmlns:p14="http://schemas.microsoft.com/office/powerpoint/2010/main" val="1488327079"/>
-      </p:ext>
-    </p:extLst>
-  </p:cSld>
-  <p:clrMapOvr>
-    <a:masterClrMapping/>
-  </p:clrMapOvr>
-  <p:transition>
-    <p:fade/>
-  </p:transition>
-  <p:timing>
-    <p:tnLst>
-      <p:par>
-        <p:cTn id="1" dur="indefinite" restart="never" nodeType="tmRoot">
-          <p:childTnLst>
-            <p:seq concurrent="1" nextAc="seek">
-              <p:cTn id="2" dur="indefinite" nodeType="mainSeq">
-                <p:childTnLst>
-                  <p:par>
-                    <p:cTn id="3" fill="hold">
-                      <p:stCondLst>
-                        <p:cond delay="indefinite"/>
-                        <p:cond evt="onBegin" delay="0">
-                          <p:tn val="2"/>
-                        </p:cond>
-                      </p:stCondLst>
-                      <p:childTnLst>
-                        <p:par>
-                          <p:cTn id="4" fill="hold">
-                            <p:stCondLst>
-                              <p:cond delay="0"/>
-                            </p:stCondLst>
-                            <p:childTnLst>
-                              <p:par>
-                                <p:cTn id="5" presetID="10" presetClass="entr" presetSubtype="0" fill="hold" grpId="0" nodeType="afterEffect">
-                                  <p:stCondLst>
-                                    <p:cond delay="0"/>
-                                  </p:stCondLst>
-                                  <p:childTnLst>
-                                    <p:set>
-                                      <p:cBhvr>
-                                        <p:cTn id="6" dur="1" fill="hold">
-                                          <p:stCondLst>
-                                            <p:cond delay="0"/>
-                                          </p:stCondLst>
-                                        </p:cTn>
-                                        <p:tgtEl>
-                                          <p:spTgt spid="4">
-                                            <p:txEl>
-                                              <p:pRg st="0" end="0"/>
-                                            </p:txEl>
-                                          </p:spTgt>
-                                        </p:tgtEl>
-                                        <p:attrNameLst>
-                                          <p:attrName>style.visibility</p:attrName>
-                                        </p:attrNameLst>
-                                      </p:cBhvr>
-                                      <p:to>
-                                        <p:strVal val="visible"/>
-                                      </p:to>
-                                    </p:set>
-                                    <p:animEffect transition="in" filter="fade">
-                                      <p:cBhvr>
-                                        <p:cTn id="7" dur="500"/>
-                                        <p:tgtEl>
-                                          <p:spTgt spid="4">
-                                            <p:txEl>
-                                              <p:pRg st="0" end="0"/>
-                                            </p:txEl>
-                                          </p:spTgt>
-                                        </p:tgtEl>
-                                      </p:cBhvr>
-                                    </p:animEffect>
-                                  </p:childTnLst>
-                                </p:cTn>
-                              </p:par>
-                              <p:par>
-                                <p:cTn id="8" presetID="10" presetClass="entr" presetSubtype="0" fill="hold" nodeType="withEffect">
-                                  <p:stCondLst>
-                                    <p:cond delay="0"/>
-                                  </p:stCondLst>
-                                  <p:childTnLst>
-                                    <p:set>
-                                      <p:cBhvr>
-                                        <p:cTn id="9" dur="1" fill="hold">
-                                          <p:stCondLst>
-                                            <p:cond delay="0"/>
-                                          </p:stCondLst>
-                                        </p:cTn>
-                                        <p:tgtEl>
-                                          <p:spTgt spid="6"/>
-                                        </p:tgtEl>
-                                        <p:attrNameLst>
-                                          <p:attrName>style.visibility</p:attrName>
-                                        </p:attrNameLst>
-                                      </p:cBhvr>
-                                      <p:to>
-                                        <p:strVal val="visible"/>
-                                      </p:to>
-                                    </p:set>
-                                    <p:animEffect transition="in" filter="fade">
-                                      <p:cBhvr>
-                                        <p:cTn id="10" dur="500"/>
-                                        <p:tgtEl>
-                                          <p:spTgt spid="6"/>
-                                        </p:tgtEl>
-                                      </p:cBhvr>
-                                    </p:animEffect>
-                                  </p:childTnLst>
-                                </p:cTn>
-                              </p:par>
-                            </p:childTnLst>
-                          </p:cTn>
-                        </p:par>
-                      </p:childTnLst>
-                    </p:cTn>
-                  </p:par>
-                </p:childTnLst>
-              </p:cTn>
-              <p:prevCondLst>
-                <p:cond evt="onPrev" delay="0">
-                  <p:tgtEl>
-                    <p:sldTgt/>
-                  </p:tgtEl>
-                </p:cond>
-              </p:prevCondLst>
-              <p:nextCondLst>
-                <p:cond evt="onNext" delay="0">
-                  <p:tgtEl>
-                    <p:sldTgt/>
-                  </p:tgtEl>
-                </p:cond>
-              </p:nextCondLst>
-            </p:seq>
-          </p:childTnLst>
-        </p:cTn>
-      </p:par>
-    </p:tnLst>
-    <p:bldLst>
-      <p:bldP spid="4" grpId="0" uiExpand="1" build="allAtOnce"/>
-    </p:bldLst>
-  </p:timing>
-</p:sld>
-</file>
-
-<file path=ppt/slides/slide7.xml><?xml version="1.0" encoding="utf-8"?>
-<p:sld xmlns:a="http://schemas.openxmlformats.org/drawingml/2006/main" xmlns:r="http://schemas.openxmlformats.org/officeDocument/2006/relationships" xmlns:p="http://schemas.openxmlformats.org/presentationml/2006/main">
-  <p:cSld>
-    <p:spTree>
-      <p:nvGrpSpPr>
-        <p:cNvPr id="1" name=""/>
-        <p:cNvGrpSpPr/>
-        <p:nvPr/>
-      </p:nvGrpSpPr>
-      <p:grpSpPr>
-        <a:xfrm>
-          <a:off x="0" y="0"/>
-          <a:ext cx="0" cy="0"/>
-          <a:chOff x="0" y="0"/>
-          <a:chExt cx="0" cy="0"/>
-        </a:xfrm>
-      </p:grpSpPr>
-      <p:sp>
-        <p:nvSpPr>
-          <p:cNvPr id="2" name="Título 1">
-            <a:extLst>
-              <a:ext uri="{FF2B5EF4-FFF2-40B4-BE49-F238E27FC236}">
-                <a16:creationId xmlns:a16="http://schemas.microsoft.com/office/drawing/2014/main" id="{99F76FBE-1BC2-4EE6-B90A-22263BF7BDCD}"/>
-              </a:ext>
-            </a:extLst>
-          </p:cNvPr>
-          <p:cNvSpPr>
-            <a:spLocks noGrp="1"/>
-          </p:cNvSpPr>
-          <p:nvPr>
-            <p:ph type="title"/>
-          </p:nvPr>
-        </p:nvSpPr>
-        <p:spPr/>
-        <p:txBody>
-          <a:bodyPr/>
-          <a:lstStyle/>
-          <a:p>
-            <a:r>
-              <a:rPr lang="pt-BR" dirty="0">
-                <a:solidFill>
-                  <a:schemeClr val="tx1">
-                    <a:lumMod val="75000"/>
-                    <a:lumOff val="25000"/>
-                  </a:schemeClr>
-                </a:solidFill>
-                <a:latin typeface="Bariol Bold" panose="02000506040000020003" pitchFamily="2" charset="0"/>
-              </a:rPr>
-              <a:t>Solução Proposta</a:t>
-            </a:r>
-          </a:p>
-        </p:txBody>
-      </p:sp>
-      <p:pic>
-        <p:nvPicPr>
-          <p:cNvPr id="3" name="Imagem 2" descr="Uma imagem contendo texto, desenho&#10;&#10;Descrição gerada automaticamente">
-            <a:extLst>
-              <a:ext uri="{FF2B5EF4-FFF2-40B4-BE49-F238E27FC236}">
-                <a16:creationId xmlns:a16="http://schemas.microsoft.com/office/drawing/2014/main" id="{CB80E98D-A3E9-4C8F-95A5-D3B437CD7F15}"/>
-              </a:ext>
-            </a:extLst>
-          </p:cNvPr>
-          <p:cNvPicPr>
-            <a:picLocks noChangeAspect="1"/>
-          </p:cNvPicPr>
-          <p:nvPr/>
-        </p:nvPicPr>
-        <p:blipFill>
-          <a:blip r:embed="rId2" cstate="hqprint">
-            <a:extLst>
-              <a:ext uri="{28A0092B-C50C-407E-A947-70E740481C1C}">
-                <a14:useLocalDpi xmlns:a14="http://schemas.microsoft.com/office/drawing/2010/main" val="0"/>
-              </a:ext>
-            </a:extLst>
-          </a:blip>
-          <a:stretch>
-            <a:fillRect/>
-          </a:stretch>
-        </p:blipFill>
-        <p:spPr>
-          <a:xfrm>
-            <a:off x="11371740" y="365125"/>
-            <a:ext cx="599846" cy="535577"/>
-          </a:xfrm>
-          <a:prstGeom prst="rect">
-            <a:avLst/>
-          </a:prstGeom>
-        </p:spPr>
-      </p:pic>
-      <p:pic>
-        <p:nvPicPr>
-          <p:cNvPr id="5" name="Imagem 4" descr="Uma imagem contendo homem, atletismo, mulher, em pé&#10;&#10;Descrição gerada automaticamente">
-            <a:extLst>
-              <a:ext uri="{FF2B5EF4-FFF2-40B4-BE49-F238E27FC236}">
-                <a16:creationId xmlns:a16="http://schemas.microsoft.com/office/drawing/2014/main" id="{135FDF74-BA6A-44A7-8374-E4D87D8811B6}"/>
-              </a:ext>
-            </a:extLst>
-          </p:cNvPr>
-          <p:cNvPicPr>
-            <a:picLocks noChangeAspect="1"/>
-          </p:cNvPicPr>
-          <p:nvPr/>
-        </p:nvPicPr>
-        <p:blipFill>
-          <a:blip r:embed="rId3">
-            <a:extLst>
-              <a:ext uri="{28A0092B-C50C-407E-A947-70E740481C1C}">
-                <a14:useLocalDpi xmlns:a14="http://schemas.microsoft.com/office/drawing/2010/main" val="0"/>
-              </a:ext>
-            </a:extLst>
-          </a:blip>
-          <a:stretch>
-            <a:fillRect/>
-          </a:stretch>
-        </p:blipFill>
-        <p:spPr>
-          <a:xfrm>
-            <a:off x="7148569" y="3429000"/>
-            <a:ext cx="5043431" cy="3429000"/>
-          </a:xfrm>
-          <a:prstGeom prst="rect">
-            <a:avLst/>
-          </a:prstGeom>
-        </p:spPr>
-      </p:pic>
-      <p:sp>
-        <p:nvSpPr>
-          <p:cNvPr id="6" name="CaixaDeTexto 5">
-            <a:extLst>
-              <a:ext uri="{FF2B5EF4-FFF2-40B4-BE49-F238E27FC236}">
-                <a16:creationId xmlns:a16="http://schemas.microsoft.com/office/drawing/2014/main" id="{E3ACB187-7D89-4633-A76D-27ED6A650CB3}"/>
-              </a:ext>
-            </a:extLst>
-          </p:cNvPr>
-          <p:cNvSpPr txBox="1"/>
-          <p:nvPr/>
-        </p:nvSpPr>
-        <p:spPr>
-          <a:xfrm>
-            <a:off x="838200" y="2274838"/>
-            <a:ext cx="5995851" cy="3046988"/>
-          </a:xfrm>
-          <a:prstGeom prst="rect">
-            <a:avLst/>
-          </a:prstGeom>
-          <a:noFill/>
-        </p:spPr>
-        <p:txBody>
-          <a:bodyPr wrap="square" rtlCol="0">
-            <a:spAutoFit/>
-          </a:bodyPr>
-          <a:lstStyle/>
-          <a:p>
-            <a:pPr marL="285750" indent="-285750">
-              <a:buClr>
-                <a:srgbClr val="4772FF"/>
-              </a:buClr>
-              <a:buSzPct val="80000"/>
-              <a:buFont typeface="Wingdings" panose="05000000000000000000" pitchFamily="2" charset="2"/>
-              <a:buChar char="Ø"/>
-            </a:pPr>
-            <a:r>
-              <a:rPr lang="pt-BR" sz="2400" dirty="0">
-                <a:latin typeface="Bariol Bold" panose="02000506040000020003" pitchFamily="2" charset="0"/>
-              </a:rPr>
-              <a:t>Sistema Web</a:t>
-            </a:r>
-          </a:p>
-          <a:p>
-            <a:pPr>
-              <a:buClr>
-                <a:srgbClr val="4772FF"/>
-              </a:buClr>
-              <a:buSzPct val="80000"/>
-            </a:pPr>
-            <a:endParaRPr lang="pt-BR" sz="2400" dirty="0">
-              <a:latin typeface="Bariol Bold" panose="02000506040000020003" pitchFamily="2" charset="0"/>
-            </a:endParaRPr>
-          </a:p>
-          <a:p>
-            <a:pPr marL="342900" indent="-342900">
-              <a:buClr>
-                <a:srgbClr val="4772FF"/>
-              </a:buClr>
-              <a:buSzPct val="80000"/>
-              <a:buFont typeface="Wingdings" panose="05000000000000000000" pitchFamily="2" charset="2"/>
-              <a:buChar char="Ø"/>
-            </a:pPr>
-            <a:r>
-              <a:rPr lang="pt-BR" sz="2400" dirty="0">
-                <a:latin typeface="Bariol Bold" panose="02000506040000020003" pitchFamily="2" charset="0"/>
-              </a:rPr>
-              <a:t>Diversos tipos de consultas</a:t>
-            </a:r>
-          </a:p>
-          <a:p>
-            <a:pPr marL="342900" indent="-342900">
-              <a:buClr>
-                <a:srgbClr val="4772FF"/>
-              </a:buClr>
-              <a:buSzPct val="80000"/>
-              <a:buFont typeface="Wingdings" panose="05000000000000000000" pitchFamily="2" charset="2"/>
-              <a:buChar char="Ø"/>
-            </a:pPr>
-            <a:endParaRPr lang="pt-BR" sz="2400" dirty="0">
-              <a:latin typeface="Bariol Bold" panose="02000506040000020003" pitchFamily="2" charset="0"/>
-            </a:endParaRPr>
-          </a:p>
-          <a:p>
-            <a:pPr marL="342900" indent="-342900">
-              <a:buClr>
-                <a:srgbClr val="4772FF"/>
-              </a:buClr>
-              <a:buSzPct val="80000"/>
-              <a:buFont typeface="Wingdings" panose="05000000000000000000" pitchFamily="2" charset="2"/>
-              <a:buChar char="Ø"/>
-            </a:pPr>
-            <a:r>
-              <a:rPr lang="pt-BR" sz="2400" dirty="0">
-                <a:latin typeface="Bariol Bold" panose="02000506040000020003" pitchFamily="2" charset="0"/>
-              </a:rPr>
-              <a:t>Possibilidade de ver rotas alternativas</a:t>
-            </a:r>
-          </a:p>
-          <a:p>
-            <a:pPr marL="342900" indent="-342900">
-              <a:buClr>
-                <a:srgbClr val="4772FF"/>
-              </a:buClr>
-              <a:buSzPct val="80000"/>
-              <a:buFont typeface="Wingdings" panose="05000000000000000000" pitchFamily="2" charset="2"/>
-              <a:buChar char="Ø"/>
-            </a:pPr>
-            <a:endParaRPr lang="pt-BR" sz="2400" dirty="0">
-              <a:latin typeface="Bariol Bold" panose="02000506040000020003" pitchFamily="2" charset="0"/>
-            </a:endParaRPr>
-          </a:p>
-          <a:p>
-            <a:pPr marL="342900" indent="-342900">
-              <a:buClr>
-                <a:srgbClr val="4772FF"/>
-              </a:buClr>
-              <a:buSzPct val="80000"/>
-              <a:buFont typeface="Wingdings" panose="05000000000000000000" pitchFamily="2" charset="2"/>
-              <a:buChar char="Ø"/>
-            </a:pPr>
-            <a:r>
-              <a:rPr lang="pt-BR" sz="2400" dirty="0">
-                <a:latin typeface="Bariol Bold" panose="02000506040000020003" pitchFamily="2" charset="0"/>
-              </a:rPr>
-              <a:t>Aproveitar espaços para comércios e propagandas</a:t>
-            </a:r>
-          </a:p>
-        </p:txBody>
-      </p:sp>
-    </p:spTree>
-    <p:extLst>
-      <p:ext uri="{BB962C8B-B14F-4D97-AF65-F5344CB8AC3E}">
-        <p14:creationId xmlns:p14="http://schemas.microsoft.com/office/powerpoint/2010/main" val="1269980606"/>
-      </p:ext>
-    </p:extLst>
-  </p:cSld>
-  <p:clrMapOvr>
-    <a:masterClrMapping/>
-  </p:clrMapOvr>
-  <p:transition>
-    <p:fade/>
-  </p:transition>
-  <p:timing>
-    <p:tnLst>
-      <p:par>
-        <p:cTn id="1" dur="indefinite" restart="never" nodeType="tmRoot">
-          <p:childTnLst>
-            <p:seq concurrent="1" nextAc="seek">
-              <p:cTn id="2" dur="indefinite" nodeType="mainSeq">
-                <p:childTnLst>
-                  <p:par>
-                    <p:cTn id="3" fill="hold">
-                      <p:stCondLst>
-                        <p:cond delay="indefinite"/>
-                        <p:cond evt="onBegin" delay="0">
-                          <p:tn val="2"/>
-                        </p:cond>
-                      </p:stCondLst>
-                      <p:childTnLst>
-                        <p:par>
-                          <p:cTn id="4" fill="hold">
-                            <p:stCondLst>
-                              <p:cond delay="0"/>
-                            </p:stCondLst>
-                            <p:childTnLst>
-                              <p:par>
-                                <p:cTn id="5" presetID="10" presetClass="entr" presetSubtype="0" fill="hold" grpId="0" nodeType="afterEffect">
-                                  <p:stCondLst>
-                                    <p:cond delay="0"/>
-                                  </p:stCondLst>
-                                  <p:childTnLst>
-                                    <p:set>
-                                      <p:cBhvr>
-                                        <p:cTn id="6" dur="1" fill="hold">
-                                          <p:stCondLst>
-                                            <p:cond delay="0"/>
-                                          </p:stCondLst>
-                                        </p:cTn>
-                                        <p:tgtEl>
-                                          <p:spTgt spid="6">
-                                            <p:txEl>
-                                              <p:pRg st="0" end="0"/>
-                                            </p:txEl>
-                                          </p:spTgt>
-                                        </p:tgtEl>
-                                        <p:attrNameLst>
-                                          <p:attrName>style.visibility</p:attrName>
-                                        </p:attrNameLst>
-                                      </p:cBhvr>
-                                      <p:to>
-                                        <p:strVal val="visible"/>
-                                      </p:to>
-                                    </p:set>
-                                    <p:animEffect transition="in" filter="fade">
-                                      <p:cBhvr>
-                                        <p:cTn id="7" dur="500"/>
-                                        <p:tgtEl>
-                                          <p:spTgt spid="6">
-                                            <p:txEl>
-                                              <p:pRg st="0" end="0"/>
-                                            </p:txEl>
-                                          </p:spTgt>
-                                        </p:tgtEl>
-                                      </p:cBhvr>
-                                    </p:animEffect>
-                                  </p:childTnLst>
-                                </p:cTn>
-                              </p:par>
-                            </p:childTnLst>
-                          </p:cTn>
-                        </p:par>
-                        <p:par>
-                          <p:cTn id="8" fill="hold">
-                            <p:stCondLst>
-                              <p:cond delay="500"/>
-                            </p:stCondLst>
-                            <p:childTnLst>
-                              <p:par>
-                                <p:cTn id="9" presetID="10" presetClass="entr" presetSubtype="0" fill="hold" grpId="0" nodeType="afterEffect">
-                                  <p:stCondLst>
-                                    <p:cond delay="0"/>
-                                  </p:stCondLst>
-                                  <p:childTnLst>
-                                    <p:set>
-                                      <p:cBhvr>
-                                        <p:cTn id="10" dur="1" fill="hold">
-                                          <p:stCondLst>
-                                            <p:cond delay="0"/>
-                                          </p:stCondLst>
-                                        </p:cTn>
-                                        <p:tgtEl>
-                                          <p:spTgt spid="6">
-                                            <p:txEl>
-                                              <p:pRg st="2" end="2"/>
-                                            </p:txEl>
-                                          </p:spTgt>
-                                        </p:tgtEl>
-                                        <p:attrNameLst>
-                                          <p:attrName>style.visibility</p:attrName>
-                                        </p:attrNameLst>
-                                      </p:cBhvr>
-                                      <p:to>
-                                        <p:strVal val="visible"/>
-                                      </p:to>
-                                    </p:set>
-                                    <p:animEffect transition="in" filter="fade">
-                                      <p:cBhvr>
-                                        <p:cTn id="11" dur="500"/>
-                                        <p:tgtEl>
-                                          <p:spTgt spid="6">
-                                            <p:txEl>
-                                              <p:pRg st="2" end="2"/>
-                                            </p:txEl>
-                                          </p:spTgt>
-                                        </p:tgtEl>
-                                      </p:cBhvr>
-                                    </p:animEffect>
-                                  </p:childTnLst>
-                                </p:cTn>
-                              </p:par>
-                            </p:childTnLst>
-                          </p:cTn>
-                        </p:par>
-                        <p:par>
-                          <p:cTn id="12" fill="hold">
-                            <p:stCondLst>
-                              <p:cond delay="1000"/>
-                            </p:stCondLst>
-                            <p:childTnLst>
-                              <p:par>
-                                <p:cTn id="13" presetID="10" presetClass="entr" presetSubtype="0" fill="hold" grpId="0" nodeType="afterEffect">
-                                  <p:stCondLst>
-                                    <p:cond delay="0"/>
-                                  </p:stCondLst>
-                                  <p:childTnLst>
-                                    <p:set>
-                                      <p:cBhvr>
-                                        <p:cTn id="14" dur="1" fill="hold">
-                                          <p:stCondLst>
-                                            <p:cond delay="0"/>
-                                          </p:stCondLst>
-                                        </p:cTn>
-                                        <p:tgtEl>
-                                          <p:spTgt spid="6">
-                                            <p:txEl>
-                                              <p:pRg st="4" end="4"/>
-                                            </p:txEl>
-                                          </p:spTgt>
-                                        </p:tgtEl>
-                                        <p:attrNameLst>
-                                          <p:attrName>style.visibility</p:attrName>
-                                        </p:attrNameLst>
-                                      </p:cBhvr>
-                                      <p:to>
-                                        <p:strVal val="visible"/>
-                                      </p:to>
-                                    </p:set>
-                                    <p:animEffect transition="in" filter="fade">
-                                      <p:cBhvr>
-                                        <p:cTn id="15" dur="500"/>
-                                        <p:tgtEl>
-                                          <p:spTgt spid="6">
-                                            <p:txEl>
-                                              <p:pRg st="4" end="4"/>
-                                            </p:txEl>
-                                          </p:spTgt>
-                                        </p:tgtEl>
-                                      </p:cBhvr>
-                                    </p:animEffect>
-                                  </p:childTnLst>
-                                </p:cTn>
-                              </p:par>
-                            </p:childTnLst>
-                          </p:cTn>
-                        </p:par>
-                      </p:childTnLst>
-                    </p:cTn>
-                  </p:par>
-                  <p:par>
-                    <p:cTn id="16" fill="hold">
-                      <p:stCondLst>
-                        <p:cond delay="indefinite"/>
-                      </p:stCondLst>
-                      <p:childTnLst>
-                        <p:par>
-                          <p:cTn id="17" fill="hold">
-                            <p:stCondLst>
-                              <p:cond delay="0"/>
-                            </p:stCondLst>
-                            <p:childTnLst>
-                              <p:par>
-                                <p:cTn id="18" presetID="10" presetClass="entr" presetSubtype="0" fill="hold" grpId="0" nodeType="clickEffect">
-                                  <p:stCondLst>
-                                    <p:cond delay="0"/>
-                                  </p:stCondLst>
-                                  <p:childTnLst>
-                                    <p:set>
-                                      <p:cBhvr>
-                                        <p:cTn id="19" dur="1" fill="hold">
-                                          <p:stCondLst>
-                                            <p:cond delay="0"/>
-                                          </p:stCondLst>
-                                        </p:cTn>
-                                        <p:tgtEl>
-                                          <p:spTgt spid="6">
-                                            <p:txEl>
-                                              <p:pRg st="6" end="6"/>
-                                            </p:txEl>
-                                          </p:spTgt>
-                                        </p:tgtEl>
-                                        <p:attrNameLst>
-                                          <p:attrName>style.visibility</p:attrName>
-                                        </p:attrNameLst>
-                                      </p:cBhvr>
-                                      <p:to>
-                                        <p:strVal val="visible"/>
-                                      </p:to>
-                                    </p:set>
-                                    <p:animEffect transition="in" filter="fade">
-                                      <p:cBhvr>
-                                        <p:cTn id="20" dur="500"/>
-                                        <p:tgtEl>
-                                          <p:spTgt spid="6">
-                                            <p:txEl>
-                                              <p:pRg st="6" end="6"/>
-                                            </p:txEl>
-                                          </p:spTgt>
-                                        </p:tgtEl>
-                                      </p:cBhvr>
-                                    </p:animEffect>
-                                  </p:childTnLst>
-                                </p:cTn>
-                              </p:par>
-                            </p:childTnLst>
-                          </p:cTn>
-                        </p:par>
-                        <p:par>
-                          <p:cTn id="21" fill="hold">
-                            <p:stCondLst>
-                              <p:cond delay="500"/>
-                            </p:stCondLst>
-                            <p:childTnLst>
-                              <p:par>
-                                <p:cTn id="22" presetID="10" presetClass="entr" presetSubtype="0" fill="hold" nodeType="afterEffect">
-                                  <p:stCondLst>
-                                    <p:cond delay="0"/>
-                                  </p:stCondLst>
-                                  <p:childTnLst>
-                                    <p:set>
-                                      <p:cBhvr>
-                                        <p:cTn id="23" dur="1" fill="hold">
-                                          <p:stCondLst>
-                                            <p:cond delay="0"/>
-                                          </p:stCondLst>
-                                        </p:cTn>
-                                        <p:tgtEl>
-                                          <p:spTgt spid="5"/>
-                                        </p:tgtEl>
-                                        <p:attrNameLst>
-                                          <p:attrName>style.visibility</p:attrName>
-                                        </p:attrNameLst>
-                                      </p:cBhvr>
-                                      <p:to>
-                                        <p:strVal val="visible"/>
-                                      </p:to>
-                                    </p:set>
-                                    <p:animEffect transition="in" filter="fade">
-                                      <p:cBhvr>
-                                        <p:cTn id="24" dur="500"/>
-                                        <p:tgtEl>
-                                          <p:spTgt spid="5"/>
-                                        </p:tgtEl>
-                                      </p:cBhvr>
-                                    </p:animEffect>
-                                  </p:childTnLst>
-                                </p:cTn>
-                              </p:par>
-                            </p:childTnLst>
-                          </p:cTn>
-                        </p:par>
-                      </p:childTnLst>
-                    </p:cTn>
-                  </p:par>
-                </p:childTnLst>
-              </p:cTn>
-              <p:prevCondLst>
-                <p:cond evt="onPrev" delay="0">
-                  <p:tgtEl>
-                    <p:sldTgt/>
-                  </p:tgtEl>
-                </p:cond>
-              </p:prevCondLst>
-              <p:nextCondLst>
-                <p:cond evt="onNext" delay="0">
-                  <p:tgtEl>
-                    <p:sldTgt/>
-                  </p:tgtEl>
-                </p:cond>
-              </p:nextCondLst>
-            </p:seq>
-          </p:childTnLst>
-        </p:cTn>
-      </p:par>
-    </p:tnLst>
-    <p:bldLst>
-      <p:bldP spid="6" grpId="0" uiExpand="1" build="p"/>
-    </p:bldLst>
-  </p:timing>
-</p:sld>
-</file>
-
-<file path=ppt/slides/slide8.xml><?xml version="1.0" encoding="utf-8"?>
-<p:sld xmlns:a="http://schemas.openxmlformats.org/drawingml/2006/main" xmlns:r="http://schemas.openxmlformats.org/officeDocument/2006/relationships" xmlns:p="http://schemas.openxmlformats.org/presentationml/2006/main">
-  <p:cSld>
-    <p:bg>
-      <p:bgPr>
-        <a:solidFill>
-          <a:schemeClr val="bg1"/>
-        </a:solidFill>
-        <a:effectLst/>
-      </p:bgPr>
-    </p:bg>
-    <p:spTree>
-      <p:nvGrpSpPr>
-        <p:cNvPr id="1" name=""/>
-        <p:cNvGrpSpPr/>
-        <p:nvPr/>
-      </p:nvGrpSpPr>
-      <p:grpSpPr>
-        <a:xfrm>
-          <a:off x="0" y="0"/>
-          <a:ext cx="0" cy="0"/>
-          <a:chOff x="0" y="0"/>
-          <a:chExt cx="0" cy="0"/>
-        </a:xfrm>
-      </p:grpSpPr>
-      <p:sp>
-        <p:nvSpPr>
-          <p:cNvPr id="16" name="Rectangle 15">
-            <a:extLst>
-              <a:ext uri="{FF2B5EF4-FFF2-40B4-BE49-F238E27FC236}">
-                <a16:creationId xmlns:a16="http://schemas.microsoft.com/office/drawing/2014/main" id="{B4D3D850-2041-4B7C-AED9-54DA385B14F7}"/>
-              </a:ext>
-              <a:ext uri="{C183D7F6-B498-43B3-948B-1728B52AA6E4}">
-                <adec:decorative xmlns:adec="http://schemas.microsoft.com/office/drawing/2017/decorative" xmlns="" val="1"/>
-              </a:ext>
-            </a:extLst>
-          </p:cNvPr>
-          <p:cNvSpPr>
-            <a:spLocks noGrp="1" noRot="1" noChangeAspect="1" noMove="1" noResize="1" noEditPoints="1" noAdjustHandles="1" noChangeArrowheads="1" noChangeShapeType="1" noTextEdit="1"/>
-          </p:cNvSpPr>
-          <p:nvPr>
-            <p:extLst>
-              <p:ext uri="{386F3935-93C4-4BCD-93E2-E3B085C9AB24}">
-                <p16:designElem xmlns:p16="http://schemas.microsoft.com/office/powerpoint/2015/main" val="1"/>
-              </p:ext>
-            </p:extLst>
-          </p:nvPr>
-        </p:nvSpPr>
-        <p:spPr>
-          <a:xfrm>
-            <a:off x="0" y="0"/>
-            <a:ext cx="12192000" cy="6858000"/>
-          </a:xfrm>
-          <a:prstGeom prst="rect">
-            <a:avLst/>
-          </a:prstGeom>
-          <a:solidFill>
-            <a:schemeClr val="bg2"/>
-          </a:solidFill>
-          <a:ln>
-            <a:noFill/>
-          </a:ln>
-        </p:spPr>
-        <p:style>
-          <a:lnRef idx="2">
-            <a:schemeClr val="accent1">
-              <a:shade val="50000"/>
-            </a:schemeClr>
-          </a:lnRef>
-          <a:fillRef idx="1">
-            <a:schemeClr val="accent1"/>
-          </a:fillRef>
-          <a:effectRef idx="0">
-            <a:schemeClr val="accent1"/>
-          </a:effectRef>
-          <a:fontRef idx="minor">
-            <a:schemeClr val="lt1"/>
-          </a:fontRef>
-        </p:style>
-        <p:txBody>
-          <a:bodyPr rtlCol="0" anchor="ctr"/>
-          <a:lstStyle/>
-          <a:p>
-            <a:pPr algn="ctr"/>
-            <a:endParaRPr lang="en-US" dirty="0"/>
-          </a:p>
-        </p:txBody>
-      </p:sp>
-      <p:pic>
-        <p:nvPicPr>
-          <p:cNvPr id="5" name="Imagem 4" descr="Uma imagem contendo placar, desenho, relógio&#10;&#10;Descrição gerada automaticamente">
-            <a:extLst>
-              <a:ext uri="{FF2B5EF4-FFF2-40B4-BE49-F238E27FC236}">
-                <a16:creationId xmlns:a16="http://schemas.microsoft.com/office/drawing/2014/main" id="{5DF5D51C-359F-4617-A452-01B736753090}"/>
-              </a:ext>
-            </a:extLst>
-          </p:cNvPr>
-          <p:cNvPicPr>
-            <a:picLocks noChangeAspect="1"/>
-          </p:cNvPicPr>
-          <p:nvPr/>
-        </p:nvPicPr>
-        <p:blipFill rotWithShape="1">
-          <a:blip r:embed="rId2">
-            <a:extLst>
-              <a:ext uri="{28A0092B-C50C-407E-A947-70E740481C1C}">
-                <a14:useLocalDpi xmlns:a14="http://schemas.microsoft.com/office/drawing/2010/main" val="0"/>
-              </a:ext>
-            </a:extLst>
-          </a:blip>
-          <a:srcRect l="9796" r="1319" b="4"/>
-          <a:stretch/>
-        </p:blipFill>
-        <p:spPr>
-          <a:xfrm>
-            <a:off x="20" y="10"/>
-            <a:ext cx="6095980" cy="6857990"/>
-          </a:xfrm>
-          <a:prstGeom prst="rect">
-            <a:avLst/>
-          </a:prstGeom>
-        </p:spPr>
-      </p:pic>
-      <p:pic>
-        <p:nvPicPr>
-          <p:cNvPr id="11" name="Imagem 10" descr="Uma imagem contendo texto, placar&#10;&#10;Descrição gerada automaticamente">
-            <a:extLst>
-              <a:ext uri="{FF2B5EF4-FFF2-40B4-BE49-F238E27FC236}">
-                <a16:creationId xmlns:a16="http://schemas.microsoft.com/office/drawing/2014/main" id="{4DC099E3-271D-4053-AB28-D8157177161D}"/>
-              </a:ext>
-            </a:extLst>
-          </p:cNvPr>
-          <p:cNvPicPr>
-            <a:picLocks noChangeAspect="1"/>
-          </p:cNvPicPr>
-          <p:nvPr/>
-        </p:nvPicPr>
-        <p:blipFill rotWithShape="1">
-          <a:blip r:embed="rId3">
-            <a:extLst>
-              <a:ext uri="{28A0092B-C50C-407E-A947-70E740481C1C}">
-                <a14:useLocalDpi xmlns:a14="http://schemas.microsoft.com/office/drawing/2010/main" val="0"/>
-              </a:ext>
-            </a:extLst>
-          </a:blip>
-          <a:srcRect l="3614" r="7500" b="4"/>
-          <a:stretch/>
-        </p:blipFill>
-        <p:spPr>
-          <a:xfrm>
-            <a:off x="6096000" y="10"/>
-            <a:ext cx="6096000" cy="6857990"/>
-          </a:xfrm>
-          <a:prstGeom prst="rect">
-            <a:avLst/>
-          </a:prstGeom>
-        </p:spPr>
-      </p:pic>
-      <p:sp>
-        <p:nvSpPr>
-          <p:cNvPr id="18" name="Rectangle 17">
-            <a:extLst>
-              <a:ext uri="{FF2B5EF4-FFF2-40B4-BE49-F238E27FC236}">
-                <a16:creationId xmlns:a16="http://schemas.microsoft.com/office/drawing/2014/main" id="{B497CCB5-5FC2-473C-AFCC-2430CEF1DF71}"/>
-              </a:ext>
-              <a:ext uri="{C183D7F6-B498-43B3-948B-1728B52AA6E4}">
-                <adec:decorative xmlns:adec="http://schemas.microsoft.com/office/drawing/2017/decorative" xmlns="" val="1"/>
-              </a:ext>
-            </a:extLst>
-          </p:cNvPr>
-          <p:cNvSpPr>
-            <a:spLocks noGrp="1" noRot="1" noChangeAspect="1" noMove="1" noResize="1" noEditPoints="1" noAdjustHandles="1" noChangeArrowheads="1" noChangeShapeType="1" noTextEdit="1"/>
-          </p:cNvSpPr>
-          <p:nvPr>
-            <p:extLst>
-              <p:ext uri="{386F3935-93C4-4BCD-93E2-E3B085C9AB24}">
-                <p16:designElem xmlns:p16="http://schemas.microsoft.com/office/powerpoint/2015/main" val="1"/>
-              </p:ext>
-            </p:extLst>
-          </p:nvPr>
-        </p:nvSpPr>
-        <p:spPr>
-          <a:xfrm rot="2700000">
-            <a:off x="4409915" y="1742916"/>
-            <a:ext cx="3372170" cy="3372168"/>
-          </a:xfrm>
-          <a:prstGeom prst="rect">
-            <a:avLst/>
-          </a:prstGeom>
-          <a:solidFill>
-            <a:srgbClr val="FFFFFF"/>
-          </a:solidFill>
-          <a:ln>
-            <a:noFill/>
-          </a:ln>
-        </p:spPr>
-        <p:style>
-          <a:lnRef idx="2">
-            <a:schemeClr val="accent1">
-              <a:shade val="50000"/>
-            </a:schemeClr>
-          </a:lnRef>
-          <a:fillRef idx="1">
-            <a:schemeClr val="accent1"/>
-          </a:fillRef>
-          <a:effectRef idx="0">
-            <a:schemeClr val="accent1"/>
-          </a:effectRef>
-          <a:fontRef idx="minor">
-            <a:schemeClr val="lt1"/>
-          </a:fontRef>
-        </p:style>
-        <p:txBody>
-          <a:bodyPr rtlCol="0" anchor="ctr"/>
-          <a:lstStyle/>
-          <a:p>
-            <a:pPr algn="ctr"/>
-            <a:endParaRPr lang="en-US"/>
-          </a:p>
-        </p:txBody>
-      </p:sp>
-      <p:sp>
-        <p:nvSpPr>
-          <p:cNvPr id="20" name="Frame 19">
-            <a:extLst>
-              <a:ext uri="{FF2B5EF4-FFF2-40B4-BE49-F238E27FC236}">
-                <a16:creationId xmlns:a16="http://schemas.microsoft.com/office/drawing/2014/main" id="{599C8C75-BFDF-44E7-A028-EEB5EDD58817}"/>
-              </a:ext>
-              <a:ext uri="{C183D7F6-B498-43B3-948B-1728B52AA6E4}">
-                <adec:decorative xmlns:adec="http://schemas.microsoft.com/office/drawing/2017/decorative" xmlns="" val="1"/>
-              </a:ext>
-            </a:extLst>
-          </p:cNvPr>
-          <p:cNvSpPr>
-            <a:spLocks noGrp="1" noRot="1" noChangeAspect="1" noMove="1" noResize="1" noEditPoints="1" noAdjustHandles="1" noChangeArrowheads="1" noChangeShapeType="1" noTextEdit="1"/>
-          </p:cNvSpPr>
-          <p:nvPr>
-            <p:extLst>
-              <p:ext uri="{386F3935-93C4-4BCD-93E2-E3B085C9AB24}">
-                <p16:designElem xmlns:p16="http://schemas.microsoft.com/office/powerpoint/2015/main" val="1"/>
-              </p:ext>
-            </p:extLst>
-          </p:nvPr>
-        </p:nvSpPr>
-        <p:spPr>
-          <a:xfrm rot="2700000">
-            <a:off x="3971277" y="1304278"/>
-            <a:ext cx="4249446" cy="4249444"/>
-          </a:xfrm>
-          <a:prstGeom prst="frame">
-            <a:avLst>
-              <a:gd name="adj1" fmla="val 1195"/>
-            </a:avLst>
-          </a:prstGeom>
-          <a:solidFill>
-            <a:srgbClr val="FFFFFF">
-              <a:alpha val="60000"/>
-            </a:srgbClr>
-          </a:solidFill>
-          <a:ln>
-            <a:noFill/>
-          </a:ln>
-        </p:spPr>
-        <p:style>
-          <a:lnRef idx="2">
-            <a:schemeClr val="accent1">
-              <a:shade val="50000"/>
-            </a:schemeClr>
-          </a:lnRef>
-          <a:fillRef idx="1">
-            <a:schemeClr val="accent1"/>
-          </a:fillRef>
-          <a:effectRef idx="0">
-            <a:schemeClr val="accent1"/>
-          </a:effectRef>
-          <a:fontRef idx="minor">
-            <a:schemeClr val="lt1"/>
-          </a:fontRef>
-        </p:style>
-        <p:txBody>
-          <a:bodyPr rtlCol="0" anchor="ctr"/>
-          <a:lstStyle/>
-          <a:p>
-            <a:pPr algn="ctr"/>
-            <a:endParaRPr lang="en-US">
-              <a:solidFill>
-                <a:schemeClr val="tx1"/>
-              </a:solidFill>
-            </a:endParaRPr>
-          </a:p>
-        </p:txBody>
-      </p:sp>
-      <p:sp>
-        <p:nvSpPr>
-          <p:cNvPr id="2" name="Título 1">
-            <a:extLst>
-              <a:ext uri="{FF2B5EF4-FFF2-40B4-BE49-F238E27FC236}">
-                <a16:creationId xmlns:a16="http://schemas.microsoft.com/office/drawing/2014/main" id="{3D029D57-35BF-42EE-9D31-EAB20BE9EA4E}"/>
-              </a:ext>
-            </a:extLst>
-          </p:cNvPr>
-          <p:cNvSpPr>
-            <a:spLocks noGrp="1"/>
-          </p:cNvSpPr>
-          <p:nvPr>
-            <p:ph type="title"/>
-          </p:nvPr>
-        </p:nvSpPr>
-        <p:spPr>
-          <a:xfrm>
-            <a:off x="3795880" y="2675117"/>
-            <a:ext cx="4600239" cy="1507765"/>
-          </a:xfrm>
-          <a:noFill/>
-        </p:spPr>
-        <p:txBody>
-          <a:bodyPr vert="horz" lIns="91440" tIns="45720" rIns="91440" bIns="45720" rtlCol="0" anchor="ctr">
-            <a:normAutofit/>
-          </a:bodyPr>
-          <a:lstStyle/>
-          <a:p>
-            <a:pPr algn="ctr"/>
-            <a:r>
-              <a:rPr lang="en-US" sz="3600" kern="1200" dirty="0">
-                <a:solidFill>
-                  <a:srgbClr val="080808"/>
-                </a:solidFill>
-                <a:latin typeface="Bariol Bold" panose="02000506040000020003"/>
-              </a:rPr>
-              <a:t>Protótipo da dashboard</a:t>
-            </a:r>
-          </a:p>
-        </p:txBody>
-      </p:sp>
-    </p:spTree>
-    <p:extLst>
-      <p:ext uri="{BB962C8B-B14F-4D97-AF65-F5344CB8AC3E}">
-        <p14:creationId xmlns:p14="http://schemas.microsoft.com/office/powerpoint/2010/main" val="2809380215"/>
-      </p:ext>
-    </p:extLst>
-  </p:cSld>
-  <p:clrMapOvr>
-    <a:masterClrMapping/>
-  </p:clrMapOvr>
-  <p:transition>
-    <p:fade/>
-  </p:transition>
-  <p:timing>
-    <p:tnLst>
-      <p:par>
-        <p:cTn id="1" dur="indefinite" restart="never" nodeType="tmRoot"/>
-      </p:par>
-    </p:tnLst>
-  </p:timing>
-</p:sld>
-</file>
-
-<file path=ppt/slides/slide9.xml><?xml version="1.0" encoding="utf-8"?>
-<p:sld xmlns:a="http://schemas.openxmlformats.org/drawingml/2006/main" xmlns:r="http://schemas.openxmlformats.org/officeDocument/2006/relationships" xmlns:p="http://schemas.openxmlformats.org/presentationml/2006/main">
-  <p:cSld>
-    <p:spTree>
-      <p:nvGrpSpPr>
-        <p:cNvPr id="1" name=""/>
-        <p:cNvGrpSpPr/>
-        <p:nvPr/>
-      </p:nvGrpSpPr>
-      <p:grpSpPr>
-        <a:xfrm>
-          <a:off x="0" y="0"/>
-          <a:ext cx="0" cy="0"/>
-          <a:chOff x="0" y="0"/>
-          <a:chExt cx="0" cy="0"/>
-        </a:xfrm>
-      </p:grpSpPr>
-      <p:pic>
-        <p:nvPicPr>
-          <p:cNvPr id="2" name="Imagem 1"/>
-          <p:cNvPicPr>
-            <a:picLocks noChangeAspect="1"/>
-          </p:cNvPicPr>
-          <p:nvPr/>
-        </p:nvPicPr>
-        <p:blipFill>
-          <a:blip r:embed="rId2">
-            <a:extLst>
-              <a:ext uri="{28A0092B-C50C-407E-A947-70E740481C1C}">
-                <a14:useLocalDpi xmlns:a14="http://schemas.microsoft.com/office/drawing/2010/main" val="0"/>
-              </a:ext>
-            </a:extLst>
-          </a:blip>
-          <a:stretch>
-            <a:fillRect/>
-          </a:stretch>
-        </p:blipFill>
-        <p:spPr>
-          <a:xfrm>
-            <a:off x="0" y="0"/>
-            <a:ext cx="12192000" cy="6858000"/>
-          </a:xfrm>
-          <a:prstGeom prst="rect">
-            <a:avLst/>
-          </a:prstGeom>
-        </p:spPr>
-      </p:pic>
-      <p:pic>
-        <p:nvPicPr>
-          <p:cNvPr id="8" name="Imagem 7" descr="Uma imagem contendo texto, desenho&#10;&#10;Descrição gerada automaticamente">
-            <a:extLst>
-              <a:ext uri="{FF2B5EF4-FFF2-40B4-BE49-F238E27FC236}">
-                <a16:creationId xmlns:a16="http://schemas.microsoft.com/office/drawing/2014/main" id="{1BC5E0AB-6EDC-4020-80FC-407DFD0D3C3E}"/>
-              </a:ext>
-            </a:extLst>
-          </p:cNvPr>
-          <p:cNvPicPr>
-            <a:picLocks noChangeAspect="1"/>
-          </p:cNvPicPr>
-          <p:nvPr/>
-        </p:nvPicPr>
-        <p:blipFill>
-          <a:blip r:embed="rId3" cstate="hqprint">
-            <a:extLst>
-              <a:ext uri="{28A0092B-C50C-407E-A947-70E740481C1C}">
-                <a14:useLocalDpi xmlns:a14="http://schemas.microsoft.com/office/drawing/2010/main" val="0"/>
-              </a:ext>
-            </a:extLst>
-          </a:blip>
-          <a:stretch>
-            <a:fillRect/>
-          </a:stretch>
-        </p:blipFill>
-        <p:spPr>
-          <a:xfrm>
-            <a:off x="11592154" y="6203217"/>
-            <a:ext cx="599846" cy="535577"/>
-          </a:xfrm>
-          <a:prstGeom prst="rect">
-            <a:avLst/>
-          </a:prstGeom>
-        </p:spPr>
-      </p:pic>
-    </p:spTree>
-    <p:extLst>
-      <p:ext uri="{BB962C8B-B14F-4D97-AF65-F5344CB8AC3E}">
-        <p14:creationId xmlns:p14="http://schemas.microsoft.com/office/powerpoint/2010/main" val="2158821782"/>
-      </p:ext>
-    </p:extLst>
-  </p:cSld>
-  <p:clrMapOvr>
-    <a:masterClrMapping/>
-  </p:clrMapOvr>
-  <p:transition>
-    <p:fade/>
-  </p:transition>
-  <p:timing>
-    <p:tnLst>
-      <p:par>
-        <p:cTn id="1" dur="indefinite" restart="never" nodeType="tmRoot"/>
       </p:par>
     </p:tnLst>
   </p:timing>

--- a/Documentação/slide-synergy (2).pptx
+++ b/Documentação/slide-synergy (2).pptx
@@ -5,7 +5,7 @@
     <p:sldMasterId id="2147483648" r:id="rId1"/>
   </p:sldMasterIdLst>
   <p:notesMasterIdLst>
-    <p:notesMasterId r:id="rId22"/>
+    <p:notesMasterId r:id="rId24"/>
   </p:notesMasterIdLst>
   <p:sldIdLst>
     <p:sldId id="256" r:id="rId2"/>
@@ -26,8 +26,10 @@
     <p:sldId id="278" r:id="rId17"/>
     <p:sldId id="279" r:id="rId18"/>
     <p:sldId id="262" r:id="rId19"/>
-    <p:sldId id="271" r:id="rId20"/>
-    <p:sldId id="272" r:id="rId21"/>
+    <p:sldId id="283" r:id="rId20"/>
+    <p:sldId id="271" r:id="rId21"/>
+    <p:sldId id="272" r:id="rId22"/>
+    <p:sldId id="282" r:id="rId23"/>
   </p:sldIdLst>
   <p:sldSz cx="12192000" cy="6858000"/>
   <p:notesSz cx="6858000" cy="9144000"/>
@@ -224,7 +226,7 @@
           <a:p>
             <a:fld id="{655F7DB7-5B35-44EF-86DD-30F04B6260EF}" type="datetimeFigureOut">
               <a:rPr lang="pt-BR" smtClean="0"/>
-              <a:t>05/05/2020</a:t>
+              <a:t>06/05/2020</a:t>
             </a:fld>
             <a:endParaRPr lang="pt-BR"/>
           </a:p>
@@ -638,7 +640,7 @@
           <a:p>
             <a:fld id="{15B003F1-72A3-4565-B369-F67C067E940D}" type="datetimeFigureOut">
               <a:rPr lang="pt-BR" smtClean="0"/>
-              <a:t>05/05/2020</a:t>
+              <a:t>06/05/2020</a:t>
             </a:fld>
             <a:endParaRPr lang="pt-BR"/>
           </a:p>
@@ -839,7 +841,7 @@
           <a:p>
             <a:fld id="{15B003F1-72A3-4565-B369-F67C067E940D}" type="datetimeFigureOut">
               <a:rPr lang="pt-BR" smtClean="0"/>
-              <a:t>05/05/2020</a:t>
+              <a:t>06/05/2020</a:t>
             </a:fld>
             <a:endParaRPr lang="pt-BR"/>
           </a:p>
@@ -1050,7 +1052,7 @@
           <a:p>
             <a:fld id="{15B003F1-72A3-4565-B369-F67C067E940D}" type="datetimeFigureOut">
               <a:rPr lang="pt-BR" smtClean="0"/>
-              <a:t>05/05/2020</a:t>
+              <a:t>06/05/2020</a:t>
             </a:fld>
             <a:endParaRPr lang="pt-BR"/>
           </a:p>
@@ -1251,7 +1253,7 @@
           <a:p>
             <a:fld id="{15B003F1-72A3-4565-B369-F67C067E940D}" type="datetimeFigureOut">
               <a:rPr lang="pt-BR" smtClean="0"/>
-              <a:t>05/05/2020</a:t>
+              <a:t>06/05/2020</a:t>
             </a:fld>
             <a:endParaRPr lang="pt-BR"/>
           </a:p>
@@ -1529,7 +1531,7 @@
           <a:p>
             <a:fld id="{15B003F1-72A3-4565-B369-F67C067E940D}" type="datetimeFigureOut">
               <a:rPr lang="pt-BR" smtClean="0"/>
-              <a:t>05/05/2020</a:t>
+              <a:t>06/05/2020</a:t>
             </a:fld>
             <a:endParaRPr lang="pt-BR"/>
           </a:p>
@@ -1797,7 +1799,7 @@
           <a:p>
             <a:fld id="{15B003F1-72A3-4565-B369-F67C067E940D}" type="datetimeFigureOut">
               <a:rPr lang="pt-BR" smtClean="0"/>
-              <a:t>05/05/2020</a:t>
+              <a:t>06/05/2020</a:t>
             </a:fld>
             <a:endParaRPr lang="pt-BR"/>
           </a:p>
@@ -2212,7 +2214,7 @@
           <a:p>
             <a:fld id="{15B003F1-72A3-4565-B369-F67C067E940D}" type="datetimeFigureOut">
               <a:rPr lang="pt-BR" smtClean="0"/>
-              <a:t>05/05/2020</a:t>
+              <a:t>06/05/2020</a:t>
             </a:fld>
             <a:endParaRPr lang="pt-BR"/>
           </a:p>
@@ -2356,7 +2358,7 @@
           <a:p>
             <a:fld id="{15B003F1-72A3-4565-B369-F67C067E940D}" type="datetimeFigureOut">
               <a:rPr lang="pt-BR" smtClean="0"/>
-              <a:t>05/05/2020</a:t>
+              <a:t>06/05/2020</a:t>
             </a:fld>
             <a:endParaRPr lang="pt-BR"/>
           </a:p>
@@ -2472,7 +2474,7 @@
           <a:p>
             <a:fld id="{15B003F1-72A3-4565-B369-F67C067E940D}" type="datetimeFigureOut">
               <a:rPr lang="pt-BR" smtClean="0"/>
-              <a:t>05/05/2020</a:t>
+              <a:t>06/05/2020</a:t>
             </a:fld>
             <a:endParaRPr lang="pt-BR"/>
           </a:p>
@@ -2786,7 +2788,7 @@
           <a:p>
             <a:fld id="{15B003F1-72A3-4565-B369-F67C067E940D}" type="datetimeFigureOut">
               <a:rPr lang="pt-BR" smtClean="0"/>
-              <a:t>05/05/2020</a:t>
+              <a:t>06/05/2020</a:t>
             </a:fld>
             <a:endParaRPr lang="pt-BR"/>
           </a:p>
@@ -3077,7 +3079,7 @@
           <a:p>
             <a:fld id="{15B003F1-72A3-4565-B369-F67C067E940D}" type="datetimeFigureOut">
               <a:rPr lang="pt-BR" smtClean="0"/>
-              <a:t>05/05/2020</a:t>
+              <a:t>06/05/2020</a:t>
             </a:fld>
             <a:endParaRPr lang="pt-BR"/>
           </a:p>
@@ -3321,7 +3323,7 @@
           <a:p>
             <a:fld id="{15B003F1-72A3-4565-B369-F67C067E940D}" type="datetimeFigureOut">
               <a:rPr lang="pt-BR" smtClean="0"/>
-              <a:t>05/05/2020</a:t>
+              <a:t>06/05/2020</a:t>
             </a:fld>
             <a:endParaRPr lang="pt-BR"/>
           </a:p>
@@ -5403,14 +5405,6 @@
 <file path=ppt/slides/slide19.xml><?xml version="1.0" encoding="utf-8"?>
 <p:sld xmlns:a="http://schemas.openxmlformats.org/drawingml/2006/main" xmlns:r="http://schemas.openxmlformats.org/officeDocument/2006/relationships" xmlns:p="http://schemas.openxmlformats.org/presentationml/2006/main">
   <p:cSld>
-    <p:bg>
-      <p:bgPr>
-        <a:solidFill>
-          <a:schemeClr val="bg1"/>
-        </a:solidFill>
-        <a:effectLst/>
-      </p:bgPr>
-    </p:bg>
     <p:spTree>
       <p:nvGrpSpPr>
         <p:cNvPr id="1" name=""/>
@@ -5425,75 +5419,12 @@
           <a:chExt cx="0" cy="0"/>
         </a:xfrm>
       </p:grpSpPr>
-      <p:sp>
-        <p:nvSpPr>
-          <p:cNvPr id="16" name="Rectangle 15">
-            <a:extLst>
-              <a:ext uri="{FF2B5EF4-FFF2-40B4-BE49-F238E27FC236}">
-                <a16:creationId xmlns:a16="http://schemas.microsoft.com/office/drawing/2014/main" id="{B4D3D850-2041-4B7C-AED9-54DA385B14F7}"/>
-              </a:ext>
-              <a:ext uri="{C183D7F6-B498-43B3-948B-1728B52AA6E4}">
-                <adec:decorative xmlns:adec="http://schemas.microsoft.com/office/drawing/2017/decorative" val="1"/>
-              </a:ext>
-            </a:extLst>
-          </p:cNvPr>
-          <p:cNvSpPr>
-            <a:spLocks noGrp="1" noRot="1" noChangeAspect="1" noMove="1" noResize="1" noEditPoints="1" noAdjustHandles="1" noChangeArrowheads="1" noChangeShapeType="1" noTextEdit="1"/>
-          </p:cNvSpPr>
-          <p:nvPr>
-            <p:extLst>
-              <p:ext uri="{386F3935-93C4-4BCD-93E2-E3B085C9AB24}">
-                <p16:designElem xmlns:p16="http://schemas.microsoft.com/office/powerpoint/2015/main" val="1"/>
-              </p:ext>
-            </p:extLst>
-          </p:nvPr>
-        </p:nvSpPr>
-        <p:spPr>
-          <a:xfrm>
-            <a:off x="0" y="0"/>
-            <a:ext cx="12192000" cy="6858000"/>
-          </a:xfrm>
-          <a:prstGeom prst="rect">
-            <a:avLst/>
-          </a:prstGeom>
-          <a:solidFill>
-            <a:schemeClr val="bg2"/>
-          </a:solidFill>
-          <a:ln>
-            <a:noFill/>
-          </a:ln>
-        </p:spPr>
-        <p:style>
-          <a:lnRef idx="2">
-            <a:schemeClr val="accent1">
-              <a:shade val="50000"/>
-            </a:schemeClr>
-          </a:lnRef>
-          <a:fillRef idx="1">
-            <a:schemeClr val="accent1"/>
-          </a:fillRef>
-          <a:effectRef idx="0">
-            <a:schemeClr val="accent1"/>
-          </a:effectRef>
-          <a:fontRef idx="minor">
-            <a:schemeClr val="lt1"/>
-          </a:fontRef>
-        </p:style>
-        <p:txBody>
-          <a:bodyPr rtlCol="0" anchor="ctr"/>
-          <a:lstStyle/>
-          <a:p>
-            <a:pPr algn="ctr"/>
-            <a:endParaRPr lang="en-US" dirty="0"/>
-          </a:p>
-        </p:txBody>
-      </p:sp>
       <p:pic>
         <p:nvPicPr>
-          <p:cNvPr id="5" name="Imagem 4" descr="Uma imagem contendo placar, desenho, relógio&#10;&#10;Descrição gerada automaticamente">
-            <a:extLst>
-              <a:ext uri="{FF2B5EF4-FFF2-40B4-BE49-F238E27FC236}">
-                <a16:creationId xmlns:a16="http://schemas.microsoft.com/office/drawing/2014/main" id="{5DF5D51C-359F-4617-A452-01B736753090}"/>
+          <p:cNvPr id="6" name="Picture 6" descr="A picture containing large, white&#10;&#10;Description generated with very high confidence">
+            <a:extLst>
+              <a:ext uri="{FF2B5EF4-FFF2-40B4-BE49-F238E27FC236}">
+                <a16:creationId xmlns:a16="http://schemas.microsoft.com/office/drawing/2014/main" id="{C33196A0-8DD7-483A-A601-A7AECB23A20F}"/>
               </a:ext>
             </a:extLst>
           </p:cNvPr>
@@ -5502,21 +5433,16 @@
           </p:cNvPicPr>
           <p:nvPr/>
         </p:nvPicPr>
-        <p:blipFill rotWithShape="1">
-          <a:blip r:embed="rId2">
-            <a:extLst>
-              <a:ext uri="{28A0092B-C50C-407E-A947-70E740481C1C}">
-                <a14:useLocalDpi xmlns:a14="http://schemas.microsoft.com/office/drawing/2010/main" val="0"/>
-              </a:ext>
-            </a:extLst>
-          </a:blip>
-          <a:srcRect l="9796" r="1319" b="4"/>
-          <a:stretch/>
+        <p:blipFill>
+          <a:blip r:embed="rId2"/>
+          <a:stretch>
+            <a:fillRect/>
+          </a:stretch>
         </p:blipFill>
         <p:spPr>
           <a:xfrm>
-            <a:off x="20" y="10"/>
-            <a:ext cx="6095980" cy="6857990"/>
+            <a:off x="420405" y="1319787"/>
+            <a:ext cx="4350706" cy="5152134"/>
           </a:xfrm>
           <a:prstGeom prst="rect">
             <a:avLst/>
@@ -5525,10 +5451,10 @@
       </p:pic>
       <p:pic>
         <p:nvPicPr>
-          <p:cNvPr id="11" name="Imagem 10" descr="Uma imagem contendo texto, placar&#10;&#10;Descrição gerada automaticamente">
-            <a:extLst>
-              <a:ext uri="{FF2B5EF4-FFF2-40B4-BE49-F238E27FC236}">
-                <a16:creationId xmlns:a16="http://schemas.microsoft.com/office/drawing/2014/main" id="{4DC099E3-271D-4053-AB28-D8157177161D}"/>
+          <p:cNvPr id="8" name="Picture 8" descr="A screenshot of a cell phone&#10;&#10;Description generated with very high confidence">
+            <a:extLst>
+              <a:ext uri="{FF2B5EF4-FFF2-40B4-BE49-F238E27FC236}">
+                <a16:creationId xmlns:a16="http://schemas.microsoft.com/office/drawing/2014/main" id="{4B2BF772-0180-4C8F-B6DF-CB3BA53F8772}"/>
               </a:ext>
             </a:extLst>
           </p:cNvPr>
@@ -5537,216 +5463,56 @@
           </p:cNvPicPr>
           <p:nvPr/>
         </p:nvPicPr>
-        <p:blipFill rotWithShape="1">
-          <a:blip r:embed="rId3">
-            <a:extLst>
-              <a:ext uri="{28A0092B-C50C-407E-A947-70E740481C1C}">
-                <a14:useLocalDpi xmlns:a14="http://schemas.microsoft.com/office/drawing/2010/main" val="0"/>
-              </a:ext>
-            </a:extLst>
-          </a:blip>
-          <a:srcRect l="3614" r="7500" b="4"/>
-          <a:stretch/>
+        <p:blipFill>
+          <a:blip r:embed="rId3"/>
+          <a:stretch>
+            <a:fillRect/>
+          </a:stretch>
         </p:blipFill>
         <p:spPr>
           <a:xfrm>
-            <a:off x="6096000" y="10"/>
-            <a:ext cx="6096000" cy="6857990"/>
+            <a:off x="4922730" y="1322484"/>
+            <a:ext cx="7064679" cy="1060646"/>
           </a:xfrm>
           <a:prstGeom prst="rect">
             <a:avLst/>
           </a:prstGeom>
         </p:spPr>
       </p:pic>
-      <p:sp>
-        <p:nvSpPr>
-          <p:cNvPr id="18" name="Rectangle 17">
-            <a:extLst>
-              <a:ext uri="{FF2B5EF4-FFF2-40B4-BE49-F238E27FC236}">
-                <a16:creationId xmlns:a16="http://schemas.microsoft.com/office/drawing/2014/main" id="{B497CCB5-5FC2-473C-AFCC-2430CEF1DF71}"/>
-              </a:ext>
-              <a:ext uri="{C183D7F6-B498-43B3-948B-1728B52AA6E4}">
-                <adec:decorative xmlns:adec="http://schemas.microsoft.com/office/drawing/2017/decorative" val="1"/>
-              </a:ext>
-            </a:extLst>
-          </p:cNvPr>
-          <p:cNvSpPr>
-            <a:spLocks noGrp="1" noRot="1" noChangeAspect="1" noMove="1" noResize="1" noEditPoints="1" noAdjustHandles="1" noChangeArrowheads="1" noChangeShapeType="1" noTextEdit="1"/>
-          </p:cNvSpPr>
-          <p:nvPr>
-            <p:extLst>
-              <p:ext uri="{386F3935-93C4-4BCD-93E2-E3B085C9AB24}">
-                <p16:designElem xmlns:p16="http://schemas.microsoft.com/office/powerpoint/2015/main" val="1"/>
-              </p:ext>
-            </p:extLst>
-          </p:nvPr>
-        </p:nvSpPr>
-        <p:spPr>
-          <a:xfrm rot="2700000">
-            <a:off x="4409915" y="1742916"/>
-            <a:ext cx="3372170" cy="3372168"/>
+      <p:pic>
+        <p:nvPicPr>
+          <p:cNvPr id="20" name="Picture 20" descr="A screenshot of a cell phone&#10;&#10;Description generated with very high confidence">
+            <a:extLst>
+              <a:ext uri="{FF2B5EF4-FFF2-40B4-BE49-F238E27FC236}">
+                <a16:creationId xmlns:a16="http://schemas.microsoft.com/office/drawing/2014/main" id="{7D94B037-2AC7-40DF-94B0-AFE6DFD99575}"/>
+              </a:ext>
+            </a:extLst>
+          </p:cNvPr>
+          <p:cNvPicPr>
+            <a:picLocks noChangeAspect="1"/>
+          </p:cNvPicPr>
+          <p:nvPr/>
+        </p:nvPicPr>
+        <p:blipFill>
+          <a:blip r:embed="rId4"/>
+          <a:stretch>
+            <a:fillRect/>
+          </a:stretch>
+        </p:blipFill>
+        <p:spPr>
+          <a:xfrm>
+            <a:off x="4922728" y="2497912"/>
+            <a:ext cx="7064678" cy="830605"/>
           </a:xfrm>
           <a:prstGeom prst="rect">
             <a:avLst/>
           </a:prstGeom>
-          <a:solidFill>
-            <a:srgbClr val="FFFFFF"/>
-          </a:solidFill>
-          <a:ln>
-            <a:noFill/>
-          </a:ln>
-        </p:spPr>
-        <p:style>
-          <a:lnRef idx="2">
-            <a:schemeClr val="accent1">
-              <a:shade val="50000"/>
-            </a:schemeClr>
-          </a:lnRef>
-          <a:fillRef idx="1">
-            <a:schemeClr val="accent1"/>
-          </a:fillRef>
-          <a:effectRef idx="0">
-            <a:schemeClr val="accent1"/>
-          </a:effectRef>
-          <a:fontRef idx="minor">
-            <a:schemeClr val="lt1"/>
-          </a:fontRef>
-        </p:style>
-        <p:txBody>
-          <a:bodyPr rtlCol="0" anchor="ctr"/>
-          <a:lstStyle/>
-          <a:p>
-            <a:pPr algn="ctr"/>
-            <a:endParaRPr lang="en-US"/>
-          </a:p>
-        </p:txBody>
-      </p:sp>
-      <p:sp>
-        <p:nvSpPr>
-          <p:cNvPr id="20" name="Frame 19">
-            <a:extLst>
-              <a:ext uri="{FF2B5EF4-FFF2-40B4-BE49-F238E27FC236}">
-                <a16:creationId xmlns:a16="http://schemas.microsoft.com/office/drawing/2014/main" id="{599C8C75-BFDF-44E7-A028-EEB5EDD58817}"/>
-              </a:ext>
-              <a:ext uri="{C183D7F6-B498-43B3-948B-1728B52AA6E4}">
-                <adec:decorative xmlns:adec="http://schemas.microsoft.com/office/drawing/2017/decorative" val="1"/>
-              </a:ext>
-            </a:extLst>
-          </p:cNvPr>
-          <p:cNvSpPr>
-            <a:spLocks noGrp="1" noRot="1" noChangeAspect="1" noMove="1" noResize="1" noEditPoints="1" noAdjustHandles="1" noChangeArrowheads="1" noChangeShapeType="1" noTextEdit="1"/>
-          </p:cNvSpPr>
-          <p:nvPr>
-            <p:extLst>
-              <p:ext uri="{386F3935-93C4-4BCD-93E2-E3B085C9AB24}">
-                <p16:designElem xmlns:p16="http://schemas.microsoft.com/office/powerpoint/2015/main" val="1"/>
-              </p:ext>
-            </p:extLst>
-          </p:nvPr>
-        </p:nvSpPr>
-        <p:spPr>
-          <a:xfrm rot="2700000">
-            <a:off x="3971277" y="1304278"/>
-            <a:ext cx="4249446" cy="4249444"/>
-          </a:xfrm>
-          <a:prstGeom prst="frame">
-            <a:avLst>
-              <a:gd name="adj1" fmla="val 1195"/>
-            </a:avLst>
-          </a:prstGeom>
-          <a:solidFill>
-            <a:srgbClr val="FFFFFF">
-              <a:alpha val="60000"/>
-            </a:srgbClr>
-          </a:solidFill>
-          <a:ln>
-            <a:noFill/>
-          </a:ln>
-        </p:spPr>
-        <p:style>
-          <a:lnRef idx="2">
-            <a:schemeClr val="accent1">
-              <a:shade val="50000"/>
-            </a:schemeClr>
-          </a:lnRef>
-          <a:fillRef idx="1">
-            <a:schemeClr val="accent1"/>
-          </a:fillRef>
-          <a:effectRef idx="0">
-            <a:schemeClr val="accent1"/>
-          </a:effectRef>
-          <a:fontRef idx="minor">
-            <a:schemeClr val="lt1"/>
-          </a:fontRef>
-        </p:style>
-        <p:txBody>
-          <a:bodyPr rtlCol="0" anchor="ctr"/>
-          <a:lstStyle/>
-          <a:p>
-            <a:pPr algn="ctr"/>
-            <a:endParaRPr lang="en-US">
-              <a:solidFill>
-                <a:schemeClr val="tx1"/>
-              </a:solidFill>
-            </a:endParaRPr>
-          </a:p>
-        </p:txBody>
-      </p:sp>
-      <p:sp>
-        <p:nvSpPr>
-          <p:cNvPr id="2" name="Título 1">
-            <a:extLst>
-              <a:ext uri="{FF2B5EF4-FFF2-40B4-BE49-F238E27FC236}">
-                <a16:creationId xmlns:a16="http://schemas.microsoft.com/office/drawing/2014/main" id="{3D029D57-35BF-42EE-9D31-EAB20BE9EA4E}"/>
-              </a:ext>
-            </a:extLst>
-          </p:cNvPr>
-          <p:cNvSpPr>
-            <a:spLocks noGrp="1"/>
-          </p:cNvSpPr>
-          <p:nvPr>
-            <p:ph type="title"/>
-          </p:nvPr>
-        </p:nvSpPr>
-        <p:spPr>
-          <a:xfrm>
-            <a:off x="3795880" y="2675117"/>
-            <a:ext cx="4600239" cy="1507765"/>
-          </a:xfrm>
-          <a:noFill/>
-        </p:spPr>
-        <p:txBody>
-          <a:bodyPr vert="horz" lIns="91440" tIns="45720" rIns="91440" bIns="45720" rtlCol="0" anchor="ctr">
-            <a:normAutofit/>
-          </a:bodyPr>
-          <a:lstStyle/>
-          <a:p>
-            <a:pPr algn="ctr"/>
-            <a:r>
-              <a:rPr lang="en-US" sz="3600" dirty="0">
-                <a:solidFill>
-                  <a:srgbClr val="080808"/>
-                </a:solidFill>
-                <a:latin typeface="Bariol Bold" panose="02000506040000020003"/>
-              </a:rPr>
-              <a:t>D</a:t>
-            </a:r>
-            <a:r>
-              <a:rPr lang="en-US" sz="3600" kern="1200" dirty="0">
-                <a:solidFill>
-                  <a:srgbClr val="080808"/>
-                </a:solidFill>
-                <a:latin typeface="Bariol Bold" panose="02000506040000020003"/>
-              </a:rPr>
-              <a:t>ashboard</a:t>
-            </a:r>
-          </a:p>
-        </p:txBody>
-      </p:sp>
+        </p:spPr>
+      </p:pic>
     </p:spTree>
     <p:extLst>
       <p:ext uri="{BB962C8B-B14F-4D97-AF65-F5344CB8AC3E}">
-        <p14:creationId xmlns:p14="http://schemas.microsoft.com/office/powerpoint/2010/main" val="2809380215"/>
+        <p14:creationId xmlns:p14="http://schemas.microsoft.com/office/powerpoint/2010/main" val="1560843983"/>
       </p:ext>
     </p:extLst>
   </p:cSld>
@@ -6710,6 +6476,365 @@
 <file path=ppt/slides/slide20.xml><?xml version="1.0" encoding="utf-8"?>
 <p:sld xmlns:a="http://schemas.openxmlformats.org/drawingml/2006/main" xmlns:r="http://schemas.openxmlformats.org/officeDocument/2006/relationships" xmlns:p="http://schemas.openxmlformats.org/presentationml/2006/main">
   <p:cSld>
+    <p:bg>
+      <p:bgPr>
+        <a:solidFill>
+          <a:schemeClr val="bg1"/>
+        </a:solidFill>
+        <a:effectLst/>
+      </p:bgPr>
+    </p:bg>
+    <p:spTree>
+      <p:nvGrpSpPr>
+        <p:cNvPr id="1" name=""/>
+        <p:cNvGrpSpPr/>
+        <p:nvPr/>
+      </p:nvGrpSpPr>
+      <p:grpSpPr>
+        <a:xfrm>
+          <a:off x="0" y="0"/>
+          <a:ext cx="0" cy="0"/>
+          <a:chOff x="0" y="0"/>
+          <a:chExt cx="0" cy="0"/>
+        </a:xfrm>
+      </p:grpSpPr>
+      <p:sp>
+        <p:nvSpPr>
+          <p:cNvPr id="16" name="Rectangle 15">
+            <a:extLst>
+              <a:ext uri="{FF2B5EF4-FFF2-40B4-BE49-F238E27FC236}">
+                <a16:creationId xmlns:a16="http://schemas.microsoft.com/office/drawing/2014/main" id="{B4D3D850-2041-4B7C-AED9-54DA385B14F7}"/>
+              </a:ext>
+              <a:ext uri="{C183D7F6-B498-43B3-948B-1728B52AA6E4}">
+                <adec:decorative xmlns:adec="http://schemas.microsoft.com/office/drawing/2017/decorative" val="1"/>
+              </a:ext>
+            </a:extLst>
+          </p:cNvPr>
+          <p:cNvSpPr>
+            <a:spLocks noGrp="1" noRot="1" noChangeAspect="1" noMove="1" noResize="1" noEditPoints="1" noAdjustHandles="1" noChangeArrowheads="1" noChangeShapeType="1" noTextEdit="1"/>
+          </p:cNvSpPr>
+          <p:nvPr>
+            <p:extLst>
+              <p:ext uri="{386F3935-93C4-4BCD-93E2-E3B085C9AB24}">
+                <p16:designElem xmlns:p16="http://schemas.microsoft.com/office/powerpoint/2015/main" val="1"/>
+              </p:ext>
+            </p:extLst>
+          </p:nvPr>
+        </p:nvSpPr>
+        <p:spPr>
+          <a:xfrm>
+            <a:off x="0" y="0"/>
+            <a:ext cx="12192000" cy="6858000"/>
+          </a:xfrm>
+          <a:prstGeom prst="rect">
+            <a:avLst/>
+          </a:prstGeom>
+          <a:solidFill>
+            <a:schemeClr val="bg2"/>
+          </a:solidFill>
+          <a:ln>
+            <a:noFill/>
+          </a:ln>
+        </p:spPr>
+        <p:style>
+          <a:lnRef idx="2">
+            <a:schemeClr val="accent1">
+              <a:shade val="50000"/>
+            </a:schemeClr>
+          </a:lnRef>
+          <a:fillRef idx="1">
+            <a:schemeClr val="accent1"/>
+          </a:fillRef>
+          <a:effectRef idx="0">
+            <a:schemeClr val="accent1"/>
+          </a:effectRef>
+          <a:fontRef idx="minor">
+            <a:schemeClr val="lt1"/>
+          </a:fontRef>
+        </p:style>
+        <p:txBody>
+          <a:bodyPr rtlCol="0" anchor="ctr"/>
+          <a:lstStyle/>
+          <a:p>
+            <a:pPr algn="ctr"/>
+            <a:endParaRPr lang="en-US" dirty="0"/>
+          </a:p>
+        </p:txBody>
+      </p:sp>
+      <p:pic>
+        <p:nvPicPr>
+          <p:cNvPr id="5" name="Imagem 4" descr="Uma imagem contendo placar, desenho, relógio&#10;&#10;Descrição gerada automaticamente">
+            <a:extLst>
+              <a:ext uri="{FF2B5EF4-FFF2-40B4-BE49-F238E27FC236}">
+                <a16:creationId xmlns:a16="http://schemas.microsoft.com/office/drawing/2014/main" id="{5DF5D51C-359F-4617-A452-01B736753090}"/>
+              </a:ext>
+            </a:extLst>
+          </p:cNvPr>
+          <p:cNvPicPr>
+            <a:picLocks noChangeAspect="1"/>
+          </p:cNvPicPr>
+          <p:nvPr/>
+        </p:nvPicPr>
+        <p:blipFill rotWithShape="1">
+          <a:blip r:embed="rId2">
+            <a:extLst>
+              <a:ext uri="{28A0092B-C50C-407E-A947-70E740481C1C}">
+                <a14:useLocalDpi xmlns:a14="http://schemas.microsoft.com/office/drawing/2010/main" val="0"/>
+              </a:ext>
+            </a:extLst>
+          </a:blip>
+          <a:srcRect l="9796" r="1319" b="4"/>
+          <a:stretch/>
+        </p:blipFill>
+        <p:spPr>
+          <a:xfrm>
+            <a:off x="20" y="10"/>
+            <a:ext cx="6095980" cy="6857990"/>
+          </a:xfrm>
+          <a:prstGeom prst="rect">
+            <a:avLst/>
+          </a:prstGeom>
+        </p:spPr>
+      </p:pic>
+      <p:pic>
+        <p:nvPicPr>
+          <p:cNvPr id="11" name="Imagem 10" descr="Uma imagem contendo texto, placar&#10;&#10;Descrição gerada automaticamente">
+            <a:extLst>
+              <a:ext uri="{FF2B5EF4-FFF2-40B4-BE49-F238E27FC236}">
+                <a16:creationId xmlns:a16="http://schemas.microsoft.com/office/drawing/2014/main" id="{4DC099E3-271D-4053-AB28-D8157177161D}"/>
+              </a:ext>
+            </a:extLst>
+          </p:cNvPr>
+          <p:cNvPicPr>
+            <a:picLocks noChangeAspect="1"/>
+          </p:cNvPicPr>
+          <p:nvPr/>
+        </p:nvPicPr>
+        <p:blipFill rotWithShape="1">
+          <a:blip r:embed="rId3">
+            <a:extLst>
+              <a:ext uri="{28A0092B-C50C-407E-A947-70E740481C1C}">
+                <a14:useLocalDpi xmlns:a14="http://schemas.microsoft.com/office/drawing/2010/main" val="0"/>
+              </a:ext>
+            </a:extLst>
+          </a:blip>
+          <a:srcRect l="3614" r="7500" b="4"/>
+          <a:stretch/>
+        </p:blipFill>
+        <p:spPr>
+          <a:xfrm>
+            <a:off x="6096000" y="10"/>
+            <a:ext cx="6096000" cy="6857990"/>
+          </a:xfrm>
+          <a:prstGeom prst="rect">
+            <a:avLst/>
+          </a:prstGeom>
+        </p:spPr>
+      </p:pic>
+      <p:sp>
+        <p:nvSpPr>
+          <p:cNvPr id="18" name="Rectangle 17">
+            <a:extLst>
+              <a:ext uri="{FF2B5EF4-FFF2-40B4-BE49-F238E27FC236}">
+                <a16:creationId xmlns:a16="http://schemas.microsoft.com/office/drawing/2014/main" id="{B497CCB5-5FC2-473C-AFCC-2430CEF1DF71}"/>
+              </a:ext>
+              <a:ext uri="{C183D7F6-B498-43B3-948B-1728B52AA6E4}">
+                <adec:decorative xmlns:adec="http://schemas.microsoft.com/office/drawing/2017/decorative" val="1"/>
+              </a:ext>
+            </a:extLst>
+          </p:cNvPr>
+          <p:cNvSpPr>
+            <a:spLocks noGrp="1" noRot="1" noChangeAspect="1" noMove="1" noResize="1" noEditPoints="1" noAdjustHandles="1" noChangeArrowheads="1" noChangeShapeType="1" noTextEdit="1"/>
+          </p:cNvSpPr>
+          <p:nvPr>
+            <p:extLst>
+              <p:ext uri="{386F3935-93C4-4BCD-93E2-E3B085C9AB24}">
+                <p16:designElem xmlns:p16="http://schemas.microsoft.com/office/powerpoint/2015/main" val="1"/>
+              </p:ext>
+            </p:extLst>
+          </p:nvPr>
+        </p:nvSpPr>
+        <p:spPr>
+          <a:xfrm rot="2700000">
+            <a:off x="4409915" y="1742916"/>
+            <a:ext cx="3372170" cy="3372168"/>
+          </a:xfrm>
+          <a:prstGeom prst="rect">
+            <a:avLst/>
+          </a:prstGeom>
+          <a:solidFill>
+            <a:srgbClr val="FFFFFF"/>
+          </a:solidFill>
+          <a:ln>
+            <a:noFill/>
+          </a:ln>
+        </p:spPr>
+        <p:style>
+          <a:lnRef idx="2">
+            <a:schemeClr val="accent1">
+              <a:shade val="50000"/>
+            </a:schemeClr>
+          </a:lnRef>
+          <a:fillRef idx="1">
+            <a:schemeClr val="accent1"/>
+          </a:fillRef>
+          <a:effectRef idx="0">
+            <a:schemeClr val="accent1"/>
+          </a:effectRef>
+          <a:fontRef idx="minor">
+            <a:schemeClr val="lt1"/>
+          </a:fontRef>
+        </p:style>
+        <p:txBody>
+          <a:bodyPr rtlCol="0" anchor="ctr"/>
+          <a:lstStyle/>
+          <a:p>
+            <a:pPr algn="ctr"/>
+            <a:endParaRPr lang="en-US"/>
+          </a:p>
+        </p:txBody>
+      </p:sp>
+      <p:sp>
+        <p:nvSpPr>
+          <p:cNvPr id="20" name="Frame 19">
+            <a:extLst>
+              <a:ext uri="{FF2B5EF4-FFF2-40B4-BE49-F238E27FC236}">
+                <a16:creationId xmlns:a16="http://schemas.microsoft.com/office/drawing/2014/main" id="{599C8C75-BFDF-44E7-A028-EEB5EDD58817}"/>
+              </a:ext>
+              <a:ext uri="{C183D7F6-B498-43B3-948B-1728B52AA6E4}">
+                <adec:decorative xmlns:adec="http://schemas.microsoft.com/office/drawing/2017/decorative" val="1"/>
+              </a:ext>
+            </a:extLst>
+          </p:cNvPr>
+          <p:cNvSpPr>
+            <a:spLocks noGrp="1" noRot="1" noChangeAspect="1" noMove="1" noResize="1" noEditPoints="1" noAdjustHandles="1" noChangeArrowheads="1" noChangeShapeType="1" noTextEdit="1"/>
+          </p:cNvSpPr>
+          <p:nvPr>
+            <p:extLst>
+              <p:ext uri="{386F3935-93C4-4BCD-93E2-E3B085C9AB24}">
+                <p16:designElem xmlns:p16="http://schemas.microsoft.com/office/powerpoint/2015/main" val="1"/>
+              </p:ext>
+            </p:extLst>
+          </p:nvPr>
+        </p:nvSpPr>
+        <p:spPr>
+          <a:xfrm rot="2700000">
+            <a:off x="3971277" y="1304278"/>
+            <a:ext cx="4249446" cy="4249444"/>
+          </a:xfrm>
+          <a:prstGeom prst="frame">
+            <a:avLst>
+              <a:gd name="adj1" fmla="val 1195"/>
+            </a:avLst>
+          </a:prstGeom>
+          <a:solidFill>
+            <a:srgbClr val="FFFFFF">
+              <a:alpha val="60000"/>
+            </a:srgbClr>
+          </a:solidFill>
+          <a:ln>
+            <a:noFill/>
+          </a:ln>
+        </p:spPr>
+        <p:style>
+          <a:lnRef idx="2">
+            <a:schemeClr val="accent1">
+              <a:shade val="50000"/>
+            </a:schemeClr>
+          </a:lnRef>
+          <a:fillRef idx="1">
+            <a:schemeClr val="accent1"/>
+          </a:fillRef>
+          <a:effectRef idx="0">
+            <a:schemeClr val="accent1"/>
+          </a:effectRef>
+          <a:fontRef idx="minor">
+            <a:schemeClr val="lt1"/>
+          </a:fontRef>
+        </p:style>
+        <p:txBody>
+          <a:bodyPr rtlCol="0" anchor="ctr"/>
+          <a:lstStyle/>
+          <a:p>
+            <a:pPr algn="ctr"/>
+            <a:endParaRPr lang="en-US">
+              <a:solidFill>
+                <a:schemeClr val="tx1"/>
+              </a:solidFill>
+            </a:endParaRPr>
+          </a:p>
+        </p:txBody>
+      </p:sp>
+      <p:sp>
+        <p:nvSpPr>
+          <p:cNvPr id="2" name="Título 1">
+            <a:extLst>
+              <a:ext uri="{FF2B5EF4-FFF2-40B4-BE49-F238E27FC236}">
+                <a16:creationId xmlns:a16="http://schemas.microsoft.com/office/drawing/2014/main" id="{3D029D57-35BF-42EE-9D31-EAB20BE9EA4E}"/>
+              </a:ext>
+            </a:extLst>
+          </p:cNvPr>
+          <p:cNvSpPr>
+            <a:spLocks noGrp="1"/>
+          </p:cNvSpPr>
+          <p:nvPr>
+            <p:ph type="title"/>
+          </p:nvPr>
+        </p:nvSpPr>
+        <p:spPr>
+          <a:xfrm>
+            <a:off x="3795880" y="2675117"/>
+            <a:ext cx="4600239" cy="1507765"/>
+          </a:xfrm>
+          <a:noFill/>
+        </p:spPr>
+        <p:txBody>
+          <a:bodyPr vert="horz" lIns="91440" tIns="45720" rIns="91440" bIns="45720" rtlCol="0" anchor="ctr">
+            <a:normAutofit/>
+          </a:bodyPr>
+          <a:lstStyle/>
+          <a:p>
+            <a:pPr algn="ctr"/>
+            <a:r>
+              <a:rPr lang="en-US" sz="3600" dirty="0">
+                <a:solidFill>
+                  <a:srgbClr val="080808"/>
+                </a:solidFill>
+                <a:latin typeface="Bariol Bold" panose="02000506040000020003"/>
+              </a:rPr>
+              <a:t>D</a:t>
+            </a:r>
+            <a:r>
+              <a:rPr lang="en-US" sz="3600" kern="1200" dirty="0">
+                <a:solidFill>
+                  <a:srgbClr val="080808"/>
+                </a:solidFill>
+                <a:latin typeface="Bariol Bold" panose="02000506040000020003"/>
+              </a:rPr>
+              <a:t>ashboard</a:t>
+            </a:r>
+          </a:p>
+        </p:txBody>
+      </p:sp>
+    </p:spTree>
+    <p:extLst>
+      <p:ext uri="{BB962C8B-B14F-4D97-AF65-F5344CB8AC3E}">
+        <p14:creationId xmlns:p14="http://schemas.microsoft.com/office/powerpoint/2010/main" val="2809380215"/>
+      </p:ext>
+    </p:extLst>
+  </p:cSld>
+  <p:clrMapOvr>
+    <a:masterClrMapping/>
+  </p:clrMapOvr>
+  <p:transition>
+    <p:fade/>
+  </p:transition>
+</p:sld>
+</file>
+
+<file path=ppt/slides/slide21.xml><?xml version="1.0" encoding="utf-8"?>
+<p:sld xmlns:a="http://schemas.openxmlformats.org/drawingml/2006/main" xmlns:r="http://schemas.openxmlformats.org/officeDocument/2006/relationships" xmlns:p="http://schemas.openxmlformats.org/presentationml/2006/main">
+  <p:cSld>
     <p:spTree>
       <p:nvGrpSpPr>
         <p:cNvPr id="1" name=""/>
@@ -6818,7 +6943,7 @@
                 </a:solidFill>
                 <a:latin typeface="Bariol Bold" panose="02000506040000020003" pitchFamily="2" charset="0"/>
               </a:rPr>
-              <a:t>Banco de Dados (Protótipo)</a:t>
+              <a:t>Banco de Dados </a:t>
             </a:r>
           </a:p>
         </p:txBody>
@@ -6863,6 +6988,156 @@
     <p:extLst>
       <p:ext uri="{BB962C8B-B14F-4D97-AF65-F5344CB8AC3E}">
         <p14:creationId xmlns:p14="http://schemas.microsoft.com/office/powerpoint/2010/main" val="221675555"/>
+      </p:ext>
+    </p:extLst>
+  </p:cSld>
+  <p:clrMapOvr>
+    <a:masterClrMapping/>
+  </p:clrMapOvr>
+  <p:transition>
+    <p:fade/>
+  </p:transition>
+</p:sld>
+</file>
+
+<file path=ppt/slides/slide22.xml><?xml version="1.0" encoding="utf-8"?>
+<p:sld xmlns:a="http://schemas.openxmlformats.org/drawingml/2006/main" xmlns:r="http://schemas.openxmlformats.org/officeDocument/2006/relationships" xmlns:p="http://schemas.openxmlformats.org/presentationml/2006/main">
+  <p:cSld>
+    <p:bg>
+      <p:bgPr>
+        <a:solidFill>
+          <a:schemeClr val="bg1"/>
+        </a:solidFill>
+        <a:effectLst/>
+      </p:bgPr>
+    </p:bg>
+    <p:spTree>
+      <p:nvGrpSpPr>
+        <p:cNvPr id="1" name=""/>
+        <p:cNvGrpSpPr/>
+        <p:nvPr/>
+      </p:nvGrpSpPr>
+      <p:grpSpPr>
+        <a:xfrm>
+          <a:off x="0" y="0"/>
+          <a:ext cx="0" cy="0"/>
+          <a:chOff x="0" y="0"/>
+          <a:chExt cx="0" cy="0"/>
+        </a:xfrm>
+      </p:grpSpPr>
+      <p:pic>
+        <p:nvPicPr>
+          <p:cNvPr id="2" name="Imagem 1">
+            <a:extLst>
+              <a:ext uri="{FF2B5EF4-FFF2-40B4-BE49-F238E27FC236}">
+                <a16:creationId xmlns:a16="http://schemas.microsoft.com/office/drawing/2014/main" id="{40EC7EB7-3280-44B2-8C3A-07A7FA081524}"/>
+              </a:ext>
+            </a:extLst>
+          </p:cNvPr>
+          <p:cNvPicPr>
+            <a:picLocks noChangeAspect="1"/>
+          </p:cNvPicPr>
+          <p:nvPr/>
+        </p:nvPicPr>
+        <p:blipFill>
+          <a:blip r:embed="rId2"/>
+          <a:stretch>
+            <a:fillRect/>
+          </a:stretch>
+        </p:blipFill>
+        <p:spPr>
+          <a:xfrm>
+            <a:off x="2435104" y="817579"/>
+            <a:ext cx="7321792" cy="5509648"/>
+          </a:xfrm>
+          <a:prstGeom prst="rect">
+            <a:avLst/>
+          </a:prstGeom>
+        </p:spPr>
+      </p:pic>
+      <p:pic>
+        <p:nvPicPr>
+          <p:cNvPr id="12" name="Imagem 11" descr="Uma imagem contendo texto, desenho&#10;&#10;Descrição gerada automaticamente">
+            <a:extLst>
+              <a:ext uri="{FF2B5EF4-FFF2-40B4-BE49-F238E27FC236}">
+                <a16:creationId xmlns:a16="http://schemas.microsoft.com/office/drawing/2014/main" id="{A0AB590B-CCCF-4778-84B6-545212F021A2}"/>
+              </a:ext>
+            </a:extLst>
+          </p:cNvPr>
+          <p:cNvPicPr>
+            <a:picLocks noChangeAspect="1"/>
+          </p:cNvPicPr>
+          <p:nvPr/>
+        </p:nvPicPr>
+        <p:blipFill>
+          <a:blip r:embed="rId3" cstate="hqprint">
+            <a:extLst>
+              <a:ext uri="{28A0092B-C50C-407E-A947-70E740481C1C}">
+                <a14:useLocalDpi xmlns:a14="http://schemas.microsoft.com/office/drawing/2010/main" val="0"/>
+              </a:ext>
+            </a:extLst>
+          </a:blip>
+          <a:stretch>
+            <a:fillRect/>
+          </a:stretch>
+        </p:blipFill>
+        <p:spPr>
+          <a:xfrm>
+            <a:off x="11371740" y="365125"/>
+            <a:ext cx="599846" cy="535577"/>
+          </a:xfrm>
+          <a:prstGeom prst="rect">
+            <a:avLst/>
+          </a:prstGeom>
+        </p:spPr>
+      </p:pic>
+      <p:sp>
+        <p:nvSpPr>
+          <p:cNvPr id="3" name="Retângulo 2">
+            <a:extLst>
+              <a:ext uri="{FF2B5EF4-FFF2-40B4-BE49-F238E27FC236}">
+                <a16:creationId xmlns:a16="http://schemas.microsoft.com/office/drawing/2014/main" id="{38434F47-BC05-4537-B73A-BFE9B7D40F80}"/>
+              </a:ext>
+            </a:extLst>
+          </p:cNvPr>
+          <p:cNvSpPr/>
+          <p:nvPr/>
+        </p:nvSpPr>
+        <p:spPr>
+          <a:xfrm>
+            <a:off x="629524" y="340525"/>
+            <a:ext cx="2391972" cy="584775"/>
+          </a:xfrm>
+          <a:prstGeom prst="rect">
+            <a:avLst/>
+          </a:prstGeom>
+        </p:spPr>
+        <p:txBody>
+          <a:bodyPr wrap="square">
+            <a:spAutoFit/>
+          </a:bodyPr>
+          <a:lstStyle/>
+          <a:p>
+            <a:pPr algn="ctr"/>
+            <a:r>
+              <a:rPr lang="pt-BR" sz="3200" dirty="0">
+                <a:solidFill>
+                  <a:schemeClr val="tx1">
+                    <a:lumMod val="75000"/>
+                    <a:lumOff val="25000"/>
+                  </a:schemeClr>
+                </a:solidFill>
+                <a:latin typeface="Bariol Bold" panose="02000506040000020003" pitchFamily="2" charset="0"/>
+              </a:rPr>
+              <a:t>Modelo DER</a:t>
+            </a:r>
+          </a:p>
+        </p:txBody>
+      </p:sp>
+    </p:spTree>
+    <p:extLst>
+      <p:ext uri="{BB962C8B-B14F-4D97-AF65-F5344CB8AC3E}">
+        <p14:creationId xmlns:p14="http://schemas.microsoft.com/office/powerpoint/2010/main" val="654880639"/>
       </p:ext>
     </p:extLst>
   </p:cSld>

--- a/Documentação/slide-synergy (2).pptx
+++ b/Documentação/slide-synergy (2).pptx
@@ -5,7 +5,7 @@
     <p:sldMasterId id="2147483648" r:id="rId1"/>
   </p:sldMasterIdLst>
   <p:notesMasterIdLst>
-    <p:notesMasterId r:id="rId24"/>
+    <p:notesMasterId r:id="rId25"/>
   </p:notesMasterIdLst>
   <p:sldIdLst>
     <p:sldId id="256" r:id="rId2"/>
@@ -30,6 +30,7 @@
     <p:sldId id="271" r:id="rId21"/>
     <p:sldId id="272" r:id="rId22"/>
     <p:sldId id="282" r:id="rId23"/>
+    <p:sldId id="284" r:id="rId24"/>
   </p:sldIdLst>
   <p:sldSz cx="12192000" cy="6858000"/>
   <p:notesSz cx="6858000" cy="9144000"/>
@@ -134,14 +135,6 @@
     </p:ext>
   </p:extLst>
 </p:presentation>
-</file>
-
-<file path=ppt/revisionInfo.xml><?xml version="1.0" encoding="utf-8"?>
-<p1510:revInfo xmlns:a="http://schemas.openxmlformats.org/drawingml/2006/main" xmlns:r="http://schemas.openxmlformats.org/officeDocument/2006/relationships" xmlns:p1510="http://schemas.microsoft.com/office/powerpoint/2015/10/main">
-  <p1510:revLst>
-    <p1510:client id="{60410696-5CC5-4378-B7D5-F21A4F4E8897}" v="345" dt="2020-04-24T15:56:29.870"/>
-  </p1510:revLst>
-</p1510:revInfo>
 </file>
 
 <file path=ppt/notesMasters/notesMaster1.xml><?xml version="1.0" encoding="utf-8"?>
@@ -5509,6 +5502,58 @@
           </a:prstGeom>
         </p:spPr>
       </p:pic>
+      <p:sp>
+        <p:nvSpPr>
+          <p:cNvPr id="5" name="Retângulo 4">
+            <a:extLst>
+              <a:ext uri="{FF2B5EF4-FFF2-40B4-BE49-F238E27FC236}">
+                <a16:creationId xmlns:a16="http://schemas.microsoft.com/office/drawing/2014/main" id="{FF91934E-3807-45BD-9823-9365B7C397A4}"/>
+              </a:ext>
+            </a:extLst>
+          </p:cNvPr>
+          <p:cNvSpPr/>
+          <p:nvPr/>
+        </p:nvSpPr>
+        <p:spPr>
+          <a:xfrm>
+            <a:off x="629524" y="340525"/>
+            <a:ext cx="2391972" cy="584775"/>
+          </a:xfrm>
+          <a:prstGeom prst="rect">
+            <a:avLst/>
+          </a:prstGeom>
+        </p:spPr>
+        <p:txBody>
+          <a:bodyPr wrap="square">
+            <a:spAutoFit/>
+          </a:bodyPr>
+          <a:lstStyle/>
+          <a:p>
+            <a:pPr algn="ctr"/>
+            <a:r>
+              <a:rPr lang="pt-BR" sz="3200" dirty="0" err="1">
+                <a:solidFill>
+                  <a:schemeClr val="tx1">
+                    <a:lumMod val="75000"/>
+                    <a:lumOff val="25000"/>
+                  </a:schemeClr>
+                </a:solidFill>
+                <a:latin typeface="Bariol Bold" panose="02000506040000020003" pitchFamily="2" charset="0"/>
+              </a:rPr>
+              <a:t>Analytics</a:t>
+            </a:r>
+            <a:endParaRPr lang="pt-BR" sz="3200" dirty="0">
+              <a:solidFill>
+                <a:schemeClr val="tx1">
+                  <a:lumMod val="75000"/>
+                  <a:lumOff val="25000"/>
+                </a:schemeClr>
+              </a:solidFill>
+              <a:latin typeface="Bariol Bold" panose="02000506040000020003" pitchFamily="2" charset="0"/>
+            </a:endParaRPr>
+          </a:p>
+        </p:txBody>
+      </p:sp>
     </p:spTree>
     <p:extLst>
       <p:ext uri="{BB962C8B-B14F-4D97-AF65-F5344CB8AC3E}">
@@ -7027,10 +7072,10 @@
       </p:grpSpPr>
       <p:pic>
         <p:nvPicPr>
-          <p:cNvPr id="2" name="Imagem 1">
-            <a:extLst>
-              <a:ext uri="{FF2B5EF4-FFF2-40B4-BE49-F238E27FC236}">
-                <a16:creationId xmlns:a16="http://schemas.microsoft.com/office/drawing/2014/main" id="{40EC7EB7-3280-44B2-8C3A-07A7FA081524}"/>
+          <p:cNvPr id="12" name="Imagem 11" descr="Uma imagem contendo texto, desenho&#10;&#10;Descrição gerada automaticamente">
+            <a:extLst>
+              <a:ext uri="{FF2B5EF4-FFF2-40B4-BE49-F238E27FC236}">
+                <a16:creationId xmlns:a16="http://schemas.microsoft.com/office/drawing/2014/main" id="{A0AB590B-CCCF-4778-84B6-545212F021A2}"/>
               </a:ext>
             </a:extLst>
           </p:cNvPr>
@@ -7040,37 +7085,7 @@
           <p:nvPr/>
         </p:nvPicPr>
         <p:blipFill>
-          <a:blip r:embed="rId2"/>
-          <a:stretch>
-            <a:fillRect/>
-          </a:stretch>
-        </p:blipFill>
-        <p:spPr>
-          <a:xfrm>
-            <a:off x="2435104" y="817579"/>
-            <a:ext cx="7321792" cy="5509648"/>
-          </a:xfrm>
-          <a:prstGeom prst="rect">
-            <a:avLst/>
-          </a:prstGeom>
-        </p:spPr>
-      </p:pic>
-      <p:pic>
-        <p:nvPicPr>
-          <p:cNvPr id="12" name="Imagem 11" descr="Uma imagem contendo texto, desenho&#10;&#10;Descrição gerada automaticamente">
-            <a:extLst>
-              <a:ext uri="{FF2B5EF4-FFF2-40B4-BE49-F238E27FC236}">
-                <a16:creationId xmlns:a16="http://schemas.microsoft.com/office/drawing/2014/main" id="{A0AB590B-CCCF-4778-84B6-545212F021A2}"/>
-              </a:ext>
-            </a:extLst>
-          </p:cNvPr>
-          <p:cNvPicPr>
-            <a:picLocks noChangeAspect="1"/>
-          </p:cNvPicPr>
-          <p:nvPr/>
-        </p:nvPicPr>
-        <p:blipFill>
-          <a:blip r:embed="rId3" cstate="hqprint">
+          <a:blip r:embed="rId2" cstate="hqprint">
             <a:extLst>
               <a:ext uri="{28A0092B-C50C-407E-A947-70E740481C1C}">
                 <a14:useLocalDpi xmlns:a14="http://schemas.microsoft.com/office/drawing/2010/main" val="0"/>
@@ -7134,6 +7149,36 @@
           </a:p>
         </p:txBody>
       </p:sp>
+      <p:pic>
+        <p:nvPicPr>
+          <p:cNvPr id="4" name="Imagem 3">
+            <a:extLst>
+              <a:ext uri="{FF2B5EF4-FFF2-40B4-BE49-F238E27FC236}">
+                <a16:creationId xmlns:a16="http://schemas.microsoft.com/office/drawing/2014/main" id="{9E0E2D6C-F004-4C48-A7D9-18FE6B496086}"/>
+              </a:ext>
+            </a:extLst>
+          </p:cNvPr>
+          <p:cNvPicPr>
+            <a:picLocks noChangeAspect="1"/>
+          </p:cNvPicPr>
+          <p:nvPr/>
+        </p:nvPicPr>
+        <p:blipFill>
+          <a:blip r:embed="rId3"/>
+          <a:stretch>
+            <a:fillRect/>
+          </a:stretch>
+        </p:blipFill>
+        <p:spPr>
+          <a:xfrm>
+            <a:off x="2409825" y="925300"/>
+            <a:ext cx="7372350" cy="5600700"/>
+          </a:xfrm>
+          <a:prstGeom prst="rect">
+            <a:avLst/>
+          </a:prstGeom>
+        </p:spPr>
+      </p:pic>
     </p:spTree>
     <p:extLst>
       <p:ext uri="{BB962C8B-B14F-4D97-AF65-F5344CB8AC3E}">
@@ -7147,6 +7192,228 @@
   <p:transition>
     <p:fade/>
   </p:transition>
+</p:sld>
+</file>
+
+<file path=ppt/slides/slide23.xml><?xml version="1.0" encoding="utf-8"?>
+<p:sld xmlns:a="http://schemas.openxmlformats.org/drawingml/2006/main" xmlns:r="http://schemas.openxmlformats.org/officeDocument/2006/relationships" xmlns:p="http://schemas.openxmlformats.org/presentationml/2006/main">
+  <p:cSld>
+    <p:spTree>
+      <p:nvGrpSpPr>
+        <p:cNvPr id="1" name=""/>
+        <p:cNvGrpSpPr/>
+        <p:nvPr/>
+      </p:nvGrpSpPr>
+      <p:grpSpPr>
+        <a:xfrm>
+          <a:off x="0" y="0"/>
+          <a:ext cx="0" cy="0"/>
+          <a:chOff x="0" y="0"/>
+          <a:chExt cx="0" cy="0"/>
+        </a:xfrm>
+      </p:grpSpPr>
+      <p:pic>
+        <p:nvPicPr>
+          <p:cNvPr id="21" name="Imagem 20" descr="Uma imagem contendo texto, desenho&#10;&#10;Descrição gerada automaticamente">
+            <a:extLst>
+              <a:ext uri="{FF2B5EF4-FFF2-40B4-BE49-F238E27FC236}">
+                <a16:creationId xmlns:a16="http://schemas.microsoft.com/office/drawing/2014/main" id="{42A0F740-B2A0-4F0E-8A83-24FC92E8FEAE}"/>
+              </a:ext>
+            </a:extLst>
+          </p:cNvPr>
+          <p:cNvPicPr>
+            <a:picLocks noChangeAspect="1"/>
+          </p:cNvPicPr>
+          <p:nvPr/>
+        </p:nvPicPr>
+        <p:blipFill>
+          <a:blip r:embed="rId2" cstate="hqprint">
+            <a:alphaModFix amt="58000"/>
+            <a:extLst>
+              <a:ext uri="{28A0092B-C50C-407E-A947-70E740481C1C}">
+                <a14:useLocalDpi xmlns:a14="http://schemas.microsoft.com/office/drawing/2010/main" val="0"/>
+              </a:ext>
+            </a:extLst>
+          </a:blip>
+          <a:stretch>
+            <a:fillRect/>
+          </a:stretch>
+        </p:blipFill>
+        <p:spPr>
+          <a:xfrm>
+            <a:off x="4037930" y="1566379"/>
+            <a:ext cx="4116137" cy="3725242"/>
+          </a:xfrm>
+          <a:prstGeom prst="rect">
+            <a:avLst/>
+          </a:prstGeom>
+        </p:spPr>
+      </p:pic>
+      <p:sp>
+        <p:nvSpPr>
+          <p:cNvPr id="2" name="Título 1">
+            <a:extLst>
+              <a:ext uri="{FF2B5EF4-FFF2-40B4-BE49-F238E27FC236}">
+                <a16:creationId xmlns:a16="http://schemas.microsoft.com/office/drawing/2014/main" id="{264E7877-0EBE-40A1-B5EA-222EDDB74351}"/>
+              </a:ext>
+            </a:extLst>
+          </p:cNvPr>
+          <p:cNvSpPr txBox="1">
+            <a:spLocks/>
+          </p:cNvSpPr>
+          <p:nvPr/>
+        </p:nvSpPr>
+        <p:spPr>
+          <a:xfrm>
+            <a:off x="-2" y="3047572"/>
+            <a:ext cx="12192000" cy="1325563"/>
+          </a:xfrm>
+          <a:prstGeom prst="rect">
+            <a:avLst/>
+          </a:prstGeom>
+        </p:spPr>
+        <p:txBody>
+          <a:bodyPr/>
+          <a:lstStyle>
+            <a:lvl1pPr algn="l" defTabSz="914400" rtl="0" eaLnBrk="1" latinLnBrk="0" hangingPunct="1">
+              <a:lnSpc>
+                <a:spcPct val="90000"/>
+              </a:lnSpc>
+              <a:spcBef>
+                <a:spcPct val="0"/>
+              </a:spcBef>
+              <a:buNone/>
+              <a:defRPr sz="4400" kern="1200">
+                <a:solidFill>
+                  <a:schemeClr val="tx1"/>
+                </a:solidFill>
+                <a:latin typeface="+mj-lt"/>
+                <a:ea typeface="+mj-ea"/>
+                <a:cs typeface="+mj-cs"/>
+              </a:defRPr>
+            </a:lvl1pPr>
+          </a:lstStyle>
+          <a:p>
+            <a:pPr algn="ctr"/>
+            <a:r>
+              <a:rPr lang="pt-BR" dirty="0">
+                <a:solidFill>
+                  <a:schemeClr val="tx1">
+                    <a:lumMod val="75000"/>
+                    <a:lumOff val="25000"/>
+                  </a:schemeClr>
+                </a:solidFill>
+                <a:latin typeface="Bariol Bold" panose="02000506040000020003" pitchFamily="2" charset="0"/>
+              </a:rPr>
+              <a:t>Obrigado pela atenção</a:t>
+            </a:r>
+          </a:p>
+        </p:txBody>
+      </p:sp>
+    </p:spTree>
+    <p:extLst>
+      <p:ext uri="{BB962C8B-B14F-4D97-AF65-F5344CB8AC3E}">
+        <p14:creationId xmlns:p14="http://schemas.microsoft.com/office/powerpoint/2010/main" val="2047144661"/>
+      </p:ext>
+    </p:extLst>
+  </p:cSld>
+  <p:clrMapOvr>
+    <a:masterClrMapping/>
+  </p:clrMapOvr>
+  <p:transition>
+    <p:fade/>
+  </p:transition>
+  <p:timing>
+    <p:tnLst>
+      <p:par>
+        <p:cTn id="1" dur="indefinite" restart="never" nodeType="tmRoot">
+          <p:childTnLst>
+            <p:seq concurrent="1" nextAc="seek">
+              <p:cTn id="2" dur="indefinite" nodeType="mainSeq">
+                <p:childTnLst>
+                  <p:par>
+                    <p:cTn id="3" fill="hold">
+                      <p:stCondLst>
+                        <p:cond delay="indefinite"/>
+                        <p:cond evt="onBegin" delay="0">
+                          <p:tn val="2"/>
+                        </p:cond>
+                      </p:stCondLst>
+                      <p:childTnLst>
+                        <p:par>
+                          <p:cTn id="4" fill="hold">
+                            <p:stCondLst>
+                              <p:cond delay="0"/>
+                            </p:stCondLst>
+                            <p:childTnLst>
+                              <p:par>
+                                <p:cTn id="5" presetID="6" presetClass="emph" presetSubtype="0" fill="hold" nodeType="withEffect">
+                                  <p:stCondLst>
+                                    <p:cond delay="0"/>
+                                  </p:stCondLst>
+                                  <p:childTnLst>
+                                    <p:animScale>
+                                      <p:cBhvr>
+                                        <p:cTn id="6" dur="500" fill="hold"/>
+                                        <p:tgtEl>
+                                          <p:spTgt spid="21"/>
+                                        </p:tgtEl>
+                                      </p:cBhvr>
+                                      <p:by x="25000" y="25000"/>
+                                    </p:animScale>
+                                  </p:childTnLst>
+                                </p:cTn>
+                              </p:par>
+                              <p:par>
+                                <p:cTn id="7" presetID="63" presetClass="path" presetSubtype="0" accel="50000" decel="50000" fill="hold" nodeType="withEffect">
+                                  <p:stCondLst>
+                                    <p:cond delay="0"/>
+                                  </p:stCondLst>
+                                  <p:childTnLst>
+                                    <p:animMotion origin="layout" path="M 0 0 L 0.46549 -0.27431 " pathEditMode="relative" rAng="0" ptsTypes="AA">
+                                      <p:cBhvr>
+                                        <p:cTn id="8" dur="1000" fill="hold"/>
+                                        <p:tgtEl>
+                                          <p:spTgt spid="21"/>
+                                        </p:tgtEl>
+                                        <p:attrNameLst>
+                                          <p:attrName>ppt_x</p:attrName>
+                                          <p:attrName>ppt_y</p:attrName>
+                                        </p:attrNameLst>
+                                      </p:cBhvr>
+                                      <p:rCtr x="23268" y="-13727"/>
+                                    </p:animMotion>
+                                  </p:childTnLst>
+                                </p:cTn>
+                              </p:par>
+                            </p:childTnLst>
+                          </p:cTn>
+                        </p:par>
+                      </p:childTnLst>
+                    </p:cTn>
+                  </p:par>
+                </p:childTnLst>
+              </p:cTn>
+              <p:prevCondLst>
+                <p:cond evt="onPrev" delay="0">
+                  <p:tgtEl>
+                    <p:sldTgt/>
+                  </p:tgtEl>
+                </p:cond>
+              </p:prevCondLst>
+              <p:nextCondLst>
+                <p:cond evt="onNext" delay="0">
+                  <p:tgtEl>
+                    <p:sldTgt/>
+                  </p:tgtEl>
+                </p:cond>
+              </p:nextCondLst>
+            </p:seq>
+          </p:childTnLst>
+        </p:cTn>
+      </p:par>
+    </p:tnLst>
+  </p:timing>
 </p:sld>
 </file>
 
@@ -8913,30 +9180,21 @@
                             </p:childTnLst>
                           </p:cTn>
                         </p:par>
-                      </p:childTnLst>
-                    </p:cTn>
-                  </p:par>
-                  <p:par>
-                    <p:cTn id="16" fill="hold">
-                      <p:stCondLst>
-                        <p:cond delay="indefinite"/>
-                      </p:stCondLst>
-                      <p:childTnLst>
                         <p:par>
-                          <p:cTn id="17" fill="hold">
+                          <p:cTn id="16" fill="hold">
                             <p:stCondLst>
-                              <p:cond delay="0"/>
+                              <p:cond delay="1500"/>
                             </p:stCondLst>
                             <p:childTnLst>
                               <p:par>
-                                <p:cTn id="18" presetID="10" presetClass="entr" presetSubtype="0" fill="hold" grpId="0" nodeType="clickEffect">
+                                <p:cTn id="17" presetID="1" presetClass="entr" presetSubtype="0" fill="hold" nodeType="afterEffect">
                                   <p:stCondLst>
                                     <p:cond delay="0"/>
                                   </p:stCondLst>
                                   <p:childTnLst>
                                     <p:set>
                                       <p:cBhvr>
-                                        <p:cTn id="19" dur="1" fill="hold">
+                                        <p:cTn id="18" dur="1" fill="hold">
                                           <p:stCondLst>
                                             <p:cond delay="0"/>
                                           </p:stCondLst>
@@ -8956,62 +9214,6 @@
                                         <p:strVal val="visible"/>
                                       </p:to>
                                     </p:set>
-                                    <p:animEffect transition="in" filter="fade">
-                                      <p:cBhvr>
-                                        <p:cTn id="20" dur="500"/>
-                                        <p:tgtEl>
-                                          <p:spTgt spid="6">
-                                            <p:txEl>
-                                              <p:pRg st="6" end="6"/>
-                                            </p:txEl>
-                                          </p:spTgt>
-                                        </p:tgtEl>
-                                      </p:cBhvr>
-                                    </p:animEffect>
-                                  </p:childTnLst>
-                                </p:cTn>
-                              </p:par>
-                            </p:childTnLst>
-                          </p:cTn>
-                        </p:par>
-                        <p:par>
-                          <p:cTn id="21" fill="hold">
-                            <p:stCondLst>
-                              <p:cond delay="500"/>
-                            </p:stCondLst>
-                            <p:childTnLst>
-                              <p:par>
-                                <p:cTn id="22" presetID="10" presetClass="entr" presetSubtype="0" fill="hold" nodeType="afterEffect">
-                                  <p:stCondLst>
-                                    <p:cond delay="0"/>
-                                  </p:stCondLst>
-                                  <p:childTnLst>
-                                    <p:set>
-                                      <p:cBhvr>
-                                        <p:cTn id="23" dur="1" fill="hold">
-                                          <p:stCondLst>
-                                            <p:cond delay="0"/>
-                                          </p:stCondLst>
-                                        </p:cTn>
-                                        <p:tgtEl>
-                                          <p:spTgt spid="5"/>
-                                        </p:tgtEl>
-                                        <p:attrNameLst>
-                                          <p:attrName>style.visibility</p:attrName>
-                                        </p:attrNameLst>
-                                      </p:cBhvr>
-                                      <p:to>
-                                        <p:strVal val="visible"/>
-                                      </p:to>
-                                    </p:set>
-                                    <p:animEffect transition="in" filter="fade">
-                                      <p:cBhvr>
-                                        <p:cTn id="24" dur="500"/>
-                                        <p:tgtEl>
-                                          <p:spTgt spid="5"/>
-                                        </p:tgtEl>
-                                      </p:cBhvr>
-                                    </p:animEffect>
                                   </p:childTnLst>
                                 </p:cTn>
                               </p:par>
